--- a/Lab Programs.pptx
+++ b/Lab Programs.pptx
@@ -5,7 +5,7 @@
     <p:sldMasterId id="2147483710" r:id="rId1"/>
   </p:sldMasterIdLst>
   <p:notesMasterIdLst>
-    <p:notesMasterId r:id="rId23"/>
+    <p:notesMasterId r:id="rId24"/>
   </p:notesMasterIdLst>
   <p:sldIdLst>
     <p:sldId id="418" r:id="rId2"/>
@@ -25,10 +25,11 @@
     <p:sldId id="511" r:id="rId16"/>
     <p:sldId id="512" r:id="rId17"/>
     <p:sldId id="513" r:id="rId18"/>
-    <p:sldId id="516" r:id="rId19"/>
-    <p:sldId id="517" r:id="rId20"/>
-    <p:sldId id="518" r:id="rId21"/>
-    <p:sldId id="515" r:id="rId22"/>
+    <p:sldId id="519" r:id="rId19"/>
+    <p:sldId id="516" r:id="rId20"/>
+    <p:sldId id="517" r:id="rId21"/>
+    <p:sldId id="518" r:id="rId22"/>
+    <p:sldId id="515" r:id="rId23"/>
   </p:sldIdLst>
   <p:sldSz cx="12192000" cy="6858000"/>
   <p:notesSz cx="6858000" cy="9144000"/>
@@ -350,7 +351,7 @@
           <a:p>
             <a:fld id="{61532AF1-4615-4667-912A-829B12F8C4D2}" type="datetimeFigureOut">
               <a:rPr lang="en-IN" smtClean="0"/>
-              <a:t>18-10-2025</a:t>
+              <a:t>30-10-2025</a:t>
             </a:fld>
             <a:endParaRPr lang="en-IN"/>
           </a:p>
@@ -767,7 +768,7 @@
           <a:p>
             <a:fld id="{C43A76A3-ADC8-4477-8FC1-B9DD55D84908}" type="datetime1">
               <a:rPr lang="en-US" smtClean="0"/>
-              <a:t>10/18/2025</a:t>
+              <a:t>10/30/2025</a:t>
             </a:fld>
             <a:endParaRPr lang="en-US" dirty="0"/>
           </a:p>
@@ -965,7 +966,7 @@
           <a:p>
             <a:fld id="{D6762538-DC4D-4667-96E5-B3278DDF8B12}" type="datetime1">
               <a:rPr lang="en-US" smtClean="0"/>
-              <a:t>10/18/2025</a:t>
+              <a:t>10/30/2025</a:t>
             </a:fld>
             <a:endParaRPr lang="en-US"/>
           </a:p>
@@ -1173,7 +1174,7 @@
           <a:p>
             <a:fld id="{05880548-5C08-4BE3-B63E-F2BB63B0B00C}" type="datetime1">
               <a:rPr lang="en-US" smtClean="0"/>
-              <a:t>10/18/2025</a:t>
+              <a:t>10/30/2025</a:t>
             </a:fld>
             <a:endParaRPr lang="en-US"/>
           </a:p>
@@ -1371,7 +1372,7 @@
           <a:p>
             <a:fld id="{DE7F49BE-398D-479A-8A7E-5DDBCA61EDCB}" type="datetime1">
               <a:rPr lang="en-US" smtClean="0"/>
-              <a:t>10/18/2025</a:t>
+              <a:t>10/30/2025</a:t>
             </a:fld>
             <a:endParaRPr lang="en-US" dirty="0"/>
           </a:p>
@@ -1647,7 +1648,7 @@
           <a:p>
             <a:fld id="{CCD0C193-4974-4A1F-9C63-07D595E30D66}" type="datetime1">
               <a:rPr lang="en-US" smtClean="0"/>
-              <a:t>10/18/2025</a:t>
+              <a:t>10/30/2025</a:t>
             </a:fld>
             <a:endParaRPr lang="en-US"/>
           </a:p>
@@ -1914,7 +1915,7 @@
           <a:p>
             <a:fld id="{701AA87F-28D4-4BF0-B81F-877A89DFD5AC}" type="datetime1">
               <a:rPr lang="en-US" smtClean="0"/>
-              <a:t>10/18/2025</a:t>
+              <a:t>10/30/2025</a:t>
             </a:fld>
             <a:endParaRPr lang="en-US"/>
           </a:p>
@@ -2328,7 +2329,7 @@
           <a:p>
             <a:fld id="{A8A9F1F3-208B-49A3-B337-9C8ACEB3E0E1}" type="datetime1">
               <a:rPr lang="en-US" smtClean="0"/>
-              <a:t>10/18/2025</a:t>
+              <a:t>10/30/2025</a:t>
             </a:fld>
             <a:endParaRPr lang="en-US"/>
           </a:p>
@@ -2475,7 +2476,7 @@
           <a:p>
             <a:fld id="{27AF6CA6-7293-4AA2-A0E0-A3BF4416E786}" type="datetime1">
               <a:rPr lang="en-US" smtClean="0"/>
-              <a:t>10/18/2025</a:t>
+              <a:t>10/30/2025</a:t>
             </a:fld>
             <a:endParaRPr lang="en-US"/>
           </a:p>
@@ -2588,7 +2589,7 @@
           <a:p>
             <a:fld id="{98D87016-7BCD-46FB-8EE3-AB6C369108B4}" type="datetime1">
               <a:rPr lang="en-US" smtClean="0"/>
-              <a:t>10/18/2025</a:t>
+              <a:t>10/30/2025</a:t>
             </a:fld>
             <a:endParaRPr lang="en-US"/>
           </a:p>
@@ -2907,7 +2908,7 @@
           <a:p>
             <a:fld id="{A1547011-1FFC-4EF8-9A2E-53B4AD2ADBD4}" type="datetime1">
               <a:rPr lang="en-US" smtClean="0"/>
-              <a:t>10/18/2025</a:t>
+              <a:t>10/30/2025</a:t>
             </a:fld>
             <a:endParaRPr lang="en-US"/>
           </a:p>
@@ -3202,7 +3203,7 @@
           <a:p>
             <a:fld id="{9562EB47-45B4-4EF5-A743-B4885DD2F060}" type="datetime1">
               <a:rPr lang="en-US" smtClean="0"/>
-              <a:t>10/18/2025</a:t>
+              <a:t>10/30/2025</a:t>
             </a:fld>
             <a:endParaRPr lang="en-US"/>
           </a:p>
@@ -4587,7 +4588,7 @@
           <a:p>
             <a:fld id="{4A8D24A4-5FEC-4062-8995-EB21925B3B40}" type="datetime1">
               <a:rPr lang="en-US" smtClean="0"/>
-              <a:t>10/18/2025</a:t>
+              <a:t>10/30/2025</a:t>
             </a:fld>
             <a:endParaRPr lang="en-US" sz="1000" dirty="0"/>
           </a:p>
@@ -8043,6 +8044,108 @@
         <p:cNvPr id="1" name="">
           <a:extLst>
             <a:ext uri="{FF2B5EF4-FFF2-40B4-BE49-F238E27FC236}">
+              <a16:creationId xmlns:a16="http://schemas.microsoft.com/office/drawing/2014/main" id="{271F8191-30AF-C566-0DE6-D2960F469DC5}"/>
+            </a:ext>
+          </a:extLst>
+        </p:cNvPr>
+        <p:cNvGrpSpPr/>
+        <p:nvPr/>
+      </p:nvGrpSpPr>
+      <p:grpSpPr>
+        <a:xfrm>
+          <a:off x="0" y="0"/>
+          <a:ext cx="0" cy="0"/>
+          <a:chOff x="0" y="0"/>
+          <a:chExt cx="0" cy="0"/>
+        </a:xfrm>
+      </p:grpSpPr>
+      <p:sp>
+        <p:nvSpPr>
+          <p:cNvPr id="3" name="Content Placeholder 2">
+            <a:extLst>
+              <a:ext uri="{FF2B5EF4-FFF2-40B4-BE49-F238E27FC236}">
+                <a16:creationId xmlns:a16="http://schemas.microsoft.com/office/drawing/2014/main" id="{2FA6DE8C-771F-5F6F-FF4C-DA8ACE402283}"/>
+              </a:ext>
+            </a:extLst>
+          </p:cNvPr>
+          <p:cNvSpPr>
+            <a:spLocks noGrp="1"/>
+          </p:cNvSpPr>
+          <p:nvPr>
+            <p:ph idx="1"/>
+          </p:nvPr>
+        </p:nvSpPr>
+        <p:spPr>
+          <a:xfrm>
+            <a:off x="645716" y="1463565"/>
+            <a:ext cx="10900568" cy="3147098"/>
+          </a:xfrm>
+        </p:spPr>
+        <p:txBody>
+          <a:bodyPr>
+            <a:normAutofit/>
+          </a:bodyPr>
+          <a:lstStyle/>
+          <a:p>
+            <a:pPr marL="0" indent="0" algn="ctr">
+              <a:buNone/>
+            </a:pPr>
+            <a:r>
+              <a:rPr lang="en-US" sz="5400" b="1" dirty="0">
+                <a:solidFill>
+                  <a:schemeClr val="accent3">
+                    <a:lumMod val="50000"/>
+                  </a:schemeClr>
+                </a:solidFill>
+                <a:latin typeface="+mj-lt"/>
+              </a:rPr>
+              <a:t>Program-4</a:t>
+            </a:r>
+            <a:r>
+              <a:rPr lang="en-US" sz="5400" b="1" dirty="0">
+                <a:latin typeface="+mj-lt"/>
+              </a:rPr>
+              <a:t>: Develop a Program to find key elements in an array using </a:t>
+            </a:r>
+            <a:r>
+              <a:rPr lang="en-US" sz="5400" b="1" dirty="0">
+                <a:solidFill>
+                  <a:srgbClr val="C00000"/>
+                </a:solidFill>
+                <a:latin typeface="+mj-lt"/>
+              </a:rPr>
+              <a:t>Linear Search</a:t>
+            </a:r>
+            <a:endParaRPr lang="en-IN" sz="5400" b="1" dirty="0">
+              <a:solidFill>
+                <a:srgbClr val="C00000"/>
+              </a:solidFill>
+              <a:latin typeface="+mj-lt"/>
+            </a:endParaRPr>
+          </a:p>
+        </p:txBody>
+      </p:sp>
+    </p:spTree>
+    <p:extLst>
+      <p:ext uri="{BB962C8B-B14F-4D97-AF65-F5344CB8AC3E}">
+        <p14:creationId xmlns:p14="http://schemas.microsoft.com/office/powerpoint/2010/main" val="469905946"/>
+      </p:ext>
+    </p:extLst>
+  </p:cSld>
+  <p:clrMapOvr>
+    <a:masterClrMapping/>
+  </p:clrMapOvr>
+</p:sld>
+</file>
+
+<file path=ppt/slides/slide19.xml><?xml version="1.0" encoding="utf-8"?>
+<p:sld xmlns:a="http://schemas.openxmlformats.org/drawingml/2006/main" xmlns:r="http://schemas.openxmlformats.org/officeDocument/2006/relationships" xmlns:p="http://schemas.openxmlformats.org/presentationml/2006/main">
+  <p:cSld>
+    <p:spTree>
+      <p:nvGrpSpPr>
+        <p:cNvPr id="1" name="">
+          <a:extLst>
+            <a:ext uri="{FF2B5EF4-FFF2-40B4-BE49-F238E27FC236}">
               <a16:creationId xmlns:a16="http://schemas.microsoft.com/office/drawing/2014/main" id="{BF76FA78-9399-62F1-BB1A-660276536D49}"/>
             </a:ext>
           </a:extLst>
@@ -8082,92 +8185,166 @@
         </p:spPr>
         <p:txBody>
           <a:bodyPr>
-            <a:normAutofit/>
+            <a:normAutofit lnSpcReduction="10000"/>
           </a:bodyPr>
           <a:lstStyle/>
           <a:p>
             <a:pPr marL="0" indent="0">
               <a:buNone/>
             </a:pPr>
+            <a:r>
+              <a:rPr lang="en-US" sz="2400" b="1" dirty="0"/>
+              <a:t>What is Linear Search?</a:t>
+            </a:r>
+          </a:p>
+          <a:p>
+            <a:r>
+              <a:rPr lang="en-US" sz="2400" b="1" dirty="0"/>
+              <a:t>Linear Search</a:t>
+            </a:r>
+            <a:r>
+              <a:rPr lang="en-US" sz="2400" dirty="0"/>
+              <a:t> is the simplest way to </a:t>
+            </a:r>
+            <a:r>
+              <a:rPr lang="en-US" sz="2400" b="1" dirty="0">
+                <a:solidFill>
+                  <a:srgbClr val="C00000"/>
+                </a:solidFill>
+              </a:rPr>
+              <a:t>find something in a list</a:t>
+            </a:r>
+            <a:r>
+              <a:rPr lang="en-US" sz="2400" dirty="0"/>
+              <a:t> or </a:t>
+            </a:r>
+            <a:r>
+              <a:rPr lang="en-US" sz="2400" b="1" dirty="0">
+                <a:solidFill>
+                  <a:srgbClr val="C00000"/>
+                </a:solidFill>
+              </a:rPr>
+              <a:t>an array</a:t>
+            </a:r>
+            <a:r>
+              <a:rPr lang="en-US" sz="2400" dirty="0"/>
+              <a:t>.</a:t>
+            </a:r>
+          </a:p>
+          <a:p>
+            <a:r>
+              <a:rPr lang="en-US" sz="2400" dirty="0"/>
+              <a:t>Imagine you have a list of numbers written on paper:</a:t>
+            </a:r>
+          </a:p>
+          <a:p>
+            <a:pPr marL="0" indent="0">
+              <a:buNone/>
+            </a:pPr>
             <a:endParaRPr lang="en-IN" sz="2400" dirty="0"/>
+          </a:p>
+          <a:p>
+            <a:pPr marL="0" indent="0">
+              <a:buNone/>
+            </a:pPr>
+            <a:endParaRPr lang="en-IN" sz="2400" dirty="0"/>
+          </a:p>
+          <a:p>
+            <a:pPr marL="0" indent="0">
+              <a:buNone/>
+            </a:pPr>
+            <a:endParaRPr lang="en-IN" sz="2400" dirty="0"/>
+          </a:p>
+          <a:p>
+            <a:r>
+              <a:rPr lang="en-US" sz="2400" dirty="0"/>
+              <a:t>Now someone asks you: “Is the number 30 in the list?”</a:t>
+            </a:r>
+          </a:p>
+          <a:p>
+            <a:r>
+              <a:rPr lang="en-US" sz="2400" dirty="0"/>
+              <a:t>How would you check?</a:t>
+            </a:r>
+            <a:br>
+              <a:rPr lang="en-US" sz="2400" dirty="0"/>
+            </a:br>
+            <a:r>
+              <a:rPr lang="en-US" sz="2400" dirty="0"/>
+              <a:t>You start from the first number and check one by one:</a:t>
+            </a:r>
+          </a:p>
+          <a:p>
+            <a:pPr lvl="1"/>
+            <a:r>
+              <a:rPr lang="en-US" sz="2200" dirty="0"/>
+              <a:t>Is 10 equal to 30? ❌ No</a:t>
+            </a:r>
+          </a:p>
+          <a:p>
+            <a:pPr lvl="1"/>
+            <a:r>
+              <a:rPr lang="en-US" sz="2200" dirty="0"/>
+              <a:t>Is 25 equal to 30? ❌ No</a:t>
+            </a:r>
+          </a:p>
+          <a:p>
+            <a:pPr lvl="1"/>
+            <a:r>
+              <a:rPr lang="en-US" sz="2200" dirty="0"/>
+              <a:t>Is 30 equal to 30? ✅ Yes! Found it!</a:t>
+            </a:r>
+          </a:p>
+          <a:p>
+            <a:r>
+              <a:rPr lang="en-US" sz="2400" dirty="0"/>
+              <a:t>That’s exactly how </a:t>
+            </a:r>
+            <a:r>
+              <a:rPr lang="en-US" sz="2400" b="1" dirty="0"/>
+              <a:t>Linear Search</a:t>
+            </a:r>
+            <a:r>
+              <a:rPr lang="en-US" sz="2400" dirty="0"/>
+              <a:t> works.</a:t>
+            </a:r>
           </a:p>
         </p:txBody>
       </p:sp>
+      <p:pic>
+        <p:nvPicPr>
+          <p:cNvPr id="4" name="Picture 3">
+            <a:extLst>
+              <a:ext uri="{FF2B5EF4-FFF2-40B4-BE49-F238E27FC236}">
+                <a16:creationId xmlns:a16="http://schemas.microsoft.com/office/drawing/2014/main" id="{5FCC8337-3164-C788-CB6C-A6F6A25A05CA}"/>
+              </a:ext>
+            </a:extLst>
+          </p:cNvPr>
+          <p:cNvPicPr>
+            <a:picLocks noChangeAspect="1"/>
+          </p:cNvPicPr>
+          <p:nvPr/>
+        </p:nvPicPr>
+        <p:blipFill>
+          <a:blip r:embed="rId2"/>
+          <a:stretch>
+            <a:fillRect/>
+          </a:stretch>
+        </p:blipFill>
+        <p:spPr>
+          <a:xfrm>
+            <a:off x="2121686" y="2204581"/>
+            <a:ext cx="4072285" cy="722502"/>
+          </a:xfrm>
+          <a:prstGeom prst="rect">
+            <a:avLst/>
+          </a:prstGeom>
+        </p:spPr>
+      </p:pic>
     </p:spTree>
     <p:extLst>
       <p:ext uri="{BB962C8B-B14F-4D97-AF65-F5344CB8AC3E}">
         <p14:creationId xmlns:p14="http://schemas.microsoft.com/office/powerpoint/2010/main" val="2964614626"/>
-      </p:ext>
-    </p:extLst>
-  </p:cSld>
-  <p:clrMapOvr>
-    <a:masterClrMapping/>
-  </p:clrMapOvr>
-</p:sld>
-</file>
-
-<file path=ppt/slides/slide19.xml><?xml version="1.0" encoding="utf-8"?>
-<p:sld xmlns:a="http://schemas.openxmlformats.org/drawingml/2006/main" xmlns:r="http://schemas.openxmlformats.org/officeDocument/2006/relationships" xmlns:p="http://schemas.openxmlformats.org/presentationml/2006/main">
-  <p:cSld>
-    <p:spTree>
-      <p:nvGrpSpPr>
-        <p:cNvPr id="1" name="">
-          <a:extLst>
-            <a:ext uri="{FF2B5EF4-FFF2-40B4-BE49-F238E27FC236}">
-              <a16:creationId xmlns:a16="http://schemas.microsoft.com/office/drawing/2014/main" id="{7F96B11D-5A46-9DA0-94D4-6922F7150674}"/>
-            </a:ext>
-          </a:extLst>
-        </p:cNvPr>
-        <p:cNvGrpSpPr/>
-        <p:nvPr/>
-      </p:nvGrpSpPr>
-      <p:grpSpPr>
-        <a:xfrm>
-          <a:off x="0" y="0"/>
-          <a:ext cx="0" cy="0"/>
-          <a:chOff x="0" y="0"/>
-          <a:chExt cx="0" cy="0"/>
-        </a:xfrm>
-      </p:grpSpPr>
-      <p:sp>
-        <p:nvSpPr>
-          <p:cNvPr id="3" name="Content Placeholder 2">
-            <a:extLst>
-              <a:ext uri="{FF2B5EF4-FFF2-40B4-BE49-F238E27FC236}">
-                <a16:creationId xmlns:a16="http://schemas.microsoft.com/office/drawing/2014/main" id="{CE611EC9-6911-3800-6451-FB381E332758}"/>
-              </a:ext>
-            </a:extLst>
-          </p:cNvPr>
-          <p:cNvSpPr>
-            <a:spLocks noGrp="1"/>
-          </p:cNvSpPr>
-          <p:nvPr>
-            <p:ph idx="1"/>
-          </p:nvPr>
-        </p:nvSpPr>
-        <p:spPr>
-          <a:xfrm>
-            <a:off x="702853" y="719137"/>
-            <a:ext cx="10900568" cy="5313801"/>
-          </a:xfrm>
-        </p:spPr>
-        <p:txBody>
-          <a:bodyPr>
-            <a:normAutofit/>
-          </a:bodyPr>
-          <a:lstStyle/>
-          <a:p>
-            <a:pPr marL="0" indent="0">
-              <a:buNone/>
-            </a:pPr>
-            <a:endParaRPr lang="en-IN" sz="2400" dirty="0"/>
-          </a:p>
-        </p:txBody>
-      </p:sp>
-    </p:spTree>
-    <p:extLst>
-      <p:ext uri="{BB962C8B-B14F-4D97-AF65-F5344CB8AC3E}">
-        <p14:creationId xmlns:p14="http://schemas.microsoft.com/office/powerpoint/2010/main" val="3248180439"/>
       </p:ext>
     </p:extLst>
   </p:cSld>
@@ -8257,6 +8434,185 @@
         <p:cNvPr id="1" name="">
           <a:extLst>
             <a:ext uri="{FF2B5EF4-FFF2-40B4-BE49-F238E27FC236}">
+              <a16:creationId xmlns:a16="http://schemas.microsoft.com/office/drawing/2014/main" id="{7F96B11D-5A46-9DA0-94D4-6922F7150674}"/>
+            </a:ext>
+          </a:extLst>
+        </p:cNvPr>
+        <p:cNvGrpSpPr/>
+        <p:nvPr/>
+      </p:nvGrpSpPr>
+      <p:grpSpPr>
+        <a:xfrm>
+          <a:off x="0" y="0"/>
+          <a:ext cx="0" cy="0"/>
+          <a:chOff x="0" y="0"/>
+          <a:chExt cx="0" cy="0"/>
+        </a:xfrm>
+      </p:grpSpPr>
+      <p:sp>
+        <p:nvSpPr>
+          <p:cNvPr id="3" name="Content Placeholder 2">
+            <a:extLst>
+              <a:ext uri="{FF2B5EF4-FFF2-40B4-BE49-F238E27FC236}">
+                <a16:creationId xmlns:a16="http://schemas.microsoft.com/office/drawing/2014/main" id="{CE611EC9-6911-3800-6451-FB381E332758}"/>
+              </a:ext>
+            </a:extLst>
+          </p:cNvPr>
+          <p:cNvSpPr>
+            <a:spLocks noGrp="1"/>
+          </p:cNvSpPr>
+          <p:nvPr>
+            <p:ph idx="1"/>
+          </p:nvPr>
+        </p:nvSpPr>
+        <p:spPr>
+          <a:xfrm>
+            <a:off x="702853" y="1023257"/>
+            <a:ext cx="10900568" cy="5009681"/>
+          </a:xfrm>
+        </p:spPr>
+        <p:txBody>
+          <a:bodyPr>
+            <a:normAutofit/>
+          </a:bodyPr>
+          <a:lstStyle/>
+          <a:p>
+            <a:pPr marL="0" indent="0">
+              <a:buNone/>
+            </a:pPr>
+            <a:r>
+              <a:rPr lang="en-US" sz="2400" b="1" dirty="0"/>
+              <a:t>In simple terms:</a:t>
+            </a:r>
+          </a:p>
+          <a:p>
+            <a:r>
+              <a:rPr lang="en-US" sz="2400" dirty="0"/>
+              <a:t>You start from the </a:t>
+            </a:r>
+            <a:r>
+              <a:rPr lang="en-US" sz="2400" b="1" dirty="0"/>
+              <a:t>beginning</a:t>
+            </a:r>
+            <a:r>
+              <a:rPr lang="en-US" sz="2400" dirty="0"/>
+              <a:t> of the array.</a:t>
+            </a:r>
+          </a:p>
+          <a:p>
+            <a:r>
+              <a:rPr lang="en-US" sz="2400" dirty="0"/>
+              <a:t>Compare </a:t>
+            </a:r>
+            <a:r>
+              <a:rPr lang="en-US" sz="2400" b="1" dirty="0"/>
+              <a:t>each element</a:t>
+            </a:r>
+            <a:r>
+              <a:rPr lang="en-US" sz="2400" dirty="0"/>
+              <a:t> with the value you are looking for (called the </a:t>
+            </a:r>
+            <a:r>
+              <a:rPr lang="en-US" sz="2400" b="1" dirty="0"/>
+              <a:t>key</a:t>
+            </a:r>
+            <a:r>
+              <a:rPr lang="en-US" sz="2400" dirty="0"/>
+              <a:t>).</a:t>
+            </a:r>
+          </a:p>
+          <a:p>
+            <a:r>
+              <a:rPr lang="en-US" sz="2400" dirty="0"/>
+              <a:t>If you find it → stop and say “found”.</a:t>
+            </a:r>
+          </a:p>
+          <a:p>
+            <a:r>
+              <a:rPr lang="en-US" sz="2400" dirty="0"/>
+              <a:t>If you reach the end and don’t find it → say “not found”.</a:t>
+            </a:r>
+          </a:p>
+          <a:p>
+            <a:pPr marL="0" indent="0">
+              <a:buNone/>
+            </a:pPr>
+            <a:endParaRPr lang="en-US" sz="2400" dirty="0"/>
+          </a:p>
+          <a:p>
+            <a:pPr marL="0" indent="0">
+              <a:buNone/>
+            </a:pPr>
+            <a:r>
+              <a:rPr lang="en-US" sz="2400" b="1" dirty="0"/>
+              <a:t>Why is it called </a:t>
+            </a:r>
+            <a:r>
+              <a:rPr lang="en-US" sz="2400" b="1" i="1" dirty="0"/>
+              <a:t>Linear</a:t>
+            </a:r>
+            <a:r>
+              <a:rPr lang="en-US" sz="2400" b="1" dirty="0"/>
+              <a:t>?</a:t>
+            </a:r>
+          </a:p>
+          <a:p>
+            <a:r>
+              <a:rPr lang="en-US" sz="2400" dirty="0"/>
+              <a:t>Because you go </a:t>
+            </a:r>
+            <a:r>
+              <a:rPr lang="en-US" sz="2400" b="1" dirty="0"/>
+              <a:t>in a </a:t>
+            </a:r>
+            <a:r>
+              <a:rPr lang="en-US" sz="2400" b="1" dirty="0">
+                <a:solidFill>
+                  <a:srgbClr val="C00000"/>
+                </a:solidFill>
+              </a:rPr>
+              <a:t>straight line</a:t>
+            </a:r>
+            <a:r>
+              <a:rPr lang="en-US" sz="2400" dirty="0"/>
+              <a:t>, checking one item after another — no skipping or jumping.</a:t>
+            </a:r>
+          </a:p>
+          <a:p>
+            <a:pPr marL="0" indent="0">
+              <a:buNone/>
+            </a:pPr>
+            <a:endParaRPr lang="en-US" sz="2400" dirty="0"/>
+          </a:p>
+          <a:p>
+            <a:pPr marL="0" indent="0">
+              <a:buNone/>
+            </a:pPr>
+            <a:endParaRPr lang="en-IN" sz="2400" dirty="0"/>
+          </a:p>
+        </p:txBody>
+      </p:sp>
+    </p:spTree>
+    <p:extLst>
+      <p:ext uri="{BB962C8B-B14F-4D97-AF65-F5344CB8AC3E}">
+        <p14:creationId xmlns:p14="http://schemas.microsoft.com/office/powerpoint/2010/main" val="3248180439"/>
+      </p:ext>
+    </p:extLst>
+  </p:cSld>
+  <p:clrMapOvr>
+    <a:masterClrMapping/>
+  </p:clrMapOvr>
+</p:sld>
+</file>
+
+<file path=ppt/slides/slide21.xml><?xml version="1.0" encoding="utf-8"?>
+<p:sld xmlns:a="http://schemas.openxmlformats.org/drawingml/2006/main" xmlns:r="http://schemas.openxmlformats.org/officeDocument/2006/relationships" xmlns:p="http://schemas.openxmlformats.org/presentationml/2006/main">
+  <p:cSld>
+    <p:spTree>
+      <p:nvGrpSpPr>
+        <p:cNvPr id="1" name="">
+          <a:extLst>
+            <a:ext uri="{FF2B5EF4-FFF2-40B4-BE49-F238E27FC236}">
               <a16:creationId xmlns:a16="http://schemas.microsoft.com/office/drawing/2014/main" id="{63987D73-8BFF-AE90-FF1C-1CED3C4701B3}"/>
             </a:ext>
           </a:extLst>
@@ -8320,7 +8676,7 @@
 </p:sld>
 </file>
 
-<file path=ppt/slides/slide21.xml><?xml version="1.0" encoding="utf-8"?>
+<file path=ppt/slides/slide22.xml><?xml version="1.0" encoding="utf-8"?>
 <p:sld xmlns:a="http://schemas.openxmlformats.org/drawingml/2006/main" xmlns:r="http://schemas.openxmlformats.org/officeDocument/2006/relationships" xmlns:p="http://schemas.openxmlformats.org/presentationml/2006/main">
   <p:cSld>
     <p:spTree>

--- a/Lab Programs.pptx
+++ b/Lab Programs.pptx
@@ -5,31 +5,33 @@
     <p:sldMasterId id="2147483710" r:id="rId1"/>
   </p:sldMasterIdLst>
   <p:notesMasterIdLst>
-    <p:notesMasterId r:id="rId24"/>
+    <p:notesMasterId r:id="rId26"/>
   </p:notesMasterIdLst>
   <p:sldIdLst>
     <p:sldId id="418" r:id="rId2"/>
     <p:sldId id="499" r:id="rId3"/>
     <p:sldId id="500" r:id="rId4"/>
-    <p:sldId id="501" r:id="rId5"/>
-    <p:sldId id="502" r:id="rId6"/>
-    <p:sldId id="503" r:id="rId7"/>
-    <p:sldId id="504" r:id="rId8"/>
-    <p:sldId id="505" r:id="rId9"/>
-    <p:sldId id="506" r:id="rId10"/>
-    <p:sldId id="508" r:id="rId11"/>
-    <p:sldId id="509" r:id="rId12"/>
-    <p:sldId id="507" r:id="rId13"/>
-    <p:sldId id="514" r:id="rId14"/>
-    <p:sldId id="510" r:id="rId15"/>
-    <p:sldId id="511" r:id="rId16"/>
-    <p:sldId id="512" r:id="rId17"/>
-    <p:sldId id="513" r:id="rId18"/>
-    <p:sldId id="519" r:id="rId19"/>
-    <p:sldId id="516" r:id="rId20"/>
-    <p:sldId id="517" r:id="rId21"/>
-    <p:sldId id="518" r:id="rId22"/>
-    <p:sldId id="515" r:id="rId23"/>
+    <p:sldId id="521" r:id="rId5"/>
+    <p:sldId id="520" r:id="rId6"/>
+    <p:sldId id="501" r:id="rId7"/>
+    <p:sldId id="502" r:id="rId8"/>
+    <p:sldId id="503" r:id="rId9"/>
+    <p:sldId id="504" r:id="rId10"/>
+    <p:sldId id="505" r:id="rId11"/>
+    <p:sldId id="506" r:id="rId12"/>
+    <p:sldId id="508" r:id="rId13"/>
+    <p:sldId id="509" r:id="rId14"/>
+    <p:sldId id="507" r:id="rId15"/>
+    <p:sldId id="514" r:id="rId16"/>
+    <p:sldId id="510" r:id="rId17"/>
+    <p:sldId id="511" r:id="rId18"/>
+    <p:sldId id="512" r:id="rId19"/>
+    <p:sldId id="513" r:id="rId20"/>
+    <p:sldId id="519" r:id="rId21"/>
+    <p:sldId id="516" r:id="rId22"/>
+    <p:sldId id="517" r:id="rId23"/>
+    <p:sldId id="518" r:id="rId24"/>
+    <p:sldId id="515" r:id="rId25"/>
   </p:sldIdLst>
   <p:sldSz cx="12192000" cy="6858000"/>
   <p:notesSz cx="6858000" cy="9144000"/>
@@ -139,7 +141,7 @@
 <file path=ppt/revisionInfo.xml><?xml version="1.0" encoding="utf-8"?>
 <p1510:revInfo xmlns:a="http://schemas.openxmlformats.org/drawingml/2006/main" xmlns:r="http://schemas.openxmlformats.org/officeDocument/2006/relationships" xmlns:p1510="http://schemas.microsoft.com/office/powerpoint/2015/10/main">
   <p1510:revLst>
-    <p1510:client id="{E88DA4EE-1498-4858-AA6C-0E6DA9E8914D}" v="12" dt="2025-10-17T21:35:14.897"/>
+    <p1510:client id="{30EA0321-1A65-4290-9DEA-C954831F3AA8}" v="7" dt="2025-11-12T17:48:39.621"/>
   </p1510:revLst>
 </p1510:revInfo>
 </file>
@@ -148,11 +150,26 @@
 <pc:chgInfo xmlns:a="http://schemas.openxmlformats.org/drawingml/2006/main" xmlns:r="http://schemas.openxmlformats.org/officeDocument/2006/relationships" xmlns:ac="http://schemas.microsoft.com/office/drawing/2013/main/command" xmlns:pc="http://schemas.microsoft.com/office/powerpoint/2013/main/command">
   <pc:docChgLst>
     <pc:chgData name="Pramod Naik" userId="ceb6df04-ef15-4d9b-a141-998a03559d75" providerId="ADAL" clId="{62E9B5AE-779D-4001-92D3-8FF830A8A9C1}"/>
-    <pc:docChg chg="custSel addSld modSld sldOrd">
-      <pc:chgData name="Pramod Naik" userId="ceb6df04-ef15-4d9b-a141-998a03559d75" providerId="ADAL" clId="{62E9B5AE-779D-4001-92D3-8FF830A8A9C1}" dt="2025-10-17T21:35:35.882" v="149" actId="113"/>
+    <pc:docChg chg="undo custSel addSld modSld sldOrd">
+      <pc:chgData name="Pramod Naik" userId="ceb6df04-ef15-4d9b-a141-998a03559d75" providerId="ADAL" clId="{62E9B5AE-779D-4001-92D3-8FF830A8A9C1}" dt="2025-11-12T17:49:13.273" v="217" actId="403"/>
       <pc:docMkLst>
         <pc:docMk/>
       </pc:docMkLst>
+      <pc:sldChg chg="modSp mod">
+        <pc:chgData name="Pramod Naik" userId="ceb6df04-ef15-4d9b-a141-998a03559d75" providerId="ADAL" clId="{62E9B5AE-779D-4001-92D3-8FF830A8A9C1}" dt="2025-11-12T17:44:17.668" v="171" actId="1076"/>
+        <pc:sldMkLst>
+          <pc:docMk/>
+          <pc:sldMk cId="900395705" sldId="500"/>
+        </pc:sldMkLst>
+        <pc:spChg chg="mod">
+          <ac:chgData name="Pramod Naik" userId="ceb6df04-ef15-4d9b-a141-998a03559d75" providerId="ADAL" clId="{62E9B5AE-779D-4001-92D3-8FF830A8A9C1}" dt="2025-11-12T17:44:17.668" v="171" actId="1076"/>
+          <ac:spMkLst>
+            <pc:docMk/>
+            <pc:sldMk cId="900395705" sldId="500"/>
+            <ac:spMk id="3" creationId="{38A9A654-5603-C7C9-966E-753272CC1F3B}"/>
+          </ac:spMkLst>
+        </pc:spChg>
+      </pc:sldChg>
       <pc:sldChg chg="modSp mod ord">
         <pc:chgData name="Pramod Naik" userId="ceb6df04-ef15-4d9b-a141-998a03559d75" providerId="ADAL" clId="{62E9B5AE-779D-4001-92D3-8FF830A8A9C1}" dt="2025-10-17T21:35:35.882" v="149" actId="113"/>
         <pc:sldMkLst>
@@ -264,6 +281,44 @@
           <pc:sldMk cId="2088952648" sldId="518"/>
         </pc:sldMkLst>
       </pc:sldChg>
+      <pc:sldChg chg="add">
+        <pc:chgData name="Pramod Naik" userId="ceb6df04-ef15-4d9b-a141-998a03559d75" providerId="ADAL" clId="{62E9B5AE-779D-4001-92D3-8FF830A8A9C1}" dt="2025-11-12T17:43:49.065" v="163"/>
+        <pc:sldMkLst>
+          <pc:docMk/>
+          <pc:sldMk cId="3556443946" sldId="520"/>
+        </pc:sldMkLst>
+      </pc:sldChg>
+      <pc:sldChg chg="addSp delSp modSp new mod">
+        <pc:chgData name="Pramod Naik" userId="ceb6df04-ef15-4d9b-a141-998a03559d75" providerId="ADAL" clId="{62E9B5AE-779D-4001-92D3-8FF830A8A9C1}" dt="2025-11-12T17:49:13.273" v="217" actId="403"/>
+        <pc:sldMkLst>
+          <pc:docMk/>
+          <pc:sldMk cId="1609763764" sldId="521"/>
+        </pc:sldMkLst>
+        <pc:spChg chg="del">
+          <ac:chgData name="Pramod Naik" userId="ceb6df04-ef15-4d9b-a141-998a03559d75" providerId="ADAL" clId="{62E9B5AE-779D-4001-92D3-8FF830A8A9C1}" dt="2025-11-12T17:44:26.990" v="173" actId="478"/>
+          <ac:spMkLst>
+            <pc:docMk/>
+            <pc:sldMk cId="1609763764" sldId="521"/>
+            <ac:spMk id="2" creationId="{43A4DF5F-E099-4177-39BA-5405F016F9A8}"/>
+          </ac:spMkLst>
+        </pc:spChg>
+        <pc:spChg chg="mod">
+          <ac:chgData name="Pramod Naik" userId="ceb6df04-ef15-4d9b-a141-998a03559d75" providerId="ADAL" clId="{62E9B5AE-779D-4001-92D3-8FF830A8A9C1}" dt="2025-11-12T17:49:13.273" v="217" actId="403"/>
+          <ac:spMkLst>
+            <pc:docMk/>
+            <pc:sldMk cId="1609763764" sldId="521"/>
+            <ac:spMk id="3" creationId="{FF825371-62D4-E5FE-2A67-AC368A38F1BD}"/>
+          </ac:spMkLst>
+        </pc:spChg>
+        <pc:picChg chg="add mod">
+          <ac:chgData name="Pramod Naik" userId="ceb6df04-ef15-4d9b-a141-998a03559d75" providerId="ADAL" clId="{62E9B5AE-779D-4001-92D3-8FF830A8A9C1}" dt="2025-11-12T17:49:10.335" v="216" actId="1076"/>
+          <ac:picMkLst>
+            <pc:docMk/>
+            <pc:sldMk cId="1609763764" sldId="521"/>
+            <ac:picMk id="5" creationId="{B6D131BE-FD71-8C8E-A1B3-C035777DBD99}"/>
+          </ac:picMkLst>
+        </pc:picChg>
+      </pc:sldChg>
     </pc:docChg>
   </pc:docChgLst>
 </pc:chgInfo>
@@ -351,7 +406,7 @@
           <a:p>
             <a:fld id="{61532AF1-4615-4667-912A-829B12F8C4D2}" type="datetimeFigureOut">
               <a:rPr lang="en-IN" smtClean="0"/>
-              <a:t>30-10-2025</a:t>
+              <a:t>12-11-2025</a:t>
             </a:fld>
             <a:endParaRPr lang="en-IN"/>
           </a:p>
@@ -768,7 +823,7 @@
           <a:p>
             <a:fld id="{C43A76A3-ADC8-4477-8FC1-B9DD55D84908}" type="datetime1">
               <a:rPr lang="en-US" smtClean="0"/>
-              <a:t>10/30/2025</a:t>
+              <a:t>11/12/2025</a:t>
             </a:fld>
             <a:endParaRPr lang="en-US" dirty="0"/>
           </a:p>
@@ -966,7 +1021,7 @@
           <a:p>
             <a:fld id="{D6762538-DC4D-4667-96E5-B3278DDF8B12}" type="datetime1">
               <a:rPr lang="en-US" smtClean="0"/>
-              <a:t>10/30/2025</a:t>
+              <a:t>11/12/2025</a:t>
             </a:fld>
             <a:endParaRPr lang="en-US"/>
           </a:p>
@@ -1174,7 +1229,7 @@
           <a:p>
             <a:fld id="{05880548-5C08-4BE3-B63E-F2BB63B0B00C}" type="datetime1">
               <a:rPr lang="en-US" smtClean="0"/>
-              <a:t>10/30/2025</a:t>
+              <a:t>11/12/2025</a:t>
             </a:fld>
             <a:endParaRPr lang="en-US"/>
           </a:p>
@@ -1372,7 +1427,7 @@
           <a:p>
             <a:fld id="{DE7F49BE-398D-479A-8A7E-5DDBCA61EDCB}" type="datetime1">
               <a:rPr lang="en-US" smtClean="0"/>
-              <a:t>10/30/2025</a:t>
+              <a:t>11/12/2025</a:t>
             </a:fld>
             <a:endParaRPr lang="en-US" dirty="0"/>
           </a:p>
@@ -1648,7 +1703,7 @@
           <a:p>
             <a:fld id="{CCD0C193-4974-4A1F-9C63-07D595E30D66}" type="datetime1">
               <a:rPr lang="en-US" smtClean="0"/>
-              <a:t>10/30/2025</a:t>
+              <a:t>11/12/2025</a:t>
             </a:fld>
             <a:endParaRPr lang="en-US"/>
           </a:p>
@@ -1915,7 +1970,7 @@
           <a:p>
             <a:fld id="{701AA87F-28D4-4BF0-B81F-877A89DFD5AC}" type="datetime1">
               <a:rPr lang="en-US" smtClean="0"/>
-              <a:t>10/30/2025</a:t>
+              <a:t>11/12/2025</a:t>
             </a:fld>
             <a:endParaRPr lang="en-US"/>
           </a:p>
@@ -2329,7 +2384,7 @@
           <a:p>
             <a:fld id="{A8A9F1F3-208B-49A3-B337-9C8ACEB3E0E1}" type="datetime1">
               <a:rPr lang="en-US" smtClean="0"/>
-              <a:t>10/30/2025</a:t>
+              <a:t>11/12/2025</a:t>
             </a:fld>
             <a:endParaRPr lang="en-US"/>
           </a:p>
@@ -2476,7 +2531,7 @@
           <a:p>
             <a:fld id="{27AF6CA6-7293-4AA2-A0E0-A3BF4416E786}" type="datetime1">
               <a:rPr lang="en-US" smtClean="0"/>
-              <a:t>10/30/2025</a:t>
+              <a:t>11/12/2025</a:t>
             </a:fld>
             <a:endParaRPr lang="en-US"/>
           </a:p>
@@ -2589,7 +2644,7 @@
           <a:p>
             <a:fld id="{98D87016-7BCD-46FB-8EE3-AB6C369108B4}" type="datetime1">
               <a:rPr lang="en-US" smtClean="0"/>
-              <a:t>10/30/2025</a:t>
+              <a:t>11/12/2025</a:t>
             </a:fld>
             <a:endParaRPr lang="en-US"/>
           </a:p>
@@ -2908,7 +2963,7 @@
           <a:p>
             <a:fld id="{A1547011-1FFC-4EF8-9A2E-53B4AD2ADBD4}" type="datetime1">
               <a:rPr lang="en-US" smtClean="0"/>
-              <a:t>10/30/2025</a:t>
+              <a:t>11/12/2025</a:t>
             </a:fld>
             <a:endParaRPr lang="en-US"/>
           </a:p>
@@ -3203,7 +3258,7 @@
           <a:p>
             <a:fld id="{9562EB47-45B4-4EF5-A743-B4885DD2F060}" type="datetime1">
               <a:rPr lang="en-US" smtClean="0"/>
-              <a:t>10/30/2025</a:t>
+              <a:t>11/12/2025</a:t>
             </a:fld>
             <a:endParaRPr lang="en-US"/>
           </a:p>
@@ -4588,7 +4643,7 @@
           <a:p>
             <a:fld id="{4A8D24A4-5FEC-4062-8995-EB21925B3B40}" type="datetime1">
               <a:rPr lang="en-US" smtClean="0"/>
-              <a:t>10/30/2025</a:t>
+              <a:t>11/12/2025</a:t>
             </a:fld>
             <a:endParaRPr lang="en-US" sz="1000" dirty="0"/>
           </a:p>
@@ -5322,6 +5377,517 @@
         <p:cNvPr id="1" name="">
           <a:extLst>
             <a:ext uri="{FF2B5EF4-FFF2-40B4-BE49-F238E27FC236}">
+              <a16:creationId xmlns:a16="http://schemas.microsoft.com/office/drawing/2014/main" id="{43B3E2B5-800C-F24A-06C6-2694203567FC}"/>
+            </a:ext>
+          </a:extLst>
+        </p:cNvPr>
+        <p:cNvGrpSpPr/>
+        <p:nvPr/>
+      </p:nvGrpSpPr>
+      <p:grpSpPr>
+        <a:xfrm>
+          <a:off x="0" y="0"/>
+          <a:ext cx="0" cy="0"/>
+          <a:chOff x="0" y="0"/>
+          <a:chExt cx="0" cy="0"/>
+        </a:xfrm>
+      </p:grpSpPr>
+      <mc:AlternateContent xmlns:mc="http://schemas.openxmlformats.org/markup-compatibility/2006" xmlns:a14="http://schemas.microsoft.com/office/drawing/2010/main">
+        <mc:Choice Requires="a14">
+          <p:sp>
+            <p:nvSpPr>
+              <p:cNvPr id="3" name="Content Placeholder 2">
+                <a:extLst>
+                  <a:ext uri="{FF2B5EF4-FFF2-40B4-BE49-F238E27FC236}">
+                    <a16:creationId xmlns:a16="http://schemas.microsoft.com/office/drawing/2014/main" id="{8FF96197-CB58-9C40-7BDF-E4491EFE9187}"/>
+                  </a:ext>
+                </a:extLst>
+              </p:cNvPr>
+              <p:cNvSpPr>
+                <a:spLocks noGrp="1"/>
+              </p:cNvSpPr>
+              <p:nvPr>
+                <p:ph idx="1"/>
+              </p:nvPr>
+            </p:nvSpPr>
+            <p:spPr>
+              <a:xfrm>
+                <a:off x="702853" y="719137"/>
+                <a:ext cx="10900568" cy="5313801"/>
+              </a:xfrm>
+            </p:spPr>
+            <p:txBody>
+              <a:bodyPr>
+                <a:normAutofit/>
+              </a:bodyPr>
+              <a:lstStyle/>
+              <a:p>
+                <a:pPr marL="0" indent="0">
+                  <a:buNone/>
+                </a:pPr>
+                <a:r>
+                  <a:rPr lang="en-IN" sz="2400" dirty="0"/>
+                  <a:t>Here, </a:t>
+                </a:r>
+                <a:r>
+                  <a:rPr lang="en-IN" sz="2800" b="1" dirty="0"/>
+                  <a:t> </a:t>
+                </a:r>
+                <a14:m>
+                  <m:oMath xmlns:m="http://schemas.openxmlformats.org/officeDocument/2006/math">
+                    <m:r>
+                      <a:rPr lang="en-IN" sz="2400" b="1" i="1">
+                        <a:latin typeface="Cambria Math" panose="02040503050406030204" pitchFamily="18" charset="0"/>
+                      </a:rPr>
+                      <m:t>𝒂</m:t>
+                    </m:r>
+                    <m:r>
+                      <a:rPr lang="en-IN" sz="2400" b="1">
+                        <a:latin typeface="Cambria Math" panose="02040503050406030204" pitchFamily="18" charset="0"/>
+                      </a:rPr>
+                      <m:t>=</m:t>
+                    </m:r>
+                    <m:r>
+                      <a:rPr lang="en-IN" sz="2400" b="1" i="1">
+                        <a:latin typeface="Cambria Math" panose="02040503050406030204" pitchFamily="18" charset="0"/>
+                      </a:rPr>
+                      <m:t>𝟐</m:t>
+                    </m:r>
+                    <m:r>
+                      <a:rPr lang="en-IN" sz="2400" b="1">
+                        <a:latin typeface="Cambria Math" panose="02040503050406030204" pitchFamily="18" charset="0"/>
+                      </a:rPr>
+                      <m:t>,</m:t>
+                    </m:r>
+                    <m:r>
+                      <a:rPr lang="en-IN" sz="2400" b="1" i="1">
+                        <a:latin typeface="Cambria Math" panose="02040503050406030204" pitchFamily="18" charset="0"/>
+                      </a:rPr>
+                      <m:t>𝒃</m:t>
+                    </m:r>
+                    <m:r>
+                      <a:rPr lang="en-IN" sz="2400" b="1">
+                        <a:latin typeface="Cambria Math" panose="02040503050406030204" pitchFamily="18" charset="0"/>
+                      </a:rPr>
+                      <m:t>=</m:t>
+                    </m:r>
+                    <m:r>
+                      <a:rPr lang="en-IN" sz="2400" b="1" i="1">
+                        <a:latin typeface="Cambria Math" panose="02040503050406030204" pitchFamily="18" charset="0"/>
+                      </a:rPr>
+                      <m:t>𝟑</m:t>
+                    </m:r>
+                    <m:r>
+                      <a:rPr lang="en-IN" sz="2400" b="1">
+                        <a:latin typeface="Cambria Math" panose="02040503050406030204" pitchFamily="18" charset="0"/>
+                      </a:rPr>
+                      <m:t>,</m:t>
+                    </m:r>
+                    <m:r>
+                      <a:rPr lang="en-IN" sz="2400" b="1" i="1">
+                        <a:latin typeface="Cambria Math" panose="02040503050406030204" pitchFamily="18" charset="0"/>
+                      </a:rPr>
+                      <m:t>𝒄</m:t>
+                    </m:r>
+                    <m:r>
+                      <a:rPr lang="en-IN" sz="2400" b="1">
+                        <a:latin typeface="Cambria Math" panose="02040503050406030204" pitchFamily="18" charset="0"/>
+                      </a:rPr>
+                      <m:t>=−</m:t>
+                    </m:r>
+                    <m:r>
+                      <a:rPr lang="en-IN" sz="2400" b="1" i="1">
+                        <a:latin typeface="Cambria Math" panose="02040503050406030204" pitchFamily="18" charset="0"/>
+                      </a:rPr>
+                      <m:t>𝟐</m:t>
+                    </m:r>
+                  </m:oMath>
+                </a14:m>
+                <a:endParaRPr lang="en-IN" sz="2400" b="1" dirty="0"/>
+              </a:p>
+              <a:p>
+                <a:pPr marL="0" indent="0">
+                  <a:buNone/>
+                </a:pPr>
+                <a:endParaRPr lang="en-IN" sz="2800" b="1" dirty="0"/>
+              </a:p>
+              <a:p>
+                <a:pPr marL="0" indent="0">
+                  <a:buNone/>
+                </a:pPr>
+                <a:endParaRPr lang="en-IN" sz="2800" b="1" dirty="0"/>
+              </a:p>
+              <a:p>
+                <a:pPr marL="0" indent="0">
+                  <a:buNone/>
+                </a:pPr>
+                <a:endParaRPr lang="en-IN" sz="2800" b="1" dirty="0"/>
+              </a:p>
+              <a:p>
+                <a:pPr marL="0" indent="0">
+                  <a:buNone/>
+                </a:pPr>
+                <a:r>
+                  <a:rPr lang="en-IN" sz="2800" dirty="0"/>
+                  <a:t>So,</a:t>
+                </a:r>
+              </a:p>
+              <a:p>
+                <a:pPr marL="0" indent="0">
+                  <a:buNone/>
+                </a:pPr>
+                <a:endParaRPr lang="en-IN" sz="2800" b="1" dirty="0"/>
+              </a:p>
+              <a:p>
+                <a:pPr marL="0" indent="0">
+                  <a:buNone/>
+                </a:pPr>
+                <a:endParaRPr lang="en-IN" sz="2800" b="1" dirty="0"/>
+              </a:p>
+              <a:p>
+                <a:pPr marL="0" indent="0">
+                  <a:buNone/>
+                </a:pPr>
+                <a:endParaRPr lang="en-IN" sz="2800" b="1" dirty="0"/>
+              </a:p>
+              <a:p>
+                <a:pPr marL="0" indent="0">
+                  <a:buNone/>
+                </a:pPr>
+                <a:endParaRPr lang="en-IN" sz="2800" b="1" dirty="0"/>
+              </a:p>
+              <a:p>
+                <a:pPr marL="0" indent="0">
+                  <a:buNone/>
+                </a:pPr>
+                <a:r>
+                  <a:rPr lang="en-IN" sz="2800" dirty="0"/>
+                  <a:t>Roots are </a:t>
+                </a:r>
+                <a:r>
+                  <a:rPr lang="en-IN" sz="2800" b="1" dirty="0">
+                    <a:solidFill>
+                      <a:srgbClr val="C00000"/>
+                    </a:solidFill>
+                  </a:rPr>
+                  <a:t>½</a:t>
+                </a:r>
+                <a:r>
+                  <a:rPr lang="en-IN" sz="2800" b="1" dirty="0"/>
+                  <a:t> and </a:t>
+                </a:r>
+                <a:r>
+                  <a:rPr lang="en-IN" sz="2800" b="1" dirty="0">
+                    <a:solidFill>
+                      <a:srgbClr val="C00000"/>
+                    </a:solidFill>
+                  </a:rPr>
+                  <a:t>-2</a:t>
+                </a:r>
+                <a:r>
+                  <a:rPr lang="en-IN" sz="2800" dirty="0"/>
+                  <a:t>.</a:t>
+                </a:r>
+                <a:endParaRPr lang="en-IN" sz="2800" b="1" dirty="0"/>
+              </a:p>
+              <a:p>
+                <a:pPr marL="0" indent="0">
+                  <a:buNone/>
+                </a:pPr>
+                <a:endParaRPr lang="en-IN" sz="2800" b="1" dirty="0"/>
+              </a:p>
+              <a:p>
+                <a:pPr marL="0" indent="0">
+                  <a:buNone/>
+                </a:pPr>
+                <a:endParaRPr lang="en-IN" sz="2800" b="1" dirty="0"/>
+              </a:p>
+            </p:txBody>
+          </p:sp>
+        </mc:Choice>
+        <mc:Fallback xmlns="">
+          <p:sp>
+            <p:nvSpPr>
+              <p:cNvPr id="3" name="Content Placeholder 2">
+                <a:extLst>
+                  <a:ext uri="{FF2B5EF4-FFF2-40B4-BE49-F238E27FC236}">
+                    <a16:creationId xmlns:a16="http://schemas.microsoft.com/office/drawing/2014/main" id="{8FF96197-CB58-9C40-7BDF-E4491EFE9187}"/>
+                  </a:ext>
+                </a:extLst>
+              </p:cNvPr>
+              <p:cNvSpPr>
+                <a:spLocks noGrp="1" noRot="1" noChangeAspect="1" noMove="1" noResize="1" noEditPoints="1" noAdjustHandles="1" noChangeArrowheads="1" noChangeShapeType="1" noTextEdit="1"/>
+              </p:cNvSpPr>
+              <p:nvPr>
+                <p:ph idx="1"/>
+              </p:nvPr>
+            </p:nvSpPr>
+            <p:spPr>
+              <a:xfrm>
+                <a:off x="702853" y="719137"/>
+                <a:ext cx="10900568" cy="5313801"/>
+              </a:xfrm>
+              <a:blipFill>
+                <a:blip r:embed="rId2"/>
+                <a:stretch>
+                  <a:fillRect l="-1119" t="-803"/>
+                </a:stretch>
+              </a:blipFill>
+            </p:spPr>
+            <p:txBody>
+              <a:bodyPr/>
+              <a:lstStyle/>
+              <a:p>
+                <a:r>
+                  <a:rPr lang="en-IN">
+                    <a:noFill/>
+                  </a:rPr>
+                  <a:t> </a:t>
+                </a:r>
+              </a:p>
+            </p:txBody>
+          </p:sp>
+        </mc:Fallback>
+      </mc:AlternateContent>
+      <p:pic>
+        <p:nvPicPr>
+          <p:cNvPr id="4" name="Picture 3">
+            <a:extLst>
+              <a:ext uri="{FF2B5EF4-FFF2-40B4-BE49-F238E27FC236}">
+                <a16:creationId xmlns:a16="http://schemas.microsoft.com/office/drawing/2014/main" id="{08AAC89E-F454-8B72-668A-39BE9584228E}"/>
+              </a:ext>
+            </a:extLst>
+          </p:cNvPr>
+          <p:cNvPicPr>
+            <a:picLocks noChangeAspect="1"/>
+          </p:cNvPicPr>
+          <p:nvPr/>
+        </p:nvPicPr>
+        <p:blipFill>
+          <a:blip r:embed="rId3"/>
+          <a:stretch>
+            <a:fillRect/>
+          </a:stretch>
+        </p:blipFill>
+        <p:spPr>
+          <a:xfrm>
+            <a:off x="1687285" y="1405467"/>
+            <a:ext cx="7826829" cy="1130542"/>
+          </a:xfrm>
+          <a:prstGeom prst="rect">
+            <a:avLst/>
+          </a:prstGeom>
+        </p:spPr>
+      </p:pic>
+      <p:pic>
+        <p:nvPicPr>
+          <p:cNvPr id="6" name="Picture 5">
+            <a:extLst>
+              <a:ext uri="{FF2B5EF4-FFF2-40B4-BE49-F238E27FC236}">
+                <a16:creationId xmlns:a16="http://schemas.microsoft.com/office/drawing/2014/main" id="{4D8C7033-AB12-7B53-82BD-D9E8C775B3BC}"/>
+              </a:ext>
+            </a:extLst>
+          </p:cNvPr>
+          <p:cNvPicPr>
+            <a:picLocks noChangeAspect="1"/>
+          </p:cNvPicPr>
+          <p:nvPr/>
+        </p:nvPicPr>
+        <p:blipFill>
+          <a:blip r:embed="rId4"/>
+          <a:stretch>
+            <a:fillRect/>
+          </a:stretch>
+        </p:blipFill>
+        <p:spPr>
+          <a:xfrm>
+            <a:off x="1687285" y="3222339"/>
+            <a:ext cx="7826829" cy="1356214"/>
+          </a:xfrm>
+          <a:prstGeom prst="rect">
+            <a:avLst/>
+          </a:prstGeom>
+        </p:spPr>
+      </p:pic>
+    </p:spTree>
+    <p:extLst>
+      <p:ext uri="{BB962C8B-B14F-4D97-AF65-F5344CB8AC3E}">
+        <p14:creationId xmlns:p14="http://schemas.microsoft.com/office/powerpoint/2010/main" val="1152964779"/>
+      </p:ext>
+    </p:extLst>
+  </p:cSld>
+  <p:clrMapOvr>
+    <a:masterClrMapping/>
+  </p:clrMapOvr>
+</p:sld>
+</file>
+
+<file path=ppt/slides/slide11.xml><?xml version="1.0" encoding="utf-8"?>
+<p:sld xmlns:a="http://schemas.openxmlformats.org/drawingml/2006/main" xmlns:r="http://schemas.openxmlformats.org/officeDocument/2006/relationships" xmlns:p="http://schemas.openxmlformats.org/presentationml/2006/main">
+  <p:cSld>
+    <p:spTree>
+      <p:nvGrpSpPr>
+        <p:cNvPr id="1" name="">
+          <a:extLst>
+            <a:ext uri="{FF2B5EF4-FFF2-40B4-BE49-F238E27FC236}">
+              <a16:creationId xmlns:a16="http://schemas.microsoft.com/office/drawing/2014/main" id="{1AD65B9C-B3C6-0030-34CB-577ACCC6A071}"/>
+            </a:ext>
+          </a:extLst>
+        </p:cNvPr>
+        <p:cNvGrpSpPr/>
+        <p:nvPr/>
+      </p:nvGrpSpPr>
+      <p:grpSpPr>
+        <a:xfrm>
+          <a:off x="0" y="0"/>
+          <a:ext cx="0" cy="0"/>
+          <a:chOff x="0" y="0"/>
+          <a:chExt cx="0" cy="0"/>
+        </a:xfrm>
+      </p:grpSpPr>
+      <p:sp>
+        <p:nvSpPr>
+          <p:cNvPr id="3" name="Content Placeholder 2">
+            <a:extLst>
+              <a:ext uri="{FF2B5EF4-FFF2-40B4-BE49-F238E27FC236}">
+                <a16:creationId xmlns:a16="http://schemas.microsoft.com/office/drawing/2014/main" id="{197B615E-0C11-840D-5C7C-5CD5AF973632}"/>
+              </a:ext>
+            </a:extLst>
+          </p:cNvPr>
+          <p:cNvSpPr>
+            <a:spLocks noGrp="1"/>
+          </p:cNvSpPr>
+          <p:nvPr>
+            <p:ph idx="1"/>
+          </p:nvPr>
+        </p:nvSpPr>
+        <p:spPr>
+          <a:xfrm>
+            <a:off x="702853" y="719137"/>
+            <a:ext cx="10900568" cy="5313801"/>
+          </a:xfrm>
+        </p:spPr>
+        <p:txBody>
+          <a:bodyPr>
+            <a:normAutofit/>
+          </a:bodyPr>
+          <a:lstStyle/>
+          <a:p>
+            <a:pPr marL="0" indent="0">
+              <a:buNone/>
+            </a:pPr>
+            <a:r>
+              <a:rPr lang="en-US" sz="2400" b="1" dirty="0"/>
+              <a:t>Why the word “</a:t>
+            </a:r>
+            <a:r>
+              <a:rPr lang="en-US" sz="2400" b="1" dirty="0">
+                <a:solidFill>
+                  <a:srgbClr val="C00000"/>
+                </a:solidFill>
+              </a:rPr>
+              <a:t>roots</a:t>
+            </a:r>
+            <a:r>
+              <a:rPr lang="en-US" sz="2400" b="1" dirty="0"/>
+              <a:t>”?</a:t>
+            </a:r>
+          </a:p>
+          <a:p>
+            <a:r>
+              <a:rPr lang="en-US" sz="2400" dirty="0"/>
+              <a:t>The word </a:t>
+            </a:r>
+            <a:r>
+              <a:rPr lang="en-US" sz="2400" b="1" dirty="0"/>
+              <a:t>“root”</a:t>
+            </a:r>
+            <a:r>
+              <a:rPr lang="en-US" sz="2400" dirty="0"/>
+              <a:t> in mathematics comes from the idea of a </a:t>
+            </a:r>
+            <a:r>
+              <a:rPr lang="en-US" sz="2400" b="1" dirty="0"/>
+              <a:t>foundation</a:t>
+            </a:r>
+            <a:r>
+              <a:rPr lang="en-US" sz="2400" dirty="0"/>
+              <a:t> —</a:t>
+            </a:r>
+            <a:br>
+              <a:rPr lang="en-US" sz="2400" dirty="0"/>
+            </a:br>
+            <a:r>
+              <a:rPr lang="en-US" sz="2400" dirty="0"/>
+              <a:t>just like the roots of a tree are the base or starting point of its growth.</a:t>
+            </a:r>
+          </a:p>
+          <a:p>
+            <a:r>
+              <a:rPr lang="en-US" sz="2400" dirty="0"/>
+              <a:t>In equations, a </a:t>
+            </a:r>
+            <a:r>
+              <a:rPr lang="en-US" sz="2400" b="1" dirty="0"/>
+              <a:t>root</a:t>
+            </a:r>
+            <a:r>
+              <a:rPr lang="en-US" sz="2400" dirty="0"/>
+              <a:t> is the </a:t>
+            </a:r>
+            <a:r>
+              <a:rPr lang="en-US" sz="2400" b="1" dirty="0"/>
+              <a:t>value of x</a:t>
+            </a:r>
+            <a:r>
+              <a:rPr lang="en-US" sz="2400" dirty="0"/>
+              <a:t> that makes the equation become </a:t>
+            </a:r>
+            <a:r>
+              <a:rPr lang="en-US" sz="2400" b="1" dirty="0"/>
+              <a:t>zero</a:t>
+            </a:r>
+            <a:r>
+              <a:rPr lang="en-US" sz="2400" dirty="0"/>
+              <a:t> —</a:t>
+            </a:r>
+            <a:br>
+              <a:rPr lang="en-US" sz="2400" dirty="0"/>
+            </a:br>
+            <a:r>
+              <a:rPr lang="en-US" sz="2400" dirty="0"/>
+              <a:t>the point where the expression “starts” or “balances”.</a:t>
+            </a:r>
+          </a:p>
+          <a:p>
+            <a:pPr marL="0" indent="0">
+              <a:buNone/>
+            </a:pPr>
+            <a:endParaRPr lang="en-IN" sz="2400" dirty="0"/>
+          </a:p>
+        </p:txBody>
+      </p:sp>
+    </p:spTree>
+    <p:extLst>
+      <p:ext uri="{BB962C8B-B14F-4D97-AF65-F5344CB8AC3E}">
+        <p14:creationId xmlns:p14="http://schemas.microsoft.com/office/powerpoint/2010/main" val="1958689012"/>
+      </p:ext>
+    </p:extLst>
+  </p:cSld>
+  <p:clrMapOvr>
+    <a:masterClrMapping/>
+  </p:clrMapOvr>
+</p:sld>
+</file>
+
+<file path=ppt/slides/slide12.xml><?xml version="1.0" encoding="utf-8"?>
+<p:sld xmlns:a="http://schemas.openxmlformats.org/drawingml/2006/main" xmlns:r="http://schemas.openxmlformats.org/officeDocument/2006/relationships" xmlns:p="http://schemas.openxmlformats.org/presentationml/2006/main">
+  <p:cSld>
+    <p:spTree>
+      <p:nvGrpSpPr>
+        <p:cNvPr id="1" name="">
+          <a:extLst>
+            <a:ext uri="{FF2B5EF4-FFF2-40B4-BE49-F238E27FC236}">
               <a16:creationId xmlns:a16="http://schemas.microsoft.com/office/drawing/2014/main" id="{9777A0E4-F91D-8CA0-0851-115A07C44637}"/>
             </a:ext>
           </a:extLst>
@@ -5506,7 +6072,7 @@
 </p:sld>
 </file>
 
-<file path=ppt/slides/slide11.xml><?xml version="1.0" encoding="utf-8"?>
+<file path=ppt/slides/slide13.xml><?xml version="1.0" encoding="utf-8"?>
 <p:sld xmlns:a="http://schemas.openxmlformats.org/drawingml/2006/main" xmlns:r="http://schemas.openxmlformats.org/officeDocument/2006/relationships" xmlns:p="http://schemas.openxmlformats.org/presentationml/2006/main">
   <p:cSld>
     <p:spTree>
@@ -5737,7 +6303,7 @@
 </p:sld>
 </file>
 
-<file path=ppt/slides/slide12.xml><?xml version="1.0" encoding="utf-8"?>
+<file path=ppt/slides/slide14.xml><?xml version="1.0" encoding="utf-8"?>
 <p:sld xmlns:a="http://schemas.openxmlformats.org/drawingml/2006/main" xmlns:r="http://schemas.openxmlformats.org/officeDocument/2006/relationships" xmlns:p="http://schemas.openxmlformats.org/presentationml/2006/main">
   <p:cSld>
     <p:spTree>
@@ -5985,7 +6551,7 @@
 </p:sld>
 </file>
 
-<file path=ppt/slides/slide13.xml><?xml version="1.0" encoding="utf-8"?>
+<file path=ppt/slides/slide15.xml><?xml version="1.0" encoding="utf-8"?>
 <p:sld xmlns:a="http://schemas.openxmlformats.org/drawingml/2006/main" xmlns:r="http://schemas.openxmlformats.org/officeDocument/2006/relationships" xmlns:p="http://schemas.openxmlformats.org/presentationml/2006/main">
   <p:cSld>
     <p:spTree>
@@ -6097,7 +6663,7 @@
 </p:sld>
 </file>
 
-<file path=ppt/slides/slide14.xml><?xml version="1.0" encoding="utf-8"?>
+<file path=ppt/slides/slide16.xml><?xml version="1.0" encoding="utf-8"?>
 <p:sld xmlns:a="http://schemas.openxmlformats.org/drawingml/2006/main" xmlns:r="http://schemas.openxmlformats.org/officeDocument/2006/relationships" xmlns:p="http://schemas.openxmlformats.org/presentationml/2006/main">
   <p:cSld>
     <p:spTree>
@@ -6271,7 +6837,7 @@
 </p:sld>
 </file>
 
-<file path=ppt/slides/slide15.xml><?xml version="1.0" encoding="utf-8"?>
+<file path=ppt/slides/slide17.xml><?xml version="1.0" encoding="utf-8"?>
 <p:sld xmlns:a="http://schemas.openxmlformats.org/drawingml/2006/main" xmlns:r="http://schemas.openxmlformats.org/officeDocument/2006/relationships" xmlns:p="http://schemas.openxmlformats.org/presentationml/2006/main">
   <p:cSld>
     <p:spTree>
@@ -7670,7 +8236,7 @@
 </p:sld>
 </file>
 
-<file path=ppt/slides/slide16.xml><?xml version="1.0" encoding="utf-8"?>
+<file path=ppt/slides/slide18.xml><?xml version="1.0" encoding="utf-8"?>
 <p:sld xmlns:a="http://schemas.openxmlformats.org/drawingml/2006/main" xmlns:r="http://schemas.openxmlformats.org/officeDocument/2006/relationships" xmlns:p="http://schemas.openxmlformats.org/presentationml/2006/main">
   <p:cSld>
     <p:spTree>
@@ -7874,7 +8440,7 @@
 </p:sld>
 </file>
 
-<file path=ppt/slides/slide17.xml><?xml version="1.0" encoding="utf-8"?>
+<file path=ppt/slides/slide19.xml><?xml version="1.0" encoding="utf-8"?>
 <p:sld xmlns:a="http://schemas.openxmlformats.org/drawingml/2006/main" xmlns:r="http://schemas.openxmlformats.org/officeDocument/2006/relationships" xmlns:p="http://schemas.openxmlformats.org/presentationml/2006/main">
   <p:cSld>
     <p:spTree>
@@ -8027,324 +8593,6 @@
     <p:extLst>
       <p:ext uri="{BB962C8B-B14F-4D97-AF65-F5344CB8AC3E}">
         <p14:creationId xmlns:p14="http://schemas.microsoft.com/office/powerpoint/2010/main" val="2998280278"/>
-      </p:ext>
-    </p:extLst>
-  </p:cSld>
-  <p:clrMapOvr>
-    <a:masterClrMapping/>
-  </p:clrMapOvr>
-</p:sld>
-</file>
-
-<file path=ppt/slides/slide18.xml><?xml version="1.0" encoding="utf-8"?>
-<p:sld xmlns:a="http://schemas.openxmlformats.org/drawingml/2006/main" xmlns:r="http://schemas.openxmlformats.org/officeDocument/2006/relationships" xmlns:p="http://schemas.openxmlformats.org/presentationml/2006/main">
-  <p:cSld>
-    <p:spTree>
-      <p:nvGrpSpPr>
-        <p:cNvPr id="1" name="">
-          <a:extLst>
-            <a:ext uri="{FF2B5EF4-FFF2-40B4-BE49-F238E27FC236}">
-              <a16:creationId xmlns:a16="http://schemas.microsoft.com/office/drawing/2014/main" id="{271F8191-30AF-C566-0DE6-D2960F469DC5}"/>
-            </a:ext>
-          </a:extLst>
-        </p:cNvPr>
-        <p:cNvGrpSpPr/>
-        <p:nvPr/>
-      </p:nvGrpSpPr>
-      <p:grpSpPr>
-        <a:xfrm>
-          <a:off x="0" y="0"/>
-          <a:ext cx="0" cy="0"/>
-          <a:chOff x="0" y="0"/>
-          <a:chExt cx="0" cy="0"/>
-        </a:xfrm>
-      </p:grpSpPr>
-      <p:sp>
-        <p:nvSpPr>
-          <p:cNvPr id="3" name="Content Placeholder 2">
-            <a:extLst>
-              <a:ext uri="{FF2B5EF4-FFF2-40B4-BE49-F238E27FC236}">
-                <a16:creationId xmlns:a16="http://schemas.microsoft.com/office/drawing/2014/main" id="{2FA6DE8C-771F-5F6F-FF4C-DA8ACE402283}"/>
-              </a:ext>
-            </a:extLst>
-          </p:cNvPr>
-          <p:cNvSpPr>
-            <a:spLocks noGrp="1"/>
-          </p:cNvSpPr>
-          <p:nvPr>
-            <p:ph idx="1"/>
-          </p:nvPr>
-        </p:nvSpPr>
-        <p:spPr>
-          <a:xfrm>
-            <a:off x="645716" y="1463565"/>
-            <a:ext cx="10900568" cy="3147098"/>
-          </a:xfrm>
-        </p:spPr>
-        <p:txBody>
-          <a:bodyPr>
-            <a:normAutofit/>
-          </a:bodyPr>
-          <a:lstStyle/>
-          <a:p>
-            <a:pPr marL="0" indent="0" algn="ctr">
-              <a:buNone/>
-            </a:pPr>
-            <a:r>
-              <a:rPr lang="en-US" sz="5400" b="1" dirty="0">
-                <a:solidFill>
-                  <a:schemeClr val="accent3">
-                    <a:lumMod val="50000"/>
-                  </a:schemeClr>
-                </a:solidFill>
-                <a:latin typeface="+mj-lt"/>
-              </a:rPr>
-              <a:t>Program-4</a:t>
-            </a:r>
-            <a:r>
-              <a:rPr lang="en-US" sz="5400" b="1" dirty="0">
-                <a:latin typeface="+mj-lt"/>
-              </a:rPr>
-              <a:t>: Develop a Program to find key elements in an array using </a:t>
-            </a:r>
-            <a:r>
-              <a:rPr lang="en-US" sz="5400" b="1" dirty="0">
-                <a:solidFill>
-                  <a:srgbClr val="C00000"/>
-                </a:solidFill>
-                <a:latin typeface="+mj-lt"/>
-              </a:rPr>
-              <a:t>Linear Search</a:t>
-            </a:r>
-            <a:endParaRPr lang="en-IN" sz="5400" b="1" dirty="0">
-              <a:solidFill>
-                <a:srgbClr val="C00000"/>
-              </a:solidFill>
-              <a:latin typeface="+mj-lt"/>
-            </a:endParaRPr>
-          </a:p>
-        </p:txBody>
-      </p:sp>
-    </p:spTree>
-    <p:extLst>
-      <p:ext uri="{BB962C8B-B14F-4D97-AF65-F5344CB8AC3E}">
-        <p14:creationId xmlns:p14="http://schemas.microsoft.com/office/powerpoint/2010/main" val="469905946"/>
-      </p:ext>
-    </p:extLst>
-  </p:cSld>
-  <p:clrMapOvr>
-    <a:masterClrMapping/>
-  </p:clrMapOvr>
-</p:sld>
-</file>
-
-<file path=ppt/slides/slide19.xml><?xml version="1.0" encoding="utf-8"?>
-<p:sld xmlns:a="http://schemas.openxmlformats.org/drawingml/2006/main" xmlns:r="http://schemas.openxmlformats.org/officeDocument/2006/relationships" xmlns:p="http://schemas.openxmlformats.org/presentationml/2006/main">
-  <p:cSld>
-    <p:spTree>
-      <p:nvGrpSpPr>
-        <p:cNvPr id="1" name="">
-          <a:extLst>
-            <a:ext uri="{FF2B5EF4-FFF2-40B4-BE49-F238E27FC236}">
-              <a16:creationId xmlns:a16="http://schemas.microsoft.com/office/drawing/2014/main" id="{BF76FA78-9399-62F1-BB1A-660276536D49}"/>
-            </a:ext>
-          </a:extLst>
-        </p:cNvPr>
-        <p:cNvGrpSpPr/>
-        <p:nvPr/>
-      </p:nvGrpSpPr>
-      <p:grpSpPr>
-        <a:xfrm>
-          <a:off x="0" y="0"/>
-          <a:ext cx="0" cy="0"/>
-          <a:chOff x="0" y="0"/>
-          <a:chExt cx="0" cy="0"/>
-        </a:xfrm>
-      </p:grpSpPr>
-      <p:sp>
-        <p:nvSpPr>
-          <p:cNvPr id="3" name="Content Placeholder 2">
-            <a:extLst>
-              <a:ext uri="{FF2B5EF4-FFF2-40B4-BE49-F238E27FC236}">
-                <a16:creationId xmlns:a16="http://schemas.microsoft.com/office/drawing/2014/main" id="{7BCD9012-AB28-3A4A-DB3B-73949D76354A}"/>
-              </a:ext>
-            </a:extLst>
-          </p:cNvPr>
-          <p:cNvSpPr>
-            <a:spLocks noGrp="1"/>
-          </p:cNvSpPr>
-          <p:nvPr>
-            <p:ph idx="1"/>
-          </p:nvPr>
-        </p:nvSpPr>
-        <p:spPr>
-          <a:xfrm>
-            <a:off x="702853" y="719137"/>
-            <a:ext cx="10900568" cy="5313801"/>
-          </a:xfrm>
-        </p:spPr>
-        <p:txBody>
-          <a:bodyPr>
-            <a:normAutofit lnSpcReduction="10000"/>
-          </a:bodyPr>
-          <a:lstStyle/>
-          <a:p>
-            <a:pPr marL="0" indent="0">
-              <a:buNone/>
-            </a:pPr>
-            <a:r>
-              <a:rPr lang="en-US" sz="2400" b="1" dirty="0"/>
-              <a:t>What is Linear Search?</a:t>
-            </a:r>
-          </a:p>
-          <a:p>
-            <a:r>
-              <a:rPr lang="en-US" sz="2400" b="1" dirty="0"/>
-              <a:t>Linear Search</a:t>
-            </a:r>
-            <a:r>
-              <a:rPr lang="en-US" sz="2400" dirty="0"/>
-              <a:t> is the simplest way to </a:t>
-            </a:r>
-            <a:r>
-              <a:rPr lang="en-US" sz="2400" b="1" dirty="0">
-                <a:solidFill>
-                  <a:srgbClr val="C00000"/>
-                </a:solidFill>
-              </a:rPr>
-              <a:t>find something in a list</a:t>
-            </a:r>
-            <a:r>
-              <a:rPr lang="en-US" sz="2400" dirty="0"/>
-              <a:t> or </a:t>
-            </a:r>
-            <a:r>
-              <a:rPr lang="en-US" sz="2400" b="1" dirty="0">
-                <a:solidFill>
-                  <a:srgbClr val="C00000"/>
-                </a:solidFill>
-              </a:rPr>
-              <a:t>an array</a:t>
-            </a:r>
-            <a:r>
-              <a:rPr lang="en-US" sz="2400" dirty="0"/>
-              <a:t>.</a:t>
-            </a:r>
-          </a:p>
-          <a:p>
-            <a:r>
-              <a:rPr lang="en-US" sz="2400" dirty="0"/>
-              <a:t>Imagine you have a list of numbers written on paper:</a:t>
-            </a:r>
-          </a:p>
-          <a:p>
-            <a:pPr marL="0" indent="0">
-              <a:buNone/>
-            </a:pPr>
-            <a:endParaRPr lang="en-IN" sz="2400" dirty="0"/>
-          </a:p>
-          <a:p>
-            <a:pPr marL="0" indent="0">
-              <a:buNone/>
-            </a:pPr>
-            <a:endParaRPr lang="en-IN" sz="2400" dirty="0"/>
-          </a:p>
-          <a:p>
-            <a:pPr marL="0" indent="0">
-              <a:buNone/>
-            </a:pPr>
-            <a:endParaRPr lang="en-IN" sz="2400" dirty="0"/>
-          </a:p>
-          <a:p>
-            <a:r>
-              <a:rPr lang="en-US" sz="2400" dirty="0"/>
-              <a:t>Now someone asks you: “Is the number 30 in the list?”</a:t>
-            </a:r>
-          </a:p>
-          <a:p>
-            <a:r>
-              <a:rPr lang="en-US" sz="2400" dirty="0"/>
-              <a:t>How would you check?</a:t>
-            </a:r>
-            <a:br>
-              <a:rPr lang="en-US" sz="2400" dirty="0"/>
-            </a:br>
-            <a:r>
-              <a:rPr lang="en-US" sz="2400" dirty="0"/>
-              <a:t>You start from the first number and check one by one:</a:t>
-            </a:r>
-          </a:p>
-          <a:p>
-            <a:pPr lvl="1"/>
-            <a:r>
-              <a:rPr lang="en-US" sz="2200" dirty="0"/>
-              <a:t>Is 10 equal to 30? ❌ No</a:t>
-            </a:r>
-          </a:p>
-          <a:p>
-            <a:pPr lvl="1"/>
-            <a:r>
-              <a:rPr lang="en-US" sz="2200" dirty="0"/>
-              <a:t>Is 25 equal to 30? ❌ No</a:t>
-            </a:r>
-          </a:p>
-          <a:p>
-            <a:pPr lvl="1"/>
-            <a:r>
-              <a:rPr lang="en-US" sz="2200" dirty="0"/>
-              <a:t>Is 30 equal to 30? ✅ Yes! Found it!</a:t>
-            </a:r>
-          </a:p>
-          <a:p>
-            <a:r>
-              <a:rPr lang="en-US" sz="2400" dirty="0"/>
-              <a:t>That’s exactly how </a:t>
-            </a:r>
-            <a:r>
-              <a:rPr lang="en-US" sz="2400" b="1" dirty="0"/>
-              <a:t>Linear Search</a:t>
-            </a:r>
-            <a:r>
-              <a:rPr lang="en-US" sz="2400" dirty="0"/>
-              <a:t> works.</a:t>
-            </a:r>
-          </a:p>
-        </p:txBody>
-      </p:sp>
-      <p:pic>
-        <p:nvPicPr>
-          <p:cNvPr id="4" name="Picture 3">
-            <a:extLst>
-              <a:ext uri="{FF2B5EF4-FFF2-40B4-BE49-F238E27FC236}">
-                <a16:creationId xmlns:a16="http://schemas.microsoft.com/office/drawing/2014/main" id="{5FCC8337-3164-C788-CB6C-A6F6A25A05CA}"/>
-              </a:ext>
-            </a:extLst>
-          </p:cNvPr>
-          <p:cNvPicPr>
-            <a:picLocks noChangeAspect="1"/>
-          </p:cNvPicPr>
-          <p:nvPr/>
-        </p:nvPicPr>
-        <p:blipFill>
-          <a:blip r:embed="rId2"/>
-          <a:stretch>
-            <a:fillRect/>
-          </a:stretch>
-        </p:blipFill>
-        <p:spPr>
-          <a:xfrm>
-            <a:off x="2121686" y="2204581"/>
-            <a:ext cx="4072285" cy="722502"/>
-          </a:xfrm>
-          <a:prstGeom prst="rect">
-            <a:avLst/>
-          </a:prstGeom>
-        </p:spPr>
-      </p:pic>
-    </p:spTree>
-    <p:extLst>
-      <p:ext uri="{BB962C8B-B14F-4D97-AF65-F5344CB8AC3E}">
-        <p14:creationId xmlns:p14="http://schemas.microsoft.com/office/powerpoint/2010/main" val="2964614626"/>
       </p:ext>
     </p:extLst>
   </p:cSld>
@@ -8434,6 +8682,324 @@
         <p:cNvPr id="1" name="">
           <a:extLst>
             <a:ext uri="{FF2B5EF4-FFF2-40B4-BE49-F238E27FC236}">
+              <a16:creationId xmlns:a16="http://schemas.microsoft.com/office/drawing/2014/main" id="{271F8191-30AF-C566-0DE6-D2960F469DC5}"/>
+            </a:ext>
+          </a:extLst>
+        </p:cNvPr>
+        <p:cNvGrpSpPr/>
+        <p:nvPr/>
+      </p:nvGrpSpPr>
+      <p:grpSpPr>
+        <a:xfrm>
+          <a:off x="0" y="0"/>
+          <a:ext cx="0" cy="0"/>
+          <a:chOff x="0" y="0"/>
+          <a:chExt cx="0" cy="0"/>
+        </a:xfrm>
+      </p:grpSpPr>
+      <p:sp>
+        <p:nvSpPr>
+          <p:cNvPr id="3" name="Content Placeholder 2">
+            <a:extLst>
+              <a:ext uri="{FF2B5EF4-FFF2-40B4-BE49-F238E27FC236}">
+                <a16:creationId xmlns:a16="http://schemas.microsoft.com/office/drawing/2014/main" id="{2FA6DE8C-771F-5F6F-FF4C-DA8ACE402283}"/>
+              </a:ext>
+            </a:extLst>
+          </p:cNvPr>
+          <p:cNvSpPr>
+            <a:spLocks noGrp="1"/>
+          </p:cNvSpPr>
+          <p:nvPr>
+            <p:ph idx="1"/>
+          </p:nvPr>
+        </p:nvSpPr>
+        <p:spPr>
+          <a:xfrm>
+            <a:off x="645716" y="1463565"/>
+            <a:ext cx="10900568" cy="3147098"/>
+          </a:xfrm>
+        </p:spPr>
+        <p:txBody>
+          <a:bodyPr>
+            <a:normAutofit/>
+          </a:bodyPr>
+          <a:lstStyle/>
+          <a:p>
+            <a:pPr marL="0" indent="0" algn="ctr">
+              <a:buNone/>
+            </a:pPr>
+            <a:r>
+              <a:rPr lang="en-US" sz="5400" b="1" dirty="0">
+                <a:solidFill>
+                  <a:schemeClr val="accent3">
+                    <a:lumMod val="50000"/>
+                  </a:schemeClr>
+                </a:solidFill>
+                <a:latin typeface="+mj-lt"/>
+              </a:rPr>
+              <a:t>Program-4</a:t>
+            </a:r>
+            <a:r>
+              <a:rPr lang="en-US" sz="5400" b="1" dirty="0">
+                <a:latin typeface="+mj-lt"/>
+              </a:rPr>
+              <a:t>: Develop a Program to find key elements in an array using </a:t>
+            </a:r>
+            <a:r>
+              <a:rPr lang="en-US" sz="5400" b="1" dirty="0">
+                <a:solidFill>
+                  <a:srgbClr val="C00000"/>
+                </a:solidFill>
+                <a:latin typeface="+mj-lt"/>
+              </a:rPr>
+              <a:t>Linear Search</a:t>
+            </a:r>
+            <a:endParaRPr lang="en-IN" sz="5400" b="1" dirty="0">
+              <a:solidFill>
+                <a:srgbClr val="C00000"/>
+              </a:solidFill>
+              <a:latin typeface="+mj-lt"/>
+            </a:endParaRPr>
+          </a:p>
+        </p:txBody>
+      </p:sp>
+    </p:spTree>
+    <p:extLst>
+      <p:ext uri="{BB962C8B-B14F-4D97-AF65-F5344CB8AC3E}">
+        <p14:creationId xmlns:p14="http://schemas.microsoft.com/office/powerpoint/2010/main" val="469905946"/>
+      </p:ext>
+    </p:extLst>
+  </p:cSld>
+  <p:clrMapOvr>
+    <a:masterClrMapping/>
+  </p:clrMapOvr>
+</p:sld>
+</file>
+
+<file path=ppt/slides/slide21.xml><?xml version="1.0" encoding="utf-8"?>
+<p:sld xmlns:a="http://schemas.openxmlformats.org/drawingml/2006/main" xmlns:r="http://schemas.openxmlformats.org/officeDocument/2006/relationships" xmlns:p="http://schemas.openxmlformats.org/presentationml/2006/main">
+  <p:cSld>
+    <p:spTree>
+      <p:nvGrpSpPr>
+        <p:cNvPr id="1" name="">
+          <a:extLst>
+            <a:ext uri="{FF2B5EF4-FFF2-40B4-BE49-F238E27FC236}">
+              <a16:creationId xmlns:a16="http://schemas.microsoft.com/office/drawing/2014/main" id="{BF76FA78-9399-62F1-BB1A-660276536D49}"/>
+            </a:ext>
+          </a:extLst>
+        </p:cNvPr>
+        <p:cNvGrpSpPr/>
+        <p:nvPr/>
+      </p:nvGrpSpPr>
+      <p:grpSpPr>
+        <a:xfrm>
+          <a:off x="0" y="0"/>
+          <a:ext cx="0" cy="0"/>
+          <a:chOff x="0" y="0"/>
+          <a:chExt cx="0" cy="0"/>
+        </a:xfrm>
+      </p:grpSpPr>
+      <p:sp>
+        <p:nvSpPr>
+          <p:cNvPr id="3" name="Content Placeholder 2">
+            <a:extLst>
+              <a:ext uri="{FF2B5EF4-FFF2-40B4-BE49-F238E27FC236}">
+                <a16:creationId xmlns:a16="http://schemas.microsoft.com/office/drawing/2014/main" id="{7BCD9012-AB28-3A4A-DB3B-73949D76354A}"/>
+              </a:ext>
+            </a:extLst>
+          </p:cNvPr>
+          <p:cNvSpPr>
+            <a:spLocks noGrp="1"/>
+          </p:cNvSpPr>
+          <p:nvPr>
+            <p:ph idx="1"/>
+          </p:nvPr>
+        </p:nvSpPr>
+        <p:spPr>
+          <a:xfrm>
+            <a:off x="702853" y="719137"/>
+            <a:ext cx="10900568" cy="5313801"/>
+          </a:xfrm>
+        </p:spPr>
+        <p:txBody>
+          <a:bodyPr>
+            <a:normAutofit lnSpcReduction="10000"/>
+          </a:bodyPr>
+          <a:lstStyle/>
+          <a:p>
+            <a:pPr marL="0" indent="0">
+              <a:buNone/>
+            </a:pPr>
+            <a:r>
+              <a:rPr lang="en-US" sz="2400" b="1" dirty="0"/>
+              <a:t>What is Linear Search?</a:t>
+            </a:r>
+          </a:p>
+          <a:p>
+            <a:r>
+              <a:rPr lang="en-US" sz="2400" b="1" dirty="0"/>
+              <a:t>Linear Search</a:t>
+            </a:r>
+            <a:r>
+              <a:rPr lang="en-US" sz="2400" dirty="0"/>
+              <a:t> is the simplest way to </a:t>
+            </a:r>
+            <a:r>
+              <a:rPr lang="en-US" sz="2400" b="1" dirty="0">
+                <a:solidFill>
+                  <a:srgbClr val="C00000"/>
+                </a:solidFill>
+              </a:rPr>
+              <a:t>find something in a list</a:t>
+            </a:r>
+            <a:r>
+              <a:rPr lang="en-US" sz="2400" dirty="0"/>
+              <a:t> or </a:t>
+            </a:r>
+            <a:r>
+              <a:rPr lang="en-US" sz="2400" b="1" dirty="0">
+                <a:solidFill>
+                  <a:srgbClr val="C00000"/>
+                </a:solidFill>
+              </a:rPr>
+              <a:t>an array</a:t>
+            </a:r>
+            <a:r>
+              <a:rPr lang="en-US" sz="2400" dirty="0"/>
+              <a:t>.</a:t>
+            </a:r>
+          </a:p>
+          <a:p>
+            <a:r>
+              <a:rPr lang="en-US" sz="2400" dirty="0"/>
+              <a:t>Imagine you have a list of numbers written on paper:</a:t>
+            </a:r>
+          </a:p>
+          <a:p>
+            <a:pPr marL="0" indent="0">
+              <a:buNone/>
+            </a:pPr>
+            <a:endParaRPr lang="en-IN" sz="2400" dirty="0"/>
+          </a:p>
+          <a:p>
+            <a:pPr marL="0" indent="0">
+              <a:buNone/>
+            </a:pPr>
+            <a:endParaRPr lang="en-IN" sz="2400" dirty="0"/>
+          </a:p>
+          <a:p>
+            <a:pPr marL="0" indent="0">
+              <a:buNone/>
+            </a:pPr>
+            <a:endParaRPr lang="en-IN" sz="2400" dirty="0"/>
+          </a:p>
+          <a:p>
+            <a:r>
+              <a:rPr lang="en-US" sz="2400" dirty="0"/>
+              <a:t>Now someone asks you: “Is the number 30 in the list?”</a:t>
+            </a:r>
+          </a:p>
+          <a:p>
+            <a:r>
+              <a:rPr lang="en-US" sz="2400" dirty="0"/>
+              <a:t>How would you check?</a:t>
+            </a:r>
+            <a:br>
+              <a:rPr lang="en-US" sz="2400" dirty="0"/>
+            </a:br>
+            <a:r>
+              <a:rPr lang="en-US" sz="2400" dirty="0"/>
+              <a:t>You start from the first number and check one by one:</a:t>
+            </a:r>
+          </a:p>
+          <a:p>
+            <a:pPr lvl="1"/>
+            <a:r>
+              <a:rPr lang="en-US" sz="2200" dirty="0"/>
+              <a:t>Is 10 equal to 30? ❌ No</a:t>
+            </a:r>
+          </a:p>
+          <a:p>
+            <a:pPr lvl="1"/>
+            <a:r>
+              <a:rPr lang="en-US" sz="2200" dirty="0"/>
+              <a:t>Is 25 equal to 30? ❌ No</a:t>
+            </a:r>
+          </a:p>
+          <a:p>
+            <a:pPr lvl="1"/>
+            <a:r>
+              <a:rPr lang="en-US" sz="2200" dirty="0"/>
+              <a:t>Is 30 equal to 30? ✅ Yes! Found it!</a:t>
+            </a:r>
+          </a:p>
+          <a:p>
+            <a:r>
+              <a:rPr lang="en-US" sz="2400" dirty="0"/>
+              <a:t>That’s exactly how </a:t>
+            </a:r>
+            <a:r>
+              <a:rPr lang="en-US" sz="2400" b="1" dirty="0"/>
+              <a:t>Linear Search</a:t>
+            </a:r>
+            <a:r>
+              <a:rPr lang="en-US" sz="2400" dirty="0"/>
+              <a:t> works.</a:t>
+            </a:r>
+          </a:p>
+        </p:txBody>
+      </p:sp>
+      <p:pic>
+        <p:nvPicPr>
+          <p:cNvPr id="4" name="Picture 3">
+            <a:extLst>
+              <a:ext uri="{FF2B5EF4-FFF2-40B4-BE49-F238E27FC236}">
+                <a16:creationId xmlns:a16="http://schemas.microsoft.com/office/drawing/2014/main" id="{5FCC8337-3164-C788-CB6C-A6F6A25A05CA}"/>
+              </a:ext>
+            </a:extLst>
+          </p:cNvPr>
+          <p:cNvPicPr>
+            <a:picLocks noChangeAspect="1"/>
+          </p:cNvPicPr>
+          <p:nvPr/>
+        </p:nvPicPr>
+        <p:blipFill>
+          <a:blip r:embed="rId2"/>
+          <a:stretch>
+            <a:fillRect/>
+          </a:stretch>
+        </p:blipFill>
+        <p:spPr>
+          <a:xfrm>
+            <a:off x="2121686" y="2204581"/>
+            <a:ext cx="4072285" cy="722502"/>
+          </a:xfrm>
+          <a:prstGeom prst="rect">
+            <a:avLst/>
+          </a:prstGeom>
+        </p:spPr>
+      </p:pic>
+    </p:spTree>
+    <p:extLst>
+      <p:ext uri="{BB962C8B-B14F-4D97-AF65-F5344CB8AC3E}">
+        <p14:creationId xmlns:p14="http://schemas.microsoft.com/office/powerpoint/2010/main" val="2964614626"/>
+      </p:ext>
+    </p:extLst>
+  </p:cSld>
+  <p:clrMapOvr>
+    <a:masterClrMapping/>
+  </p:clrMapOvr>
+</p:sld>
+</file>
+
+<file path=ppt/slides/slide22.xml><?xml version="1.0" encoding="utf-8"?>
+<p:sld xmlns:a="http://schemas.openxmlformats.org/drawingml/2006/main" xmlns:r="http://schemas.openxmlformats.org/officeDocument/2006/relationships" xmlns:p="http://schemas.openxmlformats.org/presentationml/2006/main">
+  <p:cSld>
+    <p:spTree>
+      <p:nvGrpSpPr>
+        <p:cNvPr id="1" name="">
+          <a:extLst>
+            <a:ext uri="{FF2B5EF4-FFF2-40B4-BE49-F238E27FC236}">
               <a16:creationId xmlns:a16="http://schemas.microsoft.com/office/drawing/2014/main" id="{7F96B11D-5A46-9DA0-94D4-6922F7150674}"/>
             </a:ext>
           </a:extLst>
@@ -8605,7 +9171,7 @@
 </p:sld>
 </file>
 
-<file path=ppt/slides/slide21.xml><?xml version="1.0" encoding="utf-8"?>
+<file path=ppt/slides/slide23.xml><?xml version="1.0" encoding="utf-8"?>
 <p:sld xmlns:a="http://schemas.openxmlformats.org/drawingml/2006/main" xmlns:r="http://schemas.openxmlformats.org/officeDocument/2006/relationships" xmlns:p="http://schemas.openxmlformats.org/presentationml/2006/main">
   <p:cSld>
     <p:spTree>
@@ -8676,7 +9242,7 @@
 </p:sld>
 </file>
 
-<file path=ppt/slides/slide22.xml><?xml version="1.0" encoding="utf-8"?>
+<file path=ppt/slides/slide24.xml><?xml version="1.0" encoding="utf-8"?>
 <p:sld xmlns:a="http://schemas.openxmlformats.org/drawingml/2006/main" xmlns:r="http://schemas.openxmlformats.org/officeDocument/2006/relationships" xmlns:p="http://schemas.openxmlformats.org/presentationml/2006/main">
   <p:cSld>
     <p:spTree>
@@ -8788,8 +9354,8 @@
         </p:nvSpPr>
         <p:spPr>
           <a:xfrm>
-            <a:off x="645716" y="1381359"/>
-            <a:ext cx="10900568" cy="4095281"/>
+            <a:off x="645716" y="1697045"/>
+            <a:ext cx="10900568" cy="2787870"/>
           </a:xfrm>
         </p:spPr>
         <p:txBody>
@@ -8805,25 +9371,16 @@
               <a:rPr lang="en-IN" sz="6000" b="1" dirty="0">
                 <a:latin typeface="+mj-lt"/>
               </a:rPr>
-              <a:t>Develop a Program to Find the </a:t>
-            </a:r>
-            <a:r>
-              <a:rPr lang="en-IN" sz="6000" b="1" dirty="0">
-                <a:solidFill>
-                  <a:srgbClr val="C00000"/>
-                </a:solidFill>
+              <a:t>Program-6: </a:t>
+            </a:r>
+            <a:r>
+              <a:rPr lang="en-US" sz="6000" b="1" dirty="0">
                 <a:latin typeface="+mj-lt"/>
               </a:rPr>
-              <a:t>Roots</a:t>
-            </a:r>
-            <a:r>
-              <a:rPr lang="en-IN" sz="6000" b="1" dirty="0">
-                <a:latin typeface="+mj-lt"/>
-              </a:rPr>
-              <a:t> of </a:t>
-            </a:r>
-            <a:r>
-              <a:rPr lang="en-IN" sz="6000" b="1" dirty="0">
+              <a:t>Generate </a:t>
+            </a:r>
+            <a:r>
+              <a:rPr lang="en-US" sz="6000" b="1" dirty="0">
                 <a:solidFill>
                   <a:schemeClr val="tx2">
                     <a:lumMod val="75000"/>
@@ -8832,8 +9389,23 @@
                 </a:solidFill>
                 <a:latin typeface="+mj-lt"/>
               </a:rPr>
-              <a:t>Quadratic Equations</a:t>
-            </a:r>
+              <a:t>Floyd's</a:t>
+            </a:r>
+            <a:r>
+              <a:rPr lang="en-US" sz="6000" b="1" dirty="0">
+                <a:latin typeface="+mj-lt"/>
+              </a:rPr>
+              <a:t> Triangle for given Rows</a:t>
+            </a:r>
+            <a:endParaRPr lang="en-IN" sz="6000" b="1" dirty="0">
+              <a:solidFill>
+                <a:schemeClr val="tx2">
+                  <a:lumMod val="75000"/>
+                  <a:lumOff val="25000"/>
+                </a:schemeClr>
+              </a:solidFill>
+              <a:latin typeface="+mj-lt"/>
+            </a:endParaRPr>
           </a:p>
         </p:txBody>
       </p:sp>
@@ -8851,6 +9423,394 @@
 </file>
 
 <file path=ppt/slides/slide4.xml><?xml version="1.0" encoding="utf-8"?>
+<p:sld xmlns:a="http://schemas.openxmlformats.org/drawingml/2006/main" xmlns:r="http://schemas.openxmlformats.org/officeDocument/2006/relationships" xmlns:p="http://schemas.openxmlformats.org/presentationml/2006/main">
+  <p:cSld>
+    <p:spTree>
+      <p:nvGrpSpPr>
+        <p:cNvPr id="1" name=""/>
+        <p:cNvGrpSpPr/>
+        <p:nvPr/>
+      </p:nvGrpSpPr>
+      <p:grpSpPr>
+        <a:xfrm>
+          <a:off x="0" y="0"/>
+          <a:ext cx="0" cy="0"/>
+          <a:chOff x="0" y="0"/>
+          <a:chExt cx="0" cy="0"/>
+        </a:xfrm>
+      </p:grpSpPr>
+      <p:sp>
+        <p:nvSpPr>
+          <p:cNvPr id="3" name="Content Placeholder 2">
+            <a:extLst>
+              <a:ext uri="{FF2B5EF4-FFF2-40B4-BE49-F238E27FC236}">
+                <a16:creationId xmlns:a16="http://schemas.microsoft.com/office/drawing/2014/main" id="{FF825371-62D4-E5FE-2A67-AC368A38F1BD}"/>
+              </a:ext>
+            </a:extLst>
+          </p:cNvPr>
+          <p:cNvSpPr>
+            <a:spLocks noGrp="1"/>
+          </p:cNvSpPr>
+          <p:nvPr>
+            <p:ph idx="1"/>
+          </p:nvPr>
+        </p:nvSpPr>
+        <p:spPr>
+          <a:xfrm>
+            <a:off x="777240" y="740229"/>
+            <a:ext cx="10659110" cy="5436734"/>
+          </a:xfrm>
+        </p:spPr>
+        <p:txBody>
+          <a:bodyPr>
+            <a:normAutofit/>
+          </a:bodyPr>
+          <a:lstStyle/>
+          <a:p>
+            <a:pPr marL="0" indent="0">
+              <a:buNone/>
+            </a:pPr>
+            <a:r>
+              <a:rPr lang="en-US" sz="2800" b="1" dirty="0"/>
+              <a:t>Floyd’s Triangle</a:t>
+            </a:r>
+          </a:p>
+          <a:p>
+            <a:r>
+              <a:rPr lang="en-US" sz="2400" b="1" dirty="0"/>
+              <a:t>Floyd’s Triangle</a:t>
+            </a:r>
+            <a:r>
+              <a:rPr lang="en-US" sz="2400" dirty="0"/>
+              <a:t> is a simple </a:t>
+            </a:r>
+            <a:r>
+              <a:rPr lang="en-US" sz="2400" b="1" dirty="0">
+                <a:solidFill>
+                  <a:srgbClr val="C00000"/>
+                </a:solidFill>
+              </a:rPr>
+              <a:t>number pattern</a:t>
+            </a:r>
+            <a:r>
+              <a:rPr lang="en-US" sz="2400" dirty="0">
+                <a:solidFill>
+                  <a:srgbClr val="C00000"/>
+                </a:solidFill>
+              </a:rPr>
+              <a:t> </a:t>
+            </a:r>
+            <a:r>
+              <a:rPr lang="en-US" sz="2400" dirty="0"/>
+              <a:t>that looks like a </a:t>
+            </a:r>
+            <a:r>
+              <a:rPr lang="en-US" sz="2400" b="1" dirty="0">
+                <a:solidFill>
+                  <a:srgbClr val="C00000"/>
+                </a:solidFill>
+              </a:rPr>
+              <a:t>triangle</a:t>
+            </a:r>
+            <a:r>
+              <a:rPr lang="en-US" sz="2400" dirty="0"/>
+              <a:t> made up of </a:t>
+            </a:r>
+            <a:r>
+              <a:rPr lang="en-US" sz="2400" b="1" dirty="0"/>
+              <a:t>consecutive </a:t>
+            </a:r>
+            <a:r>
+              <a:rPr lang="en-US" sz="2400" b="1" dirty="0">
+                <a:solidFill>
+                  <a:srgbClr val="C00000"/>
+                </a:solidFill>
+              </a:rPr>
+              <a:t>natural numbers </a:t>
+            </a:r>
+            <a:r>
+              <a:rPr lang="en-US" sz="2400" dirty="0"/>
+              <a:t>(1, 2, 3, 4, 5, …).</a:t>
+            </a:r>
+          </a:p>
+          <a:p>
+            <a:r>
+              <a:rPr lang="en-US" sz="2400" dirty="0"/>
+              <a:t>It starts with the number </a:t>
+            </a:r>
+            <a:r>
+              <a:rPr lang="en-US" sz="2400" b="1" dirty="0"/>
+              <a:t>1</a:t>
+            </a:r>
+            <a:r>
+              <a:rPr lang="en-US" sz="2400" dirty="0"/>
+              <a:t> at the top, and each new row contains </a:t>
+            </a:r>
+            <a:r>
+              <a:rPr lang="en-US" sz="2400" b="1" dirty="0"/>
+              <a:t>one more number</a:t>
+            </a:r>
+            <a:r>
+              <a:rPr lang="en-US" sz="2400" dirty="0"/>
+              <a:t> than the previous row.</a:t>
+            </a:r>
+          </a:p>
+          <a:p>
+            <a:r>
+              <a:rPr lang="en-US" sz="2400" dirty="0"/>
+              <a:t>Here’s how it forms:</a:t>
+            </a:r>
+          </a:p>
+          <a:p>
+            <a:pPr lvl="1"/>
+            <a:r>
+              <a:rPr lang="en-US" sz="2200" dirty="0"/>
+              <a:t>Row 1 → 1 number → </a:t>
+            </a:r>
+            <a:r>
+              <a:rPr lang="en-US" dirty="0"/>
+              <a:t>1</a:t>
+            </a:r>
+            <a:endParaRPr lang="en-US" sz="2200" dirty="0"/>
+          </a:p>
+          <a:p>
+            <a:pPr lvl="1"/>
+            <a:r>
+              <a:rPr lang="en-US" sz="2200" dirty="0"/>
+              <a:t>Row 2 → 2 numbers → </a:t>
+            </a:r>
+            <a:r>
+              <a:rPr lang="en-US" dirty="0"/>
+              <a:t>2 3</a:t>
+            </a:r>
+            <a:endParaRPr lang="en-US" sz="2200" dirty="0"/>
+          </a:p>
+          <a:p>
+            <a:pPr lvl="1"/>
+            <a:r>
+              <a:rPr lang="en-US" sz="2200" dirty="0"/>
+              <a:t>Row 3 → 3 numbers → </a:t>
+            </a:r>
+            <a:r>
+              <a:rPr lang="en-US" dirty="0"/>
+              <a:t>4 5 6</a:t>
+            </a:r>
+            <a:endParaRPr lang="en-US" sz="2200" dirty="0"/>
+          </a:p>
+          <a:p>
+            <a:pPr lvl="1"/>
+            <a:r>
+              <a:rPr lang="en-US" sz="2200" dirty="0"/>
+              <a:t>Row 4 → 4 numbers → </a:t>
+            </a:r>
+            <a:r>
+              <a:rPr lang="en-US" dirty="0"/>
+              <a:t>7 8 9 10</a:t>
+            </a:r>
+            <a:endParaRPr lang="en-US" sz="2200" dirty="0"/>
+          </a:p>
+          <a:p>
+            <a:pPr lvl="1"/>
+            <a:r>
+              <a:rPr lang="en-US" sz="2200" dirty="0"/>
+              <a:t>Row 5 → 5 numbers → </a:t>
+            </a:r>
+            <a:r>
+              <a:rPr lang="en-US" dirty="0"/>
+              <a:t>11 12 13 14 15</a:t>
+            </a:r>
+            <a:endParaRPr lang="en-US" sz="2200" dirty="0"/>
+          </a:p>
+          <a:p>
+            <a:r>
+              <a:rPr lang="en-US" sz="2400" dirty="0"/>
+              <a:t>Each number continues from the previous one</a:t>
+            </a:r>
+          </a:p>
+          <a:p>
+            <a:r>
+              <a:rPr lang="en-US" sz="2400" dirty="0"/>
+              <a:t>There are </a:t>
+            </a:r>
+            <a:r>
+              <a:rPr lang="en-US" sz="2400" b="1" dirty="0"/>
+              <a:t>no skips</a:t>
+            </a:r>
+            <a:r>
+              <a:rPr lang="en-US" sz="2400" dirty="0"/>
+              <a:t>.</a:t>
+            </a:r>
+          </a:p>
+          <a:p>
+            <a:endParaRPr lang="en-US" sz="2400" dirty="0"/>
+          </a:p>
+          <a:p>
+            <a:pPr marL="0" indent="0">
+              <a:buNone/>
+            </a:pPr>
+            <a:endParaRPr lang="en-US" sz="2400" dirty="0"/>
+          </a:p>
+          <a:p>
+            <a:pPr marL="0" indent="0">
+              <a:buNone/>
+            </a:pPr>
+            <a:endParaRPr lang="en-US" sz="2400" dirty="0"/>
+          </a:p>
+          <a:p>
+            <a:pPr marL="0" indent="0">
+              <a:buNone/>
+            </a:pPr>
+            <a:endParaRPr lang="en-IN" sz="2400" dirty="0"/>
+          </a:p>
+        </p:txBody>
+      </p:sp>
+      <p:pic>
+        <p:nvPicPr>
+          <p:cNvPr id="5" name="Picture 4">
+            <a:extLst>
+              <a:ext uri="{FF2B5EF4-FFF2-40B4-BE49-F238E27FC236}">
+                <a16:creationId xmlns:a16="http://schemas.microsoft.com/office/drawing/2014/main" id="{B6D131BE-FD71-8C8E-A1B3-C035777DBD99}"/>
+              </a:ext>
+            </a:extLst>
+          </p:cNvPr>
+          <p:cNvPicPr>
+            <a:picLocks noChangeAspect="1"/>
+          </p:cNvPicPr>
+          <p:nvPr/>
+        </p:nvPicPr>
+        <p:blipFill>
+          <a:blip r:embed="rId2"/>
+          <a:stretch>
+            <a:fillRect/>
+          </a:stretch>
+        </p:blipFill>
+        <p:spPr>
+          <a:xfrm>
+            <a:off x="7147458" y="2614275"/>
+            <a:ext cx="3955971" cy="3562688"/>
+          </a:xfrm>
+          <a:prstGeom prst="rect">
+            <a:avLst/>
+          </a:prstGeom>
+        </p:spPr>
+      </p:pic>
+    </p:spTree>
+    <p:extLst>
+      <p:ext uri="{BB962C8B-B14F-4D97-AF65-F5344CB8AC3E}">
+        <p14:creationId xmlns:p14="http://schemas.microsoft.com/office/powerpoint/2010/main" val="1609763764"/>
+      </p:ext>
+    </p:extLst>
+  </p:cSld>
+  <p:clrMapOvr>
+    <a:masterClrMapping/>
+  </p:clrMapOvr>
+</p:sld>
+</file>
+
+<file path=ppt/slides/slide5.xml><?xml version="1.0" encoding="utf-8"?>
+<p:sld xmlns:a="http://schemas.openxmlformats.org/drawingml/2006/main" xmlns:r="http://schemas.openxmlformats.org/officeDocument/2006/relationships" xmlns:p="http://schemas.openxmlformats.org/presentationml/2006/main">
+  <p:cSld>
+    <p:spTree>
+      <p:nvGrpSpPr>
+        <p:cNvPr id="1" name="">
+          <a:extLst>
+            <a:ext uri="{FF2B5EF4-FFF2-40B4-BE49-F238E27FC236}">
+              <a16:creationId xmlns:a16="http://schemas.microsoft.com/office/drawing/2014/main" id="{562434F4-19A4-EFAC-5477-6E61F370832D}"/>
+            </a:ext>
+          </a:extLst>
+        </p:cNvPr>
+        <p:cNvGrpSpPr/>
+        <p:nvPr/>
+      </p:nvGrpSpPr>
+      <p:grpSpPr>
+        <a:xfrm>
+          <a:off x="0" y="0"/>
+          <a:ext cx="0" cy="0"/>
+          <a:chOff x="0" y="0"/>
+          <a:chExt cx="0" cy="0"/>
+        </a:xfrm>
+      </p:grpSpPr>
+      <p:sp>
+        <p:nvSpPr>
+          <p:cNvPr id="3" name="Content Placeholder 2">
+            <a:extLst>
+              <a:ext uri="{FF2B5EF4-FFF2-40B4-BE49-F238E27FC236}">
+                <a16:creationId xmlns:a16="http://schemas.microsoft.com/office/drawing/2014/main" id="{FF72CE86-BF42-BAB8-E553-4CD413A91587}"/>
+              </a:ext>
+            </a:extLst>
+          </p:cNvPr>
+          <p:cNvSpPr>
+            <a:spLocks noGrp="1"/>
+          </p:cNvSpPr>
+          <p:nvPr>
+            <p:ph idx="1"/>
+          </p:nvPr>
+        </p:nvSpPr>
+        <p:spPr>
+          <a:xfrm>
+            <a:off x="645716" y="1381359"/>
+            <a:ext cx="10900568" cy="4095281"/>
+          </a:xfrm>
+        </p:spPr>
+        <p:txBody>
+          <a:bodyPr>
+            <a:normAutofit/>
+          </a:bodyPr>
+          <a:lstStyle/>
+          <a:p>
+            <a:pPr marL="0" indent="0" algn="ctr">
+              <a:buNone/>
+            </a:pPr>
+            <a:r>
+              <a:rPr lang="en-IN" sz="6000" b="1" dirty="0">
+                <a:latin typeface="+mj-lt"/>
+              </a:rPr>
+              <a:t>Program-2: Develop a Program to Find the </a:t>
+            </a:r>
+            <a:r>
+              <a:rPr lang="en-IN" sz="6000" b="1" dirty="0">
+                <a:solidFill>
+                  <a:srgbClr val="C00000"/>
+                </a:solidFill>
+                <a:latin typeface="+mj-lt"/>
+              </a:rPr>
+              <a:t>Roots</a:t>
+            </a:r>
+            <a:r>
+              <a:rPr lang="en-IN" sz="6000" b="1" dirty="0">
+                <a:latin typeface="+mj-lt"/>
+              </a:rPr>
+              <a:t> of </a:t>
+            </a:r>
+            <a:r>
+              <a:rPr lang="en-IN" sz="6000" b="1" dirty="0">
+                <a:solidFill>
+                  <a:schemeClr val="tx2">
+                    <a:lumMod val="75000"/>
+                    <a:lumOff val="25000"/>
+                  </a:schemeClr>
+                </a:solidFill>
+                <a:latin typeface="+mj-lt"/>
+              </a:rPr>
+              <a:t>Quadratic Equations</a:t>
+            </a:r>
+          </a:p>
+        </p:txBody>
+      </p:sp>
+    </p:spTree>
+    <p:extLst>
+      <p:ext uri="{BB962C8B-B14F-4D97-AF65-F5344CB8AC3E}">
+        <p14:creationId xmlns:p14="http://schemas.microsoft.com/office/powerpoint/2010/main" val="3556443946"/>
+      </p:ext>
+    </p:extLst>
+  </p:cSld>
+  <p:clrMapOvr>
+    <a:masterClrMapping/>
+  </p:clrMapOvr>
+</p:sld>
+</file>
+
+<file path=ppt/slides/slide6.xml><?xml version="1.0" encoding="utf-8"?>
 <p:sld xmlns:a="http://schemas.openxmlformats.org/drawingml/2006/main" xmlns:r="http://schemas.openxmlformats.org/officeDocument/2006/relationships" xmlns:p="http://schemas.openxmlformats.org/presentationml/2006/main">
   <p:cSld>
     <p:spTree>
@@ -9186,7 +10146,7 @@
 </p:sld>
 </file>
 
-<file path=ppt/slides/slide5.xml><?xml version="1.0" encoding="utf-8"?>
+<file path=ppt/slides/slide7.xml><?xml version="1.0" encoding="utf-8"?>
 <p:sld xmlns:a="http://schemas.openxmlformats.org/drawingml/2006/main" xmlns:r="http://schemas.openxmlformats.org/officeDocument/2006/relationships" xmlns:p="http://schemas.openxmlformats.org/presentationml/2006/main">
   <p:cSld>
     <p:spTree>
@@ -9886,7 +10846,7 @@
 </p:sld>
 </file>
 
-<file path=ppt/slides/slide6.xml><?xml version="1.0" encoding="utf-8"?>
+<file path=ppt/slides/slide8.xml><?xml version="1.0" encoding="utf-8"?>
 <p:sld xmlns:a="http://schemas.openxmlformats.org/drawingml/2006/main" xmlns:r="http://schemas.openxmlformats.org/officeDocument/2006/relationships" xmlns:p="http://schemas.openxmlformats.org/presentationml/2006/main">
   <p:cSld>
     <p:spTree>
@@ -10086,7 +11046,7 @@
 </p:sld>
 </file>
 
-<file path=ppt/slides/slide7.xml><?xml version="1.0" encoding="utf-8"?>
+<file path=ppt/slides/slide9.xml><?xml version="1.0" encoding="utf-8"?>
 <p:sld xmlns:a="http://schemas.openxmlformats.org/drawingml/2006/main" xmlns:r="http://schemas.openxmlformats.org/officeDocument/2006/relationships" xmlns:p="http://schemas.openxmlformats.org/presentationml/2006/main">
   <p:cSld>
     <p:spTree>
@@ -10271,517 +11231,6 @@
     <p:extLst>
       <p:ext uri="{BB962C8B-B14F-4D97-AF65-F5344CB8AC3E}">
         <p14:creationId xmlns:p14="http://schemas.microsoft.com/office/powerpoint/2010/main" val="3565974744"/>
-      </p:ext>
-    </p:extLst>
-  </p:cSld>
-  <p:clrMapOvr>
-    <a:masterClrMapping/>
-  </p:clrMapOvr>
-</p:sld>
-</file>
-
-<file path=ppt/slides/slide8.xml><?xml version="1.0" encoding="utf-8"?>
-<p:sld xmlns:a="http://schemas.openxmlformats.org/drawingml/2006/main" xmlns:r="http://schemas.openxmlformats.org/officeDocument/2006/relationships" xmlns:p="http://schemas.openxmlformats.org/presentationml/2006/main">
-  <p:cSld>
-    <p:spTree>
-      <p:nvGrpSpPr>
-        <p:cNvPr id="1" name="">
-          <a:extLst>
-            <a:ext uri="{FF2B5EF4-FFF2-40B4-BE49-F238E27FC236}">
-              <a16:creationId xmlns:a16="http://schemas.microsoft.com/office/drawing/2014/main" id="{43B3E2B5-800C-F24A-06C6-2694203567FC}"/>
-            </a:ext>
-          </a:extLst>
-        </p:cNvPr>
-        <p:cNvGrpSpPr/>
-        <p:nvPr/>
-      </p:nvGrpSpPr>
-      <p:grpSpPr>
-        <a:xfrm>
-          <a:off x="0" y="0"/>
-          <a:ext cx="0" cy="0"/>
-          <a:chOff x="0" y="0"/>
-          <a:chExt cx="0" cy="0"/>
-        </a:xfrm>
-      </p:grpSpPr>
-      <mc:AlternateContent xmlns:mc="http://schemas.openxmlformats.org/markup-compatibility/2006" xmlns:a14="http://schemas.microsoft.com/office/drawing/2010/main">
-        <mc:Choice Requires="a14">
-          <p:sp>
-            <p:nvSpPr>
-              <p:cNvPr id="3" name="Content Placeholder 2">
-                <a:extLst>
-                  <a:ext uri="{FF2B5EF4-FFF2-40B4-BE49-F238E27FC236}">
-                    <a16:creationId xmlns:a16="http://schemas.microsoft.com/office/drawing/2014/main" id="{8FF96197-CB58-9C40-7BDF-E4491EFE9187}"/>
-                  </a:ext>
-                </a:extLst>
-              </p:cNvPr>
-              <p:cNvSpPr>
-                <a:spLocks noGrp="1"/>
-              </p:cNvSpPr>
-              <p:nvPr>
-                <p:ph idx="1"/>
-              </p:nvPr>
-            </p:nvSpPr>
-            <p:spPr>
-              <a:xfrm>
-                <a:off x="702853" y="719137"/>
-                <a:ext cx="10900568" cy="5313801"/>
-              </a:xfrm>
-            </p:spPr>
-            <p:txBody>
-              <a:bodyPr>
-                <a:normAutofit/>
-              </a:bodyPr>
-              <a:lstStyle/>
-              <a:p>
-                <a:pPr marL="0" indent="0">
-                  <a:buNone/>
-                </a:pPr>
-                <a:r>
-                  <a:rPr lang="en-IN" sz="2400" dirty="0"/>
-                  <a:t>Here, </a:t>
-                </a:r>
-                <a:r>
-                  <a:rPr lang="en-IN" sz="2800" b="1" dirty="0"/>
-                  <a:t> </a:t>
-                </a:r>
-                <a14:m>
-                  <m:oMath xmlns:m="http://schemas.openxmlformats.org/officeDocument/2006/math">
-                    <m:r>
-                      <a:rPr lang="en-IN" sz="2400" b="1" i="1">
-                        <a:latin typeface="Cambria Math" panose="02040503050406030204" pitchFamily="18" charset="0"/>
-                      </a:rPr>
-                      <m:t>𝒂</m:t>
-                    </m:r>
-                    <m:r>
-                      <a:rPr lang="en-IN" sz="2400" b="1">
-                        <a:latin typeface="Cambria Math" panose="02040503050406030204" pitchFamily="18" charset="0"/>
-                      </a:rPr>
-                      <m:t>=</m:t>
-                    </m:r>
-                    <m:r>
-                      <a:rPr lang="en-IN" sz="2400" b="1" i="1">
-                        <a:latin typeface="Cambria Math" panose="02040503050406030204" pitchFamily="18" charset="0"/>
-                      </a:rPr>
-                      <m:t>𝟐</m:t>
-                    </m:r>
-                    <m:r>
-                      <a:rPr lang="en-IN" sz="2400" b="1">
-                        <a:latin typeface="Cambria Math" panose="02040503050406030204" pitchFamily="18" charset="0"/>
-                      </a:rPr>
-                      <m:t>,</m:t>
-                    </m:r>
-                    <m:r>
-                      <a:rPr lang="en-IN" sz="2400" b="1" i="1">
-                        <a:latin typeface="Cambria Math" panose="02040503050406030204" pitchFamily="18" charset="0"/>
-                      </a:rPr>
-                      <m:t>𝒃</m:t>
-                    </m:r>
-                    <m:r>
-                      <a:rPr lang="en-IN" sz="2400" b="1">
-                        <a:latin typeface="Cambria Math" panose="02040503050406030204" pitchFamily="18" charset="0"/>
-                      </a:rPr>
-                      <m:t>=</m:t>
-                    </m:r>
-                    <m:r>
-                      <a:rPr lang="en-IN" sz="2400" b="1" i="1">
-                        <a:latin typeface="Cambria Math" panose="02040503050406030204" pitchFamily="18" charset="0"/>
-                      </a:rPr>
-                      <m:t>𝟑</m:t>
-                    </m:r>
-                    <m:r>
-                      <a:rPr lang="en-IN" sz="2400" b="1">
-                        <a:latin typeface="Cambria Math" panose="02040503050406030204" pitchFamily="18" charset="0"/>
-                      </a:rPr>
-                      <m:t>,</m:t>
-                    </m:r>
-                    <m:r>
-                      <a:rPr lang="en-IN" sz="2400" b="1" i="1">
-                        <a:latin typeface="Cambria Math" panose="02040503050406030204" pitchFamily="18" charset="0"/>
-                      </a:rPr>
-                      <m:t>𝒄</m:t>
-                    </m:r>
-                    <m:r>
-                      <a:rPr lang="en-IN" sz="2400" b="1">
-                        <a:latin typeface="Cambria Math" panose="02040503050406030204" pitchFamily="18" charset="0"/>
-                      </a:rPr>
-                      <m:t>=−</m:t>
-                    </m:r>
-                    <m:r>
-                      <a:rPr lang="en-IN" sz="2400" b="1" i="1">
-                        <a:latin typeface="Cambria Math" panose="02040503050406030204" pitchFamily="18" charset="0"/>
-                      </a:rPr>
-                      <m:t>𝟐</m:t>
-                    </m:r>
-                  </m:oMath>
-                </a14:m>
-                <a:endParaRPr lang="en-IN" sz="2400" b="1" dirty="0"/>
-              </a:p>
-              <a:p>
-                <a:pPr marL="0" indent="0">
-                  <a:buNone/>
-                </a:pPr>
-                <a:endParaRPr lang="en-IN" sz="2800" b="1" dirty="0"/>
-              </a:p>
-              <a:p>
-                <a:pPr marL="0" indent="0">
-                  <a:buNone/>
-                </a:pPr>
-                <a:endParaRPr lang="en-IN" sz="2800" b="1" dirty="0"/>
-              </a:p>
-              <a:p>
-                <a:pPr marL="0" indent="0">
-                  <a:buNone/>
-                </a:pPr>
-                <a:endParaRPr lang="en-IN" sz="2800" b="1" dirty="0"/>
-              </a:p>
-              <a:p>
-                <a:pPr marL="0" indent="0">
-                  <a:buNone/>
-                </a:pPr>
-                <a:r>
-                  <a:rPr lang="en-IN" sz="2800" dirty="0"/>
-                  <a:t>So,</a:t>
-                </a:r>
-              </a:p>
-              <a:p>
-                <a:pPr marL="0" indent="0">
-                  <a:buNone/>
-                </a:pPr>
-                <a:endParaRPr lang="en-IN" sz="2800" b="1" dirty="0"/>
-              </a:p>
-              <a:p>
-                <a:pPr marL="0" indent="0">
-                  <a:buNone/>
-                </a:pPr>
-                <a:endParaRPr lang="en-IN" sz="2800" b="1" dirty="0"/>
-              </a:p>
-              <a:p>
-                <a:pPr marL="0" indent="0">
-                  <a:buNone/>
-                </a:pPr>
-                <a:endParaRPr lang="en-IN" sz="2800" b="1" dirty="0"/>
-              </a:p>
-              <a:p>
-                <a:pPr marL="0" indent="0">
-                  <a:buNone/>
-                </a:pPr>
-                <a:endParaRPr lang="en-IN" sz="2800" b="1" dirty="0"/>
-              </a:p>
-              <a:p>
-                <a:pPr marL="0" indent="0">
-                  <a:buNone/>
-                </a:pPr>
-                <a:r>
-                  <a:rPr lang="en-IN" sz="2800" dirty="0"/>
-                  <a:t>Roots are </a:t>
-                </a:r>
-                <a:r>
-                  <a:rPr lang="en-IN" sz="2800" b="1" dirty="0">
-                    <a:solidFill>
-                      <a:srgbClr val="C00000"/>
-                    </a:solidFill>
-                  </a:rPr>
-                  <a:t>½</a:t>
-                </a:r>
-                <a:r>
-                  <a:rPr lang="en-IN" sz="2800" b="1" dirty="0"/>
-                  <a:t> and </a:t>
-                </a:r>
-                <a:r>
-                  <a:rPr lang="en-IN" sz="2800" b="1" dirty="0">
-                    <a:solidFill>
-                      <a:srgbClr val="C00000"/>
-                    </a:solidFill>
-                  </a:rPr>
-                  <a:t>-2</a:t>
-                </a:r>
-                <a:r>
-                  <a:rPr lang="en-IN" sz="2800" dirty="0"/>
-                  <a:t>.</a:t>
-                </a:r>
-                <a:endParaRPr lang="en-IN" sz="2800" b="1" dirty="0"/>
-              </a:p>
-              <a:p>
-                <a:pPr marL="0" indent="0">
-                  <a:buNone/>
-                </a:pPr>
-                <a:endParaRPr lang="en-IN" sz="2800" b="1" dirty="0"/>
-              </a:p>
-              <a:p>
-                <a:pPr marL="0" indent="0">
-                  <a:buNone/>
-                </a:pPr>
-                <a:endParaRPr lang="en-IN" sz="2800" b="1" dirty="0"/>
-              </a:p>
-            </p:txBody>
-          </p:sp>
-        </mc:Choice>
-        <mc:Fallback xmlns="">
-          <p:sp>
-            <p:nvSpPr>
-              <p:cNvPr id="3" name="Content Placeholder 2">
-                <a:extLst>
-                  <a:ext uri="{FF2B5EF4-FFF2-40B4-BE49-F238E27FC236}">
-                    <a16:creationId xmlns:a16="http://schemas.microsoft.com/office/drawing/2014/main" id="{8FF96197-CB58-9C40-7BDF-E4491EFE9187}"/>
-                  </a:ext>
-                </a:extLst>
-              </p:cNvPr>
-              <p:cNvSpPr>
-                <a:spLocks noGrp="1" noRot="1" noChangeAspect="1" noMove="1" noResize="1" noEditPoints="1" noAdjustHandles="1" noChangeArrowheads="1" noChangeShapeType="1" noTextEdit="1"/>
-              </p:cNvSpPr>
-              <p:nvPr>
-                <p:ph idx="1"/>
-              </p:nvPr>
-            </p:nvSpPr>
-            <p:spPr>
-              <a:xfrm>
-                <a:off x="702853" y="719137"/>
-                <a:ext cx="10900568" cy="5313801"/>
-              </a:xfrm>
-              <a:blipFill>
-                <a:blip r:embed="rId2"/>
-                <a:stretch>
-                  <a:fillRect l="-1119" t="-803"/>
-                </a:stretch>
-              </a:blipFill>
-            </p:spPr>
-            <p:txBody>
-              <a:bodyPr/>
-              <a:lstStyle/>
-              <a:p>
-                <a:r>
-                  <a:rPr lang="en-IN">
-                    <a:noFill/>
-                  </a:rPr>
-                  <a:t> </a:t>
-                </a:r>
-              </a:p>
-            </p:txBody>
-          </p:sp>
-        </mc:Fallback>
-      </mc:AlternateContent>
-      <p:pic>
-        <p:nvPicPr>
-          <p:cNvPr id="4" name="Picture 3">
-            <a:extLst>
-              <a:ext uri="{FF2B5EF4-FFF2-40B4-BE49-F238E27FC236}">
-                <a16:creationId xmlns:a16="http://schemas.microsoft.com/office/drawing/2014/main" id="{08AAC89E-F454-8B72-668A-39BE9584228E}"/>
-              </a:ext>
-            </a:extLst>
-          </p:cNvPr>
-          <p:cNvPicPr>
-            <a:picLocks noChangeAspect="1"/>
-          </p:cNvPicPr>
-          <p:nvPr/>
-        </p:nvPicPr>
-        <p:blipFill>
-          <a:blip r:embed="rId3"/>
-          <a:stretch>
-            <a:fillRect/>
-          </a:stretch>
-        </p:blipFill>
-        <p:spPr>
-          <a:xfrm>
-            <a:off x="1687285" y="1405467"/>
-            <a:ext cx="7826829" cy="1130542"/>
-          </a:xfrm>
-          <a:prstGeom prst="rect">
-            <a:avLst/>
-          </a:prstGeom>
-        </p:spPr>
-      </p:pic>
-      <p:pic>
-        <p:nvPicPr>
-          <p:cNvPr id="6" name="Picture 5">
-            <a:extLst>
-              <a:ext uri="{FF2B5EF4-FFF2-40B4-BE49-F238E27FC236}">
-                <a16:creationId xmlns:a16="http://schemas.microsoft.com/office/drawing/2014/main" id="{4D8C7033-AB12-7B53-82BD-D9E8C775B3BC}"/>
-              </a:ext>
-            </a:extLst>
-          </p:cNvPr>
-          <p:cNvPicPr>
-            <a:picLocks noChangeAspect="1"/>
-          </p:cNvPicPr>
-          <p:nvPr/>
-        </p:nvPicPr>
-        <p:blipFill>
-          <a:blip r:embed="rId4"/>
-          <a:stretch>
-            <a:fillRect/>
-          </a:stretch>
-        </p:blipFill>
-        <p:spPr>
-          <a:xfrm>
-            <a:off x="1687285" y="3222339"/>
-            <a:ext cx="7826829" cy="1356214"/>
-          </a:xfrm>
-          <a:prstGeom prst="rect">
-            <a:avLst/>
-          </a:prstGeom>
-        </p:spPr>
-      </p:pic>
-    </p:spTree>
-    <p:extLst>
-      <p:ext uri="{BB962C8B-B14F-4D97-AF65-F5344CB8AC3E}">
-        <p14:creationId xmlns:p14="http://schemas.microsoft.com/office/powerpoint/2010/main" val="1152964779"/>
-      </p:ext>
-    </p:extLst>
-  </p:cSld>
-  <p:clrMapOvr>
-    <a:masterClrMapping/>
-  </p:clrMapOvr>
-</p:sld>
-</file>
-
-<file path=ppt/slides/slide9.xml><?xml version="1.0" encoding="utf-8"?>
-<p:sld xmlns:a="http://schemas.openxmlformats.org/drawingml/2006/main" xmlns:r="http://schemas.openxmlformats.org/officeDocument/2006/relationships" xmlns:p="http://schemas.openxmlformats.org/presentationml/2006/main">
-  <p:cSld>
-    <p:spTree>
-      <p:nvGrpSpPr>
-        <p:cNvPr id="1" name="">
-          <a:extLst>
-            <a:ext uri="{FF2B5EF4-FFF2-40B4-BE49-F238E27FC236}">
-              <a16:creationId xmlns:a16="http://schemas.microsoft.com/office/drawing/2014/main" id="{1AD65B9C-B3C6-0030-34CB-577ACCC6A071}"/>
-            </a:ext>
-          </a:extLst>
-        </p:cNvPr>
-        <p:cNvGrpSpPr/>
-        <p:nvPr/>
-      </p:nvGrpSpPr>
-      <p:grpSpPr>
-        <a:xfrm>
-          <a:off x="0" y="0"/>
-          <a:ext cx="0" cy="0"/>
-          <a:chOff x="0" y="0"/>
-          <a:chExt cx="0" cy="0"/>
-        </a:xfrm>
-      </p:grpSpPr>
-      <p:sp>
-        <p:nvSpPr>
-          <p:cNvPr id="3" name="Content Placeholder 2">
-            <a:extLst>
-              <a:ext uri="{FF2B5EF4-FFF2-40B4-BE49-F238E27FC236}">
-                <a16:creationId xmlns:a16="http://schemas.microsoft.com/office/drawing/2014/main" id="{197B615E-0C11-840D-5C7C-5CD5AF973632}"/>
-              </a:ext>
-            </a:extLst>
-          </p:cNvPr>
-          <p:cNvSpPr>
-            <a:spLocks noGrp="1"/>
-          </p:cNvSpPr>
-          <p:nvPr>
-            <p:ph idx="1"/>
-          </p:nvPr>
-        </p:nvSpPr>
-        <p:spPr>
-          <a:xfrm>
-            <a:off x="702853" y="719137"/>
-            <a:ext cx="10900568" cy="5313801"/>
-          </a:xfrm>
-        </p:spPr>
-        <p:txBody>
-          <a:bodyPr>
-            <a:normAutofit/>
-          </a:bodyPr>
-          <a:lstStyle/>
-          <a:p>
-            <a:pPr marL="0" indent="0">
-              <a:buNone/>
-            </a:pPr>
-            <a:r>
-              <a:rPr lang="en-US" sz="2400" b="1" dirty="0"/>
-              <a:t>Why the word “</a:t>
-            </a:r>
-            <a:r>
-              <a:rPr lang="en-US" sz="2400" b="1" dirty="0">
-                <a:solidFill>
-                  <a:srgbClr val="C00000"/>
-                </a:solidFill>
-              </a:rPr>
-              <a:t>roots</a:t>
-            </a:r>
-            <a:r>
-              <a:rPr lang="en-US" sz="2400" b="1" dirty="0"/>
-              <a:t>”?</a:t>
-            </a:r>
-          </a:p>
-          <a:p>
-            <a:r>
-              <a:rPr lang="en-US" sz="2400" dirty="0"/>
-              <a:t>The word </a:t>
-            </a:r>
-            <a:r>
-              <a:rPr lang="en-US" sz="2400" b="1" dirty="0"/>
-              <a:t>“root”</a:t>
-            </a:r>
-            <a:r>
-              <a:rPr lang="en-US" sz="2400" dirty="0"/>
-              <a:t> in mathematics comes from the idea of a </a:t>
-            </a:r>
-            <a:r>
-              <a:rPr lang="en-US" sz="2400" b="1" dirty="0"/>
-              <a:t>foundation</a:t>
-            </a:r>
-            <a:r>
-              <a:rPr lang="en-US" sz="2400" dirty="0"/>
-              <a:t> —</a:t>
-            </a:r>
-            <a:br>
-              <a:rPr lang="en-US" sz="2400" dirty="0"/>
-            </a:br>
-            <a:r>
-              <a:rPr lang="en-US" sz="2400" dirty="0"/>
-              <a:t>just like the roots of a tree are the base or starting point of its growth.</a:t>
-            </a:r>
-          </a:p>
-          <a:p>
-            <a:r>
-              <a:rPr lang="en-US" sz="2400" dirty="0"/>
-              <a:t>In equations, a </a:t>
-            </a:r>
-            <a:r>
-              <a:rPr lang="en-US" sz="2400" b="1" dirty="0"/>
-              <a:t>root</a:t>
-            </a:r>
-            <a:r>
-              <a:rPr lang="en-US" sz="2400" dirty="0"/>
-              <a:t> is the </a:t>
-            </a:r>
-            <a:r>
-              <a:rPr lang="en-US" sz="2400" b="1" dirty="0"/>
-              <a:t>value of x</a:t>
-            </a:r>
-            <a:r>
-              <a:rPr lang="en-US" sz="2400" dirty="0"/>
-              <a:t> that makes the equation become </a:t>
-            </a:r>
-            <a:r>
-              <a:rPr lang="en-US" sz="2400" b="1" dirty="0"/>
-              <a:t>zero</a:t>
-            </a:r>
-            <a:r>
-              <a:rPr lang="en-US" sz="2400" dirty="0"/>
-              <a:t> —</a:t>
-            </a:r>
-            <a:br>
-              <a:rPr lang="en-US" sz="2400" dirty="0"/>
-            </a:br>
-            <a:r>
-              <a:rPr lang="en-US" sz="2400" dirty="0"/>
-              <a:t>the point where the expression “starts” or “balances”.</a:t>
-            </a:r>
-          </a:p>
-          <a:p>
-            <a:pPr marL="0" indent="0">
-              <a:buNone/>
-            </a:pPr>
-            <a:endParaRPr lang="en-IN" sz="2400" dirty="0"/>
-          </a:p>
-        </p:txBody>
-      </p:sp>
-    </p:spTree>
-    <p:extLst>
-      <p:ext uri="{BB962C8B-B14F-4D97-AF65-F5344CB8AC3E}">
-        <p14:creationId xmlns:p14="http://schemas.microsoft.com/office/powerpoint/2010/main" val="1958689012"/>
       </p:ext>
     </p:extLst>
   </p:cSld>

--- a/Lab Programs.pptx
+++ b/Lab Programs.pptx
@@ -5,33 +5,38 @@
     <p:sldMasterId id="2147483710" r:id="rId1"/>
   </p:sldMasterIdLst>
   <p:notesMasterIdLst>
-    <p:notesMasterId r:id="rId26"/>
+    <p:notesMasterId r:id="rId31"/>
   </p:notesMasterIdLst>
   <p:sldIdLst>
     <p:sldId id="418" r:id="rId2"/>
     <p:sldId id="499" r:id="rId3"/>
     <p:sldId id="500" r:id="rId4"/>
-    <p:sldId id="521" r:id="rId5"/>
-    <p:sldId id="520" r:id="rId6"/>
-    <p:sldId id="501" r:id="rId7"/>
-    <p:sldId id="502" r:id="rId8"/>
-    <p:sldId id="503" r:id="rId9"/>
-    <p:sldId id="504" r:id="rId10"/>
-    <p:sldId id="505" r:id="rId11"/>
-    <p:sldId id="506" r:id="rId12"/>
-    <p:sldId id="508" r:id="rId13"/>
-    <p:sldId id="509" r:id="rId14"/>
-    <p:sldId id="507" r:id="rId15"/>
-    <p:sldId id="514" r:id="rId16"/>
-    <p:sldId id="510" r:id="rId17"/>
-    <p:sldId id="511" r:id="rId18"/>
-    <p:sldId id="512" r:id="rId19"/>
-    <p:sldId id="513" r:id="rId20"/>
-    <p:sldId id="519" r:id="rId21"/>
-    <p:sldId id="516" r:id="rId22"/>
-    <p:sldId id="517" r:id="rId23"/>
-    <p:sldId id="518" r:id="rId24"/>
-    <p:sldId id="515" r:id="rId25"/>
+    <p:sldId id="523" r:id="rId5"/>
+    <p:sldId id="524" r:id="rId6"/>
+    <p:sldId id="525" r:id="rId7"/>
+    <p:sldId id="526" r:id="rId8"/>
+    <p:sldId id="522" r:id="rId9"/>
+    <p:sldId id="521" r:id="rId10"/>
+    <p:sldId id="520" r:id="rId11"/>
+    <p:sldId id="501" r:id="rId12"/>
+    <p:sldId id="502" r:id="rId13"/>
+    <p:sldId id="503" r:id="rId14"/>
+    <p:sldId id="504" r:id="rId15"/>
+    <p:sldId id="505" r:id="rId16"/>
+    <p:sldId id="506" r:id="rId17"/>
+    <p:sldId id="508" r:id="rId18"/>
+    <p:sldId id="509" r:id="rId19"/>
+    <p:sldId id="507" r:id="rId20"/>
+    <p:sldId id="514" r:id="rId21"/>
+    <p:sldId id="510" r:id="rId22"/>
+    <p:sldId id="511" r:id="rId23"/>
+    <p:sldId id="512" r:id="rId24"/>
+    <p:sldId id="513" r:id="rId25"/>
+    <p:sldId id="519" r:id="rId26"/>
+    <p:sldId id="516" r:id="rId27"/>
+    <p:sldId id="517" r:id="rId28"/>
+    <p:sldId id="518" r:id="rId29"/>
+    <p:sldId id="515" r:id="rId30"/>
   </p:sldIdLst>
   <p:sldSz cx="12192000" cy="6858000"/>
   <p:notesSz cx="6858000" cy="9144000"/>
@@ -141,7 +146,7 @@
 <file path=ppt/revisionInfo.xml><?xml version="1.0" encoding="utf-8"?>
 <p1510:revInfo xmlns:a="http://schemas.openxmlformats.org/drawingml/2006/main" xmlns:r="http://schemas.openxmlformats.org/officeDocument/2006/relationships" xmlns:p1510="http://schemas.microsoft.com/office/powerpoint/2015/10/main">
   <p1510:revLst>
-    <p1510:client id="{30EA0321-1A65-4290-9DEA-C954831F3AA8}" v="7" dt="2025-11-12T17:48:39.621"/>
+    <p1510:client id="{00C1E189-9CBC-4E80-A29D-FE55FB48779C}" v="18" dt="2025-11-26T19:45:56.160"/>
   </p1510:revLst>
 </p1510:revInfo>
 </file>
@@ -150,136 +155,25 @@
 <pc:chgInfo xmlns:a="http://schemas.openxmlformats.org/drawingml/2006/main" xmlns:r="http://schemas.openxmlformats.org/officeDocument/2006/relationships" xmlns:ac="http://schemas.microsoft.com/office/drawing/2013/main/command" xmlns:pc="http://schemas.microsoft.com/office/powerpoint/2013/main/command">
   <pc:docChgLst>
     <pc:chgData name="Pramod Naik" userId="ceb6df04-ef15-4d9b-a141-998a03559d75" providerId="ADAL" clId="{62E9B5AE-779D-4001-92D3-8FF830A8A9C1}"/>
-    <pc:docChg chg="undo custSel addSld modSld sldOrd">
-      <pc:chgData name="Pramod Naik" userId="ceb6df04-ef15-4d9b-a141-998a03559d75" providerId="ADAL" clId="{62E9B5AE-779D-4001-92D3-8FF830A8A9C1}" dt="2025-11-12T17:49:13.273" v="217" actId="403"/>
+    <pc:docChg chg="undo custSel addSld delSld modSld sldOrd">
+      <pc:chgData name="Pramod Naik" userId="ceb6df04-ef15-4d9b-a141-998a03559d75" providerId="ADAL" clId="{62E9B5AE-779D-4001-92D3-8FF830A8A9C1}" dt="2025-11-26T19:46:46.703" v="377" actId="47"/>
       <pc:docMkLst>
         <pc:docMk/>
       </pc:docMkLst>
       <pc:sldChg chg="modSp mod">
-        <pc:chgData name="Pramod Naik" userId="ceb6df04-ef15-4d9b-a141-998a03559d75" providerId="ADAL" clId="{62E9B5AE-779D-4001-92D3-8FF830A8A9C1}" dt="2025-11-12T17:44:17.668" v="171" actId="1076"/>
+        <pc:chgData name="Pramod Naik" userId="ceb6df04-ef15-4d9b-a141-998a03559d75" providerId="ADAL" clId="{62E9B5AE-779D-4001-92D3-8FF830A8A9C1}" dt="2025-11-26T19:35:41.822" v="231" actId="108"/>
         <pc:sldMkLst>
           <pc:docMk/>
           <pc:sldMk cId="900395705" sldId="500"/>
         </pc:sldMkLst>
         <pc:spChg chg="mod">
-          <ac:chgData name="Pramod Naik" userId="ceb6df04-ef15-4d9b-a141-998a03559d75" providerId="ADAL" clId="{62E9B5AE-779D-4001-92D3-8FF830A8A9C1}" dt="2025-11-12T17:44:17.668" v="171" actId="1076"/>
+          <ac:chgData name="Pramod Naik" userId="ceb6df04-ef15-4d9b-a141-998a03559d75" providerId="ADAL" clId="{62E9B5AE-779D-4001-92D3-8FF830A8A9C1}" dt="2025-11-26T19:35:41.822" v="231" actId="108"/>
           <ac:spMkLst>
             <pc:docMk/>
             <pc:sldMk cId="900395705" sldId="500"/>
             <ac:spMk id="3" creationId="{38A9A654-5603-C7C9-966E-753272CC1F3B}"/>
           </ac:spMkLst>
         </pc:spChg>
-      </pc:sldChg>
-      <pc:sldChg chg="modSp mod ord">
-        <pc:chgData name="Pramod Naik" userId="ceb6df04-ef15-4d9b-a141-998a03559d75" providerId="ADAL" clId="{62E9B5AE-779D-4001-92D3-8FF830A8A9C1}" dt="2025-10-17T21:35:35.882" v="149" actId="113"/>
-        <pc:sldMkLst>
-          <pc:docMk/>
-          <pc:sldMk cId="288091608" sldId="510"/>
-        </pc:sldMkLst>
-        <pc:spChg chg="mod">
-          <ac:chgData name="Pramod Naik" userId="ceb6df04-ef15-4d9b-a141-998a03559d75" providerId="ADAL" clId="{62E9B5AE-779D-4001-92D3-8FF830A8A9C1}" dt="2025-10-17T21:35:35.882" v="149" actId="113"/>
-          <ac:spMkLst>
-            <pc:docMk/>
-            <pc:sldMk cId="288091608" sldId="510"/>
-            <ac:spMk id="3" creationId="{843F6206-825E-2C99-9B55-01DEE15418DB}"/>
-          </ac:spMkLst>
-        </pc:spChg>
-      </pc:sldChg>
-      <pc:sldChg chg="addSp modSp mod ord">
-        <pc:chgData name="Pramod Naik" userId="ceb6df04-ef15-4d9b-a141-998a03559d75" providerId="ADAL" clId="{62E9B5AE-779D-4001-92D3-8FF830A8A9C1}" dt="2025-10-17T21:32:31.266" v="97" actId="14734"/>
-        <pc:sldMkLst>
-          <pc:docMk/>
-          <pc:sldMk cId="747276232" sldId="511"/>
-        </pc:sldMkLst>
-        <pc:spChg chg="mod">
-          <ac:chgData name="Pramod Naik" userId="ceb6df04-ef15-4d9b-a141-998a03559d75" providerId="ADAL" clId="{62E9B5AE-779D-4001-92D3-8FF830A8A9C1}" dt="2025-10-17T21:29:55.857" v="70"/>
-          <ac:spMkLst>
-            <pc:docMk/>
-            <pc:sldMk cId="747276232" sldId="511"/>
-            <ac:spMk id="3" creationId="{823E7C00-1568-19F8-6782-CE1388A11896}"/>
-          </ac:spMkLst>
-        </pc:spChg>
-        <pc:graphicFrameChg chg="add mod modGraphic">
-          <ac:chgData name="Pramod Naik" userId="ceb6df04-ef15-4d9b-a141-998a03559d75" providerId="ADAL" clId="{62E9B5AE-779D-4001-92D3-8FF830A8A9C1}" dt="2025-10-17T21:32:31.266" v="97" actId="14734"/>
-          <ac:graphicFrameMkLst>
-            <pc:docMk/>
-            <pc:sldMk cId="747276232" sldId="511"/>
-            <ac:graphicFrameMk id="2" creationId="{BB528A29-1138-AA04-EA14-94547C96ECAB}"/>
-          </ac:graphicFrameMkLst>
-        </pc:graphicFrameChg>
-      </pc:sldChg>
-      <pc:sldChg chg="modSp mod">
-        <pc:chgData name="Pramod Naik" userId="ceb6df04-ef15-4d9b-a141-998a03559d75" providerId="ADAL" clId="{62E9B5AE-779D-4001-92D3-8FF830A8A9C1}" dt="2025-10-17T21:34:01.656" v="125" actId="14100"/>
-        <pc:sldMkLst>
-          <pc:docMk/>
-          <pc:sldMk cId="260431940" sldId="512"/>
-        </pc:sldMkLst>
-        <pc:spChg chg="mod">
-          <ac:chgData name="Pramod Naik" userId="ceb6df04-ef15-4d9b-a141-998a03559d75" providerId="ADAL" clId="{62E9B5AE-779D-4001-92D3-8FF830A8A9C1}" dt="2025-10-17T21:34:01.656" v="125" actId="14100"/>
-          <ac:spMkLst>
-            <pc:docMk/>
-            <pc:sldMk cId="260431940" sldId="512"/>
-            <ac:spMk id="3" creationId="{825E74A6-13F9-C913-B52F-3569A3544902}"/>
-          </ac:spMkLst>
-        </pc:spChg>
-      </pc:sldChg>
-      <pc:sldChg chg="modSp mod">
-        <pc:chgData name="Pramod Naik" userId="ceb6df04-ef15-4d9b-a141-998a03559d75" providerId="ADAL" clId="{62E9B5AE-779D-4001-92D3-8FF830A8A9C1}" dt="2025-10-17T21:34:38.438" v="135" actId="207"/>
-        <pc:sldMkLst>
-          <pc:docMk/>
-          <pc:sldMk cId="2998280278" sldId="513"/>
-        </pc:sldMkLst>
-        <pc:spChg chg="mod">
-          <ac:chgData name="Pramod Naik" userId="ceb6df04-ef15-4d9b-a141-998a03559d75" providerId="ADAL" clId="{62E9B5AE-779D-4001-92D3-8FF830A8A9C1}" dt="2025-10-17T21:34:38.438" v="135" actId="207"/>
-          <ac:spMkLst>
-            <pc:docMk/>
-            <pc:sldMk cId="2998280278" sldId="513"/>
-            <ac:spMk id="3" creationId="{99995EFA-744D-55F6-554A-A0C7A61CD2F7}"/>
-          </ac:spMkLst>
-        </pc:spChg>
-      </pc:sldChg>
-      <pc:sldChg chg="modSp add mod ord">
-        <pc:chgData name="Pramod Naik" userId="ceb6df04-ef15-4d9b-a141-998a03559d75" providerId="ADAL" clId="{62E9B5AE-779D-4001-92D3-8FF830A8A9C1}" dt="2025-10-17T21:28:57.226" v="63" actId="207"/>
-        <pc:sldMkLst>
-          <pc:docMk/>
-          <pc:sldMk cId="2403199253" sldId="514"/>
-        </pc:sldMkLst>
-        <pc:spChg chg="mod">
-          <ac:chgData name="Pramod Naik" userId="ceb6df04-ef15-4d9b-a141-998a03559d75" providerId="ADAL" clId="{62E9B5AE-779D-4001-92D3-8FF830A8A9C1}" dt="2025-10-17T21:28:57.226" v="63" actId="207"/>
-          <ac:spMkLst>
-            <pc:docMk/>
-            <pc:sldMk cId="2403199253" sldId="514"/>
-            <ac:spMk id="3" creationId="{601CD7D9-151C-9F32-8BF5-828F4723B7AC}"/>
-          </ac:spMkLst>
-        </pc:spChg>
-      </pc:sldChg>
-      <pc:sldChg chg="add">
-        <pc:chgData name="Pramod Naik" userId="ceb6df04-ef15-4d9b-a141-998a03559d75" providerId="ADAL" clId="{62E9B5AE-779D-4001-92D3-8FF830A8A9C1}" dt="2025-10-17T21:34:05.779" v="126"/>
-        <pc:sldMkLst>
-          <pc:docMk/>
-          <pc:sldMk cId="2003019002" sldId="515"/>
-        </pc:sldMkLst>
-      </pc:sldChg>
-      <pc:sldChg chg="add">
-        <pc:chgData name="Pramod Naik" userId="ceb6df04-ef15-4d9b-a141-998a03559d75" providerId="ADAL" clId="{62E9B5AE-779D-4001-92D3-8FF830A8A9C1}" dt="2025-10-17T21:34:09.088" v="127"/>
-        <pc:sldMkLst>
-          <pc:docMk/>
-          <pc:sldMk cId="2964614626" sldId="516"/>
-        </pc:sldMkLst>
-      </pc:sldChg>
-      <pc:sldChg chg="add">
-        <pc:chgData name="Pramod Naik" userId="ceb6df04-ef15-4d9b-a141-998a03559d75" providerId="ADAL" clId="{62E9B5AE-779D-4001-92D3-8FF830A8A9C1}" dt="2025-10-17T21:34:09.273" v="128"/>
-        <pc:sldMkLst>
-          <pc:docMk/>
-          <pc:sldMk cId="3248180439" sldId="517"/>
-        </pc:sldMkLst>
-      </pc:sldChg>
-      <pc:sldChg chg="add">
-        <pc:chgData name="Pramod Naik" userId="ceb6df04-ef15-4d9b-a141-998a03559d75" providerId="ADAL" clId="{62E9B5AE-779D-4001-92D3-8FF830A8A9C1}" dt="2025-10-17T21:34:09.422" v="129"/>
-        <pc:sldMkLst>
-          <pc:docMk/>
-          <pc:sldMk cId="2088952648" sldId="518"/>
-        </pc:sldMkLst>
       </pc:sldChg>
       <pc:sldChg chg="add">
         <pc:chgData name="Pramod Naik" userId="ceb6df04-ef15-4d9b-a141-998a03559d75" providerId="ADAL" clId="{62E9B5AE-779D-4001-92D3-8FF830A8A9C1}" dt="2025-11-12T17:43:49.065" v="163"/>
@@ -294,14 +188,6 @@
           <pc:docMk/>
           <pc:sldMk cId="1609763764" sldId="521"/>
         </pc:sldMkLst>
-        <pc:spChg chg="del">
-          <ac:chgData name="Pramod Naik" userId="ceb6df04-ef15-4d9b-a141-998a03559d75" providerId="ADAL" clId="{62E9B5AE-779D-4001-92D3-8FF830A8A9C1}" dt="2025-11-12T17:44:26.990" v="173" actId="478"/>
-          <ac:spMkLst>
-            <pc:docMk/>
-            <pc:sldMk cId="1609763764" sldId="521"/>
-            <ac:spMk id="2" creationId="{43A4DF5F-E099-4177-39BA-5405F016F9A8}"/>
-          </ac:spMkLst>
-        </pc:spChg>
         <pc:spChg chg="mod">
           <ac:chgData name="Pramod Naik" userId="ceb6df04-ef15-4d9b-a141-998a03559d75" providerId="ADAL" clId="{62E9B5AE-779D-4001-92D3-8FF830A8A9C1}" dt="2025-11-12T17:49:13.273" v="217" actId="403"/>
           <ac:spMkLst>
@@ -318,6 +204,111 @@
             <ac:picMk id="5" creationId="{B6D131BE-FD71-8C8E-A1B3-C035777DBD99}"/>
           </ac:picMkLst>
         </pc:picChg>
+      </pc:sldChg>
+      <pc:sldChg chg="add">
+        <pc:chgData name="Pramod Naik" userId="ceb6df04-ef15-4d9b-a141-998a03559d75" providerId="ADAL" clId="{62E9B5AE-779D-4001-92D3-8FF830A8A9C1}" dt="2025-11-26T19:35:04.219" v="218"/>
+        <pc:sldMkLst>
+          <pc:docMk/>
+          <pc:sldMk cId="2350706493" sldId="522"/>
+        </pc:sldMkLst>
+      </pc:sldChg>
+      <pc:sldChg chg="addSp delSp modSp add mod">
+        <pc:chgData name="Pramod Naik" userId="ceb6df04-ef15-4d9b-a141-998a03559d75" providerId="ADAL" clId="{62E9B5AE-779D-4001-92D3-8FF830A8A9C1}" dt="2025-11-26T19:41:12.076" v="268" actId="12"/>
+        <pc:sldMkLst>
+          <pc:docMk/>
+          <pc:sldMk cId="2147554994" sldId="523"/>
+        </pc:sldMkLst>
+        <pc:spChg chg="mod">
+          <ac:chgData name="Pramod Naik" userId="ceb6df04-ef15-4d9b-a141-998a03559d75" providerId="ADAL" clId="{62E9B5AE-779D-4001-92D3-8FF830A8A9C1}" dt="2025-11-26T19:41:12.076" v="268" actId="12"/>
+          <ac:spMkLst>
+            <pc:docMk/>
+            <pc:sldMk cId="2147554994" sldId="523"/>
+            <ac:spMk id="3" creationId="{C3ADC201-F9EC-B490-AE30-DB2AF5B8AFFC}"/>
+          </ac:spMkLst>
+        </pc:spChg>
+        <pc:graphicFrameChg chg="add mod modGraphic">
+          <ac:chgData name="Pramod Naik" userId="ceb6df04-ef15-4d9b-a141-998a03559d75" providerId="ADAL" clId="{62E9B5AE-779D-4001-92D3-8FF830A8A9C1}" dt="2025-11-26T19:40:01.512" v="253" actId="1076"/>
+          <ac:graphicFrameMkLst>
+            <pc:docMk/>
+            <pc:sldMk cId="2147554994" sldId="523"/>
+            <ac:graphicFrameMk id="2" creationId="{D440493D-7B73-F2DC-80F1-8791089B5021}"/>
+          </ac:graphicFrameMkLst>
+        </pc:graphicFrameChg>
+        <pc:picChg chg="del">
+          <ac:chgData name="Pramod Naik" userId="ceb6df04-ef15-4d9b-a141-998a03559d75" providerId="ADAL" clId="{62E9B5AE-779D-4001-92D3-8FF830A8A9C1}" dt="2025-11-26T19:35:55.816" v="234" actId="478"/>
+          <ac:picMkLst>
+            <pc:docMk/>
+            <pc:sldMk cId="2147554994" sldId="523"/>
+            <ac:picMk id="5" creationId="{F050ACA9-CC35-F98C-6105-78943775A933}"/>
+          </ac:picMkLst>
+        </pc:picChg>
+      </pc:sldChg>
+      <pc:sldChg chg="add del">
+        <pc:chgData name="Pramod Naik" userId="ceb6df04-ef15-4d9b-a141-998a03559d75" providerId="ADAL" clId="{62E9B5AE-779D-4001-92D3-8FF830A8A9C1}" dt="2025-11-26T19:35:11.159" v="222"/>
+        <pc:sldMkLst>
+          <pc:docMk/>
+          <pc:sldMk cId="2636913653" sldId="523"/>
+        </pc:sldMkLst>
+      </pc:sldChg>
+      <pc:sldChg chg="addSp modSp add mod">
+        <pc:chgData name="Pramod Naik" userId="ceb6df04-ef15-4d9b-a141-998a03559d75" providerId="ADAL" clId="{62E9B5AE-779D-4001-92D3-8FF830A8A9C1}" dt="2025-11-26T19:44:41.679" v="358" actId="207"/>
+        <pc:sldMkLst>
+          <pc:docMk/>
+          <pc:sldMk cId="2001427130" sldId="524"/>
+        </pc:sldMkLst>
+        <pc:spChg chg="mod">
+          <ac:chgData name="Pramod Naik" userId="ceb6df04-ef15-4d9b-a141-998a03559d75" providerId="ADAL" clId="{62E9B5AE-779D-4001-92D3-8FF830A8A9C1}" dt="2025-11-26T19:44:41.679" v="358" actId="207"/>
+          <ac:spMkLst>
+            <pc:docMk/>
+            <pc:sldMk cId="2001427130" sldId="524"/>
+            <ac:spMk id="3" creationId="{CA4A09BB-B4CE-D1C0-E044-7558B2B86BD8}"/>
+          </ac:spMkLst>
+        </pc:spChg>
+        <pc:graphicFrameChg chg="add mod modGraphic">
+          <ac:chgData name="Pramod Naik" userId="ceb6df04-ef15-4d9b-a141-998a03559d75" providerId="ADAL" clId="{62E9B5AE-779D-4001-92D3-8FF830A8A9C1}" dt="2025-11-26T19:44:32.719" v="357" actId="20577"/>
+          <ac:graphicFrameMkLst>
+            <pc:docMk/>
+            <pc:sldMk cId="2001427130" sldId="524"/>
+            <ac:graphicFrameMk id="2" creationId="{C43A4964-5BE4-3000-767B-3936F392E456}"/>
+          </ac:graphicFrameMkLst>
+        </pc:graphicFrameChg>
+      </pc:sldChg>
+      <pc:sldChg chg="addSp modSp add mod">
+        <pc:chgData name="Pramod Naik" userId="ceb6df04-ef15-4d9b-a141-998a03559d75" providerId="ADAL" clId="{62E9B5AE-779D-4001-92D3-8FF830A8A9C1}" dt="2025-11-26T19:46:17.035" v="376" actId="14734"/>
+        <pc:sldMkLst>
+          <pc:docMk/>
+          <pc:sldMk cId="3891866407" sldId="525"/>
+        </pc:sldMkLst>
+        <pc:spChg chg="mod">
+          <ac:chgData name="Pramod Naik" userId="ceb6df04-ef15-4d9b-a141-998a03559d75" providerId="ADAL" clId="{62E9B5AE-779D-4001-92D3-8FF830A8A9C1}" dt="2025-11-26T19:46:00.349" v="365" actId="403"/>
+          <ac:spMkLst>
+            <pc:docMk/>
+            <pc:sldMk cId="3891866407" sldId="525"/>
+            <ac:spMk id="3" creationId="{69C8A5F8-41C9-4262-631D-3FD5BAA335E8}"/>
+          </ac:spMkLst>
+        </pc:spChg>
+        <pc:graphicFrameChg chg="add mod modGraphic">
+          <ac:chgData name="Pramod Naik" userId="ceb6df04-ef15-4d9b-a141-998a03559d75" providerId="ADAL" clId="{62E9B5AE-779D-4001-92D3-8FF830A8A9C1}" dt="2025-11-26T19:46:17.035" v="376" actId="14734"/>
+          <ac:graphicFrameMkLst>
+            <pc:docMk/>
+            <pc:sldMk cId="3891866407" sldId="525"/>
+            <ac:graphicFrameMk id="2" creationId="{7E516ACE-B7C9-4CC3-4F98-BA19F20166A6}"/>
+          </ac:graphicFrameMkLst>
+        </pc:graphicFrameChg>
+      </pc:sldChg>
+      <pc:sldChg chg="add">
+        <pc:chgData name="Pramod Naik" userId="ceb6df04-ef15-4d9b-a141-998a03559d75" providerId="ADAL" clId="{62E9B5AE-779D-4001-92D3-8FF830A8A9C1}" dt="2025-11-26T19:35:59.444" v="237"/>
+        <pc:sldMkLst>
+          <pc:docMk/>
+          <pc:sldMk cId="3927394895" sldId="526"/>
+        </pc:sldMkLst>
+      </pc:sldChg>
+      <pc:sldChg chg="add del">
+        <pc:chgData name="Pramod Naik" userId="ceb6df04-ef15-4d9b-a141-998a03559d75" providerId="ADAL" clId="{62E9B5AE-779D-4001-92D3-8FF830A8A9C1}" dt="2025-11-26T19:46:46.703" v="377" actId="47"/>
+        <pc:sldMkLst>
+          <pc:docMk/>
+          <pc:sldMk cId="2978404243" sldId="527"/>
+        </pc:sldMkLst>
       </pc:sldChg>
     </pc:docChg>
   </pc:docChgLst>
@@ -406,7 +397,7 @@
           <a:p>
             <a:fld id="{61532AF1-4615-4667-912A-829B12F8C4D2}" type="datetimeFigureOut">
               <a:rPr lang="en-IN" smtClean="0"/>
-              <a:t>12-11-2025</a:t>
+              <a:t>27-11-2025</a:t>
             </a:fld>
             <a:endParaRPr lang="en-IN"/>
           </a:p>
@@ -823,7 +814,7 @@
           <a:p>
             <a:fld id="{C43A76A3-ADC8-4477-8FC1-B9DD55D84908}" type="datetime1">
               <a:rPr lang="en-US" smtClean="0"/>
-              <a:t>11/12/2025</a:t>
+              <a:t>11/27/2025</a:t>
             </a:fld>
             <a:endParaRPr lang="en-US" dirty="0"/>
           </a:p>
@@ -1021,7 +1012,7 @@
           <a:p>
             <a:fld id="{D6762538-DC4D-4667-96E5-B3278DDF8B12}" type="datetime1">
               <a:rPr lang="en-US" smtClean="0"/>
-              <a:t>11/12/2025</a:t>
+              <a:t>11/27/2025</a:t>
             </a:fld>
             <a:endParaRPr lang="en-US"/>
           </a:p>
@@ -1229,7 +1220,7 @@
           <a:p>
             <a:fld id="{05880548-5C08-4BE3-B63E-F2BB63B0B00C}" type="datetime1">
               <a:rPr lang="en-US" smtClean="0"/>
-              <a:t>11/12/2025</a:t>
+              <a:t>11/27/2025</a:t>
             </a:fld>
             <a:endParaRPr lang="en-US"/>
           </a:p>
@@ -1427,7 +1418,7 @@
           <a:p>
             <a:fld id="{DE7F49BE-398D-479A-8A7E-5DDBCA61EDCB}" type="datetime1">
               <a:rPr lang="en-US" smtClean="0"/>
-              <a:t>11/12/2025</a:t>
+              <a:t>11/27/2025</a:t>
             </a:fld>
             <a:endParaRPr lang="en-US" dirty="0"/>
           </a:p>
@@ -1703,7 +1694,7 @@
           <a:p>
             <a:fld id="{CCD0C193-4974-4A1F-9C63-07D595E30D66}" type="datetime1">
               <a:rPr lang="en-US" smtClean="0"/>
-              <a:t>11/12/2025</a:t>
+              <a:t>11/27/2025</a:t>
             </a:fld>
             <a:endParaRPr lang="en-US"/>
           </a:p>
@@ -1970,7 +1961,7 @@
           <a:p>
             <a:fld id="{701AA87F-28D4-4BF0-B81F-877A89DFD5AC}" type="datetime1">
               <a:rPr lang="en-US" smtClean="0"/>
-              <a:t>11/12/2025</a:t>
+              <a:t>11/27/2025</a:t>
             </a:fld>
             <a:endParaRPr lang="en-US"/>
           </a:p>
@@ -2384,7 +2375,7 @@
           <a:p>
             <a:fld id="{A8A9F1F3-208B-49A3-B337-9C8ACEB3E0E1}" type="datetime1">
               <a:rPr lang="en-US" smtClean="0"/>
-              <a:t>11/12/2025</a:t>
+              <a:t>11/27/2025</a:t>
             </a:fld>
             <a:endParaRPr lang="en-US"/>
           </a:p>
@@ -2531,7 +2522,7 @@
           <a:p>
             <a:fld id="{27AF6CA6-7293-4AA2-A0E0-A3BF4416E786}" type="datetime1">
               <a:rPr lang="en-US" smtClean="0"/>
-              <a:t>11/12/2025</a:t>
+              <a:t>11/27/2025</a:t>
             </a:fld>
             <a:endParaRPr lang="en-US"/>
           </a:p>
@@ -2644,7 +2635,7 @@
           <a:p>
             <a:fld id="{98D87016-7BCD-46FB-8EE3-AB6C369108B4}" type="datetime1">
               <a:rPr lang="en-US" smtClean="0"/>
-              <a:t>11/12/2025</a:t>
+              <a:t>11/27/2025</a:t>
             </a:fld>
             <a:endParaRPr lang="en-US"/>
           </a:p>
@@ -2963,7 +2954,7 @@
           <a:p>
             <a:fld id="{A1547011-1FFC-4EF8-9A2E-53B4AD2ADBD4}" type="datetime1">
               <a:rPr lang="en-US" smtClean="0"/>
-              <a:t>11/12/2025</a:t>
+              <a:t>11/27/2025</a:t>
             </a:fld>
             <a:endParaRPr lang="en-US"/>
           </a:p>
@@ -3258,7 +3249,7 @@
           <a:p>
             <a:fld id="{9562EB47-45B4-4EF5-A743-B4885DD2F060}" type="datetime1">
               <a:rPr lang="en-US" smtClean="0"/>
-              <a:t>11/12/2025</a:t>
+              <a:t>11/27/2025</a:t>
             </a:fld>
             <a:endParaRPr lang="en-US"/>
           </a:p>
@@ -4643,7 +4634,7 @@
           <a:p>
             <a:fld id="{4A8D24A4-5FEC-4062-8995-EB21925B3B40}" type="datetime1">
               <a:rPr lang="en-US" smtClean="0"/>
-              <a:t>11/12/2025</a:t>
+              <a:t>11/27/2025</a:t>
             </a:fld>
             <a:endParaRPr lang="en-US" sz="1000" dirty="0"/>
           </a:p>
@@ -5377,6 +5368,1527 @@
         <p:cNvPr id="1" name="">
           <a:extLst>
             <a:ext uri="{FF2B5EF4-FFF2-40B4-BE49-F238E27FC236}">
+              <a16:creationId xmlns:a16="http://schemas.microsoft.com/office/drawing/2014/main" id="{562434F4-19A4-EFAC-5477-6E61F370832D}"/>
+            </a:ext>
+          </a:extLst>
+        </p:cNvPr>
+        <p:cNvGrpSpPr/>
+        <p:nvPr/>
+      </p:nvGrpSpPr>
+      <p:grpSpPr>
+        <a:xfrm>
+          <a:off x="0" y="0"/>
+          <a:ext cx="0" cy="0"/>
+          <a:chOff x="0" y="0"/>
+          <a:chExt cx="0" cy="0"/>
+        </a:xfrm>
+      </p:grpSpPr>
+      <p:sp>
+        <p:nvSpPr>
+          <p:cNvPr id="3" name="Content Placeholder 2">
+            <a:extLst>
+              <a:ext uri="{FF2B5EF4-FFF2-40B4-BE49-F238E27FC236}">
+                <a16:creationId xmlns:a16="http://schemas.microsoft.com/office/drawing/2014/main" id="{FF72CE86-BF42-BAB8-E553-4CD413A91587}"/>
+              </a:ext>
+            </a:extLst>
+          </p:cNvPr>
+          <p:cNvSpPr>
+            <a:spLocks noGrp="1"/>
+          </p:cNvSpPr>
+          <p:nvPr>
+            <p:ph idx="1"/>
+          </p:nvPr>
+        </p:nvSpPr>
+        <p:spPr>
+          <a:xfrm>
+            <a:off x="645716" y="1381359"/>
+            <a:ext cx="10900568" cy="4095281"/>
+          </a:xfrm>
+        </p:spPr>
+        <p:txBody>
+          <a:bodyPr>
+            <a:normAutofit/>
+          </a:bodyPr>
+          <a:lstStyle/>
+          <a:p>
+            <a:pPr marL="0" indent="0" algn="ctr">
+              <a:buNone/>
+            </a:pPr>
+            <a:r>
+              <a:rPr lang="en-IN" sz="6000" b="1" dirty="0">
+                <a:latin typeface="+mj-lt"/>
+              </a:rPr>
+              <a:t>Program-2: Develop a Program to Find the </a:t>
+            </a:r>
+            <a:r>
+              <a:rPr lang="en-IN" sz="6000" b="1" dirty="0">
+                <a:solidFill>
+                  <a:srgbClr val="C00000"/>
+                </a:solidFill>
+                <a:latin typeface="+mj-lt"/>
+              </a:rPr>
+              <a:t>Roots</a:t>
+            </a:r>
+            <a:r>
+              <a:rPr lang="en-IN" sz="6000" b="1" dirty="0">
+                <a:latin typeface="+mj-lt"/>
+              </a:rPr>
+              <a:t> of </a:t>
+            </a:r>
+            <a:r>
+              <a:rPr lang="en-IN" sz="6000" b="1" dirty="0">
+                <a:solidFill>
+                  <a:schemeClr val="tx2">
+                    <a:lumMod val="75000"/>
+                    <a:lumOff val="25000"/>
+                  </a:schemeClr>
+                </a:solidFill>
+                <a:latin typeface="+mj-lt"/>
+              </a:rPr>
+              <a:t>Quadratic Equations</a:t>
+            </a:r>
+          </a:p>
+        </p:txBody>
+      </p:sp>
+    </p:spTree>
+    <p:extLst>
+      <p:ext uri="{BB962C8B-B14F-4D97-AF65-F5344CB8AC3E}">
+        <p14:creationId xmlns:p14="http://schemas.microsoft.com/office/powerpoint/2010/main" val="3556443946"/>
+      </p:ext>
+    </p:extLst>
+  </p:cSld>
+  <p:clrMapOvr>
+    <a:masterClrMapping/>
+  </p:clrMapOvr>
+</p:sld>
+</file>
+
+<file path=ppt/slides/slide11.xml><?xml version="1.0" encoding="utf-8"?>
+<p:sld xmlns:a="http://schemas.openxmlformats.org/drawingml/2006/main" xmlns:r="http://schemas.openxmlformats.org/officeDocument/2006/relationships" xmlns:p="http://schemas.openxmlformats.org/presentationml/2006/main">
+  <p:cSld>
+    <p:spTree>
+      <p:nvGrpSpPr>
+        <p:cNvPr id="1" name="">
+          <a:extLst>
+            <a:ext uri="{FF2B5EF4-FFF2-40B4-BE49-F238E27FC236}">
+              <a16:creationId xmlns:a16="http://schemas.microsoft.com/office/drawing/2014/main" id="{4ABC718D-1BC9-3D5D-C0C5-C60151874169}"/>
+            </a:ext>
+          </a:extLst>
+        </p:cNvPr>
+        <p:cNvGrpSpPr/>
+        <p:nvPr/>
+      </p:nvGrpSpPr>
+      <p:grpSpPr>
+        <a:xfrm>
+          <a:off x="0" y="0"/>
+          <a:ext cx="0" cy="0"/>
+          <a:chOff x="0" y="0"/>
+          <a:chExt cx="0" cy="0"/>
+        </a:xfrm>
+      </p:grpSpPr>
+      <mc:AlternateContent xmlns:mc="http://schemas.openxmlformats.org/markup-compatibility/2006" xmlns:a14="http://schemas.microsoft.com/office/drawing/2010/main">
+        <mc:Choice Requires="a14">
+          <p:sp>
+            <p:nvSpPr>
+              <p:cNvPr id="3" name="Content Placeholder 2">
+                <a:extLst>
+                  <a:ext uri="{FF2B5EF4-FFF2-40B4-BE49-F238E27FC236}">
+                    <a16:creationId xmlns:a16="http://schemas.microsoft.com/office/drawing/2014/main" id="{125E2A00-176B-D173-0089-6F97C73608AC}"/>
+                  </a:ext>
+                </a:extLst>
+              </p:cNvPr>
+              <p:cNvSpPr>
+                <a:spLocks noGrp="1"/>
+              </p:cNvSpPr>
+              <p:nvPr>
+                <p:ph idx="1"/>
+              </p:nvPr>
+            </p:nvSpPr>
+            <p:spPr>
+              <a:xfrm>
+                <a:off x="702853" y="719137"/>
+                <a:ext cx="10900568" cy="5313801"/>
+              </a:xfrm>
+            </p:spPr>
+            <p:txBody>
+              <a:bodyPr>
+                <a:normAutofit/>
+              </a:bodyPr>
+              <a:lstStyle/>
+              <a:p>
+                <a:pPr marL="0" indent="0">
+                  <a:buNone/>
+                </a:pPr>
+                <a:r>
+                  <a:rPr lang="en-IN" sz="2800" b="1" dirty="0"/>
+                  <a:t>What is quadratic equation: (quadratic means </a:t>
+                </a:r>
+                <a:r>
+                  <a:rPr lang="en-IN" sz="2800" b="1" dirty="0">
+                    <a:solidFill>
+                      <a:srgbClr val="C00000"/>
+                    </a:solidFill>
+                  </a:rPr>
+                  <a:t>square</a:t>
+                </a:r>
+                <a:r>
+                  <a:rPr lang="en-IN" sz="2800" b="1" dirty="0"/>
+                  <a:t> )</a:t>
+                </a:r>
+              </a:p>
+              <a:p>
+                <a:r>
+                  <a:rPr lang="en-US" sz="2400" dirty="0"/>
+                  <a:t>A </a:t>
+                </a:r>
+                <a:r>
+                  <a:rPr lang="en-US" sz="2400" b="1" dirty="0"/>
+                  <a:t>quadratic equation</a:t>
+                </a:r>
+                <a:r>
+                  <a:rPr lang="en-US" sz="2400" dirty="0"/>
+                  <a:t> is a type of polynomial equation in which the </a:t>
+                </a:r>
+                <a:r>
+                  <a:rPr lang="en-US" sz="2400" b="1" dirty="0"/>
+                  <a:t>highest power of the variable (usually x)</a:t>
+                </a:r>
+                <a:r>
+                  <a:rPr lang="en-US" sz="2400" dirty="0"/>
+                  <a:t> is </a:t>
+                </a:r>
+                <a:r>
+                  <a:rPr lang="en-US" sz="2400" b="1" dirty="0"/>
+                  <a:t>2</a:t>
+                </a:r>
+                <a:r>
+                  <a:rPr lang="en-US" sz="2400" dirty="0"/>
+                  <a:t>.</a:t>
+                </a:r>
+              </a:p>
+              <a:p>
+                <a:r>
+                  <a:rPr lang="en-US" sz="2400" dirty="0"/>
+                  <a:t>It has the general form:</a:t>
+                </a:r>
+              </a:p>
+              <a:p>
+                <a:endParaRPr lang="en-US" sz="2400" dirty="0"/>
+              </a:p>
+              <a:p>
+                <a:endParaRPr lang="en-US" sz="2400" dirty="0"/>
+              </a:p>
+              <a:p>
+                <a:endParaRPr lang="en-US" sz="2400" dirty="0"/>
+              </a:p>
+              <a:p>
+                <a:r>
+                  <a:rPr lang="en-US" sz="2400" b="1" dirty="0"/>
+                  <a:t>where:</a:t>
+                </a:r>
+              </a:p>
+              <a:p>
+                <a:pPr lvl="1"/>
+                <a14:m>
+                  <m:oMath xmlns:m="http://schemas.openxmlformats.org/officeDocument/2006/math">
+                    <m:r>
+                      <a:rPr lang="en-US" sz="2000" i="1">
+                        <a:latin typeface="Cambria Math" panose="02040503050406030204" pitchFamily="18" charset="0"/>
+                      </a:rPr>
+                      <m:t>𝑎</m:t>
+                    </m:r>
+                    <m:r>
+                      <a:rPr lang="en-US" sz="2000">
+                        <a:latin typeface="Cambria Math" panose="02040503050406030204" pitchFamily="18" charset="0"/>
+                      </a:rPr>
+                      <m:t>,</m:t>
+                    </m:r>
+                    <m:r>
+                      <a:rPr lang="en-US" sz="2000" i="1">
+                        <a:latin typeface="Cambria Math" panose="02040503050406030204" pitchFamily="18" charset="0"/>
+                      </a:rPr>
+                      <m:t>𝑏</m:t>
+                    </m:r>
+                    <m:r>
+                      <a:rPr lang="en-US" sz="2000">
+                        <a:latin typeface="Cambria Math" panose="02040503050406030204" pitchFamily="18" charset="0"/>
+                      </a:rPr>
+                      <m:t>,</m:t>
+                    </m:r>
+                    <m:r>
+                      <a:rPr lang="en-US" sz="2000" i="1">
+                        <a:latin typeface="Cambria Math" panose="02040503050406030204" pitchFamily="18" charset="0"/>
+                      </a:rPr>
+                      <m:t>𝑐</m:t>
+                    </m:r>
+                  </m:oMath>
+                </a14:m>
+                <a:r>
+                  <a:rPr lang="en-US" sz="2400" dirty="0"/>
+                  <a:t>are real numbers (constants)</a:t>
+                </a:r>
+              </a:p>
+              <a:p>
+                <a:pPr lvl="1"/>
+                <a14:m>
+                  <m:oMath xmlns:m="http://schemas.openxmlformats.org/officeDocument/2006/math">
+                    <m:r>
+                      <a:rPr lang="en-US" sz="2000" i="1">
+                        <a:latin typeface="Cambria Math" panose="02040503050406030204" pitchFamily="18" charset="0"/>
+                      </a:rPr>
+                      <m:t>𝑎</m:t>
+                    </m:r>
+                    <m:r>
+                      <a:rPr lang="en-US" sz="2000">
+                        <a:latin typeface="Cambria Math" panose="02040503050406030204" pitchFamily="18" charset="0"/>
+                      </a:rPr>
+                      <m:t>≠0</m:t>
+                    </m:r>
+                  </m:oMath>
+                </a14:m>
+                <a:r>
+                  <a:rPr lang="en-US" sz="2400" dirty="0"/>
+                  <a:t>(because if </a:t>
+                </a:r>
+                <a14:m>
+                  <m:oMath xmlns:m="http://schemas.openxmlformats.org/officeDocument/2006/math">
+                    <m:r>
+                      <a:rPr lang="en-US" sz="2000" i="1">
+                        <a:latin typeface="Cambria Math" panose="02040503050406030204" pitchFamily="18" charset="0"/>
+                      </a:rPr>
+                      <m:t>𝑎</m:t>
+                    </m:r>
+                    <m:r>
+                      <a:rPr lang="en-US" sz="2000">
+                        <a:latin typeface="Cambria Math" panose="02040503050406030204" pitchFamily="18" charset="0"/>
+                      </a:rPr>
+                      <m:t>=0</m:t>
+                    </m:r>
+                  </m:oMath>
+                </a14:m>
+                <a:r>
+                  <a:rPr lang="en-US" sz="2400" dirty="0"/>
+                  <a:t>, it becomes a linear equation)</a:t>
+                </a:r>
+              </a:p>
+              <a:p>
+                <a:pPr lvl="1"/>
+                <a14:m>
+                  <m:oMath xmlns:m="http://schemas.openxmlformats.org/officeDocument/2006/math">
+                    <m:r>
+                      <a:rPr lang="en-US" sz="2000" i="1">
+                        <a:latin typeface="Cambria Math" panose="02040503050406030204" pitchFamily="18" charset="0"/>
+                      </a:rPr>
+                      <m:t>𝑥</m:t>
+                    </m:r>
+                  </m:oMath>
+                </a14:m>
+                <a:r>
+                  <a:rPr lang="en-US" sz="2400" dirty="0"/>
+                  <a:t>is the variable</a:t>
+                </a:r>
+              </a:p>
+              <a:p>
+                <a:endParaRPr lang="en-US" sz="2400" dirty="0"/>
+              </a:p>
+              <a:p>
+                <a:pPr marL="0" indent="0">
+                  <a:buNone/>
+                </a:pPr>
+                <a:endParaRPr lang="en-IN" sz="2400" b="1" dirty="0"/>
+              </a:p>
+            </p:txBody>
+          </p:sp>
+        </mc:Choice>
+        <mc:Fallback xmlns="">
+          <p:sp>
+            <p:nvSpPr>
+              <p:cNvPr id="3" name="Content Placeholder 2">
+                <a:extLst>
+                  <a:ext uri="{FF2B5EF4-FFF2-40B4-BE49-F238E27FC236}">
+                    <a16:creationId xmlns:a16="http://schemas.microsoft.com/office/drawing/2014/main" id="{125E2A00-176B-D173-0089-6F97C73608AC}"/>
+                  </a:ext>
+                </a:extLst>
+              </p:cNvPr>
+              <p:cNvSpPr>
+                <a:spLocks noGrp="1" noRot="1" noChangeAspect="1" noMove="1" noResize="1" noEditPoints="1" noAdjustHandles="1" noChangeArrowheads="1" noChangeShapeType="1" noTextEdit="1"/>
+              </p:cNvSpPr>
+              <p:nvPr>
+                <p:ph idx="1"/>
+              </p:nvPr>
+            </p:nvSpPr>
+            <p:spPr>
+              <a:xfrm>
+                <a:off x="702853" y="719137"/>
+                <a:ext cx="10900568" cy="5313801"/>
+              </a:xfrm>
+              <a:blipFill>
+                <a:blip r:embed="rId2"/>
+                <a:stretch>
+                  <a:fillRect l="-1119" t="-1950"/>
+                </a:stretch>
+              </a:blipFill>
+            </p:spPr>
+            <p:txBody>
+              <a:bodyPr/>
+              <a:lstStyle/>
+              <a:p>
+                <a:r>
+                  <a:rPr lang="en-IN">
+                    <a:noFill/>
+                  </a:rPr>
+                  <a:t> </a:t>
+                </a:r>
+              </a:p>
+            </p:txBody>
+          </p:sp>
+        </mc:Fallback>
+      </mc:AlternateContent>
+      <p:pic>
+        <p:nvPicPr>
+          <p:cNvPr id="4" name="Picture 3">
+            <a:extLst>
+              <a:ext uri="{FF2B5EF4-FFF2-40B4-BE49-F238E27FC236}">
+                <a16:creationId xmlns:a16="http://schemas.microsoft.com/office/drawing/2014/main" id="{A8DB345C-0878-7BF5-5891-421483A3CC54}"/>
+              </a:ext>
+            </a:extLst>
+          </p:cNvPr>
+          <p:cNvPicPr>
+            <a:picLocks noChangeAspect="1"/>
+          </p:cNvPicPr>
+          <p:nvPr/>
+        </p:nvPicPr>
+        <p:blipFill>
+          <a:blip r:embed="rId3"/>
+          <a:stretch>
+            <a:fillRect/>
+          </a:stretch>
+        </p:blipFill>
+        <p:spPr>
+          <a:xfrm>
+            <a:off x="3193238" y="2703612"/>
+            <a:ext cx="3926019" cy="892607"/>
+          </a:xfrm>
+          <a:prstGeom prst="rect">
+            <a:avLst/>
+          </a:prstGeom>
+        </p:spPr>
+      </p:pic>
+    </p:spTree>
+    <p:extLst>
+      <p:ext uri="{BB962C8B-B14F-4D97-AF65-F5344CB8AC3E}">
+        <p14:creationId xmlns:p14="http://schemas.microsoft.com/office/powerpoint/2010/main" val="4288389055"/>
+      </p:ext>
+    </p:extLst>
+  </p:cSld>
+  <p:clrMapOvr>
+    <a:masterClrMapping/>
+  </p:clrMapOvr>
+</p:sld>
+</file>
+
+<file path=ppt/slides/slide12.xml><?xml version="1.0" encoding="utf-8"?>
+<p:sld xmlns:a="http://schemas.openxmlformats.org/drawingml/2006/main" xmlns:r="http://schemas.openxmlformats.org/officeDocument/2006/relationships" xmlns:p="http://schemas.openxmlformats.org/presentationml/2006/main">
+  <p:cSld>
+    <p:spTree>
+      <p:nvGrpSpPr>
+        <p:cNvPr id="1" name="">
+          <a:extLst>
+            <a:ext uri="{FF2B5EF4-FFF2-40B4-BE49-F238E27FC236}">
+              <a16:creationId xmlns:a16="http://schemas.microsoft.com/office/drawing/2014/main" id="{DC317A71-9FDE-A34F-73E5-9806615836EF}"/>
+            </a:ext>
+          </a:extLst>
+        </p:cNvPr>
+        <p:cNvGrpSpPr/>
+        <p:nvPr/>
+      </p:nvGrpSpPr>
+      <p:grpSpPr>
+        <a:xfrm>
+          <a:off x="0" y="0"/>
+          <a:ext cx="0" cy="0"/>
+          <a:chOff x="0" y="0"/>
+          <a:chExt cx="0" cy="0"/>
+        </a:xfrm>
+      </p:grpSpPr>
+      <mc:AlternateContent xmlns:mc="http://schemas.openxmlformats.org/markup-compatibility/2006" xmlns:a14="http://schemas.microsoft.com/office/drawing/2010/main">
+        <mc:Choice Requires="a14">
+          <p:sp>
+            <p:nvSpPr>
+              <p:cNvPr id="3" name="Content Placeholder 2">
+                <a:extLst>
+                  <a:ext uri="{FF2B5EF4-FFF2-40B4-BE49-F238E27FC236}">
+                    <a16:creationId xmlns:a16="http://schemas.microsoft.com/office/drawing/2014/main" id="{4BD4C9AB-810B-E8C7-F1F5-53D8745121BF}"/>
+                  </a:ext>
+                </a:extLst>
+              </p:cNvPr>
+              <p:cNvSpPr>
+                <a:spLocks noGrp="1"/>
+              </p:cNvSpPr>
+              <p:nvPr>
+                <p:ph idx="1"/>
+              </p:nvPr>
+            </p:nvSpPr>
+            <p:spPr>
+              <a:xfrm>
+                <a:off x="702853" y="719137"/>
+                <a:ext cx="10900568" cy="5313801"/>
+              </a:xfrm>
+            </p:spPr>
+            <p:txBody>
+              <a:bodyPr>
+                <a:normAutofit/>
+              </a:bodyPr>
+              <a:lstStyle/>
+              <a:p>
+                <a:pPr marL="0" indent="0">
+                  <a:buNone/>
+                </a:pPr>
+                <a:r>
+                  <a:rPr lang="en-IN" sz="2400" b="1" dirty="0"/>
+                  <a:t>Examples of Quadratic Equations:</a:t>
+                </a:r>
+              </a:p>
+              <a:p>
+                <a14:m>
+                  <m:oMath xmlns:m="http://schemas.openxmlformats.org/officeDocument/2006/math">
+                    <m:sSup>
+                      <m:sSupPr>
+                        <m:ctrlPr>
+                          <a:rPr lang="ar-AE" sz="2800" i="1">
+                            <a:latin typeface="Cambria Math" panose="02040503050406030204" pitchFamily="18" charset="0"/>
+                          </a:rPr>
+                        </m:ctrlPr>
+                      </m:sSupPr>
+                      <m:e>
+                        <m:r>
+                          <a:rPr lang="ar-AE" sz="2800" i="1">
+                            <a:latin typeface="Cambria Math" panose="02040503050406030204" pitchFamily="18" charset="0"/>
+                          </a:rPr>
+                          <m:t>𝑥</m:t>
+                        </m:r>
+                      </m:e>
+                      <m:sup>
+                        <m:r>
+                          <a:rPr lang="ar-AE" sz="2800">
+                            <a:latin typeface="Cambria Math" panose="02040503050406030204" pitchFamily="18" charset="0"/>
+                          </a:rPr>
+                          <m:t>2</m:t>
+                        </m:r>
+                      </m:sup>
+                    </m:sSup>
+                    <m:r>
+                      <a:rPr lang="ar-AE" sz="2800">
+                        <a:latin typeface="Cambria Math" panose="02040503050406030204" pitchFamily="18" charset="0"/>
+                      </a:rPr>
+                      <m:t>+</m:t>
+                    </m:r>
+                    <m:r>
+                      <a:rPr lang="ar-AE" sz="2800">
+                        <a:latin typeface="Cambria Math" panose="02040503050406030204" pitchFamily="18" charset="0"/>
+                      </a:rPr>
+                      <m:t>5</m:t>
+                    </m:r>
+                    <m:r>
+                      <a:rPr lang="ar-AE" sz="2800" i="1">
+                        <a:latin typeface="Cambria Math" panose="02040503050406030204" pitchFamily="18" charset="0"/>
+                      </a:rPr>
+                      <m:t>𝑥</m:t>
+                    </m:r>
+                    <m:r>
+                      <a:rPr lang="ar-AE" sz="2800">
+                        <a:latin typeface="Cambria Math" panose="02040503050406030204" pitchFamily="18" charset="0"/>
+                      </a:rPr>
+                      <m:t>+</m:t>
+                    </m:r>
+                    <m:r>
+                      <a:rPr lang="ar-AE" sz="2800">
+                        <a:latin typeface="Cambria Math" panose="02040503050406030204" pitchFamily="18" charset="0"/>
+                      </a:rPr>
+                      <m:t>6</m:t>
+                    </m:r>
+                    <m:r>
+                      <a:rPr lang="ar-AE" sz="2800">
+                        <a:latin typeface="Cambria Math" panose="02040503050406030204" pitchFamily="18" charset="0"/>
+                      </a:rPr>
+                      <m:t>=</m:t>
+                    </m:r>
+                    <m:r>
+                      <a:rPr lang="ar-AE" sz="2800">
+                        <a:latin typeface="Cambria Math" panose="02040503050406030204" pitchFamily="18" charset="0"/>
+                      </a:rPr>
+                      <m:t>0</m:t>
+                    </m:r>
+                  </m:oMath>
+                </a14:m>
+                <a:endParaRPr lang="ar-AE" sz="3200" dirty="0"/>
+              </a:p>
+              <a:p>
+                <a14:m>
+                  <m:oMath xmlns:m="http://schemas.openxmlformats.org/officeDocument/2006/math">
+                    <m:r>
+                      <a:rPr lang="ar-AE" sz="2800">
+                        <a:latin typeface="Cambria Math" panose="02040503050406030204" pitchFamily="18" charset="0"/>
+                      </a:rPr>
+                      <m:t>2</m:t>
+                    </m:r>
+                    <m:sSup>
+                      <m:sSupPr>
+                        <m:ctrlPr>
+                          <a:rPr lang="ar-AE" sz="2800" i="1">
+                            <a:latin typeface="Cambria Math" panose="02040503050406030204" pitchFamily="18" charset="0"/>
+                          </a:rPr>
+                        </m:ctrlPr>
+                      </m:sSupPr>
+                      <m:e>
+                        <m:r>
+                          <a:rPr lang="ar-AE" sz="2800" i="1">
+                            <a:latin typeface="Cambria Math" panose="02040503050406030204" pitchFamily="18" charset="0"/>
+                          </a:rPr>
+                          <m:t>𝑥</m:t>
+                        </m:r>
+                      </m:e>
+                      <m:sup>
+                        <m:r>
+                          <a:rPr lang="ar-AE" sz="2800">
+                            <a:latin typeface="Cambria Math" panose="02040503050406030204" pitchFamily="18" charset="0"/>
+                          </a:rPr>
+                          <m:t>2</m:t>
+                        </m:r>
+                      </m:sup>
+                    </m:sSup>
+                    <m:r>
+                      <a:rPr lang="ar-AE" sz="2800">
+                        <a:latin typeface="Cambria Math" panose="02040503050406030204" pitchFamily="18" charset="0"/>
+                      </a:rPr>
+                      <m:t>−</m:t>
+                    </m:r>
+                    <m:r>
+                      <a:rPr lang="ar-AE" sz="2800">
+                        <a:latin typeface="Cambria Math" panose="02040503050406030204" pitchFamily="18" charset="0"/>
+                      </a:rPr>
+                      <m:t>3</m:t>
+                    </m:r>
+                    <m:r>
+                      <a:rPr lang="ar-AE" sz="2800" i="1">
+                        <a:latin typeface="Cambria Math" panose="02040503050406030204" pitchFamily="18" charset="0"/>
+                      </a:rPr>
+                      <m:t>𝑥</m:t>
+                    </m:r>
+                    <m:r>
+                      <a:rPr lang="ar-AE" sz="2800">
+                        <a:latin typeface="Cambria Math" panose="02040503050406030204" pitchFamily="18" charset="0"/>
+                      </a:rPr>
+                      <m:t>+</m:t>
+                    </m:r>
+                    <m:r>
+                      <a:rPr lang="ar-AE" sz="2800">
+                        <a:latin typeface="Cambria Math" panose="02040503050406030204" pitchFamily="18" charset="0"/>
+                      </a:rPr>
+                      <m:t>1</m:t>
+                    </m:r>
+                    <m:r>
+                      <a:rPr lang="ar-AE" sz="2800">
+                        <a:latin typeface="Cambria Math" panose="02040503050406030204" pitchFamily="18" charset="0"/>
+                      </a:rPr>
+                      <m:t>=</m:t>
+                    </m:r>
+                    <m:r>
+                      <a:rPr lang="ar-AE" sz="2800">
+                        <a:latin typeface="Cambria Math" panose="02040503050406030204" pitchFamily="18" charset="0"/>
+                      </a:rPr>
+                      <m:t>0</m:t>
+                    </m:r>
+                  </m:oMath>
+                </a14:m>
+                <a:endParaRPr lang="ar-AE" sz="3200" dirty="0"/>
+              </a:p>
+              <a:p>
+                <a14:m>
+                  <m:oMath xmlns:m="http://schemas.openxmlformats.org/officeDocument/2006/math">
+                    <m:r>
+                      <a:rPr lang="ar-AE" sz="2800">
+                        <a:latin typeface="Cambria Math" panose="02040503050406030204" pitchFamily="18" charset="0"/>
+                      </a:rPr>
+                      <m:t>4</m:t>
+                    </m:r>
+                    <m:sSup>
+                      <m:sSupPr>
+                        <m:ctrlPr>
+                          <a:rPr lang="ar-AE" sz="2800" i="1">
+                            <a:latin typeface="Cambria Math" panose="02040503050406030204" pitchFamily="18" charset="0"/>
+                          </a:rPr>
+                        </m:ctrlPr>
+                      </m:sSupPr>
+                      <m:e>
+                        <m:r>
+                          <a:rPr lang="ar-AE" sz="2800" i="1">
+                            <a:latin typeface="Cambria Math" panose="02040503050406030204" pitchFamily="18" charset="0"/>
+                          </a:rPr>
+                          <m:t>𝑥</m:t>
+                        </m:r>
+                      </m:e>
+                      <m:sup>
+                        <m:r>
+                          <a:rPr lang="ar-AE" sz="2800">
+                            <a:latin typeface="Cambria Math" panose="02040503050406030204" pitchFamily="18" charset="0"/>
+                          </a:rPr>
+                          <m:t>2</m:t>
+                        </m:r>
+                      </m:sup>
+                    </m:sSup>
+                    <m:r>
+                      <a:rPr lang="ar-AE" sz="2800">
+                        <a:latin typeface="Cambria Math" panose="02040503050406030204" pitchFamily="18" charset="0"/>
+                      </a:rPr>
+                      <m:t>+</m:t>
+                    </m:r>
+                    <m:r>
+                      <a:rPr lang="ar-AE" sz="2800">
+                        <a:latin typeface="Cambria Math" panose="02040503050406030204" pitchFamily="18" charset="0"/>
+                      </a:rPr>
+                      <m:t>8</m:t>
+                    </m:r>
+                    <m:r>
+                      <a:rPr lang="ar-AE" sz="2800" i="1">
+                        <a:latin typeface="Cambria Math" panose="02040503050406030204" pitchFamily="18" charset="0"/>
+                      </a:rPr>
+                      <m:t>𝑥</m:t>
+                    </m:r>
+                    <m:r>
+                      <a:rPr lang="ar-AE" sz="2800">
+                        <a:latin typeface="Cambria Math" panose="02040503050406030204" pitchFamily="18" charset="0"/>
+                      </a:rPr>
+                      <m:t>−</m:t>
+                    </m:r>
+                    <m:r>
+                      <a:rPr lang="ar-AE" sz="2800">
+                        <a:latin typeface="Cambria Math" panose="02040503050406030204" pitchFamily="18" charset="0"/>
+                      </a:rPr>
+                      <m:t>12</m:t>
+                    </m:r>
+                    <m:r>
+                      <a:rPr lang="ar-AE" sz="2800">
+                        <a:latin typeface="Cambria Math" panose="02040503050406030204" pitchFamily="18" charset="0"/>
+                      </a:rPr>
+                      <m:t>=</m:t>
+                    </m:r>
+                    <m:r>
+                      <a:rPr lang="ar-AE" sz="2800">
+                        <a:latin typeface="Cambria Math" panose="02040503050406030204" pitchFamily="18" charset="0"/>
+                      </a:rPr>
+                      <m:t>0</m:t>
+                    </m:r>
+                  </m:oMath>
+                </a14:m>
+                <a:endParaRPr lang="ar-AE" sz="3200" dirty="0"/>
+              </a:p>
+              <a:p>
+                <a14:m>
+                  <m:oMath xmlns:m="http://schemas.openxmlformats.org/officeDocument/2006/math">
+                    <m:sSup>
+                      <m:sSupPr>
+                        <m:ctrlPr>
+                          <a:rPr lang="ar-AE" sz="2800" i="1">
+                            <a:latin typeface="Cambria Math" panose="02040503050406030204" pitchFamily="18" charset="0"/>
+                          </a:rPr>
+                        </m:ctrlPr>
+                      </m:sSupPr>
+                      <m:e>
+                        <m:r>
+                          <a:rPr lang="ar-AE" sz="2800" i="1">
+                            <a:latin typeface="Cambria Math" panose="02040503050406030204" pitchFamily="18" charset="0"/>
+                          </a:rPr>
+                          <m:t>𝑥</m:t>
+                        </m:r>
+                      </m:e>
+                      <m:sup>
+                        <m:r>
+                          <a:rPr lang="ar-AE" sz="2800">
+                            <a:latin typeface="Cambria Math" panose="02040503050406030204" pitchFamily="18" charset="0"/>
+                          </a:rPr>
+                          <m:t>2</m:t>
+                        </m:r>
+                      </m:sup>
+                    </m:sSup>
+                    <m:r>
+                      <a:rPr lang="ar-AE" sz="2800">
+                        <a:latin typeface="Cambria Math" panose="02040503050406030204" pitchFamily="18" charset="0"/>
+                      </a:rPr>
+                      <m:t>−</m:t>
+                    </m:r>
+                    <m:r>
+                      <a:rPr lang="ar-AE" sz="2800">
+                        <a:latin typeface="Cambria Math" panose="02040503050406030204" pitchFamily="18" charset="0"/>
+                      </a:rPr>
+                      <m:t>9</m:t>
+                    </m:r>
+                    <m:r>
+                      <a:rPr lang="ar-AE" sz="2800">
+                        <a:latin typeface="Cambria Math" panose="02040503050406030204" pitchFamily="18" charset="0"/>
+                      </a:rPr>
+                      <m:t>=</m:t>
+                    </m:r>
+                    <m:r>
+                      <a:rPr lang="ar-AE" sz="2800">
+                        <a:latin typeface="Cambria Math" panose="02040503050406030204" pitchFamily="18" charset="0"/>
+                      </a:rPr>
+                      <m:t>0</m:t>
+                    </m:r>
+                  </m:oMath>
+                </a14:m>
+                <a:endParaRPr lang="ar-AE" sz="3200" dirty="0"/>
+              </a:p>
+              <a:p>
+                <a14:m>
+                  <m:oMath xmlns:m="http://schemas.openxmlformats.org/officeDocument/2006/math">
+                    <m:r>
+                      <a:rPr lang="ar-AE" sz="2800">
+                        <a:latin typeface="Cambria Math" panose="02040503050406030204" pitchFamily="18" charset="0"/>
+                      </a:rPr>
+                      <m:t>3</m:t>
+                    </m:r>
+                    <m:sSup>
+                      <m:sSupPr>
+                        <m:ctrlPr>
+                          <a:rPr lang="ar-AE" sz="2800" i="1">
+                            <a:latin typeface="Cambria Math" panose="02040503050406030204" pitchFamily="18" charset="0"/>
+                          </a:rPr>
+                        </m:ctrlPr>
+                      </m:sSupPr>
+                      <m:e>
+                        <m:r>
+                          <a:rPr lang="ar-AE" sz="2800" i="1">
+                            <a:latin typeface="Cambria Math" panose="02040503050406030204" pitchFamily="18" charset="0"/>
+                          </a:rPr>
+                          <m:t>𝑥</m:t>
+                        </m:r>
+                      </m:e>
+                      <m:sup>
+                        <m:r>
+                          <a:rPr lang="ar-AE" sz="2800">
+                            <a:latin typeface="Cambria Math" panose="02040503050406030204" pitchFamily="18" charset="0"/>
+                          </a:rPr>
+                          <m:t>2</m:t>
+                        </m:r>
+                      </m:sup>
+                    </m:sSup>
+                    <m:r>
+                      <a:rPr lang="ar-AE" sz="2800">
+                        <a:latin typeface="Cambria Math" panose="02040503050406030204" pitchFamily="18" charset="0"/>
+                      </a:rPr>
+                      <m:t>+</m:t>
+                    </m:r>
+                    <m:r>
+                      <a:rPr lang="ar-AE" sz="2800">
+                        <a:latin typeface="Cambria Math" panose="02040503050406030204" pitchFamily="18" charset="0"/>
+                      </a:rPr>
+                      <m:t>7</m:t>
+                    </m:r>
+                    <m:r>
+                      <a:rPr lang="ar-AE" sz="2800" i="1">
+                        <a:latin typeface="Cambria Math" panose="02040503050406030204" pitchFamily="18" charset="0"/>
+                      </a:rPr>
+                      <m:t>𝑥</m:t>
+                    </m:r>
+                    <m:r>
+                      <a:rPr lang="ar-AE" sz="2800">
+                        <a:latin typeface="Cambria Math" panose="02040503050406030204" pitchFamily="18" charset="0"/>
+                      </a:rPr>
+                      <m:t>=</m:t>
+                    </m:r>
+                    <m:r>
+                      <a:rPr lang="ar-AE" sz="2800">
+                        <a:latin typeface="Cambria Math" panose="02040503050406030204" pitchFamily="18" charset="0"/>
+                      </a:rPr>
+                      <m:t>0</m:t>
+                    </m:r>
+                  </m:oMath>
+                </a14:m>
+                <a:endParaRPr lang="ar-AE" sz="3200" dirty="0"/>
+              </a:p>
+              <a:p>
+                <a:pPr marL="0" indent="0">
+                  <a:buNone/>
+                </a:pPr>
+                <a:endParaRPr lang="en-IN" sz="2400" b="1" dirty="0"/>
+              </a:p>
+              <a:p>
+                <a:pPr marL="0" indent="0">
+                  <a:buNone/>
+                </a:pPr>
+                <a:r>
+                  <a:rPr lang="en-IN" sz="2400" b="1" dirty="0"/>
+                  <a:t>How to Identify a Quadratic Equation:</a:t>
+                </a:r>
+              </a:p>
+              <a:p>
+                <a:r>
+                  <a:rPr lang="en-IN" sz="2400" dirty="0"/>
+                  <a:t>If the equation contains </a:t>
+                </a:r>
+                <a14:m>
+                  <m:oMath xmlns:m="http://schemas.openxmlformats.org/officeDocument/2006/math">
+                    <m:sSup>
+                      <m:sSupPr>
+                        <m:ctrlPr>
+                          <a:rPr lang="ar-AE" i="1">
+                            <a:latin typeface="Cambria Math" panose="02040503050406030204" pitchFamily="18" charset="0"/>
+                          </a:rPr>
+                        </m:ctrlPr>
+                      </m:sSupPr>
+                      <m:e>
+                        <m:r>
+                          <a:rPr lang="ar-AE" i="1">
+                            <a:latin typeface="Cambria Math" panose="02040503050406030204" pitchFamily="18" charset="0"/>
+                          </a:rPr>
+                          <m:t>𝑥</m:t>
+                        </m:r>
+                      </m:e>
+                      <m:sup>
+                        <m:r>
+                          <a:rPr lang="ar-AE">
+                            <a:latin typeface="Cambria Math" panose="02040503050406030204" pitchFamily="18" charset="0"/>
+                          </a:rPr>
+                          <m:t>2</m:t>
+                        </m:r>
+                      </m:sup>
+                    </m:sSup>
+                  </m:oMath>
+                </a14:m>
+                <a:r>
+                  <a:rPr lang="ar-AE" sz="2400" dirty="0"/>
+                  <a:t>(</a:t>
+                </a:r>
+                <a:r>
+                  <a:rPr lang="en-IN" sz="2400" dirty="0"/>
+                  <a:t>and not any higher powers like </a:t>
+                </a:r>
+                <a14:m>
+                  <m:oMath xmlns:m="http://schemas.openxmlformats.org/officeDocument/2006/math">
+                    <m:sSup>
+                      <m:sSupPr>
+                        <m:ctrlPr>
+                          <a:rPr lang="ar-AE" i="1">
+                            <a:latin typeface="Cambria Math" panose="02040503050406030204" pitchFamily="18" charset="0"/>
+                          </a:rPr>
+                        </m:ctrlPr>
+                      </m:sSupPr>
+                      <m:e>
+                        <m:r>
+                          <a:rPr lang="ar-AE" i="1">
+                            <a:latin typeface="Cambria Math" panose="02040503050406030204" pitchFamily="18" charset="0"/>
+                          </a:rPr>
+                          <m:t>𝑥</m:t>
+                        </m:r>
+                      </m:e>
+                      <m:sup>
+                        <m:r>
+                          <a:rPr lang="ar-AE">
+                            <a:latin typeface="Cambria Math" panose="02040503050406030204" pitchFamily="18" charset="0"/>
+                          </a:rPr>
+                          <m:t>3</m:t>
+                        </m:r>
+                      </m:sup>
+                    </m:sSup>
+                  </m:oMath>
+                </a14:m>
+                <a:r>
+                  <a:rPr lang="en-IN" sz="2400" dirty="0"/>
+                  <a:t>or </a:t>
+                </a:r>
+                <a14:m>
+                  <m:oMath xmlns:m="http://schemas.openxmlformats.org/officeDocument/2006/math">
+                    <m:sSup>
+                      <m:sSupPr>
+                        <m:ctrlPr>
+                          <a:rPr lang="ar-AE" i="1">
+                            <a:latin typeface="Cambria Math" panose="02040503050406030204" pitchFamily="18" charset="0"/>
+                          </a:rPr>
+                        </m:ctrlPr>
+                      </m:sSupPr>
+                      <m:e>
+                        <m:r>
+                          <a:rPr lang="ar-AE" i="1">
+                            <a:latin typeface="Cambria Math" panose="02040503050406030204" pitchFamily="18" charset="0"/>
+                          </a:rPr>
+                          <m:t>𝑥</m:t>
+                        </m:r>
+                      </m:e>
+                      <m:sup>
+                        <m:r>
+                          <a:rPr lang="ar-AE">
+                            <a:latin typeface="Cambria Math" panose="02040503050406030204" pitchFamily="18" charset="0"/>
+                          </a:rPr>
+                          <m:t>4</m:t>
+                        </m:r>
+                      </m:sup>
+                    </m:sSup>
+                  </m:oMath>
+                </a14:m>
+                <a:r>
+                  <a:rPr lang="ar-AE" sz="2400" dirty="0"/>
+                  <a:t>), </a:t>
+                </a:r>
+                <a:r>
+                  <a:rPr lang="en-IN" sz="2400" dirty="0"/>
+                  <a:t>and it can be written in the form </a:t>
+                </a:r>
+                <a14:m>
+                  <m:oMath xmlns:m="http://schemas.openxmlformats.org/officeDocument/2006/math">
+                    <m:r>
+                      <a:rPr lang="en-IN" i="1">
+                        <a:latin typeface="Cambria Math" panose="02040503050406030204" pitchFamily="18" charset="0"/>
+                      </a:rPr>
+                      <m:t>𝑎</m:t>
+                    </m:r>
+                    <m:sSup>
+                      <m:sSupPr>
+                        <m:ctrlPr>
+                          <a:rPr lang="ar-AE" i="1">
+                            <a:latin typeface="Cambria Math" panose="02040503050406030204" pitchFamily="18" charset="0"/>
+                          </a:rPr>
+                        </m:ctrlPr>
+                      </m:sSupPr>
+                      <m:e>
+                        <m:r>
+                          <a:rPr lang="ar-AE" i="1">
+                            <a:latin typeface="Cambria Math" panose="02040503050406030204" pitchFamily="18" charset="0"/>
+                          </a:rPr>
+                          <m:t>𝑥</m:t>
+                        </m:r>
+                      </m:e>
+                      <m:sup>
+                        <m:r>
+                          <a:rPr lang="ar-AE">
+                            <a:latin typeface="Cambria Math" panose="02040503050406030204" pitchFamily="18" charset="0"/>
+                          </a:rPr>
+                          <m:t>2</m:t>
+                        </m:r>
+                      </m:sup>
+                    </m:sSup>
+                    <m:r>
+                      <a:rPr lang="ar-AE">
+                        <a:latin typeface="Cambria Math" panose="02040503050406030204" pitchFamily="18" charset="0"/>
+                      </a:rPr>
+                      <m:t>+</m:t>
+                    </m:r>
+                    <m:r>
+                      <a:rPr lang="ar-AE" i="1">
+                        <a:latin typeface="Cambria Math" panose="02040503050406030204" pitchFamily="18" charset="0"/>
+                      </a:rPr>
+                      <m:t>𝑏𝑥</m:t>
+                    </m:r>
+                    <m:r>
+                      <a:rPr lang="ar-AE">
+                        <a:latin typeface="Cambria Math" panose="02040503050406030204" pitchFamily="18" charset="0"/>
+                      </a:rPr>
+                      <m:t>+</m:t>
+                    </m:r>
+                    <m:r>
+                      <a:rPr lang="ar-AE" i="1">
+                        <a:latin typeface="Cambria Math" panose="02040503050406030204" pitchFamily="18" charset="0"/>
+                      </a:rPr>
+                      <m:t>𝑐</m:t>
+                    </m:r>
+                    <m:r>
+                      <a:rPr lang="ar-AE">
+                        <a:latin typeface="Cambria Math" panose="02040503050406030204" pitchFamily="18" charset="0"/>
+                      </a:rPr>
+                      <m:t>=</m:t>
+                    </m:r>
+                    <m:r>
+                      <a:rPr lang="ar-AE">
+                        <a:latin typeface="Cambria Math" panose="02040503050406030204" pitchFamily="18" charset="0"/>
+                      </a:rPr>
+                      <m:t>0</m:t>
+                    </m:r>
+                  </m:oMath>
+                </a14:m>
+                <a:r>
+                  <a:rPr lang="ar-AE" sz="2400" dirty="0"/>
+                  <a:t>, </a:t>
+                </a:r>
+                <a:r>
+                  <a:rPr lang="en-IN" sz="2400" dirty="0"/>
+                  <a:t>then it is </a:t>
+                </a:r>
+                <a:r>
+                  <a:rPr lang="en-IN" sz="2400" b="1" dirty="0"/>
+                  <a:t>quadratic</a:t>
+                </a:r>
+                <a:r>
+                  <a:rPr lang="en-IN" sz="2400" dirty="0"/>
+                  <a:t>.</a:t>
+                </a:r>
+              </a:p>
+              <a:p>
+                <a:pPr marL="0" indent="0">
+                  <a:buNone/>
+                </a:pPr>
+                <a:endParaRPr lang="en-IN" sz="2400" b="1" dirty="0"/>
+              </a:p>
+            </p:txBody>
+          </p:sp>
+        </mc:Choice>
+        <mc:Fallback xmlns="">
+          <p:sp>
+            <p:nvSpPr>
+              <p:cNvPr id="3" name="Content Placeholder 2">
+                <a:extLst>
+                  <a:ext uri="{FF2B5EF4-FFF2-40B4-BE49-F238E27FC236}">
+                    <a16:creationId xmlns:a16="http://schemas.microsoft.com/office/drawing/2014/main" id="{4BD4C9AB-810B-E8C7-F1F5-53D8745121BF}"/>
+                  </a:ext>
+                </a:extLst>
+              </p:cNvPr>
+              <p:cNvSpPr>
+                <a:spLocks noGrp="1" noRot="1" noChangeAspect="1" noMove="1" noResize="1" noEditPoints="1" noAdjustHandles="1" noChangeArrowheads="1" noChangeShapeType="1" noTextEdit="1"/>
+              </p:cNvSpPr>
+              <p:nvPr>
+                <p:ph idx="1"/>
+              </p:nvPr>
+            </p:nvSpPr>
+            <p:spPr>
+              <a:xfrm>
+                <a:off x="702853" y="719137"/>
+                <a:ext cx="10900568" cy="5313801"/>
+              </a:xfrm>
+              <a:blipFill>
+                <a:blip r:embed="rId2"/>
+                <a:stretch>
+                  <a:fillRect l="-839" t="-1606"/>
+                </a:stretch>
+              </a:blipFill>
+            </p:spPr>
+            <p:txBody>
+              <a:bodyPr/>
+              <a:lstStyle/>
+              <a:p>
+                <a:r>
+                  <a:rPr lang="en-IN">
+                    <a:noFill/>
+                  </a:rPr>
+                  <a:t> </a:t>
+                </a:r>
+              </a:p>
+            </p:txBody>
+          </p:sp>
+        </mc:Fallback>
+      </mc:AlternateContent>
+    </p:spTree>
+    <p:extLst>
+      <p:ext uri="{BB962C8B-B14F-4D97-AF65-F5344CB8AC3E}">
+        <p14:creationId xmlns:p14="http://schemas.microsoft.com/office/powerpoint/2010/main" val="46042807"/>
+      </p:ext>
+    </p:extLst>
+  </p:cSld>
+  <p:clrMapOvr>
+    <a:masterClrMapping/>
+  </p:clrMapOvr>
+</p:sld>
+</file>
+
+<file path=ppt/slides/slide13.xml><?xml version="1.0" encoding="utf-8"?>
+<p:sld xmlns:a="http://schemas.openxmlformats.org/drawingml/2006/main" xmlns:r="http://schemas.openxmlformats.org/officeDocument/2006/relationships" xmlns:p="http://schemas.openxmlformats.org/presentationml/2006/main">
+  <p:cSld>
+    <p:spTree>
+      <p:nvGrpSpPr>
+        <p:cNvPr id="1" name="">
+          <a:extLst>
+            <a:ext uri="{FF2B5EF4-FFF2-40B4-BE49-F238E27FC236}">
+              <a16:creationId xmlns:a16="http://schemas.microsoft.com/office/drawing/2014/main" id="{B55F22C2-2457-4050-D1C8-5BE860A92258}"/>
+            </a:ext>
+          </a:extLst>
+        </p:cNvPr>
+        <p:cNvGrpSpPr/>
+        <p:nvPr/>
+      </p:nvGrpSpPr>
+      <p:grpSpPr>
+        <a:xfrm>
+          <a:off x="0" y="0"/>
+          <a:ext cx="0" cy="0"/>
+          <a:chOff x="0" y="0"/>
+          <a:chExt cx="0" cy="0"/>
+        </a:xfrm>
+      </p:grpSpPr>
+      <p:sp>
+        <p:nvSpPr>
+          <p:cNvPr id="3" name="Content Placeholder 2">
+            <a:extLst>
+              <a:ext uri="{FF2B5EF4-FFF2-40B4-BE49-F238E27FC236}">
+                <a16:creationId xmlns:a16="http://schemas.microsoft.com/office/drawing/2014/main" id="{C391991B-CDF1-BEB1-C710-B1ADE70639F2}"/>
+              </a:ext>
+            </a:extLst>
+          </p:cNvPr>
+          <p:cNvSpPr>
+            <a:spLocks noGrp="1"/>
+          </p:cNvSpPr>
+          <p:nvPr>
+            <p:ph idx="1"/>
+          </p:nvPr>
+        </p:nvSpPr>
+        <p:spPr>
+          <a:xfrm>
+            <a:off x="702853" y="719137"/>
+            <a:ext cx="10900568" cy="5313801"/>
+          </a:xfrm>
+        </p:spPr>
+        <p:txBody>
+          <a:bodyPr>
+            <a:normAutofit/>
+          </a:bodyPr>
+          <a:lstStyle/>
+          <a:p>
+            <a:pPr marL="0" indent="0">
+              <a:buNone/>
+            </a:pPr>
+            <a:r>
+              <a:rPr lang="en-US" sz="2800" b="1" dirty="0">
+                <a:solidFill>
+                  <a:srgbClr val="C00000"/>
+                </a:solidFill>
+              </a:rPr>
+              <a:t>Roots</a:t>
+            </a:r>
+            <a:r>
+              <a:rPr lang="en-US" sz="2800" b="1" dirty="0"/>
+              <a:t> of a Quadratic Equation</a:t>
+            </a:r>
+          </a:p>
+          <a:p>
+            <a:r>
+              <a:rPr lang="en-US" sz="2400" dirty="0"/>
+              <a:t>The </a:t>
+            </a:r>
+            <a:r>
+              <a:rPr lang="en-US" sz="2400" b="1" dirty="0"/>
+              <a:t>roots</a:t>
+            </a:r>
+            <a:r>
+              <a:rPr lang="en-US" sz="2400" dirty="0"/>
+              <a:t> (also called </a:t>
+            </a:r>
+            <a:r>
+              <a:rPr lang="en-US" sz="2400" b="1" dirty="0"/>
+              <a:t>solutions</a:t>
+            </a:r>
+            <a:r>
+              <a:rPr lang="en-US" sz="2400" dirty="0"/>
+              <a:t> or </a:t>
+            </a:r>
+            <a:r>
+              <a:rPr lang="en-US" sz="2400" b="1" dirty="0"/>
+              <a:t>zeros</a:t>
+            </a:r>
+            <a:r>
+              <a:rPr lang="en-US" sz="2400" dirty="0"/>
+              <a:t>) of a quadratic equation are the </a:t>
+            </a:r>
+            <a:r>
+              <a:rPr lang="en-US" sz="2400" b="1" dirty="0"/>
+              <a:t>values of x</a:t>
+            </a:r>
+            <a:r>
+              <a:rPr lang="en-US" sz="2400" dirty="0"/>
+              <a:t> that make the equation </a:t>
+            </a:r>
+            <a:r>
+              <a:rPr lang="en-US" sz="2400" b="1" dirty="0"/>
+              <a:t>true</a:t>
+            </a:r>
+            <a:r>
+              <a:rPr lang="en-US" sz="2400" dirty="0"/>
+              <a:t> — that is, the values that satisfy</a:t>
+            </a:r>
+          </a:p>
+          <a:p>
+            <a:pPr marL="0" indent="0">
+              <a:buNone/>
+            </a:pPr>
+            <a:endParaRPr lang="en-US" sz="2400" dirty="0"/>
+          </a:p>
+          <a:p>
+            <a:pPr marL="0" indent="0">
+              <a:buNone/>
+            </a:pPr>
+            <a:endParaRPr lang="en-US" sz="2400" dirty="0"/>
+          </a:p>
+          <a:p>
+            <a:pPr marL="0" indent="0">
+              <a:buNone/>
+            </a:pPr>
+            <a:endParaRPr lang="en-US" sz="2400" dirty="0"/>
+          </a:p>
+          <a:p>
+            <a:pPr marL="0" indent="0">
+              <a:buNone/>
+            </a:pPr>
+            <a:endParaRPr lang="en-US" sz="2400" dirty="0"/>
+          </a:p>
+          <a:p>
+            <a:pPr marL="0" indent="0">
+              <a:buNone/>
+            </a:pPr>
+            <a:r>
+              <a:rPr lang="en-US" sz="2400" dirty="0"/>
+              <a:t>In other words, if you plug a root value into the equation, the result becomes </a:t>
+            </a:r>
+            <a:r>
+              <a:rPr lang="en-US" sz="2400" b="1" dirty="0"/>
+              <a:t>0</a:t>
+            </a:r>
+            <a:r>
+              <a:rPr lang="en-US" sz="2400" dirty="0"/>
+              <a:t>.</a:t>
+            </a:r>
+            <a:endParaRPr lang="en-IN" sz="2400" b="1" dirty="0"/>
+          </a:p>
+        </p:txBody>
+      </p:sp>
+      <p:pic>
+        <p:nvPicPr>
+          <p:cNvPr id="2" name="Picture 1">
+            <a:extLst>
+              <a:ext uri="{FF2B5EF4-FFF2-40B4-BE49-F238E27FC236}">
+                <a16:creationId xmlns:a16="http://schemas.microsoft.com/office/drawing/2014/main" id="{07BEEEE5-6C62-BEED-64E1-FADDBC406569}"/>
+              </a:ext>
+            </a:extLst>
+          </p:cNvPr>
+          <p:cNvPicPr>
+            <a:picLocks noChangeAspect="1"/>
+          </p:cNvPicPr>
+          <p:nvPr/>
+        </p:nvPicPr>
+        <p:blipFill>
+          <a:blip r:embed="rId2"/>
+          <a:stretch>
+            <a:fillRect/>
+          </a:stretch>
+        </p:blipFill>
+        <p:spPr>
+          <a:xfrm>
+            <a:off x="3182353" y="2536393"/>
+            <a:ext cx="3926019" cy="892607"/>
+          </a:xfrm>
+          <a:prstGeom prst="rect">
+            <a:avLst/>
+          </a:prstGeom>
+        </p:spPr>
+      </p:pic>
+    </p:spTree>
+    <p:extLst>
+      <p:ext uri="{BB962C8B-B14F-4D97-AF65-F5344CB8AC3E}">
+        <p14:creationId xmlns:p14="http://schemas.microsoft.com/office/powerpoint/2010/main" val="990130606"/>
+      </p:ext>
+    </p:extLst>
+  </p:cSld>
+  <p:clrMapOvr>
+    <a:masterClrMapping/>
+  </p:clrMapOvr>
+</p:sld>
+</file>
+
+<file path=ppt/slides/slide14.xml><?xml version="1.0" encoding="utf-8"?>
+<p:sld xmlns:a="http://schemas.openxmlformats.org/drawingml/2006/main" xmlns:r="http://schemas.openxmlformats.org/officeDocument/2006/relationships" xmlns:p="http://schemas.openxmlformats.org/presentationml/2006/main">
+  <p:cSld>
+    <p:spTree>
+      <p:nvGrpSpPr>
+        <p:cNvPr id="1" name="">
+          <a:extLst>
+            <a:ext uri="{FF2B5EF4-FFF2-40B4-BE49-F238E27FC236}">
+              <a16:creationId xmlns:a16="http://schemas.microsoft.com/office/drawing/2014/main" id="{CC8D9F2D-5751-65C6-9D42-344E852088A1}"/>
+            </a:ext>
+          </a:extLst>
+        </p:cNvPr>
+        <p:cNvGrpSpPr/>
+        <p:nvPr/>
+      </p:nvGrpSpPr>
+      <p:grpSpPr>
+        <a:xfrm>
+          <a:off x="0" y="0"/>
+          <a:ext cx="0" cy="0"/>
+          <a:chOff x="0" y="0"/>
+          <a:chExt cx="0" cy="0"/>
+        </a:xfrm>
+      </p:grpSpPr>
+      <p:sp>
+        <p:nvSpPr>
+          <p:cNvPr id="3" name="Content Placeholder 2">
+            <a:extLst>
+              <a:ext uri="{FF2B5EF4-FFF2-40B4-BE49-F238E27FC236}">
+                <a16:creationId xmlns:a16="http://schemas.microsoft.com/office/drawing/2014/main" id="{58AA7068-A9C5-C644-285D-6233678538AD}"/>
+              </a:ext>
+            </a:extLst>
+          </p:cNvPr>
+          <p:cNvSpPr>
+            <a:spLocks noGrp="1"/>
+          </p:cNvSpPr>
+          <p:nvPr>
+            <p:ph idx="1"/>
+          </p:nvPr>
+        </p:nvSpPr>
+        <p:spPr>
+          <a:xfrm>
+            <a:off x="702853" y="719137"/>
+            <a:ext cx="10900568" cy="5313801"/>
+          </a:xfrm>
+        </p:spPr>
+        <p:txBody>
+          <a:bodyPr>
+            <a:normAutofit/>
+          </a:bodyPr>
+          <a:lstStyle/>
+          <a:p>
+            <a:pPr marL="0" indent="0">
+              <a:buNone/>
+            </a:pPr>
+            <a:r>
+              <a:rPr lang="en-IN" sz="2400" b="1" dirty="0"/>
+              <a:t>Example Equation:</a:t>
+            </a:r>
+          </a:p>
+          <a:p>
+            <a:pPr marL="0" indent="0">
+              <a:buNone/>
+            </a:pPr>
+            <a:endParaRPr lang="en-IN" sz="2400" b="1" dirty="0"/>
+          </a:p>
+          <a:p>
+            <a:pPr marL="0" indent="0">
+              <a:buNone/>
+            </a:pPr>
+            <a:endParaRPr lang="en-IN" sz="2400" b="1" dirty="0"/>
+          </a:p>
+          <a:p>
+            <a:pPr marL="0" indent="0">
+              <a:buNone/>
+            </a:pPr>
+            <a:endParaRPr lang="en-IN" sz="2400" b="1" dirty="0"/>
+          </a:p>
+          <a:p>
+            <a:pPr marL="0" indent="0">
+              <a:buNone/>
+            </a:pPr>
+            <a:r>
+              <a:rPr lang="en-IN" sz="2400" dirty="0"/>
+              <a:t>Use the </a:t>
+            </a:r>
+            <a:r>
+              <a:rPr lang="en-IN" sz="2400" b="1" dirty="0"/>
+              <a:t>quadratic formula</a:t>
+            </a:r>
+            <a:r>
+              <a:rPr lang="en-IN" sz="2400" dirty="0"/>
+              <a:t>:</a:t>
+            </a:r>
+          </a:p>
+          <a:p>
+            <a:pPr marL="0" indent="0">
+              <a:buNone/>
+            </a:pPr>
+            <a:r>
+              <a:rPr lang="en-IN" sz="2400" b="1" dirty="0"/>
+              <a:t>	</a:t>
+            </a:r>
+          </a:p>
+          <a:p>
+            <a:pPr marL="0" indent="0">
+              <a:buNone/>
+            </a:pPr>
+            <a:endParaRPr lang="en-IN" sz="2400" b="1" dirty="0"/>
+          </a:p>
+          <a:p>
+            <a:pPr marL="0" indent="0">
+              <a:buNone/>
+            </a:pPr>
+            <a:r>
+              <a:rPr lang="en-IN" sz="2400" b="1" dirty="0"/>
+              <a:t>	 </a:t>
+            </a:r>
+          </a:p>
+        </p:txBody>
+      </p:sp>
+      <p:pic>
+        <p:nvPicPr>
+          <p:cNvPr id="4" name="Picture 3">
+            <a:extLst>
+              <a:ext uri="{FF2B5EF4-FFF2-40B4-BE49-F238E27FC236}">
+                <a16:creationId xmlns:a16="http://schemas.microsoft.com/office/drawing/2014/main" id="{52ABA3B7-0440-80A0-519A-5001E8562AAB}"/>
+              </a:ext>
+            </a:extLst>
+          </p:cNvPr>
+          <p:cNvPicPr>
+            <a:picLocks noChangeAspect="1"/>
+          </p:cNvPicPr>
+          <p:nvPr/>
+        </p:nvPicPr>
+        <p:blipFill>
+          <a:blip r:embed="rId2"/>
+          <a:srcRect t="26414"/>
+          <a:stretch>
+            <a:fillRect/>
+          </a:stretch>
+        </p:blipFill>
+        <p:spPr>
+          <a:xfrm>
+            <a:off x="3268742" y="1393372"/>
+            <a:ext cx="3741658" cy="672324"/>
+          </a:xfrm>
+          <a:prstGeom prst="rect">
+            <a:avLst/>
+          </a:prstGeom>
+        </p:spPr>
+      </p:pic>
+      <p:pic>
+        <p:nvPicPr>
+          <p:cNvPr id="6" name="Picture 5">
+            <a:extLst>
+              <a:ext uri="{FF2B5EF4-FFF2-40B4-BE49-F238E27FC236}">
+                <a16:creationId xmlns:a16="http://schemas.microsoft.com/office/drawing/2014/main" id="{B7300BC0-E90F-D89A-65D9-1F59580F5A46}"/>
+              </a:ext>
+            </a:extLst>
+          </p:cNvPr>
+          <p:cNvPicPr>
+            <a:picLocks noChangeAspect="1"/>
+          </p:cNvPicPr>
+          <p:nvPr/>
+        </p:nvPicPr>
+        <p:blipFill>
+          <a:blip r:embed="rId3"/>
+          <a:stretch>
+            <a:fillRect/>
+          </a:stretch>
+        </p:blipFill>
+        <p:spPr>
+          <a:xfrm>
+            <a:off x="3268742" y="3420876"/>
+            <a:ext cx="4180952" cy="1371429"/>
+          </a:xfrm>
+          <a:prstGeom prst="rect">
+            <a:avLst/>
+          </a:prstGeom>
+        </p:spPr>
+      </p:pic>
+    </p:spTree>
+    <p:extLst>
+      <p:ext uri="{BB962C8B-B14F-4D97-AF65-F5344CB8AC3E}">
+        <p14:creationId xmlns:p14="http://schemas.microsoft.com/office/powerpoint/2010/main" val="3565974744"/>
+      </p:ext>
+    </p:extLst>
+  </p:cSld>
+  <p:clrMapOvr>
+    <a:masterClrMapping/>
+  </p:clrMapOvr>
+</p:sld>
+</file>
+
+<file path=ppt/slides/slide15.xml><?xml version="1.0" encoding="utf-8"?>
+<p:sld xmlns:a="http://schemas.openxmlformats.org/drawingml/2006/main" xmlns:r="http://schemas.openxmlformats.org/officeDocument/2006/relationships" xmlns:p="http://schemas.openxmlformats.org/presentationml/2006/main">
+  <p:cSld>
+    <p:spTree>
+      <p:nvGrpSpPr>
+        <p:cNvPr id="1" name="">
+          <a:extLst>
+            <a:ext uri="{FF2B5EF4-FFF2-40B4-BE49-F238E27FC236}">
               <a16:creationId xmlns:a16="http://schemas.microsoft.com/office/drawing/2014/main" id="{43B3E2B5-800C-F24A-06C6-2694203567FC}"/>
             </a:ext>
           </a:extLst>
@@ -5722,7 +7234,7 @@
 </p:sld>
 </file>
 
-<file path=ppt/slides/slide11.xml><?xml version="1.0" encoding="utf-8"?>
+<file path=ppt/slides/slide16.xml><?xml version="1.0" encoding="utf-8"?>
 <p:sld xmlns:a="http://schemas.openxmlformats.org/drawingml/2006/main" xmlns:r="http://schemas.openxmlformats.org/officeDocument/2006/relationships" xmlns:p="http://schemas.openxmlformats.org/presentationml/2006/main">
   <p:cSld>
     <p:spTree>
@@ -5880,7 +7392,7 @@
 </p:sld>
 </file>
 
-<file path=ppt/slides/slide12.xml><?xml version="1.0" encoding="utf-8"?>
+<file path=ppt/slides/slide17.xml><?xml version="1.0" encoding="utf-8"?>
 <p:sld xmlns:a="http://schemas.openxmlformats.org/drawingml/2006/main" xmlns:r="http://schemas.openxmlformats.org/officeDocument/2006/relationships" xmlns:p="http://schemas.openxmlformats.org/presentationml/2006/main">
   <p:cSld>
     <p:spTree>
@@ -6072,7 +7584,7 @@
 </p:sld>
 </file>
 
-<file path=ppt/slides/slide13.xml><?xml version="1.0" encoding="utf-8"?>
+<file path=ppt/slides/slide18.xml><?xml version="1.0" encoding="utf-8"?>
 <p:sld xmlns:a="http://schemas.openxmlformats.org/drawingml/2006/main" xmlns:r="http://schemas.openxmlformats.org/officeDocument/2006/relationships" xmlns:p="http://schemas.openxmlformats.org/presentationml/2006/main">
   <p:cSld>
     <p:spTree>
@@ -6303,7 +7815,7 @@
 </p:sld>
 </file>
 
-<file path=ppt/slides/slide14.xml><?xml version="1.0" encoding="utf-8"?>
+<file path=ppt/slides/slide19.xml><?xml version="1.0" encoding="utf-8"?>
 <p:sld xmlns:a="http://schemas.openxmlformats.org/drawingml/2006/main" xmlns:r="http://schemas.openxmlformats.org/officeDocument/2006/relationships" xmlns:p="http://schemas.openxmlformats.org/presentationml/2006/main">
   <p:cSld>
     <p:spTree>
@@ -6551,7 +8063,79 @@
 </p:sld>
 </file>
 
-<file path=ppt/slides/slide15.xml><?xml version="1.0" encoding="utf-8"?>
+<file path=ppt/slides/slide2.xml><?xml version="1.0" encoding="utf-8"?>
+<p:sld xmlns:a="http://schemas.openxmlformats.org/drawingml/2006/main" xmlns:r="http://schemas.openxmlformats.org/officeDocument/2006/relationships" xmlns:p="http://schemas.openxmlformats.org/presentationml/2006/main">
+  <p:cSld>
+    <p:spTree>
+      <p:nvGrpSpPr>
+        <p:cNvPr id="1" name="">
+          <a:extLst>
+            <a:ext uri="{FF2B5EF4-FFF2-40B4-BE49-F238E27FC236}">
+              <a16:creationId xmlns:a16="http://schemas.microsoft.com/office/drawing/2014/main" id="{F3A5BB4A-DEE7-AC39-C7A3-41514D4C9A4D}"/>
+            </a:ext>
+          </a:extLst>
+        </p:cNvPr>
+        <p:cNvGrpSpPr/>
+        <p:nvPr/>
+      </p:nvGrpSpPr>
+      <p:grpSpPr>
+        <a:xfrm>
+          <a:off x="0" y="0"/>
+          <a:ext cx="0" cy="0"/>
+          <a:chOff x="0" y="0"/>
+          <a:chExt cx="0" cy="0"/>
+        </a:xfrm>
+      </p:grpSpPr>
+      <p:pic>
+        <p:nvPicPr>
+          <p:cNvPr id="4" name="Content Placeholder 3" descr="A black and white text on a white background&#10;&#10;AI-generated content may be incorrect.">
+            <a:extLst>
+              <a:ext uri="{FF2B5EF4-FFF2-40B4-BE49-F238E27FC236}">
+                <a16:creationId xmlns:a16="http://schemas.microsoft.com/office/drawing/2014/main" id="{5B9C3A19-67B7-C916-E5BF-34B195B1E212}"/>
+              </a:ext>
+            </a:extLst>
+          </p:cNvPr>
+          <p:cNvPicPr>
+            <a:picLocks noGrp="1" noChangeAspect="1"/>
+          </p:cNvPicPr>
+          <p:nvPr>
+            <p:ph idx="1"/>
+          </p:nvPr>
+        </p:nvPicPr>
+        <p:blipFill>
+          <a:blip r:embed="rId2">
+            <a:extLst>
+              <a:ext uri="{28A0092B-C50C-407E-A947-70E740481C1C}">
+                <a14:useLocalDpi xmlns:a14="http://schemas.microsoft.com/office/drawing/2010/main" val="0"/>
+              </a:ext>
+            </a:extLst>
+          </a:blip>
+          <a:srcRect l="3094" r="1658" b="2108"/>
+          <a:stretch>
+            <a:fillRect/>
+          </a:stretch>
+        </p:blipFill>
+        <p:spPr>
+          <a:xfrm>
+            <a:off x="1240972" y="364671"/>
+            <a:ext cx="9383485" cy="6128657"/>
+          </a:xfrm>
+        </p:spPr>
+      </p:pic>
+    </p:spTree>
+    <p:extLst>
+      <p:ext uri="{BB962C8B-B14F-4D97-AF65-F5344CB8AC3E}">
+        <p14:creationId xmlns:p14="http://schemas.microsoft.com/office/powerpoint/2010/main" val="1172931138"/>
+      </p:ext>
+    </p:extLst>
+  </p:cSld>
+  <p:clrMapOvr>
+    <a:masterClrMapping/>
+  </p:clrMapOvr>
+</p:sld>
+</file>
+
+<file path=ppt/slides/slide20.xml><?xml version="1.0" encoding="utf-8"?>
 <p:sld xmlns:a="http://schemas.openxmlformats.org/drawingml/2006/main" xmlns:r="http://schemas.openxmlformats.org/officeDocument/2006/relationships" xmlns:p="http://schemas.openxmlformats.org/presentationml/2006/main">
   <p:cSld>
     <p:spTree>
@@ -6663,7 +8247,7 @@
 </p:sld>
 </file>
 
-<file path=ppt/slides/slide16.xml><?xml version="1.0" encoding="utf-8"?>
+<file path=ppt/slides/slide21.xml><?xml version="1.0" encoding="utf-8"?>
 <p:sld xmlns:a="http://schemas.openxmlformats.org/drawingml/2006/main" xmlns:r="http://schemas.openxmlformats.org/officeDocument/2006/relationships" xmlns:p="http://schemas.openxmlformats.org/presentationml/2006/main">
   <p:cSld>
     <p:spTree>
@@ -6837,7 +8421,7 @@
 </p:sld>
 </file>
 
-<file path=ppt/slides/slide17.xml><?xml version="1.0" encoding="utf-8"?>
+<file path=ppt/slides/slide22.xml><?xml version="1.0" encoding="utf-8"?>
 <p:sld xmlns:a="http://schemas.openxmlformats.org/drawingml/2006/main" xmlns:r="http://schemas.openxmlformats.org/officeDocument/2006/relationships" xmlns:p="http://schemas.openxmlformats.org/presentationml/2006/main">
   <p:cSld>
     <p:spTree>
@@ -8236,7 +9820,7 @@
 </p:sld>
 </file>
 
-<file path=ppt/slides/slide18.xml><?xml version="1.0" encoding="utf-8"?>
+<file path=ppt/slides/slide23.xml><?xml version="1.0" encoding="utf-8"?>
 <p:sld xmlns:a="http://schemas.openxmlformats.org/drawingml/2006/main" xmlns:r="http://schemas.openxmlformats.org/officeDocument/2006/relationships" xmlns:p="http://schemas.openxmlformats.org/presentationml/2006/main">
   <p:cSld>
     <p:spTree>
@@ -8440,7 +10024,7 @@
 </p:sld>
 </file>
 
-<file path=ppt/slides/slide19.xml><?xml version="1.0" encoding="utf-8"?>
+<file path=ppt/slides/slide24.xml><?xml version="1.0" encoding="utf-8"?>
 <p:sld xmlns:a="http://schemas.openxmlformats.org/drawingml/2006/main" xmlns:r="http://schemas.openxmlformats.org/officeDocument/2006/relationships" xmlns:p="http://schemas.openxmlformats.org/presentationml/2006/main">
   <p:cSld>
     <p:spTree>
@@ -8602,79 +10186,7 @@
 </p:sld>
 </file>
 
-<file path=ppt/slides/slide2.xml><?xml version="1.0" encoding="utf-8"?>
-<p:sld xmlns:a="http://schemas.openxmlformats.org/drawingml/2006/main" xmlns:r="http://schemas.openxmlformats.org/officeDocument/2006/relationships" xmlns:p="http://schemas.openxmlformats.org/presentationml/2006/main">
-  <p:cSld>
-    <p:spTree>
-      <p:nvGrpSpPr>
-        <p:cNvPr id="1" name="">
-          <a:extLst>
-            <a:ext uri="{FF2B5EF4-FFF2-40B4-BE49-F238E27FC236}">
-              <a16:creationId xmlns:a16="http://schemas.microsoft.com/office/drawing/2014/main" id="{F3A5BB4A-DEE7-AC39-C7A3-41514D4C9A4D}"/>
-            </a:ext>
-          </a:extLst>
-        </p:cNvPr>
-        <p:cNvGrpSpPr/>
-        <p:nvPr/>
-      </p:nvGrpSpPr>
-      <p:grpSpPr>
-        <a:xfrm>
-          <a:off x="0" y="0"/>
-          <a:ext cx="0" cy="0"/>
-          <a:chOff x="0" y="0"/>
-          <a:chExt cx="0" cy="0"/>
-        </a:xfrm>
-      </p:grpSpPr>
-      <p:pic>
-        <p:nvPicPr>
-          <p:cNvPr id="4" name="Content Placeholder 3" descr="A black and white text on a white background&#10;&#10;AI-generated content may be incorrect.">
-            <a:extLst>
-              <a:ext uri="{FF2B5EF4-FFF2-40B4-BE49-F238E27FC236}">
-                <a16:creationId xmlns:a16="http://schemas.microsoft.com/office/drawing/2014/main" id="{5B9C3A19-67B7-C916-E5BF-34B195B1E212}"/>
-              </a:ext>
-            </a:extLst>
-          </p:cNvPr>
-          <p:cNvPicPr>
-            <a:picLocks noGrp="1" noChangeAspect="1"/>
-          </p:cNvPicPr>
-          <p:nvPr>
-            <p:ph idx="1"/>
-          </p:nvPr>
-        </p:nvPicPr>
-        <p:blipFill>
-          <a:blip r:embed="rId2">
-            <a:extLst>
-              <a:ext uri="{28A0092B-C50C-407E-A947-70E740481C1C}">
-                <a14:useLocalDpi xmlns:a14="http://schemas.microsoft.com/office/drawing/2010/main" val="0"/>
-              </a:ext>
-            </a:extLst>
-          </a:blip>
-          <a:srcRect l="3094" r="1658" b="2108"/>
-          <a:stretch>
-            <a:fillRect/>
-          </a:stretch>
-        </p:blipFill>
-        <p:spPr>
-          <a:xfrm>
-            <a:off x="1240972" y="364671"/>
-            <a:ext cx="9383485" cy="6128657"/>
-          </a:xfrm>
-        </p:spPr>
-      </p:pic>
-    </p:spTree>
-    <p:extLst>
-      <p:ext uri="{BB962C8B-B14F-4D97-AF65-F5344CB8AC3E}">
-        <p14:creationId xmlns:p14="http://schemas.microsoft.com/office/powerpoint/2010/main" val="1172931138"/>
-      </p:ext>
-    </p:extLst>
-  </p:cSld>
-  <p:clrMapOvr>
-    <a:masterClrMapping/>
-  </p:clrMapOvr>
-</p:sld>
-</file>
-
-<file path=ppt/slides/slide20.xml><?xml version="1.0" encoding="utf-8"?>
+<file path=ppt/slides/slide25.xml><?xml version="1.0" encoding="utf-8"?>
 <p:sld xmlns:a="http://schemas.openxmlformats.org/drawingml/2006/main" xmlns:r="http://schemas.openxmlformats.org/officeDocument/2006/relationships" xmlns:p="http://schemas.openxmlformats.org/presentationml/2006/main">
   <p:cSld>
     <p:spTree>
@@ -8776,7 +10288,7 @@
 </p:sld>
 </file>
 
-<file path=ppt/slides/slide21.xml><?xml version="1.0" encoding="utf-8"?>
+<file path=ppt/slides/slide26.xml><?xml version="1.0" encoding="utf-8"?>
 <p:sld xmlns:a="http://schemas.openxmlformats.org/drawingml/2006/main" xmlns:r="http://schemas.openxmlformats.org/officeDocument/2006/relationships" xmlns:p="http://schemas.openxmlformats.org/presentationml/2006/main">
   <p:cSld>
     <p:spTree>
@@ -8992,7 +10504,7 @@
 </p:sld>
 </file>
 
-<file path=ppt/slides/slide22.xml><?xml version="1.0" encoding="utf-8"?>
+<file path=ppt/slides/slide27.xml><?xml version="1.0" encoding="utf-8"?>
 <p:sld xmlns:a="http://schemas.openxmlformats.org/drawingml/2006/main" xmlns:r="http://schemas.openxmlformats.org/officeDocument/2006/relationships" xmlns:p="http://schemas.openxmlformats.org/presentationml/2006/main">
   <p:cSld>
     <p:spTree>
@@ -9171,7 +10683,7 @@
 </p:sld>
 </file>
 
-<file path=ppt/slides/slide23.xml><?xml version="1.0" encoding="utf-8"?>
+<file path=ppt/slides/slide28.xml><?xml version="1.0" encoding="utf-8"?>
 <p:sld xmlns:a="http://schemas.openxmlformats.org/drawingml/2006/main" xmlns:r="http://schemas.openxmlformats.org/officeDocument/2006/relationships" xmlns:p="http://schemas.openxmlformats.org/presentationml/2006/main">
   <p:cSld>
     <p:spTree>
@@ -9242,7 +10754,7 @@
 </p:sld>
 </file>
 
-<file path=ppt/slides/slide24.xml><?xml version="1.0" encoding="utf-8"?>
+<file path=ppt/slides/slide29.xml><?xml version="1.0" encoding="utf-8"?>
 <p:sld xmlns:a="http://schemas.openxmlformats.org/drawingml/2006/main" xmlns:r="http://schemas.openxmlformats.org/officeDocument/2006/relationships" xmlns:p="http://schemas.openxmlformats.org/presentationml/2006/main">
   <p:cSld>
     <p:spTree>
@@ -9371,13 +10883,13 @@
               <a:rPr lang="en-IN" sz="6000" b="1" dirty="0">
                 <a:latin typeface="+mj-lt"/>
               </a:rPr>
-              <a:t>Program-6: </a:t>
-            </a:r>
-            <a:r>
-              <a:rPr lang="en-US" sz="6000" b="1" dirty="0">
+              <a:t>Program-7: </a:t>
+            </a:r>
+            <a:r>
+              <a:rPr lang="en-US" sz="6100" b="1" dirty="0">
                 <a:latin typeface="+mj-lt"/>
               </a:rPr>
-              <a:t>Generate </a:t>
+              <a:t>Develop a program to find the </a:t>
             </a:r>
             <a:r>
               <a:rPr lang="en-US" sz="6000" b="1" dirty="0">
@@ -9389,13 +10901,7 @@
                 </a:solidFill>
                 <a:latin typeface="+mj-lt"/>
               </a:rPr>
-              <a:t>Floyd's</a:t>
-            </a:r>
-            <a:r>
-              <a:rPr lang="en-US" sz="6000" b="1" dirty="0">
-                <a:latin typeface="+mj-lt"/>
-              </a:rPr>
-              <a:t> Triangle for given Rows</a:t>
+              <a:t>transpose of the matrix.</a:t>
             </a:r>
             <a:endParaRPr lang="en-IN" sz="6000" b="1" dirty="0">
               <a:solidFill>
@@ -9423,6 +10929,2188 @@
 </file>
 
 <file path=ppt/slides/slide4.xml><?xml version="1.0" encoding="utf-8"?>
+<p:sld xmlns:a="http://schemas.openxmlformats.org/drawingml/2006/main" xmlns:r="http://schemas.openxmlformats.org/officeDocument/2006/relationships" xmlns:p="http://schemas.openxmlformats.org/presentationml/2006/main">
+  <p:cSld>
+    <p:spTree>
+      <p:nvGrpSpPr>
+        <p:cNvPr id="1" name="">
+          <a:extLst>
+            <a:ext uri="{FF2B5EF4-FFF2-40B4-BE49-F238E27FC236}">
+              <a16:creationId xmlns:a16="http://schemas.microsoft.com/office/drawing/2014/main" id="{A6B6B878-5D10-E774-944B-E2AA7AA1456F}"/>
+            </a:ext>
+          </a:extLst>
+        </p:cNvPr>
+        <p:cNvGrpSpPr/>
+        <p:nvPr/>
+      </p:nvGrpSpPr>
+      <p:grpSpPr>
+        <a:xfrm>
+          <a:off x="0" y="0"/>
+          <a:ext cx="0" cy="0"/>
+          <a:chOff x="0" y="0"/>
+          <a:chExt cx="0" cy="0"/>
+        </a:xfrm>
+      </p:grpSpPr>
+      <p:sp>
+        <p:nvSpPr>
+          <p:cNvPr id="3" name="Content Placeholder 2">
+            <a:extLst>
+              <a:ext uri="{FF2B5EF4-FFF2-40B4-BE49-F238E27FC236}">
+                <a16:creationId xmlns:a16="http://schemas.microsoft.com/office/drawing/2014/main" id="{C3ADC201-F9EC-B490-AE30-DB2AF5B8AFFC}"/>
+              </a:ext>
+            </a:extLst>
+          </p:cNvPr>
+          <p:cNvSpPr>
+            <a:spLocks noGrp="1"/>
+          </p:cNvSpPr>
+          <p:nvPr>
+            <p:ph idx="1"/>
+          </p:nvPr>
+        </p:nvSpPr>
+        <p:spPr>
+          <a:xfrm>
+            <a:off x="777240" y="740229"/>
+            <a:ext cx="10659110" cy="5436734"/>
+          </a:xfrm>
+        </p:spPr>
+        <p:txBody>
+          <a:bodyPr>
+            <a:normAutofit lnSpcReduction="10000"/>
+          </a:bodyPr>
+          <a:lstStyle/>
+          <a:p>
+            <a:pPr marL="0" indent="0">
+              <a:buNone/>
+            </a:pPr>
+            <a:r>
+              <a:rPr lang="en-US" sz="2800" b="1" dirty="0"/>
+              <a:t>What is a Matrix?</a:t>
+            </a:r>
+          </a:p>
+          <a:p>
+            <a:r>
+              <a:rPr lang="en-US" sz="2800" dirty="0"/>
+              <a:t>A matrix is like a table of numbers arranged in </a:t>
+            </a:r>
+            <a:r>
+              <a:rPr lang="en-US" sz="2800" b="1" dirty="0"/>
+              <a:t>rows</a:t>
+            </a:r>
+            <a:r>
+              <a:rPr lang="en-US" sz="2800" dirty="0"/>
+              <a:t> and </a:t>
+            </a:r>
+            <a:r>
+              <a:rPr lang="en-US" sz="2800" b="1" dirty="0"/>
+              <a:t>columns</a:t>
+            </a:r>
+            <a:r>
+              <a:rPr lang="en-US" sz="2800" dirty="0"/>
+              <a:t>.</a:t>
+            </a:r>
+          </a:p>
+          <a:p>
+            <a:r>
+              <a:rPr lang="en-US" sz="2800" b="1" dirty="0"/>
+              <a:t>Example:</a:t>
+            </a:r>
+          </a:p>
+          <a:p>
+            <a:endParaRPr lang="en-US" sz="2800" b="1" dirty="0"/>
+          </a:p>
+          <a:p>
+            <a:endParaRPr lang="en-US" sz="2800" b="1" dirty="0"/>
+          </a:p>
+          <a:p>
+            <a:endParaRPr lang="en-US" sz="2800" b="1" dirty="0"/>
+          </a:p>
+          <a:p>
+            <a:endParaRPr lang="en-US" sz="2800" b="1" dirty="0"/>
+          </a:p>
+          <a:p>
+            <a:endParaRPr lang="en-US" sz="2800" b="1" dirty="0"/>
+          </a:p>
+          <a:p>
+            <a:r>
+              <a:rPr lang="en-US" sz="2800" b="1" dirty="0"/>
+              <a:t>Here, this matrix has:</a:t>
+            </a:r>
+          </a:p>
+          <a:p>
+            <a:pPr lvl="1">
+              <a:buFont typeface="Courier New" panose="02070309020205020404" pitchFamily="49" charset="0"/>
+              <a:buChar char="o"/>
+            </a:pPr>
+            <a:r>
+              <a:rPr lang="en-US" sz="2800" dirty="0"/>
+              <a:t>2 rows</a:t>
+            </a:r>
+          </a:p>
+          <a:p>
+            <a:pPr lvl="1">
+              <a:buFont typeface="Courier New" panose="02070309020205020404" pitchFamily="49" charset="0"/>
+              <a:buChar char="o"/>
+            </a:pPr>
+            <a:r>
+              <a:rPr lang="en-US" sz="2800" dirty="0"/>
+              <a:t>3 columns</a:t>
+            </a:r>
+          </a:p>
+          <a:p>
+            <a:endParaRPr lang="en-US" sz="2400" b="1" dirty="0"/>
+          </a:p>
+          <a:p>
+            <a:pPr marL="0" indent="0">
+              <a:buNone/>
+            </a:pPr>
+            <a:endParaRPr lang="en-IN" sz="2400" dirty="0"/>
+          </a:p>
+        </p:txBody>
+      </p:sp>
+      <p:graphicFrame>
+        <p:nvGraphicFramePr>
+          <p:cNvPr id="2" name="Table 1">
+            <a:extLst>
+              <a:ext uri="{FF2B5EF4-FFF2-40B4-BE49-F238E27FC236}">
+                <a16:creationId xmlns:a16="http://schemas.microsoft.com/office/drawing/2014/main" id="{D440493D-7B73-F2DC-80F1-8791089B5021}"/>
+              </a:ext>
+            </a:extLst>
+          </p:cNvPr>
+          <p:cNvGraphicFramePr>
+            <a:graphicFrameLocks noGrp="1"/>
+          </p:cNvGraphicFramePr>
+          <p:nvPr>
+            <p:extLst>
+              <p:ext uri="{D42A27DB-BD31-4B8C-83A1-F6EECF244321}">
+                <p14:modId xmlns:p14="http://schemas.microsoft.com/office/powerpoint/2010/main" val="589353623"/>
+              </p:ext>
+            </p:extLst>
+          </p:nvPr>
+        </p:nvGraphicFramePr>
+        <p:xfrm>
+          <a:off x="2906407" y="2210230"/>
+          <a:ext cx="2373163" cy="1490912"/>
+        </p:xfrm>
+        <a:graphic>
+          <a:graphicData uri="http://schemas.openxmlformats.org/drawingml/2006/table">
+            <a:tbl>
+              <a:tblPr/>
+              <a:tblGrid>
+                <a:gridCol w="863086">
+                  <a:extLst>
+                    <a:ext uri="{9D8B030D-6E8A-4147-A177-3AD203B41FA5}">
+                      <a16:colId xmlns:a16="http://schemas.microsoft.com/office/drawing/2014/main" val="2306715820"/>
+                    </a:ext>
+                  </a:extLst>
+                </a:gridCol>
+                <a:gridCol w="863086">
+                  <a:extLst>
+                    <a:ext uri="{9D8B030D-6E8A-4147-A177-3AD203B41FA5}">
+                      <a16:colId xmlns:a16="http://schemas.microsoft.com/office/drawing/2014/main" val="2346520885"/>
+                    </a:ext>
+                  </a:extLst>
+                </a:gridCol>
+                <a:gridCol w="646991">
+                  <a:extLst>
+                    <a:ext uri="{9D8B030D-6E8A-4147-A177-3AD203B41FA5}">
+                      <a16:colId xmlns:a16="http://schemas.microsoft.com/office/drawing/2014/main" val="147346925"/>
+                    </a:ext>
+                  </a:extLst>
+                </a:gridCol>
+              </a:tblGrid>
+              <a:tr h="745456">
+                <a:tc>
+                  <a:txBody>
+                    <a:bodyPr/>
+                    <a:lstStyle/>
+                    <a:p>
+                      <a:pPr marL="0" marR="0" fontAlgn="t">
+                        <a:buNone/>
+                      </a:pPr>
+                      <a:r>
+                        <a:rPr lang="en-IN" sz="4000" b="1" dirty="0">
+                          <a:effectLst/>
+                          <a:latin typeface="+mj-lt"/>
+                        </a:rPr>
+                        <a:t>1</a:t>
+                      </a:r>
+                      <a:endParaRPr lang="en-IN" sz="4000" dirty="0">
+                        <a:effectLst/>
+                        <a:latin typeface="+mj-lt"/>
+                      </a:endParaRPr>
+                    </a:p>
+                  </a:txBody>
+                  <a:tcPr marL="50800" marR="50800" marT="50800" marB="50800">
+                    <a:lnL w="12700" cap="flat" cmpd="sng" algn="ctr">
+                      <a:solidFill>
+                        <a:srgbClr val="A3A3A3"/>
+                      </a:solidFill>
+                      <a:prstDash val="solid"/>
+                      <a:round/>
+                      <a:headEnd type="none" w="med" len="med"/>
+                      <a:tailEnd type="none" w="med" len="med"/>
+                    </a:lnL>
+                    <a:lnR w="12700" cap="flat" cmpd="sng" algn="ctr">
+                      <a:solidFill>
+                        <a:srgbClr val="A3A3A3"/>
+                      </a:solidFill>
+                      <a:prstDash val="solid"/>
+                      <a:round/>
+                      <a:headEnd type="none" w="med" len="med"/>
+                      <a:tailEnd type="none" w="med" len="med"/>
+                    </a:lnR>
+                    <a:lnT w="12700" cap="flat" cmpd="sng" algn="ctr">
+                      <a:solidFill>
+                        <a:srgbClr val="A3A3A3"/>
+                      </a:solidFill>
+                      <a:prstDash val="solid"/>
+                      <a:round/>
+                      <a:headEnd type="none" w="med" len="med"/>
+                      <a:tailEnd type="none" w="med" len="med"/>
+                    </a:lnT>
+                    <a:lnB w="12700" cap="flat" cmpd="sng" algn="ctr">
+                      <a:solidFill>
+                        <a:srgbClr val="A3A3A3"/>
+                      </a:solidFill>
+                      <a:prstDash val="solid"/>
+                      <a:round/>
+                      <a:headEnd type="none" w="med" len="med"/>
+                      <a:tailEnd type="none" w="med" len="med"/>
+                    </a:lnB>
+                    <a:noFill/>
+                  </a:tcPr>
+                </a:tc>
+                <a:tc>
+                  <a:txBody>
+                    <a:bodyPr/>
+                    <a:lstStyle/>
+                    <a:p>
+                      <a:pPr marL="0" marR="0" fontAlgn="t">
+                        <a:buNone/>
+                      </a:pPr>
+                      <a:r>
+                        <a:rPr lang="en-IN" sz="4000" b="1">
+                          <a:effectLst/>
+                          <a:latin typeface="+mj-lt"/>
+                        </a:rPr>
+                        <a:t>2</a:t>
+                      </a:r>
+                      <a:endParaRPr lang="en-IN" sz="4000">
+                        <a:effectLst/>
+                        <a:latin typeface="+mj-lt"/>
+                      </a:endParaRPr>
+                    </a:p>
+                  </a:txBody>
+                  <a:tcPr marL="50800" marR="50800" marT="50800" marB="50800">
+                    <a:lnL w="12700" cap="flat" cmpd="sng" algn="ctr">
+                      <a:solidFill>
+                        <a:srgbClr val="A3A3A3"/>
+                      </a:solidFill>
+                      <a:prstDash val="solid"/>
+                      <a:round/>
+                      <a:headEnd type="none" w="med" len="med"/>
+                      <a:tailEnd type="none" w="med" len="med"/>
+                    </a:lnL>
+                    <a:lnR w="12700" cap="flat" cmpd="sng" algn="ctr">
+                      <a:solidFill>
+                        <a:srgbClr val="A3A3A3"/>
+                      </a:solidFill>
+                      <a:prstDash val="solid"/>
+                      <a:round/>
+                      <a:headEnd type="none" w="med" len="med"/>
+                      <a:tailEnd type="none" w="med" len="med"/>
+                    </a:lnR>
+                    <a:lnT w="12700" cap="flat" cmpd="sng" algn="ctr">
+                      <a:solidFill>
+                        <a:srgbClr val="A3A3A3"/>
+                      </a:solidFill>
+                      <a:prstDash val="solid"/>
+                      <a:round/>
+                      <a:headEnd type="none" w="med" len="med"/>
+                      <a:tailEnd type="none" w="med" len="med"/>
+                    </a:lnT>
+                    <a:lnB w="12700" cap="flat" cmpd="sng" algn="ctr">
+                      <a:solidFill>
+                        <a:srgbClr val="A3A3A3"/>
+                      </a:solidFill>
+                      <a:prstDash val="solid"/>
+                      <a:round/>
+                      <a:headEnd type="none" w="med" len="med"/>
+                      <a:tailEnd type="none" w="med" len="med"/>
+                    </a:lnB>
+                    <a:noFill/>
+                  </a:tcPr>
+                </a:tc>
+                <a:tc>
+                  <a:txBody>
+                    <a:bodyPr/>
+                    <a:lstStyle/>
+                    <a:p>
+                      <a:pPr marL="0" marR="0" fontAlgn="t">
+                        <a:buNone/>
+                      </a:pPr>
+                      <a:r>
+                        <a:rPr lang="en-IN" sz="4000" b="1">
+                          <a:effectLst/>
+                          <a:latin typeface="+mj-lt"/>
+                        </a:rPr>
+                        <a:t>3</a:t>
+                      </a:r>
+                      <a:endParaRPr lang="en-IN" sz="4000">
+                        <a:effectLst/>
+                        <a:latin typeface="+mj-lt"/>
+                      </a:endParaRPr>
+                    </a:p>
+                  </a:txBody>
+                  <a:tcPr marL="50800" marR="50800" marT="50800" marB="50800">
+                    <a:lnL w="12700" cap="flat" cmpd="sng" algn="ctr">
+                      <a:solidFill>
+                        <a:srgbClr val="A3A3A3"/>
+                      </a:solidFill>
+                      <a:prstDash val="solid"/>
+                      <a:round/>
+                      <a:headEnd type="none" w="med" len="med"/>
+                      <a:tailEnd type="none" w="med" len="med"/>
+                    </a:lnL>
+                    <a:lnR w="12700" cap="flat" cmpd="sng" algn="ctr">
+                      <a:solidFill>
+                        <a:srgbClr val="A3A3A3"/>
+                      </a:solidFill>
+                      <a:prstDash val="solid"/>
+                      <a:round/>
+                      <a:headEnd type="none" w="med" len="med"/>
+                      <a:tailEnd type="none" w="med" len="med"/>
+                    </a:lnR>
+                    <a:lnT w="12700" cap="flat" cmpd="sng" algn="ctr">
+                      <a:solidFill>
+                        <a:srgbClr val="A3A3A3"/>
+                      </a:solidFill>
+                      <a:prstDash val="solid"/>
+                      <a:round/>
+                      <a:headEnd type="none" w="med" len="med"/>
+                      <a:tailEnd type="none" w="med" len="med"/>
+                    </a:lnT>
+                    <a:lnB w="12700" cap="flat" cmpd="sng" algn="ctr">
+                      <a:solidFill>
+                        <a:srgbClr val="A3A3A3"/>
+                      </a:solidFill>
+                      <a:prstDash val="solid"/>
+                      <a:round/>
+                      <a:headEnd type="none" w="med" len="med"/>
+                      <a:tailEnd type="none" w="med" len="med"/>
+                    </a:lnB>
+                    <a:noFill/>
+                  </a:tcPr>
+                </a:tc>
+                <a:extLst>
+                  <a:ext uri="{0D108BD9-81ED-4DB2-BD59-A6C34878D82A}">
+                    <a16:rowId xmlns:a16="http://schemas.microsoft.com/office/drawing/2014/main" val="1051779871"/>
+                  </a:ext>
+                </a:extLst>
+              </a:tr>
+              <a:tr h="745456">
+                <a:tc>
+                  <a:txBody>
+                    <a:bodyPr/>
+                    <a:lstStyle/>
+                    <a:p>
+                      <a:pPr marL="0" marR="0" fontAlgn="t">
+                        <a:buNone/>
+                      </a:pPr>
+                      <a:r>
+                        <a:rPr lang="en-IN" sz="4000" b="1">
+                          <a:effectLst/>
+                          <a:latin typeface="+mj-lt"/>
+                        </a:rPr>
+                        <a:t>4</a:t>
+                      </a:r>
+                      <a:endParaRPr lang="en-IN" sz="4000">
+                        <a:effectLst/>
+                        <a:latin typeface="+mj-lt"/>
+                      </a:endParaRPr>
+                    </a:p>
+                  </a:txBody>
+                  <a:tcPr marL="50800" marR="50800" marT="50800" marB="50800">
+                    <a:lnL w="12700" cap="flat" cmpd="sng" algn="ctr">
+                      <a:solidFill>
+                        <a:srgbClr val="A3A3A3"/>
+                      </a:solidFill>
+                      <a:prstDash val="solid"/>
+                      <a:round/>
+                      <a:headEnd type="none" w="med" len="med"/>
+                      <a:tailEnd type="none" w="med" len="med"/>
+                    </a:lnL>
+                    <a:lnR w="12700" cap="flat" cmpd="sng" algn="ctr">
+                      <a:solidFill>
+                        <a:srgbClr val="A3A3A3"/>
+                      </a:solidFill>
+                      <a:prstDash val="solid"/>
+                      <a:round/>
+                      <a:headEnd type="none" w="med" len="med"/>
+                      <a:tailEnd type="none" w="med" len="med"/>
+                    </a:lnR>
+                    <a:lnT w="12700" cap="flat" cmpd="sng" algn="ctr">
+                      <a:solidFill>
+                        <a:srgbClr val="A3A3A3"/>
+                      </a:solidFill>
+                      <a:prstDash val="solid"/>
+                      <a:round/>
+                      <a:headEnd type="none" w="med" len="med"/>
+                      <a:tailEnd type="none" w="med" len="med"/>
+                    </a:lnT>
+                    <a:lnB w="12700" cap="flat" cmpd="sng" algn="ctr">
+                      <a:solidFill>
+                        <a:srgbClr val="A3A3A3"/>
+                      </a:solidFill>
+                      <a:prstDash val="solid"/>
+                      <a:round/>
+                      <a:headEnd type="none" w="med" len="med"/>
+                      <a:tailEnd type="none" w="med" len="med"/>
+                    </a:lnB>
+                    <a:noFill/>
+                  </a:tcPr>
+                </a:tc>
+                <a:tc>
+                  <a:txBody>
+                    <a:bodyPr/>
+                    <a:lstStyle/>
+                    <a:p>
+                      <a:pPr marL="0" marR="0" fontAlgn="t">
+                        <a:buNone/>
+                      </a:pPr>
+                      <a:r>
+                        <a:rPr lang="en-IN" sz="4000" b="1">
+                          <a:effectLst/>
+                          <a:latin typeface="+mj-lt"/>
+                        </a:rPr>
+                        <a:t>5</a:t>
+                      </a:r>
+                      <a:endParaRPr lang="en-IN" sz="4000">
+                        <a:effectLst/>
+                        <a:latin typeface="+mj-lt"/>
+                      </a:endParaRPr>
+                    </a:p>
+                  </a:txBody>
+                  <a:tcPr marL="50800" marR="50800" marT="50800" marB="50800">
+                    <a:lnL w="12700" cap="flat" cmpd="sng" algn="ctr">
+                      <a:solidFill>
+                        <a:srgbClr val="A3A3A3"/>
+                      </a:solidFill>
+                      <a:prstDash val="solid"/>
+                      <a:round/>
+                      <a:headEnd type="none" w="med" len="med"/>
+                      <a:tailEnd type="none" w="med" len="med"/>
+                    </a:lnL>
+                    <a:lnR w="12700" cap="flat" cmpd="sng" algn="ctr">
+                      <a:solidFill>
+                        <a:srgbClr val="A3A3A3"/>
+                      </a:solidFill>
+                      <a:prstDash val="solid"/>
+                      <a:round/>
+                      <a:headEnd type="none" w="med" len="med"/>
+                      <a:tailEnd type="none" w="med" len="med"/>
+                    </a:lnR>
+                    <a:lnT w="12700" cap="flat" cmpd="sng" algn="ctr">
+                      <a:solidFill>
+                        <a:srgbClr val="A3A3A3"/>
+                      </a:solidFill>
+                      <a:prstDash val="solid"/>
+                      <a:round/>
+                      <a:headEnd type="none" w="med" len="med"/>
+                      <a:tailEnd type="none" w="med" len="med"/>
+                    </a:lnT>
+                    <a:lnB w="12700" cap="flat" cmpd="sng" algn="ctr">
+                      <a:solidFill>
+                        <a:srgbClr val="A3A3A3"/>
+                      </a:solidFill>
+                      <a:prstDash val="solid"/>
+                      <a:round/>
+                      <a:headEnd type="none" w="med" len="med"/>
+                      <a:tailEnd type="none" w="med" len="med"/>
+                    </a:lnB>
+                    <a:noFill/>
+                  </a:tcPr>
+                </a:tc>
+                <a:tc>
+                  <a:txBody>
+                    <a:bodyPr/>
+                    <a:lstStyle/>
+                    <a:p>
+                      <a:pPr marL="0" marR="0" fontAlgn="t">
+                        <a:buNone/>
+                      </a:pPr>
+                      <a:r>
+                        <a:rPr lang="en-IN" sz="4000" b="1" dirty="0">
+                          <a:effectLst/>
+                          <a:latin typeface="+mj-lt"/>
+                        </a:rPr>
+                        <a:t>6</a:t>
+                      </a:r>
+                      <a:endParaRPr lang="en-IN" sz="4000" dirty="0">
+                        <a:effectLst/>
+                        <a:latin typeface="+mj-lt"/>
+                      </a:endParaRPr>
+                    </a:p>
+                  </a:txBody>
+                  <a:tcPr marL="50800" marR="50800" marT="50800" marB="50800">
+                    <a:lnL w="12700" cap="flat" cmpd="sng" algn="ctr">
+                      <a:solidFill>
+                        <a:srgbClr val="A3A3A3"/>
+                      </a:solidFill>
+                      <a:prstDash val="solid"/>
+                      <a:round/>
+                      <a:headEnd type="none" w="med" len="med"/>
+                      <a:tailEnd type="none" w="med" len="med"/>
+                    </a:lnL>
+                    <a:lnR w="12700" cap="flat" cmpd="sng" algn="ctr">
+                      <a:solidFill>
+                        <a:srgbClr val="A3A3A3"/>
+                      </a:solidFill>
+                      <a:prstDash val="solid"/>
+                      <a:round/>
+                      <a:headEnd type="none" w="med" len="med"/>
+                      <a:tailEnd type="none" w="med" len="med"/>
+                    </a:lnR>
+                    <a:lnT w="12700" cap="flat" cmpd="sng" algn="ctr">
+                      <a:solidFill>
+                        <a:srgbClr val="A3A3A3"/>
+                      </a:solidFill>
+                      <a:prstDash val="solid"/>
+                      <a:round/>
+                      <a:headEnd type="none" w="med" len="med"/>
+                      <a:tailEnd type="none" w="med" len="med"/>
+                    </a:lnT>
+                    <a:lnB w="12700" cap="flat" cmpd="sng" algn="ctr">
+                      <a:solidFill>
+                        <a:srgbClr val="A3A3A3"/>
+                      </a:solidFill>
+                      <a:prstDash val="solid"/>
+                      <a:round/>
+                      <a:headEnd type="none" w="med" len="med"/>
+                      <a:tailEnd type="none" w="med" len="med"/>
+                    </a:lnB>
+                    <a:noFill/>
+                  </a:tcPr>
+                </a:tc>
+                <a:extLst>
+                  <a:ext uri="{0D108BD9-81ED-4DB2-BD59-A6C34878D82A}">
+                    <a16:rowId xmlns:a16="http://schemas.microsoft.com/office/drawing/2014/main" val="1002675786"/>
+                  </a:ext>
+                </a:extLst>
+              </a:tr>
+            </a:tbl>
+          </a:graphicData>
+        </a:graphic>
+      </p:graphicFrame>
+    </p:spTree>
+    <p:extLst>
+      <p:ext uri="{BB962C8B-B14F-4D97-AF65-F5344CB8AC3E}">
+        <p14:creationId xmlns:p14="http://schemas.microsoft.com/office/powerpoint/2010/main" val="2147554994"/>
+      </p:ext>
+    </p:extLst>
+  </p:cSld>
+  <p:clrMapOvr>
+    <a:masterClrMapping/>
+  </p:clrMapOvr>
+</p:sld>
+</file>
+
+<file path=ppt/slides/slide5.xml><?xml version="1.0" encoding="utf-8"?>
+<p:sld xmlns:a="http://schemas.openxmlformats.org/drawingml/2006/main" xmlns:r="http://schemas.openxmlformats.org/officeDocument/2006/relationships" xmlns:p="http://schemas.openxmlformats.org/presentationml/2006/main">
+  <p:cSld>
+    <p:spTree>
+      <p:nvGrpSpPr>
+        <p:cNvPr id="1" name="">
+          <a:extLst>
+            <a:ext uri="{FF2B5EF4-FFF2-40B4-BE49-F238E27FC236}">
+              <a16:creationId xmlns:a16="http://schemas.microsoft.com/office/drawing/2014/main" id="{99073490-0BD1-41DC-D55F-DC96A0AD9982}"/>
+            </a:ext>
+          </a:extLst>
+        </p:cNvPr>
+        <p:cNvGrpSpPr/>
+        <p:nvPr/>
+      </p:nvGrpSpPr>
+      <p:grpSpPr>
+        <a:xfrm>
+          <a:off x="0" y="0"/>
+          <a:ext cx="0" cy="0"/>
+          <a:chOff x="0" y="0"/>
+          <a:chExt cx="0" cy="0"/>
+        </a:xfrm>
+      </p:grpSpPr>
+      <p:sp>
+        <p:nvSpPr>
+          <p:cNvPr id="3" name="Content Placeholder 2">
+            <a:extLst>
+              <a:ext uri="{FF2B5EF4-FFF2-40B4-BE49-F238E27FC236}">
+                <a16:creationId xmlns:a16="http://schemas.microsoft.com/office/drawing/2014/main" id="{CA4A09BB-B4CE-D1C0-E044-7558B2B86BD8}"/>
+              </a:ext>
+            </a:extLst>
+          </p:cNvPr>
+          <p:cNvSpPr>
+            <a:spLocks noGrp="1"/>
+          </p:cNvSpPr>
+          <p:nvPr>
+            <p:ph idx="1"/>
+          </p:nvPr>
+        </p:nvSpPr>
+        <p:spPr>
+          <a:xfrm>
+            <a:off x="777240" y="740229"/>
+            <a:ext cx="10659110" cy="5436734"/>
+          </a:xfrm>
+        </p:spPr>
+        <p:txBody>
+          <a:bodyPr>
+            <a:normAutofit/>
+          </a:bodyPr>
+          <a:lstStyle/>
+          <a:p>
+            <a:pPr marL="0" indent="0">
+              <a:buNone/>
+            </a:pPr>
+            <a:r>
+              <a:rPr lang="en-US" sz="2400" b="1" dirty="0"/>
+              <a:t>What is </a:t>
+            </a:r>
+            <a:r>
+              <a:rPr lang="en-US" sz="2400" b="1" dirty="0">
+                <a:solidFill>
+                  <a:srgbClr val="C00000"/>
+                </a:solidFill>
+              </a:rPr>
+              <a:t>Transpose</a:t>
+            </a:r>
+            <a:r>
+              <a:rPr lang="en-US" sz="2400" b="1" dirty="0"/>
+              <a:t> of a Matrix?</a:t>
+            </a:r>
+          </a:p>
+          <a:p>
+            <a:r>
+              <a:rPr lang="en-US" sz="2400" dirty="0"/>
+              <a:t>Transpose simply means </a:t>
+            </a:r>
+            <a:r>
+              <a:rPr lang="en-US" sz="2400" b="1" dirty="0">
+                <a:solidFill>
+                  <a:srgbClr val="C00000"/>
+                </a:solidFill>
+              </a:rPr>
+              <a:t>interchanging</a:t>
+            </a:r>
+            <a:r>
+              <a:rPr lang="en-US" sz="2400" b="1" dirty="0"/>
+              <a:t> rows </a:t>
+            </a:r>
+            <a:r>
+              <a:rPr lang="en-US" sz="2400" dirty="0"/>
+              <a:t>with</a:t>
+            </a:r>
+            <a:r>
+              <a:rPr lang="en-US" sz="2400" b="1" dirty="0"/>
+              <a:t> columns</a:t>
+            </a:r>
+            <a:r>
+              <a:rPr lang="en-US" sz="2400" dirty="0"/>
+              <a:t>.</a:t>
+            </a:r>
+          </a:p>
+          <a:p>
+            <a:r>
+              <a:rPr lang="en-US" sz="2400" dirty="0"/>
+              <a:t>So if we take the previous slide matrix:</a:t>
+            </a:r>
+          </a:p>
+          <a:p>
+            <a:pPr lvl="1"/>
+            <a:r>
+              <a:rPr lang="en-US" sz="2400" b="1" dirty="0">
+                <a:solidFill>
+                  <a:schemeClr val="accent3">
+                    <a:lumMod val="50000"/>
+                  </a:schemeClr>
+                </a:solidFill>
+              </a:rPr>
+              <a:t>Row 1</a:t>
+            </a:r>
+            <a:r>
+              <a:rPr lang="en-US" sz="2400" dirty="0"/>
+              <a:t> → becomes </a:t>
+            </a:r>
+            <a:r>
+              <a:rPr lang="en-US" sz="2400" b="1" dirty="0">
+                <a:solidFill>
+                  <a:schemeClr val="accent3">
+                    <a:lumMod val="50000"/>
+                  </a:schemeClr>
+                </a:solidFill>
+              </a:rPr>
+              <a:t>Column 1</a:t>
+            </a:r>
+          </a:p>
+          <a:p>
+            <a:pPr lvl="1"/>
+            <a:r>
+              <a:rPr lang="en-US" sz="2400" b="1" dirty="0">
+                <a:solidFill>
+                  <a:schemeClr val="accent3">
+                    <a:lumMod val="50000"/>
+                  </a:schemeClr>
+                </a:solidFill>
+              </a:rPr>
+              <a:t>Row 2 </a:t>
+            </a:r>
+            <a:r>
+              <a:rPr lang="en-US" sz="2400" dirty="0"/>
+              <a:t>→ becomes </a:t>
+            </a:r>
+            <a:r>
+              <a:rPr lang="en-US" sz="2400" b="1" dirty="0">
+                <a:solidFill>
+                  <a:schemeClr val="accent3">
+                    <a:lumMod val="50000"/>
+                  </a:schemeClr>
+                </a:solidFill>
+              </a:rPr>
+              <a:t>Column 2</a:t>
+            </a:r>
+          </a:p>
+          <a:p>
+            <a:r>
+              <a:rPr lang="en-US" sz="2400" dirty="0"/>
+              <a:t>So the transpose will be:</a:t>
+            </a:r>
+          </a:p>
+          <a:p>
+            <a:pPr marL="0" indent="0">
+              <a:buNone/>
+            </a:pPr>
+            <a:endParaRPr lang="en-US" sz="2400" dirty="0"/>
+          </a:p>
+          <a:p>
+            <a:pPr marL="0" indent="0">
+              <a:buNone/>
+            </a:pPr>
+            <a:endParaRPr lang="en-IN" sz="2400" dirty="0"/>
+          </a:p>
+        </p:txBody>
+      </p:sp>
+      <p:graphicFrame>
+        <p:nvGraphicFramePr>
+          <p:cNvPr id="2" name="Table 1">
+            <a:extLst>
+              <a:ext uri="{FF2B5EF4-FFF2-40B4-BE49-F238E27FC236}">
+                <a16:creationId xmlns:a16="http://schemas.microsoft.com/office/drawing/2014/main" id="{C43A4964-5BE4-3000-767B-3936F392E456}"/>
+              </a:ext>
+            </a:extLst>
+          </p:cNvPr>
+          <p:cNvGraphicFramePr>
+            <a:graphicFrameLocks noGrp="1"/>
+          </p:cNvGraphicFramePr>
+          <p:nvPr>
+            <p:extLst>
+              <p:ext uri="{D42A27DB-BD31-4B8C-83A1-F6EECF244321}">
+                <p14:modId xmlns:p14="http://schemas.microsoft.com/office/powerpoint/2010/main" val="2451088002"/>
+              </p:ext>
+            </p:extLst>
+          </p:nvPr>
+        </p:nvGraphicFramePr>
+        <p:xfrm>
+          <a:off x="3088699" y="3695405"/>
+          <a:ext cx="2800472" cy="2133600"/>
+        </p:xfrm>
+        <a:graphic>
+          <a:graphicData uri="http://schemas.openxmlformats.org/drawingml/2006/table">
+            <a:tbl>
+              <a:tblPr/>
+              <a:tblGrid>
+                <a:gridCol w="1200272">
+                  <a:extLst>
+                    <a:ext uri="{9D8B030D-6E8A-4147-A177-3AD203B41FA5}">
+                      <a16:colId xmlns:a16="http://schemas.microsoft.com/office/drawing/2014/main" val="3416297599"/>
+                    </a:ext>
+                  </a:extLst>
+                </a:gridCol>
+                <a:gridCol w="1600200">
+                  <a:extLst>
+                    <a:ext uri="{9D8B030D-6E8A-4147-A177-3AD203B41FA5}">
+                      <a16:colId xmlns:a16="http://schemas.microsoft.com/office/drawing/2014/main" val="862353745"/>
+                    </a:ext>
+                  </a:extLst>
+                </a:gridCol>
+              </a:tblGrid>
+              <a:tr h="626027">
+                <a:tc>
+                  <a:txBody>
+                    <a:bodyPr/>
+                    <a:lstStyle/>
+                    <a:p>
+                      <a:pPr marL="0" marR="0" algn="ctr" fontAlgn="t">
+                        <a:buNone/>
+                      </a:pPr>
+                      <a:r>
+                        <a:rPr lang="en-IN" sz="4000" b="1" dirty="0">
+                          <a:effectLst/>
+                          <a:latin typeface="+mj-lt"/>
+                        </a:rPr>
+                        <a:t>1  </a:t>
+                      </a:r>
+                    </a:p>
+                  </a:txBody>
+                  <a:tcPr marL="50800" marR="50800" marT="50800" marB="50800">
+                    <a:lnL w="12700" cap="flat" cmpd="sng" algn="ctr">
+                      <a:solidFill>
+                        <a:srgbClr val="A3A3A3"/>
+                      </a:solidFill>
+                      <a:prstDash val="solid"/>
+                      <a:round/>
+                      <a:headEnd type="none" w="med" len="med"/>
+                      <a:tailEnd type="none" w="med" len="med"/>
+                    </a:lnL>
+                    <a:lnR w="12700" cap="flat" cmpd="sng" algn="ctr">
+                      <a:solidFill>
+                        <a:srgbClr val="A3A3A3"/>
+                      </a:solidFill>
+                      <a:prstDash val="solid"/>
+                      <a:round/>
+                      <a:headEnd type="none" w="med" len="med"/>
+                      <a:tailEnd type="none" w="med" len="med"/>
+                    </a:lnR>
+                    <a:lnT w="12700" cap="flat" cmpd="sng" algn="ctr">
+                      <a:solidFill>
+                        <a:srgbClr val="A3A3A3"/>
+                      </a:solidFill>
+                      <a:prstDash val="solid"/>
+                      <a:round/>
+                      <a:headEnd type="none" w="med" len="med"/>
+                      <a:tailEnd type="none" w="med" len="med"/>
+                    </a:lnT>
+                    <a:lnB w="12700" cap="flat" cmpd="sng" algn="ctr">
+                      <a:solidFill>
+                        <a:srgbClr val="A3A3A3"/>
+                      </a:solidFill>
+                      <a:prstDash val="solid"/>
+                      <a:round/>
+                      <a:headEnd type="none" w="med" len="med"/>
+                      <a:tailEnd type="none" w="med" len="med"/>
+                    </a:lnB>
+                    <a:noFill/>
+                  </a:tcPr>
+                </a:tc>
+                <a:tc>
+                  <a:txBody>
+                    <a:bodyPr/>
+                    <a:lstStyle/>
+                    <a:p>
+                      <a:pPr marL="0" marR="0" algn="ctr" fontAlgn="t">
+                        <a:buNone/>
+                      </a:pPr>
+                      <a:r>
+                        <a:rPr lang="en-IN" sz="4000" b="1">
+                          <a:effectLst/>
+                          <a:latin typeface="+mj-lt"/>
+                        </a:rPr>
+                        <a:t>4</a:t>
+                      </a:r>
+                    </a:p>
+                  </a:txBody>
+                  <a:tcPr marL="50800" marR="50800" marT="50800" marB="50800">
+                    <a:lnL w="12700" cap="flat" cmpd="sng" algn="ctr">
+                      <a:solidFill>
+                        <a:srgbClr val="A3A3A3"/>
+                      </a:solidFill>
+                      <a:prstDash val="solid"/>
+                      <a:round/>
+                      <a:headEnd type="none" w="med" len="med"/>
+                      <a:tailEnd type="none" w="med" len="med"/>
+                    </a:lnL>
+                    <a:lnR w="12700" cap="flat" cmpd="sng" algn="ctr">
+                      <a:solidFill>
+                        <a:srgbClr val="A3A3A3"/>
+                      </a:solidFill>
+                      <a:prstDash val="solid"/>
+                      <a:round/>
+                      <a:headEnd type="none" w="med" len="med"/>
+                      <a:tailEnd type="none" w="med" len="med"/>
+                    </a:lnR>
+                    <a:lnT w="12700" cap="flat" cmpd="sng" algn="ctr">
+                      <a:solidFill>
+                        <a:srgbClr val="A3A3A3"/>
+                      </a:solidFill>
+                      <a:prstDash val="solid"/>
+                      <a:round/>
+                      <a:headEnd type="none" w="med" len="med"/>
+                      <a:tailEnd type="none" w="med" len="med"/>
+                    </a:lnT>
+                    <a:lnB w="12700" cap="flat" cmpd="sng" algn="ctr">
+                      <a:solidFill>
+                        <a:srgbClr val="A3A3A3"/>
+                      </a:solidFill>
+                      <a:prstDash val="solid"/>
+                      <a:round/>
+                      <a:headEnd type="none" w="med" len="med"/>
+                      <a:tailEnd type="none" w="med" len="med"/>
+                    </a:lnB>
+                    <a:noFill/>
+                  </a:tcPr>
+                </a:tc>
+                <a:extLst>
+                  <a:ext uri="{0D108BD9-81ED-4DB2-BD59-A6C34878D82A}">
+                    <a16:rowId xmlns:a16="http://schemas.microsoft.com/office/drawing/2014/main" val="2959284642"/>
+                  </a:ext>
+                </a:extLst>
+              </a:tr>
+              <a:tr h="626027">
+                <a:tc>
+                  <a:txBody>
+                    <a:bodyPr/>
+                    <a:lstStyle/>
+                    <a:p>
+                      <a:pPr marL="0" marR="0" algn="ctr" fontAlgn="t">
+                        <a:buNone/>
+                      </a:pPr>
+                      <a:r>
+                        <a:rPr lang="en-IN" sz="4000" b="1" dirty="0">
+                          <a:effectLst/>
+                          <a:latin typeface="+mj-lt"/>
+                        </a:rPr>
+                        <a:t>2 </a:t>
+                      </a:r>
+                    </a:p>
+                  </a:txBody>
+                  <a:tcPr marL="50800" marR="50800" marT="50800" marB="50800">
+                    <a:lnL w="12700" cap="flat" cmpd="sng" algn="ctr">
+                      <a:solidFill>
+                        <a:srgbClr val="A3A3A3"/>
+                      </a:solidFill>
+                      <a:prstDash val="solid"/>
+                      <a:round/>
+                      <a:headEnd type="none" w="med" len="med"/>
+                      <a:tailEnd type="none" w="med" len="med"/>
+                    </a:lnL>
+                    <a:lnR w="12700" cap="flat" cmpd="sng" algn="ctr">
+                      <a:solidFill>
+                        <a:srgbClr val="A3A3A3"/>
+                      </a:solidFill>
+                      <a:prstDash val="solid"/>
+                      <a:round/>
+                      <a:headEnd type="none" w="med" len="med"/>
+                      <a:tailEnd type="none" w="med" len="med"/>
+                    </a:lnR>
+                    <a:lnT w="12700" cap="flat" cmpd="sng" algn="ctr">
+                      <a:solidFill>
+                        <a:srgbClr val="A3A3A3"/>
+                      </a:solidFill>
+                      <a:prstDash val="solid"/>
+                      <a:round/>
+                      <a:headEnd type="none" w="med" len="med"/>
+                      <a:tailEnd type="none" w="med" len="med"/>
+                    </a:lnT>
+                    <a:lnB w="12700" cap="flat" cmpd="sng" algn="ctr">
+                      <a:solidFill>
+                        <a:srgbClr val="A3A3A3"/>
+                      </a:solidFill>
+                      <a:prstDash val="solid"/>
+                      <a:round/>
+                      <a:headEnd type="none" w="med" len="med"/>
+                      <a:tailEnd type="none" w="med" len="med"/>
+                    </a:lnB>
+                    <a:noFill/>
+                  </a:tcPr>
+                </a:tc>
+                <a:tc>
+                  <a:txBody>
+                    <a:bodyPr/>
+                    <a:lstStyle/>
+                    <a:p>
+                      <a:pPr marL="0" marR="0" algn="ctr" fontAlgn="t">
+                        <a:buNone/>
+                      </a:pPr>
+                      <a:r>
+                        <a:rPr lang="en-IN" sz="4000" b="1" dirty="0">
+                          <a:effectLst/>
+                          <a:latin typeface="+mj-lt"/>
+                        </a:rPr>
+                        <a:t>5</a:t>
+                      </a:r>
+                    </a:p>
+                  </a:txBody>
+                  <a:tcPr marL="50800" marR="50800" marT="50800" marB="50800">
+                    <a:lnL w="12700" cap="flat" cmpd="sng" algn="ctr">
+                      <a:solidFill>
+                        <a:srgbClr val="A3A3A3"/>
+                      </a:solidFill>
+                      <a:prstDash val="solid"/>
+                      <a:round/>
+                      <a:headEnd type="none" w="med" len="med"/>
+                      <a:tailEnd type="none" w="med" len="med"/>
+                    </a:lnL>
+                    <a:lnR w="12700" cap="flat" cmpd="sng" algn="ctr">
+                      <a:solidFill>
+                        <a:srgbClr val="A3A3A3"/>
+                      </a:solidFill>
+                      <a:prstDash val="solid"/>
+                      <a:round/>
+                      <a:headEnd type="none" w="med" len="med"/>
+                      <a:tailEnd type="none" w="med" len="med"/>
+                    </a:lnR>
+                    <a:lnT w="12700" cap="flat" cmpd="sng" algn="ctr">
+                      <a:solidFill>
+                        <a:srgbClr val="A3A3A3"/>
+                      </a:solidFill>
+                      <a:prstDash val="solid"/>
+                      <a:round/>
+                      <a:headEnd type="none" w="med" len="med"/>
+                      <a:tailEnd type="none" w="med" len="med"/>
+                    </a:lnT>
+                    <a:lnB w="12700" cap="flat" cmpd="sng" algn="ctr">
+                      <a:solidFill>
+                        <a:srgbClr val="A3A3A3"/>
+                      </a:solidFill>
+                      <a:prstDash val="solid"/>
+                      <a:round/>
+                      <a:headEnd type="none" w="med" len="med"/>
+                      <a:tailEnd type="none" w="med" len="med"/>
+                    </a:lnB>
+                    <a:noFill/>
+                  </a:tcPr>
+                </a:tc>
+                <a:extLst>
+                  <a:ext uri="{0D108BD9-81ED-4DB2-BD59-A6C34878D82A}">
+                    <a16:rowId xmlns:a16="http://schemas.microsoft.com/office/drawing/2014/main" val="829866163"/>
+                  </a:ext>
+                </a:extLst>
+              </a:tr>
+              <a:tr h="626027">
+                <a:tc>
+                  <a:txBody>
+                    <a:bodyPr/>
+                    <a:lstStyle/>
+                    <a:p>
+                      <a:pPr marL="0" marR="0" algn="ctr" fontAlgn="t">
+                        <a:buNone/>
+                      </a:pPr>
+                      <a:r>
+                        <a:rPr lang="en-IN" sz="4000" b="1" dirty="0">
+                          <a:effectLst/>
+                          <a:latin typeface="+mj-lt"/>
+                        </a:rPr>
+                        <a:t>3  </a:t>
+                      </a:r>
+                    </a:p>
+                  </a:txBody>
+                  <a:tcPr marL="50800" marR="50800" marT="50800" marB="50800">
+                    <a:lnL w="12700" cap="flat" cmpd="sng" algn="ctr">
+                      <a:solidFill>
+                        <a:srgbClr val="A3A3A3"/>
+                      </a:solidFill>
+                      <a:prstDash val="solid"/>
+                      <a:round/>
+                      <a:headEnd type="none" w="med" len="med"/>
+                      <a:tailEnd type="none" w="med" len="med"/>
+                    </a:lnL>
+                    <a:lnR w="12700" cap="flat" cmpd="sng" algn="ctr">
+                      <a:solidFill>
+                        <a:srgbClr val="A3A3A3"/>
+                      </a:solidFill>
+                      <a:prstDash val="solid"/>
+                      <a:round/>
+                      <a:headEnd type="none" w="med" len="med"/>
+                      <a:tailEnd type="none" w="med" len="med"/>
+                    </a:lnR>
+                    <a:lnT w="12700" cap="flat" cmpd="sng" algn="ctr">
+                      <a:solidFill>
+                        <a:srgbClr val="A3A3A3"/>
+                      </a:solidFill>
+                      <a:prstDash val="solid"/>
+                      <a:round/>
+                      <a:headEnd type="none" w="med" len="med"/>
+                      <a:tailEnd type="none" w="med" len="med"/>
+                    </a:lnT>
+                    <a:lnB w="12700" cap="flat" cmpd="sng" algn="ctr">
+                      <a:solidFill>
+                        <a:srgbClr val="A3A3A3"/>
+                      </a:solidFill>
+                      <a:prstDash val="solid"/>
+                      <a:round/>
+                      <a:headEnd type="none" w="med" len="med"/>
+                      <a:tailEnd type="none" w="med" len="med"/>
+                    </a:lnB>
+                    <a:noFill/>
+                  </a:tcPr>
+                </a:tc>
+                <a:tc>
+                  <a:txBody>
+                    <a:bodyPr/>
+                    <a:lstStyle/>
+                    <a:p>
+                      <a:pPr marL="0" marR="0" algn="ctr" fontAlgn="t">
+                        <a:buNone/>
+                      </a:pPr>
+                      <a:r>
+                        <a:rPr lang="en-IN" sz="4000" b="1" dirty="0">
+                          <a:effectLst/>
+                          <a:latin typeface="+mj-lt"/>
+                        </a:rPr>
+                        <a:t>6</a:t>
+                      </a:r>
+                    </a:p>
+                  </a:txBody>
+                  <a:tcPr marL="50800" marR="50800" marT="50800" marB="50800">
+                    <a:lnL w="12700" cap="flat" cmpd="sng" algn="ctr">
+                      <a:solidFill>
+                        <a:srgbClr val="A3A3A3"/>
+                      </a:solidFill>
+                      <a:prstDash val="solid"/>
+                      <a:round/>
+                      <a:headEnd type="none" w="med" len="med"/>
+                      <a:tailEnd type="none" w="med" len="med"/>
+                    </a:lnL>
+                    <a:lnR w="12700" cap="flat" cmpd="sng" algn="ctr">
+                      <a:solidFill>
+                        <a:srgbClr val="A3A3A3"/>
+                      </a:solidFill>
+                      <a:prstDash val="solid"/>
+                      <a:round/>
+                      <a:headEnd type="none" w="med" len="med"/>
+                      <a:tailEnd type="none" w="med" len="med"/>
+                    </a:lnR>
+                    <a:lnT w="12700" cap="flat" cmpd="sng" algn="ctr">
+                      <a:solidFill>
+                        <a:srgbClr val="A3A3A3"/>
+                      </a:solidFill>
+                      <a:prstDash val="solid"/>
+                      <a:round/>
+                      <a:headEnd type="none" w="med" len="med"/>
+                      <a:tailEnd type="none" w="med" len="med"/>
+                    </a:lnT>
+                    <a:lnB w="12700" cap="flat" cmpd="sng" algn="ctr">
+                      <a:solidFill>
+                        <a:srgbClr val="A3A3A3"/>
+                      </a:solidFill>
+                      <a:prstDash val="solid"/>
+                      <a:round/>
+                      <a:headEnd type="none" w="med" len="med"/>
+                      <a:tailEnd type="none" w="med" len="med"/>
+                    </a:lnB>
+                    <a:noFill/>
+                  </a:tcPr>
+                </a:tc>
+                <a:extLst>
+                  <a:ext uri="{0D108BD9-81ED-4DB2-BD59-A6C34878D82A}">
+                    <a16:rowId xmlns:a16="http://schemas.microsoft.com/office/drawing/2014/main" val="237196452"/>
+                  </a:ext>
+                </a:extLst>
+              </a:tr>
+            </a:tbl>
+          </a:graphicData>
+        </a:graphic>
+      </p:graphicFrame>
+    </p:spTree>
+    <p:extLst>
+      <p:ext uri="{BB962C8B-B14F-4D97-AF65-F5344CB8AC3E}">
+        <p14:creationId xmlns:p14="http://schemas.microsoft.com/office/powerpoint/2010/main" val="2001427130"/>
+      </p:ext>
+    </p:extLst>
+  </p:cSld>
+  <p:clrMapOvr>
+    <a:masterClrMapping/>
+  </p:clrMapOvr>
+</p:sld>
+</file>
+
+<file path=ppt/slides/slide6.xml><?xml version="1.0" encoding="utf-8"?>
+<p:sld xmlns:a="http://schemas.openxmlformats.org/drawingml/2006/main" xmlns:r="http://schemas.openxmlformats.org/officeDocument/2006/relationships" xmlns:p="http://schemas.openxmlformats.org/presentationml/2006/main">
+  <p:cSld>
+    <p:spTree>
+      <p:nvGrpSpPr>
+        <p:cNvPr id="1" name="">
+          <a:extLst>
+            <a:ext uri="{FF2B5EF4-FFF2-40B4-BE49-F238E27FC236}">
+              <a16:creationId xmlns:a16="http://schemas.microsoft.com/office/drawing/2014/main" id="{292F6E7A-ADBE-2418-C8DF-54DAD3304DB2}"/>
+            </a:ext>
+          </a:extLst>
+        </p:cNvPr>
+        <p:cNvGrpSpPr/>
+        <p:nvPr/>
+      </p:nvGrpSpPr>
+      <p:grpSpPr>
+        <a:xfrm>
+          <a:off x="0" y="0"/>
+          <a:ext cx="0" cy="0"/>
+          <a:chOff x="0" y="0"/>
+          <a:chExt cx="0" cy="0"/>
+        </a:xfrm>
+      </p:grpSpPr>
+      <p:sp>
+        <p:nvSpPr>
+          <p:cNvPr id="3" name="Content Placeholder 2">
+            <a:extLst>
+              <a:ext uri="{FF2B5EF4-FFF2-40B4-BE49-F238E27FC236}">
+                <a16:creationId xmlns:a16="http://schemas.microsoft.com/office/drawing/2014/main" id="{69C8A5F8-41C9-4262-631D-3FD5BAA335E8}"/>
+              </a:ext>
+            </a:extLst>
+          </p:cNvPr>
+          <p:cNvSpPr>
+            <a:spLocks noGrp="1"/>
+          </p:cNvSpPr>
+          <p:nvPr>
+            <p:ph idx="1"/>
+          </p:nvPr>
+        </p:nvSpPr>
+        <p:spPr>
+          <a:xfrm>
+            <a:off x="777240" y="740229"/>
+            <a:ext cx="10659110" cy="5436734"/>
+          </a:xfrm>
+        </p:spPr>
+        <p:txBody>
+          <a:bodyPr>
+            <a:normAutofit/>
+          </a:bodyPr>
+          <a:lstStyle/>
+          <a:p>
+            <a:pPr marL="0" indent="0">
+              <a:buNone/>
+            </a:pPr>
+            <a:r>
+              <a:rPr lang="en-IN" sz="3200" b="1" dirty="0"/>
+              <a:t>Transformation Mapping</a:t>
+            </a:r>
+          </a:p>
+        </p:txBody>
+      </p:sp>
+      <p:graphicFrame>
+        <p:nvGraphicFramePr>
+          <p:cNvPr id="2" name="Table 1">
+            <a:extLst>
+              <a:ext uri="{FF2B5EF4-FFF2-40B4-BE49-F238E27FC236}">
+                <a16:creationId xmlns:a16="http://schemas.microsoft.com/office/drawing/2014/main" id="{7E516ACE-B7C9-4CC3-4F98-BA19F20166A6}"/>
+              </a:ext>
+            </a:extLst>
+          </p:cNvPr>
+          <p:cNvGraphicFramePr>
+            <a:graphicFrameLocks noGrp="1"/>
+          </p:cNvGraphicFramePr>
+          <p:nvPr>
+            <p:extLst>
+              <p:ext uri="{D42A27DB-BD31-4B8C-83A1-F6EECF244321}">
+                <p14:modId xmlns:p14="http://schemas.microsoft.com/office/powerpoint/2010/main" val="2242573223"/>
+              </p:ext>
+            </p:extLst>
+          </p:nvPr>
+        </p:nvGraphicFramePr>
+        <p:xfrm>
+          <a:off x="1078273" y="1647022"/>
+          <a:ext cx="10014268" cy="4372774"/>
+        </p:xfrm>
+        <a:graphic>
+          <a:graphicData uri="http://schemas.openxmlformats.org/drawingml/2006/table">
+            <a:tbl>
+              <a:tblPr firstRow="1" firstCol="1" bandRow="1">
+                <a:tableStyleId>{5C22544A-7EE6-4342-B048-85BDC9FD1C3A}</a:tableStyleId>
+              </a:tblPr>
+              <a:tblGrid>
+                <a:gridCol w="3337719">
+                  <a:extLst>
+                    <a:ext uri="{9D8B030D-6E8A-4147-A177-3AD203B41FA5}">
+                      <a16:colId xmlns:a16="http://schemas.microsoft.com/office/drawing/2014/main" val="1410799282"/>
+                    </a:ext>
+                  </a:extLst>
+                </a:gridCol>
+                <a:gridCol w="2224294">
+                  <a:extLst>
+                    <a:ext uri="{9D8B030D-6E8A-4147-A177-3AD203B41FA5}">
+                      <a16:colId xmlns:a16="http://schemas.microsoft.com/office/drawing/2014/main" val="3190960902"/>
+                    </a:ext>
+                  </a:extLst>
+                </a:gridCol>
+                <a:gridCol w="4452255">
+                  <a:extLst>
+                    <a:ext uri="{9D8B030D-6E8A-4147-A177-3AD203B41FA5}">
+                      <a16:colId xmlns:a16="http://schemas.microsoft.com/office/drawing/2014/main" val="700435909"/>
+                    </a:ext>
+                  </a:extLst>
+                </a:gridCol>
+              </a:tblGrid>
+              <a:tr h="624682">
+                <a:tc>
+                  <a:txBody>
+                    <a:bodyPr/>
+                    <a:lstStyle/>
+                    <a:p>
+                      <a:pPr>
+                        <a:lnSpc>
+                          <a:spcPct val="115000"/>
+                        </a:lnSpc>
+                        <a:spcAft>
+                          <a:spcPts val="800"/>
+                        </a:spcAft>
+                        <a:buNone/>
+                      </a:pPr>
+                      <a:r>
+                        <a:rPr lang="en-IN" sz="3200" kern="100">
+                          <a:effectLst/>
+                        </a:rPr>
+                        <a:t>Original A Position</a:t>
+                      </a:r>
+                      <a:endParaRPr lang="en-IN" sz="3200" kern="100">
+                        <a:effectLst/>
+                        <a:latin typeface="Aptos" panose="020B0004020202020204" pitchFamily="34" charset="0"/>
+                        <a:ea typeface="Aptos" panose="020B0004020202020204" pitchFamily="34" charset="0"/>
+                        <a:cs typeface="Times New Roman" panose="02020603050405020304" pitchFamily="18" charset="0"/>
+                      </a:endParaRPr>
+                    </a:p>
+                  </a:txBody>
+                  <a:tcPr marL="68580" marR="68580" marT="0" marB="0"/>
+                </a:tc>
+                <a:tc>
+                  <a:txBody>
+                    <a:bodyPr/>
+                    <a:lstStyle/>
+                    <a:p>
+                      <a:pPr>
+                        <a:lnSpc>
+                          <a:spcPct val="115000"/>
+                        </a:lnSpc>
+                        <a:spcAft>
+                          <a:spcPts val="800"/>
+                        </a:spcAft>
+                        <a:buNone/>
+                      </a:pPr>
+                      <a:r>
+                        <a:rPr lang="en-IN" sz="3200" kern="100">
+                          <a:effectLst/>
+                        </a:rPr>
+                        <a:t>Value</a:t>
+                      </a:r>
+                      <a:endParaRPr lang="en-IN" sz="3200" kern="100">
+                        <a:effectLst/>
+                        <a:latin typeface="Aptos" panose="020B0004020202020204" pitchFamily="34" charset="0"/>
+                        <a:ea typeface="Aptos" panose="020B0004020202020204" pitchFamily="34" charset="0"/>
+                        <a:cs typeface="Times New Roman" panose="02020603050405020304" pitchFamily="18" charset="0"/>
+                      </a:endParaRPr>
+                    </a:p>
+                  </a:txBody>
+                  <a:tcPr marL="68580" marR="68580" marT="0" marB="0"/>
+                </a:tc>
+                <a:tc>
+                  <a:txBody>
+                    <a:bodyPr/>
+                    <a:lstStyle/>
+                    <a:p>
+                      <a:pPr>
+                        <a:lnSpc>
+                          <a:spcPct val="115000"/>
+                        </a:lnSpc>
+                        <a:spcAft>
+                          <a:spcPts val="800"/>
+                        </a:spcAft>
+                        <a:buNone/>
+                      </a:pPr>
+                      <a:r>
+                        <a:rPr lang="en-IN" sz="3200" kern="100">
+                          <a:effectLst/>
+                        </a:rPr>
+                        <a:t>Transpose A^T Position</a:t>
+                      </a:r>
+                      <a:endParaRPr lang="en-IN" sz="3200" kern="100">
+                        <a:effectLst/>
+                        <a:latin typeface="Aptos" panose="020B0004020202020204" pitchFamily="34" charset="0"/>
+                        <a:ea typeface="Aptos" panose="020B0004020202020204" pitchFamily="34" charset="0"/>
+                        <a:cs typeface="Times New Roman" panose="02020603050405020304" pitchFamily="18" charset="0"/>
+                      </a:endParaRPr>
+                    </a:p>
+                  </a:txBody>
+                  <a:tcPr marL="68580" marR="68580" marT="0" marB="0"/>
+                </a:tc>
+                <a:extLst>
+                  <a:ext uri="{0D108BD9-81ED-4DB2-BD59-A6C34878D82A}">
+                    <a16:rowId xmlns:a16="http://schemas.microsoft.com/office/drawing/2014/main" val="3705033065"/>
+                  </a:ext>
+                </a:extLst>
+              </a:tr>
+              <a:tr h="624682">
+                <a:tc>
+                  <a:txBody>
+                    <a:bodyPr/>
+                    <a:lstStyle/>
+                    <a:p>
+                      <a:pPr>
+                        <a:lnSpc>
+                          <a:spcPct val="115000"/>
+                        </a:lnSpc>
+                        <a:spcAft>
+                          <a:spcPts val="800"/>
+                        </a:spcAft>
+                        <a:buNone/>
+                      </a:pPr>
+                      <a:r>
+                        <a:rPr lang="en-IN" sz="3200" kern="100">
+                          <a:effectLst/>
+                        </a:rPr>
+                        <a:t>A(1,1)</a:t>
+                      </a:r>
+                      <a:endParaRPr lang="en-IN" sz="3200" kern="100">
+                        <a:effectLst/>
+                        <a:latin typeface="Aptos" panose="020B0004020202020204" pitchFamily="34" charset="0"/>
+                        <a:ea typeface="Aptos" panose="020B0004020202020204" pitchFamily="34" charset="0"/>
+                        <a:cs typeface="Times New Roman" panose="02020603050405020304" pitchFamily="18" charset="0"/>
+                      </a:endParaRPr>
+                    </a:p>
+                  </a:txBody>
+                  <a:tcPr marL="68580" marR="68580" marT="0" marB="0"/>
+                </a:tc>
+                <a:tc>
+                  <a:txBody>
+                    <a:bodyPr/>
+                    <a:lstStyle/>
+                    <a:p>
+                      <a:pPr>
+                        <a:lnSpc>
+                          <a:spcPct val="115000"/>
+                        </a:lnSpc>
+                        <a:spcAft>
+                          <a:spcPts val="800"/>
+                        </a:spcAft>
+                        <a:buNone/>
+                      </a:pPr>
+                      <a:r>
+                        <a:rPr lang="en-IN" sz="3200" kern="100">
+                          <a:effectLst/>
+                        </a:rPr>
+                        <a:t>1</a:t>
+                      </a:r>
+                      <a:endParaRPr lang="en-IN" sz="3200" kern="100">
+                        <a:effectLst/>
+                        <a:latin typeface="Aptos" panose="020B0004020202020204" pitchFamily="34" charset="0"/>
+                        <a:ea typeface="Aptos" panose="020B0004020202020204" pitchFamily="34" charset="0"/>
+                        <a:cs typeface="Times New Roman" panose="02020603050405020304" pitchFamily="18" charset="0"/>
+                      </a:endParaRPr>
+                    </a:p>
+                  </a:txBody>
+                  <a:tcPr marL="68580" marR="68580" marT="0" marB="0"/>
+                </a:tc>
+                <a:tc>
+                  <a:txBody>
+                    <a:bodyPr/>
+                    <a:lstStyle/>
+                    <a:p>
+                      <a:pPr>
+                        <a:lnSpc>
+                          <a:spcPct val="115000"/>
+                        </a:lnSpc>
+                        <a:spcAft>
+                          <a:spcPts val="800"/>
+                        </a:spcAft>
+                        <a:buNone/>
+                      </a:pPr>
+                      <a:r>
+                        <a:rPr lang="en-IN" sz="3200" kern="100">
+                          <a:effectLst/>
+                        </a:rPr>
+                        <a:t>A^T(1,1)</a:t>
+                      </a:r>
+                      <a:endParaRPr lang="en-IN" sz="3200" kern="100">
+                        <a:effectLst/>
+                        <a:latin typeface="Aptos" panose="020B0004020202020204" pitchFamily="34" charset="0"/>
+                        <a:ea typeface="Aptos" panose="020B0004020202020204" pitchFamily="34" charset="0"/>
+                        <a:cs typeface="Times New Roman" panose="02020603050405020304" pitchFamily="18" charset="0"/>
+                      </a:endParaRPr>
+                    </a:p>
+                  </a:txBody>
+                  <a:tcPr marL="68580" marR="68580" marT="0" marB="0"/>
+                </a:tc>
+                <a:extLst>
+                  <a:ext uri="{0D108BD9-81ED-4DB2-BD59-A6C34878D82A}">
+                    <a16:rowId xmlns:a16="http://schemas.microsoft.com/office/drawing/2014/main" val="2230365154"/>
+                  </a:ext>
+                </a:extLst>
+              </a:tr>
+              <a:tr h="624682">
+                <a:tc>
+                  <a:txBody>
+                    <a:bodyPr/>
+                    <a:lstStyle/>
+                    <a:p>
+                      <a:pPr>
+                        <a:lnSpc>
+                          <a:spcPct val="115000"/>
+                        </a:lnSpc>
+                        <a:spcAft>
+                          <a:spcPts val="800"/>
+                        </a:spcAft>
+                        <a:buNone/>
+                      </a:pPr>
+                      <a:r>
+                        <a:rPr lang="en-IN" sz="3200" kern="100">
+                          <a:effectLst/>
+                        </a:rPr>
+                        <a:t>A(1,2)</a:t>
+                      </a:r>
+                      <a:endParaRPr lang="en-IN" sz="3200" kern="100">
+                        <a:effectLst/>
+                        <a:latin typeface="Aptos" panose="020B0004020202020204" pitchFamily="34" charset="0"/>
+                        <a:ea typeface="Aptos" panose="020B0004020202020204" pitchFamily="34" charset="0"/>
+                        <a:cs typeface="Times New Roman" panose="02020603050405020304" pitchFamily="18" charset="0"/>
+                      </a:endParaRPr>
+                    </a:p>
+                  </a:txBody>
+                  <a:tcPr marL="68580" marR="68580" marT="0" marB="0"/>
+                </a:tc>
+                <a:tc>
+                  <a:txBody>
+                    <a:bodyPr/>
+                    <a:lstStyle/>
+                    <a:p>
+                      <a:pPr>
+                        <a:lnSpc>
+                          <a:spcPct val="115000"/>
+                        </a:lnSpc>
+                        <a:spcAft>
+                          <a:spcPts val="800"/>
+                        </a:spcAft>
+                        <a:buNone/>
+                      </a:pPr>
+                      <a:r>
+                        <a:rPr lang="en-IN" sz="3200" kern="100">
+                          <a:effectLst/>
+                        </a:rPr>
+                        <a:t>2</a:t>
+                      </a:r>
+                      <a:endParaRPr lang="en-IN" sz="3200" kern="100">
+                        <a:effectLst/>
+                        <a:latin typeface="Aptos" panose="020B0004020202020204" pitchFamily="34" charset="0"/>
+                        <a:ea typeface="Aptos" panose="020B0004020202020204" pitchFamily="34" charset="0"/>
+                        <a:cs typeface="Times New Roman" panose="02020603050405020304" pitchFamily="18" charset="0"/>
+                      </a:endParaRPr>
+                    </a:p>
+                  </a:txBody>
+                  <a:tcPr marL="68580" marR="68580" marT="0" marB="0"/>
+                </a:tc>
+                <a:tc>
+                  <a:txBody>
+                    <a:bodyPr/>
+                    <a:lstStyle/>
+                    <a:p>
+                      <a:pPr>
+                        <a:lnSpc>
+                          <a:spcPct val="115000"/>
+                        </a:lnSpc>
+                        <a:spcAft>
+                          <a:spcPts val="800"/>
+                        </a:spcAft>
+                        <a:buNone/>
+                      </a:pPr>
+                      <a:r>
+                        <a:rPr lang="en-IN" sz="3200" kern="100">
+                          <a:effectLst/>
+                        </a:rPr>
+                        <a:t>A^T(2,1)</a:t>
+                      </a:r>
+                      <a:endParaRPr lang="en-IN" sz="3200" kern="100">
+                        <a:effectLst/>
+                        <a:latin typeface="Aptos" panose="020B0004020202020204" pitchFamily="34" charset="0"/>
+                        <a:ea typeface="Aptos" panose="020B0004020202020204" pitchFamily="34" charset="0"/>
+                        <a:cs typeface="Times New Roman" panose="02020603050405020304" pitchFamily="18" charset="0"/>
+                      </a:endParaRPr>
+                    </a:p>
+                  </a:txBody>
+                  <a:tcPr marL="68580" marR="68580" marT="0" marB="0"/>
+                </a:tc>
+                <a:extLst>
+                  <a:ext uri="{0D108BD9-81ED-4DB2-BD59-A6C34878D82A}">
+                    <a16:rowId xmlns:a16="http://schemas.microsoft.com/office/drawing/2014/main" val="4058476045"/>
+                  </a:ext>
+                </a:extLst>
+              </a:tr>
+              <a:tr h="624682">
+                <a:tc>
+                  <a:txBody>
+                    <a:bodyPr/>
+                    <a:lstStyle/>
+                    <a:p>
+                      <a:pPr>
+                        <a:lnSpc>
+                          <a:spcPct val="115000"/>
+                        </a:lnSpc>
+                        <a:spcAft>
+                          <a:spcPts val="800"/>
+                        </a:spcAft>
+                        <a:buNone/>
+                      </a:pPr>
+                      <a:r>
+                        <a:rPr lang="en-IN" sz="3200" kern="100">
+                          <a:effectLst/>
+                        </a:rPr>
+                        <a:t>A(1,3)</a:t>
+                      </a:r>
+                      <a:endParaRPr lang="en-IN" sz="3200" kern="100">
+                        <a:effectLst/>
+                        <a:latin typeface="Aptos" panose="020B0004020202020204" pitchFamily="34" charset="0"/>
+                        <a:ea typeface="Aptos" panose="020B0004020202020204" pitchFamily="34" charset="0"/>
+                        <a:cs typeface="Times New Roman" panose="02020603050405020304" pitchFamily="18" charset="0"/>
+                      </a:endParaRPr>
+                    </a:p>
+                  </a:txBody>
+                  <a:tcPr marL="68580" marR="68580" marT="0" marB="0"/>
+                </a:tc>
+                <a:tc>
+                  <a:txBody>
+                    <a:bodyPr/>
+                    <a:lstStyle/>
+                    <a:p>
+                      <a:pPr>
+                        <a:lnSpc>
+                          <a:spcPct val="115000"/>
+                        </a:lnSpc>
+                        <a:spcAft>
+                          <a:spcPts val="800"/>
+                        </a:spcAft>
+                        <a:buNone/>
+                      </a:pPr>
+                      <a:r>
+                        <a:rPr lang="en-IN" sz="3200" kern="100">
+                          <a:effectLst/>
+                        </a:rPr>
+                        <a:t>3</a:t>
+                      </a:r>
+                      <a:endParaRPr lang="en-IN" sz="3200" kern="100">
+                        <a:effectLst/>
+                        <a:latin typeface="Aptos" panose="020B0004020202020204" pitchFamily="34" charset="0"/>
+                        <a:ea typeface="Aptos" panose="020B0004020202020204" pitchFamily="34" charset="0"/>
+                        <a:cs typeface="Times New Roman" panose="02020603050405020304" pitchFamily="18" charset="0"/>
+                      </a:endParaRPr>
+                    </a:p>
+                  </a:txBody>
+                  <a:tcPr marL="68580" marR="68580" marT="0" marB="0"/>
+                </a:tc>
+                <a:tc>
+                  <a:txBody>
+                    <a:bodyPr/>
+                    <a:lstStyle/>
+                    <a:p>
+                      <a:pPr>
+                        <a:lnSpc>
+                          <a:spcPct val="115000"/>
+                        </a:lnSpc>
+                        <a:spcAft>
+                          <a:spcPts val="800"/>
+                        </a:spcAft>
+                        <a:buNone/>
+                      </a:pPr>
+                      <a:r>
+                        <a:rPr lang="en-IN" sz="3200" kern="100">
+                          <a:effectLst/>
+                        </a:rPr>
+                        <a:t>A^T(3,1)</a:t>
+                      </a:r>
+                      <a:endParaRPr lang="en-IN" sz="3200" kern="100">
+                        <a:effectLst/>
+                        <a:latin typeface="Aptos" panose="020B0004020202020204" pitchFamily="34" charset="0"/>
+                        <a:ea typeface="Aptos" panose="020B0004020202020204" pitchFamily="34" charset="0"/>
+                        <a:cs typeface="Times New Roman" panose="02020603050405020304" pitchFamily="18" charset="0"/>
+                      </a:endParaRPr>
+                    </a:p>
+                  </a:txBody>
+                  <a:tcPr marL="68580" marR="68580" marT="0" marB="0"/>
+                </a:tc>
+                <a:extLst>
+                  <a:ext uri="{0D108BD9-81ED-4DB2-BD59-A6C34878D82A}">
+                    <a16:rowId xmlns:a16="http://schemas.microsoft.com/office/drawing/2014/main" val="4092010418"/>
+                  </a:ext>
+                </a:extLst>
+              </a:tr>
+              <a:tr h="624682">
+                <a:tc>
+                  <a:txBody>
+                    <a:bodyPr/>
+                    <a:lstStyle/>
+                    <a:p>
+                      <a:pPr>
+                        <a:lnSpc>
+                          <a:spcPct val="115000"/>
+                        </a:lnSpc>
+                        <a:spcAft>
+                          <a:spcPts val="800"/>
+                        </a:spcAft>
+                        <a:buNone/>
+                      </a:pPr>
+                      <a:r>
+                        <a:rPr lang="en-IN" sz="3200" kern="100">
+                          <a:effectLst/>
+                        </a:rPr>
+                        <a:t>A(2,1)</a:t>
+                      </a:r>
+                      <a:endParaRPr lang="en-IN" sz="3200" kern="100">
+                        <a:effectLst/>
+                        <a:latin typeface="Aptos" panose="020B0004020202020204" pitchFamily="34" charset="0"/>
+                        <a:ea typeface="Aptos" panose="020B0004020202020204" pitchFamily="34" charset="0"/>
+                        <a:cs typeface="Times New Roman" panose="02020603050405020304" pitchFamily="18" charset="0"/>
+                      </a:endParaRPr>
+                    </a:p>
+                  </a:txBody>
+                  <a:tcPr marL="68580" marR="68580" marT="0" marB="0"/>
+                </a:tc>
+                <a:tc>
+                  <a:txBody>
+                    <a:bodyPr/>
+                    <a:lstStyle/>
+                    <a:p>
+                      <a:pPr>
+                        <a:lnSpc>
+                          <a:spcPct val="115000"/>
+                        </a:lnSpc>
+                        <a:spcAft>
+                          <a:spcPts val="800"/>
+                        </a:spcAft>
+                        <a:buNone/>
+                      </a:pPr>
+                      <a:r>
+                        <a:rPr lang="en-IN" sz="3200" kern="100">
+                          <a:effectLst/>
+                        </a:rPr>
+                        <a:t>4</a:t>
+                      </a:r>
+                      <a:endParaRPr lang="en-IN" sz="3200" kern="100">
+                        <a:effectLst/>
+                        <a:latin typeface="Aptos" panose="020B0004020202020204" pitchFamily="34" charset="0"/>
+                        <a:ea typeface="Aptos" panose="020B0004020202020204" pitchFamily="34" charset="0"/>
+                        <a:cs typeface="Times New Roman" panose="02020603050405020304" pitchFamily="18" charset="0"/>
+                      </a:endParaRPr>
+                    </a:p>
+                  </a:txBody>
+                  <a:tcPr marL="68580" marR="68580" marT="0" marB="0"/>
+                </a:tc>
+                <a:tc>
+                  <a:txBody>
+                    <a:bodyPr/>
+                    <a:lstStyle/>
+                    <a:p>
+                      <a:pPr>
+                        <a:lnSpc>
+                          <a:spcPct val="115000"/>
+                        </a:lnSpc>
+                        <a:spcAft>
+                          <a:spcPts val="800"/>
+                        </a:spcAft>
+                        <a:buNone/>
+                      </a:pPr>
+                      <a:r>
+                        <a:rPr lang="en-IN" sz="3200" kern="100" dirty="0">
+                          <a:effectLst/>
+                        </a:rPr>
+                        <a:t>A^T(1,2)</a:t>
+                      </a:r>
+                      <a:endParaRPr lang="en-IN" sz="3200" kern="100" dirty="0">
+                        <a:effectLst/>
+                        <a:latin typeface="Aptos" panose="020B0004020202020204" pitchFamily="34" charset="0"/>
+                        <a:ea typeface="Aptos" panose="020B0004020202020204" pitchFamily="34" charset="0"/>
+                        <a:cs typeface="Times New Roman" panose="02020603050405020304" pitchFamily="18" charset="0"/>
+                      </a:endParaRPr>
+                    </a:p>
+                  </a:txBody>
+                  <a:tcPr marL="68580" marR="68580" marT="0" marB="0"/>
+                </a:tc>
+                <a:extLst>
+                  <a:ext uri="{0D108BD9-81ED-4DB2-BD59-A6C34878D82A}">
+                    <a16:rowId xmlns:a16="http://schemas.microsoft.com/office/drawing/2014/main" val="1099672072"/>
+                  </a:ext>
+                </a:extLst>
+              </a:tr>
+              <a:tr h="624682">
+                <a:tc>
+                  <a:txBody>
+                    <a:bodyPr/>
+                    <a:lstStyle/>
+                    <a:p>
+                      <a:pPr>
+                        <a:lnSpc>
+                          <a:spcPct val="115000"/>
+                        </a:lnSpc>
+                        <a:spcAft>
+                          <a:spcPts val="800"/>
+                        </a:spcAft>
+                        <a:buNone/>
+                      </a:pPr>
+                      <a:r>
+                        <a:rPr lang="en-IN" sz="3200" kern="100">
+                          <a:effectLst/>
+                        </a:rPr>
+                        <a:t>A(2,2)</a:t>
+                      </a:r>
+                      <a:endParaRPr lang="en-IN" sz="3200" kern="100">
+                        <a:effectLst/>
+                        <a:latin typeface="Aptos" panose="020B0004020202020204" pitchFamily="34" charset="0"/>
+                        <a:ea typeface="Aptos" panose="020B0004020202020204" pitchFamily="34" charset="0"/>
+                        <a:cs typeface="Times New Roman" panose="02020603050405020304" pitchFamily="18" charset="0"/>
+                      </a:endParaRPr>
+                    </a:p>
+                  </a:txBody>
+                  <a:tcPr marL="68580" marR="68580" marT="0" marB="0"/>
+                </a:tc>
+                <a:tc>
+                  <a:txBody>
+                    <a:bodyPr/>
+                    <a:lstStyle/>
+                    <a:p>
+                      <a:pPr>
+                        <a:lnSpc>
+                          <a:spcPct val="115000"/>
+                        </a:lnSpc>
+                        <a:spcAft>
+                          <a:spcPts val="800"/>
+                        </a:spcAft>
+                        <a:buNone/>
+                      </a:pPr>
+                      <a:r>
+                        <a:rPr lang="en-IN" sz="3200" kern="100">
+                          <a:effectLst/>
+                        </a:rPr>
+                        <a:t>5</a:t>
+                      </a:r>
+                      <a:endParaRPr lang="en-IN" sz="3200" kern="100">
+                        <a:effectLst/>
+                        <a:latin typeface="Aptos" panose="020B0004020202020204" pitchFamily="34" charset="0"/>
+                        <a:ea typeface="Aptos" panose="020B0004020202020204" pitchFamily="34" charset="0"/>
+                        <a:cs typeface="Times New Roman" panose="02020603050405020304" pitchFamily="18" charset="0"/>
+                      </a:endParaRPr>
+                    </a:p>
+                  </a:txBody>
+                  <a:tcPr marL="68580" marR="68580" marT="0" marB="0"/>
+                </a:tc>
+                <a:tc>
+                  <a:txBody>
+                    <a:bodyPr/>
+                    <a:lstStyle/>
+                    <a:p>
+                      <a:pPr>
+                        <a:lnSpc>
+                          <a:spcPct val="115000"/>
+                        </a:lnSpc>
+                        <a:spcAft>
+                          <a:spcPts val="800"/>
+                        </a:spcAft>
+                        <a:buNone/>
+                      </a:pPr>
+                      <a:r>
+                        <a:rPr lang="en-IN" sz="3200" kern="100" dirty="0">
+                          <a:effectLst/>
+                        </a:rPr>
+                        <a:t>A^T(2,2)</a:t>
+                      </a:r>
+                      <a:endParaRPr lang="en-IN" sz="3200" kern="100" dirty="0">
+                        <a:effectLst/>
+                        <a:latin typeface="Aptos" panose="020B0004020202020204" pitchFamily="34" charset="0"/>
+                        <a:ea typeface="Aptos" panose="020B0004020202020204" pitchFamily="34" charset="0"/>
+                        <a:cs typeface="Times New Roman" panose="02020603050405020304" pitchFamily="18" charset="0"/>
+                      </a:endParaRPr>
+                    </a:p>
+                  </a:txBody>
+                  <a:tcPr marL="68580" marR="68580" marT="0" marB="0"/>
+                </a:tc>
+                <a:extLst>
+                  <a:ext uri="{0D108BD9-81ED-4DB2-BD59-A6C34878D82A}">
+                    <a16:rowId xmlns:a16="http://schemas.microsoft.com/office/drawing/2014/main" val="1718132812"/>
+                  </a:ext>
+                </a:extLst>
+              </a:tr>
+              <a:tr h="624682">
+                <a:tc>
+                  <a:txBody>
+                    <a:bodyPr/>
+                    <a:lstStyle/>
+                    <a:p>
+                      <a:pPr>
+                        <a:lnSpc>
+                          <a:spcPct val="115000"/>
+                        </a:lnSpc>
+                        <a:spcAft>
+                          <a:spcPts val="800"/>
+                        </a:spcAft>
+                        <a:buNone/>
+                      </a:pPr>
+                      <a:r>
+                        <a:rPr lang="en-IN" sz="3200" kern="100">
+                          <a:effectLst/>
+                        </a:rPr>
+                        <a:t>A(2,3)</a:t>
+                      </a:r>
+                      <a:endParaRPr lang="en-IN" sz="3200" kern="100">
+                        <a:effectLst/>
+                        <a:latin typeface="Aptos" panose="020B0004020202020204" pitchFamily="34" charset="0"/>
+                        <a:ea typeface="Aptos" panose="020B0004020202020204" pitchFamily="34" charset="0"/>
+                        <a:cs typeface="Times New Roman" panose="02020603050405020304" pitchFamily="18" charset="0"/>
+                      </a:endParaRPr>
+                    </a:p>
+                  </a:txBody>
+                  <a:tcPr marL="68580" marR="68580" marT="0" marB="0"/>
+                </a:tc>
+                <a:tc>
+                  <a:txBody>
+                    <a:bodyPr/>
+                    <a:lstStyle/>
+                    <a:p>
+                      <a:pPr>
+                        <a:lnSpc>
+                          <a:spcPct val="115000"/>
+                        </a:lnSpc>
+                        <a:spcAft>
+                          <a:spcPts val="800"/>
+                        </a:spcAft>
+                        <a:buNone/>
+                      </a:pPr>
+                      <a:r>
+                        <a:rPr lang="en-IN" sz="3200" kern="100">
+                          <a:effectLst/>
+                        </a:rPr>
+                        <a:t>6</a:t>
+                      </a:r>
+                      <a:endParaRPr lang="en-IN" sz="3200" kern="100">
+                        <a:effectLst/>
+                        <a:latin typeface="Aptos" panose="020B0004020202020204" pitchFamily="34" charset="0"/>
+                        <a:ea typeface="Aptos" panose="020B0004020202020204" pitchFamily="34" charset="0"/>
+                        <a:cs typeface="Times New Roman" panose="02020603050405020304" pitchFamily="18" charset="0"/>
+                      </a:endParaRPr>
+                    </a:p>
+                  </a:txBody>
+                  <a:tcPr marL="68580" marR="68580" marT="0" marB="0"/>
+                </a:tc>
+                <a:tc>
+                  <a:txBody>
+                    <a:bodyPr/>
+                    <a:lstStyle/>
+                    <a:p>
+                      <a:pPr>
+                        <a:lnSpc>
+                          <a:spcPct val="115000"/>
+                        </a:lnSpc>
+                        <a:spcAft>
+                          <a:spcPts val="800"/>
+                        </a:spcAft>
+                        <a:buNone/>
+                      </a:pPr>
+                      <a:r>
+                        <a:rPr lang="en-IN" sz="3200" kern="100" dirty="0">
+                          <a:effectLst/>
+                        </a:rPr>
+                        <a:t>A^T(3,2)</a:t>
+                      </a:r>
+                      <a:endParaRPr lang="en-IN" sz="3200" kern="100" dirty="0">
+                        <a:effectLst/>
+                        <a:latin typeface="Aptos" panose="020B0004020202020204" pitchFamily="34" charset="0"/>
+                        <a:ea typeface="Aptos" panose="020B0004020202020204" pitchFamily="34" charset="0"/>
+                        <a:cs typeface="Times New Roman" panose="02020603050405020304" pitchFamily="18" charset="0"/>
+                      </a:endParaRPr>
+                    </a:p>
+                  </a:txBody>
+                  <a:tcPr marL="68580" marR="68580" marT="0" marB="0"/>
+                </a:tc>
+                <a:extLst>
+                  <a:ext uri="{0D108BD9-81ED-4DB2-BD59-A6C34878D82A}">
+                    <a16:rowId xmlns:a16="http://schemas.microsoft.com/office/drawing/2014/main" val="409813452"/>
+                  </a:ext>
+                </a:extLst>
+              </a:tr>
+            </a:tbl>
+          </a:graphicData>
+        </a:graphic>
+      </p:graphicFrame>
+    </p:spTree>
+    <p:extLst>
+      <p:ext uri="{BB962C8B-B14F-4D97-AF65-F5344CB8AC3E}">
+        <p14:creationId xmlns:p14="http://schemas.microsoft.com/office/powerpoint/2010/main" val="3891866407"/>
+      </p:ext>
+    </p:extLst>
+  </p:cSld>
+  <p:clrMapOvr>
+    <a:masterClrMapping/>
+  </p:clrMapOvr>
+</p:sld>
+</file>
+
+<file path=ppt/slides/slide7.xml><?xml version="1.0" encoding="utf-8"?>
+<p:sld xmlns:a="http://schemas.openxmlformats.org/drawingml/2006/main" xmlns:r="http://schemas.openxmlformats.org/officeDocument/2006/relationships" xmlns:p="http://schemas.openxmlformats.org/presentationml/2006/main">
+  <p:cSld>
+    <p:spTree>
+      <p:nvGrpSpPr>
+        <p:cNvPr id="1" name="">
+          <a:extLst>
+            <a:ext uri="{FF2B5EF4-FFF2-40B4-BE49-F238E27FC236}">
+              <a16:creationId xmlns:a16="http://schemas.microsoft.com/office/drawing/2014/main" id="{ED227713-7219-2FB0-A126-8BF3866855F8}"/>
+            </a:ext>
+          </a:extLst>
+        </p:cNvPr>
+        <p:cNvGrpSpPr/>
+        <p:nvPr/>
+      </p:nvGrpSpPr>
+      <p:grpSpPr>
+        <a:xfrm>
+          <a:off x="0" y="0"/>
+          <a:ext cx="0" cy="0"/>
+          <a:chOff x="0" y="0"/>
+          <a:chExt cx="0" cy="0"/>
+        </a:xfrm>
+      </p:grpSpPr>
+      <p:sp>
+        <p:nvSpPr>
+          <p:cNvPr id="3" name="Content Placeholder 2">
+            <a:extLst>
+              <a:ext uri="{FF2B5EF4-FFF2-40B4-BE49-F238E27FC236}">
+                <a16:creationId xmlns:a16="http://schemas.microsoft.com/office/drawing/2014/main" id="{11D5F598-8056-97EA-3BD0-BFF0C48C7814}"/>
+              </a:ext>
+            </a:extLst>
+          </p:cNvPr>
+          <p:cNvSpPr>
+            <a:spLocks noGrp="1"/>
+          </p:cNvSpPr>
+          <p:nvPr>
+            <p:ph idx="1"/>
+          </p:nvPr>
+        </p:nvSpPr>
+        <p:spPr>
+          <a:xfrm>
+            <a:off x="777240" y="740229"/>
+            <a:ext cx="10659110" cy="5436734"/>
+          </a:xfrm>
+        </p:spPr>
+        <p:txBody>
+          <a:bodyPr>
+            <a:normAutofit/>
+          </a:bodyPr>
+          <a:lstStyle/>
+          <a:p>
+            <a:pPr marL="0" indent="0">
+              <a:buNone/>
+            </a:pPr>
+            <a:endParaRPr lang="en-IN" sz="2400" dirty="0"/>
+          </a:p>
+        </p:txBody>
+      </p:sp>
+    </p:spTree>
+    <p:extLst>
+      <p:ext uri="{BB962C8B-B14F-4D97-AF65-F5344CB8AC3E}">
+        <p14:creationId xmlns:p14="http://schemas.microsoft.com/office/powerpoint/2010/main" val="3927394895"/>
+      </p:ext>
+    </p:extLst>
+  </p:cSld>
+  <p:clrMapOvr>
+    <a:masterClrMapping/>
+  </p:clrMapOvr>
+</p:sld>
+</file>
+
+<file path=ppt/slides/slide8.xml><?xml version="1.0" encoding="utf-8"?>
+<p:sld xmlns:a="http://schemas.openxmlformats.org/drawingml/2006/main" xmlns:r="http://schemas.openxmlformats.org/officeDocument/2006/relationships" xmlns:p="http://schemas.openxmlformats.org/presentationml/2006/main">
+  <p:cSld>
+    <p:spTree>
+      <p:nvGrpSpPr>
+        <p:cNvPr id="1" name="">
+          <a:extLst>
+            <a:ext uri="{FF2B5EF4-FFF2-40B4-BE49-F238E27FC236}">
+              <a16:creationId xmlns:a16="http://schemas.microsoft.com/office/drawing/2014/main" id="{F2EABFE9-E10D-0253-76F1-E7505E9F7D67}"/>
+            </a:ext>
+          </a:extLst>
+        </p:cNvPr>
+        <p:cNvGrpSpPr/>
+        <p:nvPr/>
+      </p:nvGrpSpPr>
+      <p:grpSpPr>
+        <a:xfrm>
+          <a:off x="0" y="0"/>
+          <a:ext cx="0" cy="0"/>
+          <a:chOff x="0" y="0"/>
+          <a:chExt cx="0" cy="0"/>
+        </a:xfrm>
+      </p:grpSpPr>
+      <p:sp>
+        <p:nvSpPr>
+          <p:cNvPr id="3" name="Content Placeholder 2">
+            <a:extLst>
+              <a:ext uri="{FF2B5EF4-FFF2-40B4-BE49-F238E27FC236}">
+                <a16:creationId xmlns:a16="http://schemas.microsoft.com/office/drawing/2014/main" id="{B3730F06-AAC5-FBC6-95C1-4BF9182922D4}"/>
+              </a:ext>
+            </a:extLst>
+          </p:cNvPr>
+          <p:cNvSpPr>
+            <a:spLocks noGrp="1"/>
+          </p:cNvSpPr>
+          <p:nvPr>
+            <p:ph idx="1"/>
+          </p:nvPr>
+        </p:nvSpPr>
+        <p:spPr>
+          <a:xfrm>
+            <a:off x="645716" y="1697045"/>
+            <a:ext cx="10900568" cy="2787870"/>
+          </a:xfrm>
+        </p:spPr>
+        <p:txBody>
+          <a:bodyPr>
+            <a:normAutofit/>
+          </a:bodyPr>
+          <a:lstStyle/>
+          <a:p>
+            <a:pPr marL="0" indent="0" algn="ctr">
+              <a:buNone/>
+            </a:pPr>
+            <a:r>
+              <a:rPr lang="en-IN" sz="6000" b="1" dirty="0">
+                <a:latin typeface="+mj-lt"/>
+              </a:rPr>
+              <a:t>Program-6: </a:t>
+            </a:r>
+            <a:r>
+              <a:rPr lang="en-US" sz="6000" b="1" dirty="0">
+                <a:latin typeface="+mj-lt"/>
+              </a:rPr>
+              <a:t>Generate </a:t>
+            </a:r>
+            <a:r>
+              <a:rPr lang="en-US" sz="6000" b="1" dirty="0">
+                <a:solidFill>
+                  <a:schemeClr val="tx2">
+                    <a:lumMod val="75000"/>
+                    <a:lumOff val="25000"/>
+                  </a:schemeClr>
+                </a:solidFill>
+                <a:latin typeface="+mj-lt"/>
+              </a:rPr>
+              <a:t>Floyd's</a:t>
+            </a:r>
+            <a:r>
+              <a:rPr lang="en-US" sz="6000" b="1" dirty="0">
+                <a:latin typeface="+mj-lt"/>
+              </a:rPr>
+              <a:t> Triangle for given Rows</a:t>
+            </a:r>
+            <a:endParaRPr lang="en-IN" sz="6000" b="1" dirty="0">
+              <a:solidFill>
+                <a:schemeClr val="tx2">
+                  <a:lumMod val="75000"/>
+                  <a:lumOff val="25000"/>
+                </a:schemeClr>
+              </a:solidFill>
+              <a:latin typeface="+mj-lt"/>
+            </a:endParaRPr>
+          </a:p>
+        </p:txBody>
+      </p:sp>
+    </p:spTree>
+    <p:extLst>
+      <p:ext uri="{BB962C8B-B14F-4D97-AF65-F5344CB8AC3E}">
+        <p14:creationId xmlns:p14="http://schemas.microsoft.com/office/powerpoint/2010/main" val="2350706493"/>
+      </p:ext>
+    </p:extLst>
+  </p:cSld>
+  <p:clrMapOvr>
+    <a:masterClrMapping/>
+  </p:clrMapOvr>
+</p:sld>
+</file>
+
+<file path=ppt/slides/slide9.xml><?xml version="1.0" encoding="utf-8"?>
 <p:sld xmlns:a="http://schemas.openxmlformats.org/drawingml/2006/main" xmlns:r="http://schemas.openxmlformats.org/officeDocument/2006/relationships" xmlns:p="http://schemas.openxmlformats.org/presentationml/2006/main">
   <p:cSld>
     <p:spTree>
@@ -9698,1539 +13386,6 @@
     <p:extLst>
       <p:ext uri="{BB962C8B-B14F-4D97-AF65-F5344CB8AC3E}">
         <p14:creationId xmlns:p14="http://schemas.microsoft.com/office/powerpoint/2010/main" val="1609763764"/>
-      </p:ext>
-    </p:extLst>
-  </p:cSld>
-  <p:clrMapOvr>
-    <a:masterClrMapping/>
-  </p:clrMapOvr>
-</p:sld>
-</file>
-
-<file path=ppt/slides/slide5.xml><?xml version="1.0" encoding="utf-8"?>
-<p:sld xmlns:a="http://schemas.openxmlformats.org/drawingml/2006/main" xmlns:r="http://schemas.openxmlformats.org/officeDocument/2006/relationships" xmlns:p="http://schemas.openxmlformats.org/presentationml/2006/main">
-  <p:cSld>
-    <p:spTree>
-      <p:nvGrpSpPr>
-        <p:cNvPr id="1" name="">
-          <a:extLst>
-            <a:ext uri="{FF2B5EF4-FFF2-40B4-BE49-F238E27FC236}">
-              <a16:creationId xmlns:a16="http://schemas.microsoft.com/office/drawing/2014/main" id="{562434F4-19A4-EFAC-5477-6E61F370832D}"/>
-            </a:ext>
-          </a:extLst>
-        </p:cNvPr>
-        <p:cNvGrpSpPr/>
-        <p:nvPr/>
-      </p:nvGrpSpPr>
-      <p:grpSpPr>
-        <a:xfrm>
-          <a:off x="0" y="0"/>
-          <a:ext cx="0" cy="0"/>
-          <a:chOff x="0" y="0"/>
-          <a:chExt cx="0" cy="0"/>
-        </a:xfrm>
-      </p:grpSpPr>
-      <p:sp>
-        <p:nvSpPr>
-          <p:cNvPr id="3" name="Content Placeholder 2">
-            <a:extLst>
-              <a:ext uri="{FF2B5EF4-FFF2-40B4-BE49-F238E27FC236}">
-                <a16:creationId xmlns:a16="http://schemas.microsoft.com/office/drawing/2014/main" id="{FF72CE86-BF42-BAB8-E553-4CD413A91587}"/>
-              </a:ext>
-            </a:extLst>
-          </p:cNvPr>
-          <p:cNvSpPr>
-            <a:spLocks noGrp="1"/>
-          </p:cNvSpPr>
-          <p:nvPr>
-            <p:ph idx="1"/>
-          </p:nvPr>
-        </p:nvSpPr>
-        <p:spPr>
-          <a:xfrm>
-            <a:off x="645716" y="1381359"/>
-            <a:ext cx="10900568" cy="4095281"/>
-          </a:xfrm>
-        </p:spPr>
-        <p:txBody>
-          <a:bodyPr>
-            <a:normAutofit/>
-          </a:bodyPr>
-          <a:lstStyle/>
-          <a:p>
-            <a:pPr marL="0" indent="0" algn="ctr">
-              <a:buNone/>
-            </a:pPr>
-            <a:r>
-              <a:rPr lang="en-IN" sz="6000" b="1" dirty="0">
-                <a:latin typeface="+mj-lt"/>
-              </a:rPr>
-              <a:t>Program-2: Develop a Program to Find the </a:t>
-            </a:r>
-            <a:r>
-              <a:rPr lang="en-IN" sz="6000" b="1" dirty="0">
-                <a:solidFill>
-                  <a:srgbClr val="C00000"/>
-                </a:solidFill>
-                <a:latin typeface="+mj-lt"/>
-              </a:rPr>
-              <a:t>Roots</a:t>
-            </a:r>
-            <a:r>
-              <a:rPr lang="en-IN" sz="6000" b="1" dirty="0">
-                <a:latin typeface="+mj-lt"/>
-              </a:rPr>
-              <a:t> of </a:t>
-            </a:r>
-            <a:r>
-              <a:rPr lang="en-IN" sz="6000" b="1" dirty="0">
-                <a:solidFill>
-                  <a:schemeClr val="tx2">
-                    <a:lumMod val="75000"/>
-                    <a:lumOff val="25000"/>
-                  </a:schemeClr>
-                </a:solidFill>
-                <a:latin typeface="+mj-lt"/>
-              </a:rPr>
-              <a:t>Quadratic Equations</a:t>
-            </a:r>
-          </a:p>
-        </p:txBody>
-      </p:sp>
-    </p:spTree>
-    <p:extLst>
-      <p:ext uri="{BB962C8B-B14F-4D97-AF65-F5344CB8AC3E}">
-        <p14:creationId xmlns:p14="http://schemas.microsoft.com/office/powerpoint/2010/main" val="3556443946"/>
-      </p:ext>
-    </p:extLst>
-  </p:cSld>
-  <p:clrMapOvr>
-    <a:masterClrMapping/>
-  </p:clrMapOvr>
-</p:sld>
-</file>
-
-<file path=ppt/slides/slide6.xml><?xml version="1.0" encoding="utf-8"?>
-<p:sld xmlns:a="http://schemas.openxmlformats.org/drawingml/2006/main" xmlns:r="http://schemas.openxmlformats.org/officeDocument/2006/relationships" xmlns:p="http://schemas.openxmlformats.org/presentationml/2006/main">
-  <p:cSld>
-    <p:spTree>
-      <p:nvGrpSpPr>
-        <p:cNvPr id="1" name="">
-          <a:extLst>
-            <a:ext uri="{FF2B5EF4-FFF2-40B4-BE49-F238E27FC236}">
-              <a16:creationId xmlns:a16="http://schemas.microsoft.com/office/drawing/2014/main" id="{4ABC718D-1BC9-3D5D-C0C5-C60151874169}"/>
-            </a:ext>
-          </a:extLst>
-        </p:cNvPr>
-        <p:cNvGrpSpPr/>
-        <p:nvPr/>
-      </p:nvGrpSpPr>
-      <p:grpSpPr>
-        <a:xfrm>
-          <a:off x="0" y="0"/>
-          <a:ext cx="0" cy="0"/>
-          <a:chOff x="0" y="0"/>
-          <a:chExt cx="0" cy="0"/>
-        </a:xfrm>
-      </p:grpSpPr>
-      <mc:AlternateContent xmlns:mc="http://schemas.openxmlformats.org/markup-compatibility/2006" xmlns:a14="http://schemas.microsoft.com/office/drawing/2010/main">
-        <mc:Choice Requires="a14">
-          <p:sp>
-            <p:nvSpPr>
-              <p:cNvPr id="3" name="Content Placeholder 2">
-                <a:extLst>
-                  <a:ext uri="{FF2B5EF4-FFF2-40B4-BE49-F238E27FC236}">
-                    <a16:creationId xmlns:a16="http://schemas.microsoft.com/office/drawing/2014/main" id="{125E2A00-176B-D173-0089-6F97C73608AC}"/>
-                  </a:ext>
-                </a:extLst>
-              </p:cNvPr>
-              <p:cNvSpPr>
-                <a:spLocks noGrp="1"/>
-              </p:cNvSpPr>
-              <p:nvPr>
-                <p:ph idx="1"/>
-              </p:nvPr>
-            </p:nvSpPr>
-            <p:spPr>
-              <a:xfrm>
-                <a:off x="702853" y="719137"/>
-                <a:ext cx="10900568" cy="5313801"/>
-              </a:xfrm>
-            </p:spPr>
-            <p:txBody>
-              <a:bodyPr>
-                <a:normAutofit/>
-              </a:bodyPr>
-              <a:lstStyle/>
-              <a:p>
-                <a:pPr marL="0" indent="0">
-                  <a:buNone/>
-                </a:pPr>
-                <a:r>
-                  <a:rPr lang="en-IN" sz="2800" b="1" dirty="0"/>
-                  <a:t>What is quadratic equation: (quadratic means </a:t>
-                </a:r>
-                <a:r>
-                  <a:rPr lang="en-IN" sz="2800" b="1" dirty="0">
-                    <a:solidFill>
-                      <a:srgbClr val="C00000"/>
-                    </a:solidFill>
-                  </a:rPr>
-                  <a:t>square</a:t>
-                </a:r>
-                <a:r>
-                  <a:rPr lang="en-IN" sz="2800" b="1" dirty="0"/>
-                  <a:t> )</a:t>
-                </a:r>
-              </a:p>
-              <a:p>
-                <a:r>
-                  <a:rPr lang="en-US" sz="2400" dirty="0"/>
-                  <a:t>A </a:t>
-                </a:r>
-                <a:r>
-                  <a:rPr lang="en-US" sz="2400" b="1" dirty="0"/>
-                  <a:t>quadratic equation</a:t>
-                </a:r>
-                <a:r>
-                  <a:rPr lang="en-US" sz="2400" dirty="0"/>
-                  <a:t> is a type of polynomial equation in which the </a:t>
-                </a:r>
-                <a:r>
-                  <a:rPr lang="en-US" sz="2400" b="1" dirty="0"/>
-                  <a:t>highest power of the variable (usually x)</a:t>
-                </a:r>
-                <a:r>
-                  <a:rPr lang="en-US" sz="2400" dirty="0"/>
-                  <a:t> is </a:t>
-                </a:r>
-                <a:r>
-                  <a:rPr lang="en-US" sz="2400" b="1" dirty="0"/>
-                  <a:t>2</a:t>
-                </a:r>
-                <a:r>
-                  <a:rPr lang="en-US" sz="2400" dirty="0"/>
-                  <a:t>.</a:t>
-                </a:r>
-              </a:p>
-              <a:p>
-                <a:r>
-                  <a:rPr lang="en-US" sz="2400" dirty="0"/>
-                  <a:t>It has the general form:</a:t>
-                </a:r>
-              </a:p>
-              <a:p>
-                <a:endParaRPr lang="en-US" sz="2400" dirty="0"/>
-              </a:p>
-              <a:p>
-                <a:endParaRPr lang="en-US" sz="2400" dirty="0"/>
-              </a:p>
-              <a:p>
-                <a:endParaRPr lang="en-US" sz="2400" dirty="0"/>
-              </a:p>
-              <a:p>
-                <a:r>
-                  <a:rPr lang="en-US" sz="2400" b="1" dirty="0"/>
-                  <a:t>where:</a:t>
-                </a:r>
-              </a:p>
-              <a:p>
-                <a:pPr lvl="1"/>
-                <a14:m>
-                  <m:oMath xmlns:m="http://schemas.openxmlformats.org/officeDocument/2006/math">
-                    <m:r>
-                      <a:rPr lang="en-US" sz="2000" i="1">
-                        <a:latin typeface="Cambria Math" panose="02040503050406030204" pitchFamily="18" charset="0"/>
-                      </a:rPr>
-                      <m:t>𝑎</m:t>
-                    </m:r>
-                    <m:r>
-                      <a:rPr lang="en-US" sz="2000">
-                        <a:latin typeface="Cambria Math" panose="02040503050406030204" pitchFamily="18" charset="0"/>
-                      </a:rPr>
-                      <m:t>,</m:t>
-                    </m:r>
-                    <m:r>
-                      <a:rPr lang="en-US" sz="2000" i="1">
-                        <a:latin typeface="Cambria Math" panose="02040503050406030204" pitchFamily="18" charset="0"/>
-                      </a:rPr>
-                      <m:t>𝑏</m:t>
-                    </m:r>
-                    <m:r>
-                      <a:rPr lang="en-US" sz="2000">
-                        <a:latin typeface="Cambria Math" panose="02040503050406030204" pitchFamily="18" charset="0"/>
-                      </a:rPr>
-                      <m:t>,</m:t>
-                    </m:r>
-                    <m:r>
-                      <a:rPr lang="en-US" sz="2000" i="1">
-                        <a:latin typeface="Cambria Math" panose="02040503050406030204" pitchFamily="18" charset="0"/>
-                      </a:rPr>
-                      <m:t>𝑐</m:t>
-                    </m:r>
-                  </m:oMath>
-                </a14:m>
-                <a:r>
-                  <a:rPr lang="en-US" sz="2400" dirty="0"/>
-                  <a:t>are real numbers (constants)</a:t>
-                </a:r>
-              </a:p>
-              <a:p>
-                <a:pPr lvl="1"/>
-                <a14:m>
-                  <m:oMath xmlns:m="http://schemas.openxmlformats.org/officeDocument/2006/math">
-                    <m:r>
-                      <a:rPr lang="en-US" sz="2000" i="1">
-                        <a:latin typeface="Cambria Math" panose="02040503050406030204" pitchFamily="18" charset="0"/>
-                      </a:rPr>
-                      <m:t>𝑎</m:t>
-                    </m:r>
-                    <m:r>
-                      <a:rPr lang="en-US" sz="2000">
-                        <a:latin typeface="Cambria Math" panose="02040503050406030204" pitchFamily="18" charset="0"/>
-                      </a:rPr>
-                      <m:t>≠</m:t>
-                    </m:r>
-                    <m:r>
-                      <a:rPr lang="en-US" sz="2000">
-                        <a:latin typeface="Cambria Math" panose="02040503050406030204" pitchFamily="18" charset="0"/>
-                      </a:rPr>
-                      <m:t>0</m:t>
-                    </m:r>
-                  </m:oMath>
-                </a14:m>
-                <a:r>
-                  <a:rPr lang="en-US" sz="2400" dirty="0"/>
-                  <a:t>(because if </a:t>
-                </a:r>
-                <a14:m>
-                  <m:oMath xmlns:m="http://schemas.openxmlformats.org/officeDocument/2006/math">
-                    <m:r>
-                      <a:rPr lang="en-US" sz="2000" i="1">
-                        <a:latin typeface="Cambria Math" panose="02040503050406030204" pitchFamily="18" charset="0"/>
-                      </a:rPr>
-                      <m:t>𝑎</m:t>
-                    </m:r>
-                    <m:r>
-                      <a:rPr lang="en-US" sz="2000">
-                        <a:latin typeface="Cambria Math" panose="02040503050406030204" pitchFamily="18" charset="0"/>
-                      </a:rPr>
-                      <m:t>=</m:t>
-                    </m:r>
-                    <m:r>
-                      <a:rPr lang="en-US" sz="2000">
-                        <a:latin typeface="Cambria Math" panose="02040503050406030204" pitchFamily="18" charset="0"/>
-                      </a:rPr>
-                      <m:t>0</m:t>
-                    </m:r>
-                  </m:oMath>
-                </a14:m>
-                <a:r>
-                  <a:rPr lang="en-US" sz="2400" dirty="0"/>
-                  <a:t>, it becomes a linear equation)</a:t>
-                </a:r>
-              </a:p>
-              <a:p>
-                <a:pPr lvl="1"/>
-                <a14:m>
-                  <m:oMath xmlns:m="http://schemas.openxmlformats.org/officeDocument/2006/math">
-                    <m:r>
-                      <a:rPr lang="en-US" sz="2000" i="1">
-                        <a:latin typeface="Cambria Math" panose="02040503050406030204" pitchFamily="18" charset="0"/>
-                      </a:rPr>
-                      <m:t>𝑥</m:t>
-                    </m:r>
-                  </m:oMath>
-                </a14:m>
-                <a:r>
-                  <a:rPr lang="en-US" sz="2400" dirty="0"/>
-                  <a:t>is the variable</a:t>
-                </a:r>
-              </a:p>
-              <a:p>
-                <a:endParaRPr lang="en-US" sz="2400" dirty="0"/>
-              </a:p>
-              <a:p>
-                <a:pPr marL="0" indent="0">
-                  <a:buNone/>
-                </a:pPr>
-                <a:endParaRPr lang="en-IN" sz="2400" b="1" dirty="0"/>
-              </a:p>
-            </p:txBody>
-          </p:sp>
-        </mc:Choice>
-        <mc:Fallback xmlns="">
-          <p:sp>
-            <p:nvSpPr>
-              <p:cNvPr id="3" name="Content Placeholder 2">
-                <a:extLst>
-                  <a:ext uri="{FF2B5EF4-FFF2-40B4-BE49-F238E27FC236}">
-                    <a16:creationId xmlns:a16="http://schemas.microsoft.com/office/drawing/2014/main" id="{125E2A00-176B-D173-0089-6F97C73608AC}"/>
-                  </a:ext>
-                </a:extLst>
-              </p:cNvPr>
-              <p:cNvSpPr>
-                <a:spLocks noGrp="1" noRot="1" noChangeAspect="1" noMove="1" noResize="1" noEditPoints="1" noAdjustHandles="1" noChangeArrowheads="1" noChangeShapeType="1" noTextEdit="1"/>
-              </p:cNvSpPr>
-              <p:nvPr>
-                <p:ph idx="1"/>
-              </p:nvPr>
-            </p:nvSpPr>
-            <p:spPr>
-              <a:xfrm>
-                <a:off x="702853" y="719137"/>
-                <a:ext cx="10900568" cy="5313801"/>
-              </a:xfrm>
-              <a:blipFill>
-                <a:blip r:embed="rId2"/>
-                <a:stretch>
-                  <a:fillRect l="-1119" t="-1950"/>
-                </a:stretch>
-              </a:blipFill>
-            </p:spPr>
-            <p:txBody>
-              <a:bodyPr/>
-              <a:lstStyle/>
-              <a:p>
-                <a:r>
-                  <a:rPr lang="en-IN">
-                    <a:noFill/>
-                  </a:rPr>
-                  <a:t> </a:t>
-                </a:r>
-              </a:p>
-            </p:txBody>
-          </p:sp>
-        </mc:Fallback>
-      </mc:AlternateContent>
-      <p:pic>
-        <p:nvPicPr>
-          <p:cNvPr id="4" name="Picture 3">
-            <a:extLst>
-              <a:ext uri="{FF2B5EF4-FFF2-40B4-BE49-F238E27FC236}">
-                <a16:creationId xmlns:a16="http://schemas.microsoft.com/office/drawing/2014/main" id="{A8DB345C-0878-7BF5-5891-421483A3CC54}"/>
-              </a:ext>
-            </a:extLst>
-          </p:cNvPr>
-          <p:cNvPicPr>
-            <a:picLocks noChangeAspect="1"/>
-          </p:cNvPicPr>
-          <p:nvPr/>
-        </p:nvPicPr>
-        <p:blipFill>
-          <a:blip r:embed="rId3"/>
-          <a:stretch>
-            <a:fillRect/>
-          </a:stretch>
-        </p:blipFill>
-        <p:spPr>
-          <a:xfrm>
-            <a:off x="3193238" y="2703612"/>
-            <a:ext cx="3926019" cy="892607"/>
-          </a:xfrm>
-          <a:prstGeom prst="rect">
-            <a:avLst/>
-          </a:prstGeom>
-        </p:spPr>
-      </p:pic>
-    </p:spTree>
-    <p:extLst>
-      <p:ext uri="{BB962C8B-B14F-4D97-AF65-F5344CB8AC3E}">
-        <p14:creationId xmlns:p14="http://schemas.microsoft.com/office/powerpoint/2010/main" val="4288389055"/>
-      </p:ext>
-    </p:extLst>
-  </p:cSld>
-  <p:clrMapOvr>
-    <a:masterClrMapping/>
-  </p:clrMapOvr>
-</p:sld>
-</file>
-
-<file path=ppt/slides/slide7.xml><?xml version="1.0" encoding="utf-8"?>
-<p:sld xmlns:a="http://schemas.openxmlformats.org/drawingml/2006/main" xmlns:r="http://schemas.openxmlformats.org/officeDocument/2006/relationships" xmlns:p="http://schemas.openxmlformats.org/presentationml/2006/main">
-  <p:cSld>
-    <p:spTree>
-      <p:nvGrpSpPr>
-        <p:cNvPr id="1" name="">
-          <a:extLst>
-            <a:ext uri="{FF2B5EF4-FFF2-40B4-BE49-F238E27FC236}">
-              <a16:creationId xmlns:a16="http://schemas.microsoft.com/office/drawing/2014/main" id="{DC317A71-9FDE-A34F-73E5-9806615836EF}"/>
-            </a:ext>
-          </a:extLst>
-        </p:cNvPr>
-        <p:cNvGrpSpPr/>
-        <p:nvPr/>
-      </p:nvGrpSpPr>
-      <p:grpSpPr>
-        <a:xfrm>
-          <a:off x="0" y="0"/>
-          <a:ext cx="0" cy="0"/>
-          <a:chOff x="0" y="0"/>
-          <a:chExt cx="0" cy="0"/>
-        </a:xfrm>
-      </p:grpSpPr>
-      <mc:AlternateContent xmlns:mc="http://schemas.openxmlformats.org/markup-compatibility/2006" xmlns:a14="http://schemas.microsoft.com/office/drawing/2010/main">
-        <mc:Choice Requires="a14">
-          <p:sp>
-            <p:nvSpPr>
-              <p:cNvPr id="3" name="Content Placeholder 2">
-                <a:extLst>
-                  <a:ext uri="{FF2B5EF4-FFF2-40B4-BE49-F238E27FC236}">
-                    <a16:creationId xmlns:a16="http://schemas.microsoft.com/office/drawing/2014/main" id="{4BD4C9AB-810B-E8C7-F1F5-53D8745121BF}"/>
-                  </a:ext>
-                </a:extLst>
-              </p:cNvPr>
-              <p:cNvSpPr>
-                <a:spLocks noGrp="1"/>
-              </p:cNvSpPr>
-              <p:nvPr>
-                <p:ph idx="1"/>
-              </p:nvPr>
-            </p:nvSpPr>
-            <p:spPr>
-              <a:xfrm>
-                <a:off x="702853" y="719137"/>
-                <a:ext cx="10900568" cy="5313801"/>
-              </a:xfrm>
-            </p:spPr>
-            <p:txBody>
-              <a:bodyPr>
-                <a:normAutofit/>
-              </a:bodyPr>
-              <a:lstStyle/>
-              <a:p>
-                <a:pPr marL="0" indent="0">
-                  <a:buNone/>
-                </a:pPr>
-                <a:r>
-                  <a:rPr lang="en-IN" sz="2400" b="1" dirty="0"/>
-                  <a:t>Examples of Quadratic Equations:</a:t>
-                </a:r>
-              </a:p>
-              <a:p>
-                <a14:m>
-                  <m:oMath xmlns:m="http://schemas.openxmlformats.org/officeDocument/2006/math">
-                    <m:sSup>
-                      <m:sSupPr>
-                        <m:ctrlPr>
-                          <a:rPr lang="ar-AE" sz="2800" i="1">
-                            <a:latin typeface="Cambria Math" panose="02040503050406030204" pitchFamily="18" charset="0"/>
-                          </a:rPr>
-                        </m:ctrlPr>
-                      </m:sSupPr>
-                      <m:e>
-                        <m:r>
-                          <a:rPr lang="ar-AE" sz="2800" i="1">
-                            <a:latin typeface="Cambria Math" panose="02040503050406030204" pitchFamily="18" charset="0"/>
-                          </a:rPr>
-                          <m:t>𝑥</m:t>
-                        </m:r>
-                      </m:e>
-                      <m:sup>
-                        <m:r>
-                          <a:rPr lang="ar-AE" sz="2800">
-                            <a:latin typeface="Cambria Math" panose="02040503050406030204" pitchFamily="18" charset="0"/>
-                          </a:rPr>
-                          <m:t>2</m:t>
-                        </m:r>
-                      </m:sup>
-                    </m:sSup>
-                    <m:r>
-                      <a:rPr lang="ar-AE" sz="2800">
-                        <a:latin typeface="Cambria Math" panose="02040503050406030204" pitchFamily="18" charset="0"/>
-                      </a:rPr>
-                      <m:t>+</m:t>
-                    </m:r>
-                    <m:r>
-                      <a:rPr lang="ar-AE" sz="2800">
-                        <a:latin typeface="Cambria Math" panose="02040503050406030204" pitchFamily="18" charset="0"/>
-                      </a:rPr>
-                      <m:t>5</m:t>
-                    </m:r>
-                    <m:r>
-                      <a:rPr lang="ar-AE" sz="2800" i="1">
-                        <a:latin typeface="Cambria Math" panose="02040503050406030204" pitchFamily="18" charset="0"/>
-                      </a:rPr>
-                      <m:t>𝑥</m:t>
-                    </m:r>
-                    <m:r>
-                      <a:rPr lang="ar-AE" sz="2800">
-                        <a:latin typeface="Cambria Math" panose="02040503050406030204" pitchFamily="18" charset="0"/>
-                      </a:rPr>
-                      <m:t>+</m:t>
-                    </m:r>
-                    <m:r>
-                      <a:rPr lang="ar-AE" sz="2800">
-                        <a:latin typeface="Cambria Math" panose="02040503050406030204" pitchFamily="18" charset="0"/>
-                      </a:rPr>
-                      <m:t>6</m:t>
-                    </m:r>
-                    <m:r>
-                      <a:rPr lang="ar-AE" sz="2800">
-                        <a:latin typeface="Cambria Math" panose="02040503050406030204" pitchFamily="18" charset="0"/>
-                      </a:rPr>
-                      <m:t>=</m:t>
-                    </m:r>
-                    <m:r>
-                      <a:rPr lang="ar-AE" sz="2800">
-                        <a:latin typeface="Cambria Math" panose="02040503050406030204" pitchFamily="18" charset="0"/>
-                      </a:rPr>
-                      <m:t>0</m:t>
-                    </m:r>
-                  </m:oMath>
-                </a14:m>
-                <a:endParaRPr lang="ar-AE" sz="3200" dirty="0"/>
-              </a:p>
-              <a:p>
-                <a14:m>
-                  <m:oMath xmlns:m="http://schemas.openxmlformats.org/officeDocument/2006/math">
-                    <m:r>
-                      <a:rPr lang="ar-AE" sz="2800">
-                        <a:latin typeface="Cambria Math" panose="02040503050406030204" pitchFamily="18" charset="0"/>
-                      </a:rPr>
-                      <m:t>2</m:t>
-                    </m:r>
-                    <m:sSup>
-                      <m:sSupPr>
-                        <m:ctrlPr>
-                          <a:rPr lang="ar-AE" sz="2800" i="1">
-                            <a:latin typeface="Cambria Math" panose="02040503050406030204" pitchFamily="18" charset="0"/>
-                          </a:rPr>
-                        </m:ctrlPr>
-                      </m:sSupPr>
-                      <m:e>
-                        <m:r>
-                          <a:rPr lang="ar-AE" sz="2800" i="1">
-                            <a:latin typeface="Cambria Math" panose="02040503050406030204" pitchFamily="18" charset="0"/>
-                          </a:rPr>
-                          <m:t>𝑥</m:t>
-                        </m:r>
-                      </m:e>
-                      <m:sup>
-                        <m:r>
-                          <a:rPr lang="ar-AE" sz="2800">
-                            <a:latin typeface="Cambria Math" panose="02040503050406030204" pitchFamily="18" charset="0"/>
-                          </a:rPr>
-                          <m:t>2</m:t>
-                        </m:r>
-                      </m:sup>
-                    </m:sSup>
-                    <m:r>
-                      <a:rPr lang="ar-AE" sz="2800">
-                        <a:latin typeface="Cambria Math" panose="02040503050406030204" pitchFamily="18" charset="0"/>
-                      </a:rPr>
-                      <m:t>−</m:t>
-                    </m:r>
-                    <m:r>
-                      <a:rPr lang="ar-AE" sz="2800">
-                        <a:latin typeface="Cambria Math" panose="02040503050406030204" pitchFamily="18" charset="0"/>
-                      </a:rPr>
-                      <m:t>3</m:t>
-                    </m:r>
-                    <m:r>
-                      <a:rPr lang="ar-AE" sz="2800" i="1">
-                        <a:latin typeface="Cambria Math" panose="02040503050406030204" pitchFamily="18" charset="0"/>
-                      </a:rPr>
-                      <m:t>𝑥</m:t>
-                    </m:r>
-                    <m:r>
-                      <a:rPr lang="ar-AE" sz="2800">
-                        <a:latin typeface="Cambria Math" panose="02040503050406030204" pitchFamily="18" charset="0"/>
-                      </a:rPr>
-                      <m:t>+</m:t>
-                    </m:r>
-                    <m:r>
-                      <a:rPr lang="ar-AE" sz="2800">
-                        <a:latin typeface="Cambria Math" panose="02040503050406030204" pitchFamily="18" charset="0"/>
-                      </a:rPr>
-                      <m:t>1</m:t>
-                    </m:r>
-                    <m:r>
-                      <a:rPr lang="ar-AE" sz="2800">
-                        <a:latin typeface="Cambria Math" panose="02040503050406030204" pitchFamily="18" charset="0"/>
-                      </a:rPr>
-                      <m:t>=</m:t>
-                    </m:r>
-                    <m:r>
-                      <a:rPr lang="ar-AE" sz="2800">
-                        <a:latin typeface="Cambria Math" panose="02040503050406030204" pitchFamily="18" charset="0"/>
-                      </a:rPr>
-                      <m:t>0</m:t>
-                    </m:r>
-                  </m:oMath>
-                </a14:m>
-                <a:endParaRPr lang="ar-AE" sz="3200" dirty="0"/>
-              </a:p>
-              <a:p>
-                <a14:m>
-                  <m:oMath xmlns:m="http://schemas.openxmlformats.org/officeDocument/2006/math">
-                    <m:r>
-                      <a:rPr lang="ar-AE" sz="2800">
-                        <a:latin typeface="Cambria Math" panose="02040503050406030204" pitchFamily="18" charset="0"/>
-                      </a:rPr>
-                      <m:t>4</m:t>
-                    </m:r>
-                    <m:sSup>
-                      <m:sSupPr>
-                        <m:ctrlPr>
-                          <a:rPr lang="ar-AE" sz="2800" i="1">
-                            <a:latin typeface="Cambria Math" panose="02040503050406030204" pitchFamily="18" charset="0"/>
-                          </a:rPr>
-                        </m:ctrlPr>
-                      </m:sSupPr>
-                      <m:e>
-                        <m:r>
-                          <a:rPr lang="ar-AE" sz="2800" i="1">
-                            <a:latin typeface="Cambria Math" panose="02040503050406030204" pitchFamily="18" charset="0"/>
-                          </a:rPr>
-                          <m:t>𝑥</m:t>
-                        </m:r>
-                      </m:e>
-                      <m:sup>
-                        <m:r>
-                          <a:rPr lang="ar-AE" sz="2800">
-                            <a:latin typeface="Cambria Math" panose="02040503050406030204" pitchFamily="18" charset="0"/>
-                          </a:rPr>
-                          <m:t>2</m:t>
-                        </m:r>
-                      </m:sup>
-                    </m:sSup>
-                    <m:r>
-                      <a:rPr lang="ar-AE" sz="2800">
-                        <a:latin typeface="Cambria Math" panose="02040503050406030204" pitchFamily="18" charset="0"/>
-                      </a:rPr>
-                      <m:t>+</m:t>
-                    </m:r>
-                    <m:r>
-                      <a:rPr lang="ar-AE" sz="2800">
-                        <a:latin typeface="Cambria Math" panose="02040503050406030204" pitchFamily="18" charset="0"/>
-                      </a:rPr>
-                      <m:t>8</m:t>
-                    </m:r>
-                    <m:r>
-                      <a:rPr lang="ar-AE" sz="2800" i="1">
-                        <a:latin typeface="Cambria Math" panose="02040503050406030204" pitchFamily="18" charset="0"/>
-                      </a:rPr>
-                      <m:t>𝑥</m:t>
-                    </m:r>
-                    <m:r>
-                      <a:rPr lang="ar-AE" sz="2800">
-                        <a:latin typeface="Cambria Math" panose="02040503050406030204" pitchFamily="18" charset="0"/>
-                      </a:rPr>
-                      <m:t>−</m:t>
-                    </m:r>
-                    <m:r>
-                      <a:rPr lang="ar-AE" sz="2800">
-                        <a:latin typeface="Cambria Math" panose="02040503050406030204" pitchFamily="18" charset="0"/>
-                      </a:rPr>
-                      <m:t>12</m:t>
-                    </m:r>
-                    <m:r>
-                      <a:rPr lang="ar-AE" sz="2800">
-                        <a:latin typeface="Cambria Math" panose="02040503050406030204" pitchFamily="18" charset="0"/>
-                      </a:rPr>
-                      <m:t>=</m:t>
-                    </m:r>
-                    <m:r>
-                      <a:rPr lang="ar-AE" sz="2800">
-                        <a:latin typeface="Cambria Math" panose="02040503050406030204" pitchFamily="18" charset="0"/>
-                      </a:rPr>
-                      <m:t>0</m:t>
-                    </m:r>
-                  </m:oMath>
-                </a14:m>
-                <a:endParaRPr lang="ar-AE" sz="3200" dirty="0"/>
-              </a:p>
-              <a:p>
-                <a14:m>
-                  <m:oMath xmlns:m="http://schemas.openxmlformats.org/officeDocument/2006/math">
-                    <m:sSup>
-                      <m:sSupPr>
-                        <m:ctrlPr>
-                          <a:rPr lang="ar-AE" sz="2800" i="1">
-                            <a:latin typeface="Cambria Math" panose="02040503050406030204" pitchFamily="18" charset="0"/>
-                          </a:rPr>
-                        </m:ctrlPr>
-                      </m:sSupPr>
-                      <m:e>
-                        <m:r>
-                          <a:rPr lang="ar-AE" sz="2800" i="1">
-                            <a:latin typeface="Cambria Math" panose="02040503050406030204" pitchFamily="18" charset="0"/>
-                          </a:rPr>
-                          <m:t>𝑥</m:t>
-                        </m:r>
-                      </m:e>
-                      <m:sup>
-                        <m:r>
-                          <a:rPr lang="ar-AE" sz="2800">
-                            <a:latin typeface="Cambria Math" panose="02040503050406030204" pitchFamily="18" charset="0"/>
-                          </a:rPr>
-                          <m:t>2</m:t>
-                        </m:r>
-                      </m:sup>
-                    </m:sSup>
-                    <m:r>
-                      <a:rPr lang="ar-AE" sz="2800">
-                        <a:latin typeface="Cambria Math" panose="02040503050406030204" pitchFamily="18" charset="0"/>
-                      </a:rPr>
-                      <m:t>−</m:t>
-                    </m:r>
-                    <m:r>
-                      <a:rPr lang="ar-AE" sz="2800">
-                        <a:latin typeface="Cambria Math" panose="02040503050406030204" pitchFamily="18" charset="0"/>
-                      </a:rPr>
-                      <m:t>9</m:t>
-                    </m:r>
-                    <m:r>
-                      <a:rPr lang="ar-AE" sz="2800">
-                        <a:latin typeface="Cambria Math" panose="02040503050406030204" pitchFamily="18" charset="0"/>
-                      </a:rPr>
-                      <m:t>=</m:t>
-                    </m:r>
-                    <m:r>
-                      <a:rPr lang="ar-AE" sz="2800">
-                        <a:latin typeface="Cambria Math" panose="02040503050406030204" pitchFamily="18" charset="0"/>
-                      </a:rPr>
-                      <m:t>0</m:t>
-                    </m:r>
-                  </m:oMath>
-                </a14:m>
-                <a:endParaRPr lang="ar-AE" sz="3200" dirty="0"/>
-              </a:p>
-              <a:p>
-                <a14:m>
-                  <m:oMath xmlns:m="http://schemas.openxmlformats.org/officeDocument/2006/math">
-                    <m:r>
-                      <a:rPr lang="ar-AE" sz="2800">
-                        <a:latin typeface="Cambria Math" panose="02040503050406030204" pitchFamily="18" charset="0"/>
-                      </a:rPr>
-                      <m:t>3</m:t>
-                    </m:r>
-                    <m:sSup>
-                      <m:sSupPr>
-                        <m:ctrlPr>
-                          <a:rPr lang="ar-AE" sz="2800" i="1">
-                            <a:latin typeface="Cambria Math" panose="02040503050406030204" pitchFamily="18" charset="0"/>
-                          </a:rPr>
-                        </m:ctrlPr>
-                      </m:sSupPr>
-                      <m:e>
-                        <m:r>
-                          <a:rPr lang="ar-AE" sz="2800" i="1">
-                            <a:latin typeface="Cambria Math" panose="02040503050406030204" pitchFamily="18" charset="0"/>
-                          </a:rPr>
-                          <m:t>𝑥</m:t>
-                        </m:r>
-                      </m:e>
-                      <m:sup>
-                        <m:r>
-                          <a:rPr lang="ar-AE" sz="2800">
-                            <a:latin typeface="Cambria Math" panose="02040503050406030204" pitchFamily="18" charset="0"/>
-                          </a:rPr>
-                          <m:t>2</m:t>
-                        </m:r>
-                      </m:sup>
-                    </m:sSup>
-                    <m:r>
-                      <a:rPr lang="ar-AE" sz="2800">
-                        <a:latin typeface="Cambria Math" panose="02040503050406030204" pitchFamily="18" charset="0"/>
-                      </a:rPr>
-                      <m:t>+</m:t>
-                    </m:r>
-                    <m:r>
-                      <a:rPr lang="ar-AE" sz="2800">
-                        <a:latin typeface="Cambria Math" panose="02040503050406030204" pitchFamily="18" charset="0"/>
-                      </a:rPr>
-                      <m:t>7</m:t>
-                    </m:r>
-                    <m:r>
-                      <a:rPr lang="ar-AE" sz="2800" i="1">
-                        <a:latin typeface="Cambria Math" panose="02040503050406030204" pitchFamily="18" charset="0"/>
-                      </a:rPr>
-                      <m:t>𝑥</m:t>
-                    </m:r>
-                    <m:r>
-                      <a:rPr lang="ar-AE" sz="2800">
-                        <a:latin typeface="Cambria Math" panose="02040503050406030204" pitchFamily="18" charset="0"/>
-                      </a:rPr>
-                      <m:t>=</m:t>
-                    </m:r>
-                    <m:r>
-                      <a:rPr lang="ar-AE" sz="2800">
-                        <a:latin typeface="Cambria Math" panose="02040503050406030204" pitchFamily="18" charset="0"/>
-                      </a:rPr>
-                      <m:t>0</m:t>
-                    </m:r>
-                  </m:oMath>
-                </a14:m>
-                <a:endParaRPr lang="ar-AE" sz="3200" dirty="0"/>
-              </a:p>
-              <a:p>
-                <a:pPr marL="0" indent="0">
-                  <a:buNone/>
-                </a:pPr>
-                <a:endParaRPr lang="en-IN" sz="2400" b="1" dirty="0"/>
-              </a:p>
-              <a:p>
-                <a:pPr marL="0" indent="0">
-                  <a:buNone/>
-                </a:pPr>
-                <a:r>
-                  <a:rPr lang="en-IN" sz="2400" b="1" dirty="0"/>
-                  <a:t>How to Identify a Quadratic Equation:</a:t>
-                </a:r>
-              </a:p>
-              <a:p>
-                <a:r>
-                  <a:rPr lang="en-IN" sz="2400" dirty="0"/>
-                  <a:t>If the equation contains </a:t>
-                </a:r>
-                <a14:m>
-                  <m:oMath xmlns:m="http://schemas.openxmlformats.org/officeDocument/2006/math">
-                    <m:sSup>
-                      <m:sSupPr>
-                        <m:ctrlPr>
-                          <a:rPr lang="ar-AE" i="1">
-                            <a:latin typeface="Cambria Math" panose="02040503050406030204" pitchFamily="18" charset="0"/>
-                          </a:rPr>
-                        </m:ctrlPr>
-                      </m:sSupPr>
-                      <m:e>
-                        <m:r>
-                          <a:rPr lang="ar-AE" i="1">
-                            <a:latin typeface="Cambria Math" panose="02040503050406030204" pitchFamily="18" charset="0"/>
-                          </a:rPr>
-                          <m:t>𝑥</m:t>
-                        </m:r>
-                      </m:e>
-                      <m:sup>
-                        <m:r>
-                          <a:rPr lang="ar-AE">
-                            <a:latin typeface="Cambria Math" panose="02040503050406030204" pitchFamily="18" charset="0"/>
-                          </a:rPr>
-                          <m:t>2</m:t>
-                        </m:r>
-                      </m:sup>
-                    </m:sSup>
-                  </m:oMath>
-                </a14:m>
-                <a:r>
-                  <a:rPr lang="ar-AE" sz="2400" dirty="0"/>
-                  <a:t>(</a:t>
-                </a:r>
-                <a:r>
-                  <a:rPr lang="en-IN" sz="2400" dirty="0"/>
-                  <a:t>and not any higher powers like </a:t>
-                </a:r>
-                <a14:m>
-                  <m:oMath xmlns:m="http://schemas.openxmlformats.org/officeDocument/2006/math">
-                    <m:sSup>
-                      <m:sSupPr>
-                        <m:ctrlPr>
-                          <a:rPr lang="ar-AE" i="1">
-                            <a:latin typeface="Cambria Math" panose="02040503050406030204" pitchFamily="18" charset="0"/>
-                          </a:rPr>
-                        </m:ctrlPr>
-                      </m:sSupPr>
-                      <m:e>
-                        <m:r>
-                          <a:rPr lang="ar-AE" i="1">
-                            <a:latin typeface="Cambria Math" panose="02040503050406030204" pitchFamily="18" charset="0"/>
-                          </a:rPr>
-                          <m:t>𝑥</m:t>
-                        </m:r>
-                      </m:e>
-                      <m:sup>
-                        <m:r>
-                          <a:rPr lang="ar-AE">
-                            <a:latin typeface="Cambria Math" panose="02040503050406030204" pitchFamily="18" charset="0"/>
-                          </a:rPr>
-                          <m:t>3</m:t>
-                        </m:r>
-                      </m:sup>
-                    </m:sSup>
-                  </m:oMath>
-                </a14:m>
-                <a:r>
-                  <a:rPr lang="en-IN" sz="2400" dirty="0"/>
-                  <a:t>or </a:t>
-                </a:r>
-                <a14:m>
-                  <m:oMath xmlns:m="http://schemas.openxmlformats.org/officeDocument/2006/math">
-                    <m:sSup>
-                      <m:sSupPr>
-                        <m:ctrlPr>
-                          <a:rPr lang="ar-AE" i="1">
-                            <a:latin typeface="Cambria Math" panose="02040503050406030204" pitchFamily="18" charset="0"/>
-                          </a:rPr>
-                        </m:ctrlPr>
-                      </m:sSupPr>
-                      <m:e>
-                        <m:r>
-                          <a:rPr lang="ar-AE" i="1">
-                            <a:latin typeface="Cambria Math" panose="02040503050406030204" pitchFamily="18" charset="0"/>
-                          </a:rPr>
-                          <m:t>𝑥</m:t>
-                        </m:r>
-                      </m:e>
-                      <m:sup>
-                        <m:r>
-                          <a:rPr lang="ar-AE">
-                            <a:latin typeface="Cambria Math" panose="02040503050406030204" pitchFamily="18" charset="0"/>
-                          </a:rPr>
-                          <m:t>4</m:t>
-                        </m:r>
-                      </m:sup>
-                    </m:sSup>
-                  </m:oMath>
-                </a14:m>
-                <a:r>
-                  <a:rPr lang="ar-AE" sz="2400" dirty="0"/>
-                  <a:t>), </a:t>
-                </a:r>
-                <a:r>
-                  <a:rPr lang="en-IN" sz="2400" dirty="0"/>
-                  <a:t>and it can be written in the form </a:t>
-                </a:r>
-                <a14:m>
-                  <m:oMath xmlns:m="http://schemas.openxmlformats.org/officeDocument/2006/math">
-                    <m:r>
-                      <a:rPr lang="en-IN" i="1">
-                        <a:latin typeface="Cambria Math" panose="02040503050406030204" pitchFamily="18" charset="0"/>
-                      </a:rPr>
-                      <m:t>𝑎</m:t>
-                    </m:r>
-                    <m:sSup>
-                      <m:sSupPr>
-                        <m:ctrlPr>
-                          <a:rPr lang="ar-AE" i="1">
-                            <a:latin typeface="Cambria Math" panose="02040503050406030204" pitchFamily="18" charset="0"/>
-                          </a:rPr>
-                        </m:ctrlPr>
-                      </m:sSupPr>
-                      <m:e>
-                        <m:r>
-                          <a:rPr lang="ar-AE" i="1">
-                            <a:latin typeface="Cambria Math" panose="02040503050406030204" pitchFamily="18" charset="0"/>
-                          </a:rPr>
-                          <m:t>𝑥</m:t>
-                        </m:r>
-                      </m:e>
-                      <m:sup>
-                        <m:r>
-                          <a:rPr lang="ar-AE">
-                            <a:latin typeface="Cambria Math" panose="02040503050406030204" pitchFamily="18" charset="0"/>
-                          </a:rPr>
-                          <m:t>2</m:t>
-                        </m:r>
-                      </m:sup>
-                    </m:sSup>
-                    <m:r>
-                      <a:rPr lang="ar-AE">
-                        <a:latin typeface="Cambria Math" panose="02040503050406030204" pitchFamily="18" charset="0"/>
-                      </a:rPr>
-                      <m:t>+</m:t>
-                    </m:r>
-                    <m:r>
-                      <a:rPr lang="ar-AE" i="1">
-                        <a:latin typeface="Cambria Math" panose="02040503050406030204" pitchFamily="18" charset="0"/>
-                      </a:rPr>
-                      <m:t>𝑏𝑥</m:t>
-                    </m:r>
-                    <m:r>
-                      <a:rPr lang="ar-AE">
-                        <a:latin typeface="Cambria Math" panose="02040503050406030204" pitchFamily="18" charset="0"/>
-                      </a:rPr>
-                      <m:t>+</m:t>
-                    </m:r>
-                    <m:r>
-                      <a:rPr lang="ar-AE" i="1">
-                        <a:latin typeface="Cambria Math" panose="02040503050406030204" pitchFamily="18" charset="0"/>
-                      </a:rPr>
-                      <m:t>𝑐</m:t>
-                    </m:r>
-                    <m:r>
-                      <a:rPr lang="ar-AE">
-                        <a:latin typeface="Cambria Math" panose="02040503050406030204" pitchFamily="18" charset="0"/>
-                      </a:rPr>
-                      <m:t>=</m:t>
-                    </m:r>
-                    <m:r>
-                      <a:rPr lang="ar-AE">
-                        <a:latin typeface="Cambria Math" panose="02040503050406030204" pitchFamily="18" charset="0"/>
-                      </a:rPr>
-                      <m:t>0</m:t>
-                    </m:r>
-                  </m:oMath>
-                </a14:m>
-                <a:r>
-                  <a:rPr lang="ar-AE" sz="2400" dirty="0"/>
-                  <a:t>, </a:t>
-                </a:r>
-                <a:r>
-                  <a:rPr lang="en-IN" sz="2400" dirty="0"/>
-                  <a:t>then it is </a:t>
-                </a:r>
-                <a:r>
-                  <a:rPr lang="en-IN" sz="2400" b="1" dirty="0"/>
-                  <a:t>quadratic</a:t>
-                </a:r>
-                <a:r>
-                  <a:rPr lang="en-IN" sz="2400" dirty="0"/>
-                  <a:t>.</a:t>
-                </a:r>
-              </a:p>
-              <a:p>
-                <a:pPr marL="0" indent="0">
-                  <a:buNone/>
-                </a:pPr>
-                <a:endParaRPr lang="en-IN" sz="2400" b="1" dirty="0"/>
-              </a:p>
-            </p:txBody>
-          </p:sp>
-        </mc:Choice>
-        <mc:Fallback xmlns="">
-          <p:sp>
-            <p:nvSpPr>
-              <p:cNvPr id="3" name="Content Placeholder 2">
-                <a:extLst>
-                  <a:ext uri="{FF2B5EF4-FFF2-40B4-BE49-F238E27FC236}">
-                    <a16:creationId xmlns:a16="http://schemas.microsoft.com/office/drawing/2014/main" id="{4BD4C9AB-810B-E8C7-F1F5-53D8745121BF}"/>
-                  </a:ext>
-                </a:extLst>
-              </p:cNvPr>
-              <p:cNvSpPr>
-                <a:spLocks noGrp="1" noRot="1" noChangeAspect="1" noMove="1" noResize="1" noEditPoints="1" noAdjustHandles="1" noChangeArrowheads="1" noChangeShapeType="1" noTextEdit="1"/>
-              </p:cNvSpPr>
-              <p:nvPr>
-                <p:ph idx="1"/>
-              </p:nvPr>
-            </p:nvSpPr>
-            <p:spPr>
-              <a:xfrm>
-                <a:off x="702853" y="719137"/>
-                <a:ext cx="10900568" cy="5313801"/>
-              </a:xfrm>
-              <a:blipFill>
-                <a:blip r:embed="rId2"/>
-                <a:stretch>
-                  <a:fillRect l="-839" t="-1606"/>
-                </a:stretch>
-              </a:blipFill>
-            </p:spPr>
-            <p:txBody>
-              <a:bodyPr/>
-              <a:lstStyle/>
-              <a:p>
-                <a:r>
-                  <a:rPr lang="en-IN">
-                    <a:noFill/>
-                  </a:rPr>
-                  <a:t> </a:t>
-                </a:r>
-              </a:p>
-            </p:txBody>
-          </p:sp>
-        </mc:Fallback>
-      </mc:AlternateContent>
-    </p:spTree>
-    <p:extLst>
-      <p:ext uri="{BB962C8B-B14F-4D97-AF65-F5344CB8AC3E}">
-        <p14:creationId xmlns:p14="http://schemas.microsoft.com/office/powerpoint/2010/main" val="46042807"/>
-      </p:ext>
-    </p:extLst>
-  </p:cSld>
-  <p:clrMapOvr>
-    <a:masterClrMapping/>
-  </p:clrMapOvr>
-</p:sld>
-</file>
-
-<file path=ppt/slides/slide8.xml><?xml version="1.0" encoding="utf-8"?>
-<p:sld xmlns:a="http://schemas.openxmlformats.org/drawingml/2006/main" xmlns:r="http://schemas.openxmlformats.org/officeDocument/2006/relationships" xmlns:p="http://schemas.openxmlformats.org/presentationml/2006/main">
-  <p:cSld>
-    <p:spTree>
-      <p:nvGrpSpPr>
-        <p:cNvPr id="1" name="">
-          <a:extLst>
-            <a:ext uri="{FF2B5EF4-FFF2-40B4-BE49-F238E27FC236}">
-              <a16:creationId xmlns:a16="http://schemas.microsoft.com/office/drawing/2014/main" id="{B55F22C2-2457-4050-D1C8-5BE860A92258}"/>
-            </a:ext>
-          </a:extLst>
-        </p:cNvPr>
-        <p:cNvGrpSpPr/>
-        <p:nvPr/>
-      </p:nvGrpSpPr>
-      <p:grpSpPr>
-        <a:xfrm>
-          <a:off x="0" y="0"/>
-          <a:ext cx="0" cy="0"/>
-          <a:chOff x="0" y="0"/>
-          <a:chExt cx="0" cy="0"/>
-        </a:xfrm>
-      </p:grpSpPr>
-      <p:sp>
-        <p:nvSpPr>
-          <p:cNvPr id="3" name="Content Placeholder 2">
-            <a:extLst>
-              <a:ext uri="{FF2B5EF4-FFF2-40B4-BE49-F238E27FC236}">
-                <a16:creationId xmlns:a16="http://schemas.microsoft.com/office/drawing/2014/main" id="{C391991B-CDF1-BEB1-C710-B1ADE70639F2}"/>
-              </a:ext>
-            </a:extLst>
-          </p:cNvPr>
-          <p:cNvSpPr>
-            <a:spLocks noGrp="1"/>
-          </p:cNvSpPr>
-          <p:nvPr>
-            <p:ph idx="1"/>
-          </p:nvPr>
-        </p:nvSpPr>
-        <p:spPr>
-          <a:xfrm>
-            <a:off x="702853" y="719137"/>
-            <a:ext cx="10900568" cy="5313801"/>
-          </a:xfrm>
-        </p:spPr>
-        <p:txBody>
-          <a:bodyPr>
-            <a:normAutofit/>
-          </a:bodyPr>
-          <a:lstStyle/>
-          <a:p>
-            <a:pPr marL="0" indent="0">
-              <a:buNone/>
-            </a:pPr>
-            <a:r>
-              <a:rPr lang="en-US" sz="2800" b="1" dirty="0">
-                <a:solidFill>
-                  <a:srgbClr val="C00000"/>
-                </a:solidFill>
-              </a:rPr>
-              <a:t>Roots</a:t>
-            </a:r>
-            <a:r>
-              <a:rPr lang="en-US" sz="2800" b="1" dirty="0"/>
-              <a:t> of a Quadratic Equation</a:t>
-            </a:r>
-          </a:p>
-          <a:p>
-            <a:r>
-              <a:rPr lang="en-US" sz="2400" dirty="0"/>
-              <a:t>The </a:t>
-            </a:r>
-            <a:r>
-              <a:rPr lang="en-US" sz="2400" b="1" dirty="0"/>
-              <a:t>roots</a:t>
-            </a:r>
-            <a:r>
-              <a:rPr lang="en-US" sz="2400" dirty="0"/>
-              <a:t> (also called </a:t>
-            </a:r>
-            <a:r>
-              <a:rPr lang="en-US" sz="2400" b="1" dirty="0"/>
-              <a:t>solutions</a:t>
-            </a:r>
-            <a:r>
-              <a:rPr lang="en-US" sz="2400" dirty="0"/>
-              <a:t> or </a:t>
-            </a:r>
-            <a:r>
-              <a:rPr lang="en-US" sz="2400" b="1" dirty="0"/>
-              <a:t>zeros</a:t>
-            </a:r>
-            <a:r>
-              <a:rPr lang="en-US" sz="2400" dirty="0"/>
-              <a:t>) of a quadratic equation are the </a:t>
-            </a:r>
-            <a:r>
-              <a:rPr lang="en-US" sz="2400" b="1" dirty="0"/>
-              <a:t>values of x</a:t>
-            </a:r>
-            <a:r>
-              <a:rPr lang="en-US" sz="2400" dirty="0"/>
-              <a:t> that make the equation </a:t>
-            </a:r>
-            <a:r>
-              <a:rPr lang="en-US" sz="2400" b="1" dirty="0"/>
-              <a:t>true</a:t>
-            </a:r>
-            <a:r>
-              <a:rPr lang="en-US" sz="2400" dirty="0"/>
-              <a:t> — that is, the values that satisfy</a:t>
-            </a:r>
-          </a:p>
-          <a:p>
-            <a:pPr marL="0" indent="0">
-              <a:buNone/>
-            </a:pPr>
-            <a:endParaRPr lang="en-US" sz="2400" dirty="0"/>
-          </a:p>
-          <a:p>
-            <a:pPr marL="0" indent="0">
-              <a:buNone/>
-            </a:pPr>
-            <a:endParaRPr lang="en-US" sz="2400" dirty="0"/>
-          </a:p>
-          <a:p>
-            <a:pPr marL="0" indent="0">
-              <a:buNone/>
-            </a:pPr>
-            <a:endParaRPr lang="en-US" sz="2400" dirty="0"/>
-          </a:p>
-          <a:p>
-            <a:pPr marL="0" indent="0">
-              <a:buNone/>
-            </a:pPr>
-            <a:endParaRPr lang="en-US" sz="2400" dirty="0"/>
-          </a:p>
-          <a:p>
-            <a:pPr marL="0" indent="0">
-              <a:buNone/>
-            </a:pPr>
-            <a:r>
-              <a:rPr lang="en-US" sz="2400" dirty="0"/>
-              <a:t>In other words, if you plug a root value into the equation, the result becomes </a:t>
-            </a:r>
-            <a:r>
-              <a:rPr lang="en-US" sz="2400" b="1" dirty="0"/>
-              <a:t>0</a:t>
-            </a:r>
-            <a:r>
-              <a:rPr lang="en-US" sz="2400" dirty="0"/>
-              <a:t>.</a:t>
-            </a:r>
-            <a:endParaRPr lang="en-IN" sz="2400" b="1" dirty="0"/>
-          </a:p>
-        </p:txBody>
-      </p:sp>
-      <p:pic>
-        <p:nvPicPr>
-          <p:cNvPr id="2" name="Picture 1">
-            <a:extLst>
-              <a:ext uri="{FF2B5EF4-FFF2-40B4-BE49-F238E27FC236}">
-                <a16:creationId xmlns:a16="http://schemas.microsoft.com/office/drawing/2014/main" id="{07BEEEE5-6C62-BEED-64E1-FADDBC406569}"/>
-              </a:ext>
-            </a:extLst>
-          </p:cNvPr>
-          <p:cNvPicPr>
-            <a:picLocks noChangeAspect="1"/>
-          </p:cNvPicPr>
-          <p:nvPr/>
-        </p:nvPicPr>
-        <p:blipFill>
-          <a:blip r:embed="rId2"/>
-          <a:stretch>
-            <a:fillRect/>
-          </a:stretch>
-        </p:blipFill>
-        <p:spPr>
-          <a:xfrm>
-            <a:off x="3182353" y="2536393"/>
-            <a:ext cx="3926019" cy="892607"/>
-          </a:xfrm>
-          <a:prstGeom prst="rect">
-            <a:avLst/>
-          </a:prstGeom>
-        </p:spPr>
-      </p:pic>
-    </p:spTree>
-    <p:extLst>
-      <p:ext uri="{BB962C8B-B14F-4D97-AF65-F5344CB8AC3E}">
-        <p14:creationId xmlns:p14="http://schemas.microsoft.com/office/powerpoint/2010/main" val="990130606"/>
-      </p:ext>
-    </p:extLst>
-  </p:cSld>
-  <p:clrMapOvr>
-    <a:masterClrMapping/>
-  </p:clrMapOvr>
-</p:sld>
-</file>
-
-<file path=ppt/slides/slide9.xml><?xml version="1.0" encoding="utf-8"?>
-<p:sld xmlns:a="http://schemas.openxmlformats.org/drawingml/2006/main" xmlns:r="http://schemas.openxmlformats.org/officeDocument/2006/relationships" xmlns:p="http://schemas.openxmlformats.org/presentationml/2006/main">
-  <p:cSld>
-    <p:spTree>
-      <p:nvGrpSpPr>
-        <p:cNvPr id="1" name="">
-          <a:extLst>
-            <a:ext uri="{FF2B5EF4-FFF2-40B4-BE49-F238E27FC236}">
-              <a16:creationId xmlns:a16="http://schemas.microsoft.com/office/drawing/2014/main" id="{CC8D9F2D-5751-65C6-9D42-344E852088A1}"/>
-            </a:ext>
-          </a:extLst>
-        </p:cNvPr>
-        <p:cNvGrpSpPr/>
-        <p:nvPr/>
-      </p:nvGrpSpPr>
-      <p:grpSpPr>
-        <a:xfrm>
-          <a:off x="0" y="0"/>
-          <a:ext cx="0" cy="0"/>
-          <a:chOff x="0" y="0"/>
-          <a:chExt cx="0" cy="0"/>
-        </a:xfrm>
-      </p:grpSpPr>
-      <p:sp>
-        <p:nvSpPr>
-          <p:cNvPr id="3" name="Content Placeholder 2">
-            <a:extLst>
-              <a:ext uri="{FF2B5EF4-FFF2-40B4-BE49-F238E27FC236}">
-                <a16:creationId xmlns:a16="http://schemas.microsoft.com/office/drawing/2014/main" id="{58AA7068-A9C5-C644-285D-6233678538AD}"/>
-              </a:ext>
-            </a:extLst>
-          </p:cNvPr>
-          <p:cNvSpPr>
-            <a:spLocks noGrp="1"/>
-          </p:cNvSpPr>
-          <p:nvPr>
-            <p:ph idx="1"/>
-          </p:nvPr>
-        </p:nvSpPr>
-        <p:spPr>
-          <a:xfrm>
-            <a:off x="702853" y="719137"/>
-            <a:ext cx="10900568" cy="5313801"/>
-          </a:xfrm>
-        </p:spPr>
-        <p:txBody>
-          <a:bodyPr>
-            <a:normAutofit/>
-          </a:bodyPr>
-          <a:lstStyle/>
-          <a:p>
-            <a:pPr marL="0" indent="0">
-              <a:buNone/>
-            </a:pPr>
-            <a:r>
-              <a:rPr lang="en-IN" sz="2400" b="1" dirty="0"/>
-              <a:t>Example Equation:</a:t>
-            </a:r>
-          </a:p>
-          <a:p>
-            <a:pPr marL="0" indent="0">
-              <a:buNone/>
-            </a:pPr>
-            <a:endParaRPr lang="en-IN" sz="2400" b="1" dirty="0"/>
-          </a:p>
-          <a:p>
-            <a:pPr marL="0" indent="0">
-              <a:buNone/>
-            </a:pPr>
-            <a:endParaRPr lang="en-IN" sz="2400" b="1" dirty="0"/>
-          </a:p>
-          <a:p>
-            <a:pPr marL="0" indent="0">
-              <a:buNone/>
-            </a:pPr>
-            <a:endParaRPr lang="en-IN" sz="2400" b="1" dirty="0"/>
-          </a:p>
-          <a:p>
-            <a:pPr marL="0" indent="0">
-              <a:buNone/>
-            </a:pPr>
-            <a:r>
-              <a:rPr lang="en-IN" sz="2400" dirty="0"/>
-              <a:t>Use the </a:t>
-            </a:r>
-            <a:r>
-              <a:rPr lang="en-IN" sz="2400" b="1" dirty="0"/>
-              <a:t>quadratic formula</a:t>
-            </a:r>
-            <a:r>
-              <a:rPr lang="en-IN" sz="2400" dirty="0"/>
-              <a:t>:</a:t>
-            </a:r>
-          </a:p>
-          <a:p>
-            <a:pPr marL="0" indent="0">
-              <a:buNone/>
-            </a:pPr>
-            <a:r>
-              <a:rPr lang="en-IN" sz="2400" b="1" dirty="0"/>
-              <a:t>	</a:t>
-            </a:r>
-          </a:p>
-          <a:p>
-            <a:pPr marL="0" indent="0">
-              <a:buNone/>
-            </a:pPr>
-            <a:endParaRPr lang="en-IN" sz="2400" b="1" dirty="0"/>
-          </a:p>
-          <a:p>
-            <a:pPr marL="0" indent="0">
-              <a:buNone/>
-            </a:pPr>
-            <a:r>
-              <a:rPr lang="en-IN" sz="2400" b="1" dirty="0"/>
-              <a:t>	 </a:t>
-            </a:r>
-          </a:p>
-        </p:txBody>
-      </p:sp>
-      <p:pic>
-        <p:nvPicPr>
-          <p:cNvPr id="4" name="Picture 3">
-            <a:extLst>
-              <a:ext uri="{FF2B5EF4-FFF2-40B4-BE49-F238E27FC236}">
-                <a16:creationId xmlns:a16="http://schemas.microsoft.com/office/drawing/2014/main" id="{52ABA3B7-0440-80A0-519A-5001E8562AAB}"/>
-              </a:ext>
-            </a:extLst>
-          </p:cNvPr>
-          <p:cNvPicPr>
-            <a:picLocks noChangeAspect="1"/>
-          </p:cNvPicPr>
-          <p:nvPr/>
-        </p:nvPicPr>
-        <p:blipFill>
-          <a:blip r:embed="rId2"/>
-          <a:srcRect t="26414"/>
-          <a:stretch>
-            <a:fillRect/>
-          </a:stretch>
-        </p:blipFill>
-        <p:spPr>
-          <a:xfrm>
-            <a:off x="3268742" y="1393372"/>
-            <a:ext cx="3741658" cy="672324"/>
-          </a:xfrm>
-          <a:prstGeom prst="rect">
-            <a:avLst/>
-          </a:prstGeom>
-        </p:spPr>
-      </p:pic>
-      <p:pic>
-        <p:nvPicPr>
-          <p:cNvPr id="6" name="Picture 5">
-            <a:extLst>
-              <a:ext uri="{FF2B5EF4-FFF2-40B4-BE49-F238E27FC236}">
-                <a16:creationId xmlns:a16="http://schemas.microsoft.com/office/drawing/2014/main" id="{B7300BC0-E90F-D89A-65D9-1F59580F5A46}"/>
-              </a:ext>
-            </a:extLst>
-          </p:cNvPr>
-          <p:cNvPicPr>
-            <a:picLocks noChangeAspect="1"/>
-          </p:cNvPicPr>
-          <p:nvPr/>
-        </p:nvPicPr>
-        <p:blipFill>
-          <a:blip r:embed="rId3"/>
-          <a:stretch>
-            <a:fillRect/>
-          </a:stretch>
-        </p:blipFill>
-        <p:spPr>
-          <a:xfrm>
-            <a:off x="3268742" y="3420876"/>
-            <a:ext cx="4180952" cy="1371429"/>
-          </a:xfrm>
-          <a:prstGeom prst="rect">
-            <a:avLst/>
-          </a:prstGeom>
-        </p:spPr>
-      </p:pic>
-    </p:spTree>
-    <p:extLst>
-      <p:ext uri="{BB962C8B-B14F-4D97-AF65-F5344CB8AC3E}">
-        <p14:creationId xmlns:p14="http://schemas.microsoft.com/office/powerpoint/2010/main" val="3565974744"/>
       </p:ext>
     </p:extLst>
   </p:cSld>

--- a/Lab Programs.pptx
+++ b/Lab Programs.pptx
@@ -5,38 +5,44 @@
     <p:sldMasterId id="2147483710" r:id="rId1"/>
   </p:sldMasterIdLst>
   <p:notesMasterIdLst>
-    <p:notesMasterId r:id="rId31"/>
+    <p:notesMasterId r:id="rId37"/>
   </p:notesMasterIdLst>
   <p:sldIdLst>
     <p:sldId id="418" r:id="rId2"/>
     <p:sldId id="499" r:id="rId3"/>
-    <p:sldId id="500" r:id="rId4"/>
-    <p:sldId id="523" r:id="rId5"/>
-    <p:sldId id="524" r:id="rId6"/>
-    <p:sldId id="525" r:id="rId7"/>
-    <p:sldId id="526" r:id="rId8"/>
-    <p:sldId id="522" r:id="rId9"/>
-    <p:sldId id="521" r:id="rId10"/>
-    <p:sldId id="520" r:id="rId11"/>
-    <p:sldId id="501" r:id="rId12"/>
-    <p:sldId id="502" r:id="rId13"/>
-    <p:sldId id="503" r:id="rId14"/>
-    <p:sldId id="504" r:id="rId15"/>
-    <p:sldId id="505" r:id="rId16"/>
-    <p:sldId id="506" r:id="rId17"/>
-    <p:sldId id="508" r:id="rId18"/>
-    <p:sldId id="509" r:id="rId19"/>
-    <p:sldId id="507" r:id="rId20"/>
-    <p:sldId id="514" r:id="rId21"/>
-    <p:sldId id="510" r:id="rId22"/>
-    <p:sldId id="511" r:id="rId23"/>
-    <p:sldId id="512" r:id="rId24"/>
-    <p:sldId id="513" r:id="rId25"/>
-    <p:sldId id="519" r:id="rId26"/>
-    <p:sldId id="516" r:id="rId27"/>
-    <p:sldId id="517" r:id="rId28"/>
-    <p:sldId id="518" r:id="rId29"/>
-    <p:sldId id="515" r:id="rId30"/>
+    <p:sldId id="532" r:id="rId4"/>
+    <p:sldId id="500" r:id="rId5"/>
+    <p:sldId id="530" r:id="rId6"/>
+    <p:sldId id="531" r:id="rId7"/>
+    <p:sldId id="529" r:id="rId8"/>
+    <p:sldId id="528" r:id="rId9"/>
+    <p:sldId id="527" r:id="rId10"/>
+    <p:sldId id="523" r:id="rId11"/>
+    <p:sldId id="524" r:id="rId12"/>
+    <p:sldId id="525" r:id="rId13"/>
+    <p:sldId id="526" r:id="rId14"/>
+    <p:sldId id="522" r:id="rId15"/>
+    <p:sldId id="521" r:id="rId16"/>
+    <p:sldId id="520" r:id="rId17"/>
+    <p:sldId id="501" r:id="rId18"/>
+    <p:sldId id="502" r:id="rId19"/>
+    <p:sldId id="503" r:id="rId20"/>
+    <p:sldId id="504" r:id="rId21"/>
+    <p:sldId id="505" r:id="rId22"/>
+    <p:sldId id="506" r:id="rId23"/>
+    <p:sldId id="508" r:id="rId24"/>
+    <p:sldId id="509" r:id="rId25"/>
+    <p:sldId id="507" r:id="rId26"/>
+    <p:sldId id="514" r:id="rId27"/>
+    <p:sldId id="510" r:id="rId28"/>
+    <p:sldId id="511" r:id="rId29"/>
+    <p:sldId id="512" r:id="rId30"/>
+    <p:sldId id="513" r:id="rId31"/>
+    <p:sldId id="519" r:id="rId32"/>
+    <p:sldId id="516" r:id="rId33"/>
+    <p:sldId id="517" r:id="rId34"/>
+    <p:sldId id="518" r:id="rId35"/>
+    <p:sldId id="515" r:id="rId36"/>
   </p:sldIdLst>
   <p:sldSz cx="12192000" cy="6858000"/>
   <p:notesSz cx="6858000" cy="9144000"/>
@@ -146,7 +152,7 @@
 <file path=ppt/revisionInfo.xml><?xml version="1.0" encoding="utf-8"?>
 <p1510:revInfo xmlns:a="http://schemas.openxmlformats.org/drawingml/2006/main" xmlns:r="http://schemas.openxmlformats.org/officeDocument/2006/relationships" xmlns:p1510="http://schemas.microsoft.com/office/powerpoint/2015/10/main">
   <p1510:revLst>
-    <p1510:client id="{00C1E189-9CBC-4E80-A29D-FE55FB48779C}" v="18" dt="2025-11-26T19:45:56.160"/>
+    <p1510:client id="{00C1E189-9CBC-4E80-A29D-FE55FB48779C}" v="9" dt="2025-11-28T18:17:29.167"/>
   </p1510:revLst>
 </p1510:revInfo>
 </file>
@@ -156,18 +162,18 @@
   <pc:docChgLst>
     <pc:chgData name="Pramod Naik" userId="ceb6df04-ef15-4d9b-a141-998a03559d75" providerId="ADAL" clId="{62E9B5AE-779D-4001-92D3-8FF830A8A9C1}"/>
     <pc:docChg chg="undo custSel addSld delSld modSld sldOrd">
-      <pc:chgData name="Pramod Naik" userId="ceb6df04-ef15-4d9b-a141-998a03559d75" providerId="ADAL" clId="{62E9B5AE-779D-4001-92D3-8FF830A8A9C1}" dt="2025-11-26T19:46:46.703" v="377" actId="47"/>
+      <pc:chgData name="Pramod Naik" userId="ceb6df04-ef15-4d9b-a141-998a03559d75" providerId="ADAL" clId="{62E9B5AE-779D-4001-92D3-8FF830A8A9C1}" dt="2025-11-28T18:21:19.492" v="456"/>
       <pc:docMkLst>
         <pc:docMk/>
       </pc:docMkLst>
-      <pc:sldChg chg="modSp mod">
-        <pc:chgData name="Pramod Naik" userId="ceb6df04-ef15-4d9b-a141-998a03559d75" providerId="ADAL" clId="{62E9B5AE-779D-4001-92D3-8FF830A8A9C1}" dt="2025-11-26T19:35:41.822" v="231" actId="108"/>
+      <pc:sldChg chg="modSp mod ord">
+        <pc:chgData name="Pramod Naik" userId="ceb6df04-ef15-4d9b-a141-998a03559d75" providerId="ADAL" clId="{62E9B5AE-779D-4001-92D3-8FF830A8A9C1}" dt="2025-11-28T18:21:19.492" v="456"/>
         <pc:sldMkLst>
           <pc:docMk/>
           <pc:sldMk cId="900395705" sldId="500"/>
         </pc:sldMkLst>
         <pc:spChg chg="mod">
-          <ac:chgData name="Pramod Naik" userId="ceb6df04-ef15-4d9b-a141-998a03559d75" providerId="ADAL" clId="{62E9B5AE-779D-4001-92D3-8FF830A8A9C1}" dt="2025-11-26T19:35:41.822" v="231" actId="108"/>
+          <ac:chgData name="Pramod Naik" userId="ceb6df04-ef15-4d9b-a141-998a03559d75" providerId="ADAL" clId="{62E9B5AE-779D-4001-92D3-8FF830A8A9C1}" dt="2025-11-28T18:15:16.170" v="418" actId="207"/>
           <ac:spMkLst>
             <pc:docMk/>
             <pc:sldMk cId="900395705" sldId="500"/>
@@ -234,21 +240,6 @@
             <ac:graphicFrameMk id="2" creationId="{D440493D-7B73-F2DC-80F1-8791089B5021}"/>
           </ac:graphicFrameMkLst>
         </pc:graphicFrameChg>
-        <pc:picChg chg="del">
-          <ac:chgData name="Pramod Naik" userId="ceb6df04-ef15-4d9b-a141-998a03559d75" providerId="ADAL" clId="{62E9B5AE-779D-4001-92D3-8FF830A8A9C1}" dt="2025-11-26T19:35:55.816" v="234" actId="478"/>
-          <ac:picMkLst>
-            <pc:docMk/>
-            <pc:sldMk cId="2147554994" sldId="523"/>
-            <ac:picMk id="5" creationId="{F050ACA9-CC35-F98C-6105-78943775A933}"/>
-          </ac:picMkLst>
-        </pc:picChg>
-      </pc:sldChg>
-      <pc:sldChg chg="add del">
-        <pc:chgData name="Pramod Naik" userId="ceb6df04-ef15-4d9b-a141-998a03559d75" providerId="ADAL" clId="{62E9B5AE-779D-4001-92D3-8FF830A8A9C1}" dt="2025-11-26T19:35:11.159" v="222"/>
-        <pc:sldMkLst>
-          <pc:docMk/>
-          <pc:sldMk cId="2636913653" sldId="523"/>
-        </pc:sldMkLst>
       </pc:sldChg>
       <pc:sldChg chg="addSp modSp add mod">
         <pc:chgData name="Pramod Naik" userId="ceb6df04-ef15-4d9b-a141-998a03559d75" providerId="ADAL" clId="{62E9B5AE-779D-4001-92D3-8FF830A8A9C1}" dt="2025-11-26T19:44:41.679" v="358" actId="207"/>
@@ -303,11 +294,95 @@
           <pc:sldMk cId="3927394895" sldId="526"/>
         </pc:sldMkLst>
       </pc:sldChg>
-      <pc:sldChg chg="add del">
-        <pc:chgData name="Pramod Naik" userId="ceb6df04-ef15-4d9b-a141-998a03559d75" providerId="ADAL" clId="{62E9B5AE-779D-4001-92D3-8FF830A8A9C1}" dt="2025-11-26T19:46:46.703" v="377" actId="47"/>
+      <pc:sldChg chg="addSp delSp modSp new mod">
+        <pc:chgData name="Pramod Naik" userId="ceb6df04-ef15-4d9b-a141-998a03559d75" providerId="ADAL" clId="{62E9B5AE-779D-4001-92D3-8FF830A8A9C1}" dt="2025-11-28T18:10:39.013" v="403" actId="14734"/>
         <pc:sldMkLst>
           <pc:docMk/>
-          <pc:sldMk cId="2978404243" sldId="527"/>
+          <pc:sldMk cId="1306837645" sldId="528"/>
+        </pc:sldMkLst>
+        <pc:spChg chg="del">
+          <ac:chgData name="Pramod Naik" userId="ceb6df04-ef15-4d9b-a141-998a03559d75" providerId="ADAL" clId="{62E9B5AE-779D-4001-92D3-8FF830A8A9C1}" dt="2025-11-28T18:08:32.164" v="379" actId="478"/>
+          <ac:spMkLst>
+            <pc:docMk/>
+            <pc:sldMk cId="1306837645" sldId="528"/>
+            <ac:spMk id="2" creationId="{E2F892CC-27DA-5FB0-EC7B-B3C412762839}"/>
+          </ac:spMkLst>
+        </pc:spChg>
+        <pc:spChg chg="mod">
+          <ac:chgData name="Pramod Naik" userId="ceb6df04-ef15-4d9b-a141-998a03559d75" providerId="ADAL" clId="{62E9B5AE-779D-4001-92D3-8FF830A8A9C1}" dt="2025-11-28T18:10:21.388" v="396" actId="14100"/>
+          <ac:spMkLst>
+            <pc:docMk/>
+            <pc:sldMk cId="1306837645" sldId="528"/>
+            <ac:spMk id="3" creationId="{C499B44F-81D6-BA8D-4D29-16FE244A663B}"/>
+          </ac:spMkLst>
+        </pc:spChg>
+        <pc:graphicFrameChg chg="add mod modGraphic">
+          <ac:chgData name="Pramod Naik" userId="ceb6df04-ef15-4d9b-a141-998a03559d75" providerId="ADAL" clId="{62E9B5AE-779D-4001-92D3-8FF830A8A9C1}" dt="2025-11-28T18:10:39.013" v="403" actId="14734"/>
+          <ac:graphicFrameMkLst>
+            <pc:docMk/>
+            <pc:sldMk cId="1306837645" sldId="528"/>
+            <ac:graphicFrameMk id="4" creationId="{824AB1B3-2C08-4195-436C-E4B3E5BFC764}"/>
+          </ac:graphicFrameMkLst>
+        </pc:graphicFrameChg>
+      </pc:sldChg>
+      <pc:sldChg chg="add">
+        <pc:chgData name="Pramod Naik" userId="ceb6df04-ef15-4d9b-a141-998a03559d75" providerId="ADAL" clId="{62E9B5AE-779D-4001-92D3-8FF830A8A9C1}" dt="2025-11-28T18:10:44.797" v="404"/>
+        <pc:sldMkLst>
+          <pc:docMk/>
+          <pc:sldMk cId="2168020058" sldId="529"/>
+        </pc:sldMkLst>
+      </pc:sldChg>
+      <pc:sldChg chg="delSp modSp new mod">
+        <pc:chgData name="Pramod Naik" userId="ceb6df04-ef15-4d9b-a141-998a03559d75" providerId="ADAL" clId="{62E9B5AE-779D-4001-92D3-8FF830A8A9C1}" dt="2025-11-28T18:16:33.113" v="440" actId="403"/>
+        <pc:sldMkLst>
+          <pc:docMk/>
+          <pc:sldMk cId="254163670" sldId="530"/>
+        </pc:sldMkLst>
+        <pc:spChg chg="del">
+          <ac:chgData name="Pramod Naik" userId="ceb6df04-ef15-4d9b-a141-998a03559d75" providerId="ADAL" clId="{62E9B5AE-779D-4001-92D3-8FF830A8A9C1}" dt="2025-11-28T18:15:23.471" v="420" actId="478"/>
+          <ac:spMkLst>
+            <pc:docMk/>
+            <pc:sldMk cId="254163670" sldId="530"/>
+            <ac:spMk id="2" creationId="{60783E50-B1B3-E330-DC89-E9431561133E}"/>
+          </ac:spMkLst>
+        </pc:spChg>
+        <pc:spChg chg="mod">
+          <ac:chgData name="Pramod Naik" userId="ceb6df04-ef15-4d9b-a141-998a03559d75" providerId="ADAL" clId="{62E9B5AE-779D-4001-92D3-8FF830A8A9C1}" dt="2025-11-28T18:16:33.113" v="440" actId="403"/>
+          <ac:spMkLst>
+            <pc:docMk/>
+            <pc:sldMk cId="254163670" sldId="530"/>
+            <ac:spMk id="3" creationId="{AA904E13-9852-B679-989E-25658277871E}"/>
+          </ac:spMkLst>
+        </pc:spChg>
+      </pc:sldChg>
+      <pc:sldChg chg="addSp modSp add mod">
+        <pc:chgData name="Pramod Naik" userId="ceb6df04-ef15-4d9b-a141-998a03559d75" providerId="ADAL" clId="{62E9B5AE-779D-4001-92D3-8FF830A8A9C1}" dt="2025-11-28T18:21:12.025" v="452" actId="1076"/>
+        <pc:sldMkLst>
+          <pc:docMk/>
+          <pc:sldMk cId="3512771270" sldId="531"/>
+        </pc:sldMkLst>
+        <pc:spChg chg="mod">
+          <ac:chgData name="Pramod Naik" userId="ceb6df04-ef15-4d9b-a141-998a03559d75" providerId="ADAL" clId="{62E9B5AE-779D-4001-92D3-8FF830A8A9C1}" dt="2025-11-28T18:20:35.428" v="448" actId="403"/>
+          <ac:spMkLst>
+            <pc:docMk/>
+            <pc:sldMk cId="3512771270" sldId="531"/>
+            <ac:spMk id="3" creationId="{0EA2D1E7-2EF1-5514-F589-E4597A2708BD}"/>
+          </ac:spMkLst>
+        </pc:spChg>
+        <pc:picChg chg="add mod">
+          <ac:chgData name="Pramod Naik" userId="ceb6df04-ef15-4d9b-a141-998a03559d75" providerId="ADAL" clId="{62E9B5AE-779D-4001-92D3-8FF830A8A9C1}" dt="2025-11-28T18:21:12.025" v="452" actId="1076"/>
+          <ac:picMkLst>
+            <pc:docMk/>
+            <pc:sldMk cId="3512771270" sldId="531"/>
+            <ac:picMk id="4" creationId="{77423CB5-FF2A-5ECD-E5C6-E685701CA746}"/>
+          </ac:picMkLst>
+        </pc:picChg>
+      </pc:sldChg>
+      <pc:sldChg chg="add ord">
+        <pc:chgData name="Pramod Naik" userId="ceb6df04-ef15-4d9b-a141-998a03559d75" providerId="ADAL" clId="{62E9B5AE-779D-4001-92D3-8FF830A8A9C1}" dt="2025-11-28T18:21:16.136" v="454"/>
+        <pc:sldMkLst>
+          <pc:docMk/>
+          <pc:sldMk cId="4112291260" sldId="532"/>
         </pc:sldMkLst>
       </pc:sldChg>
     </pc:docChg>
@@ -397,7 +472,7 @@
           <a:p>
             <a:fld id="{61532AF1-4615-4667-912A-829B12F8C4D2}" type="datetimeFigureOut">
               <a:rPr lang="en-IN" smtClean="0"/>
-              <a:t>27-11-2025</a:t>
+              <a:t>28-11-2025</a:t>
             </a:fld>
             <a:endParaRPr lang="en-IN"/>
           </a:p>
@@ -814,7 +889,7 @@
           <a:p>
             <a:fld id="{C43A76A3-ADC8-4477-8FC1-B9DD55D84908}" type="datetime1">
               <a:rPr lang="en-US" smtClean="0"/>
-              <a:t>11/27/2025</a:t>
+              <a:t>11/28/2025</a:t>
             </a:fld>
             <a:endParaRPr lang="en-US" dirty="0"/>
           </a:p>
@@ -1012,7 +1087,7 @@
           <a:p>
             <a:fld id="{D6762538-DC4D-4667-96E5-B3278DDF8B12}" type="datetime1">
               <a:rPr lang="en-US" smtClean="0"/>
-              <a:t>11/27/2025</a:t>
+              <a:t>11/28/2025</a:t>
             </a:fld>
             <a:endParaRPr lang="en-US"/>
           </a:p>
@@ -1220,7 +1295,7 @@
           <a:p>
             <a:fld id="{05880548-5C08-4BE3-B63E-F2BB63B0B00C}" type="datetime1">
               <a:rPr lang="en-US" smtClean="0"/>
-              <a:t>11/27/2025</a:t>
+              <a:t>11/28/2025</a:t>
             </a:fld>
             <a:endParaRPr lang="en-US"/>
           </a:p>
@@ -1418,7 +1493,7 @@
           <a:p>
             <a:fld id="{DE7F49BE-398D-479A-8A7E-5DDBCA61EDCB}" type="datetime1">
               <a:rPr lang="en-US" smtClean="0"/>
-              <a:t>11/27/2025</a:t>
+              <a:t>11/28/2025</a:t>
             </a:fld>
             <a:endParaRPr lang="en-US" dirty="0"/>
           </a:p>
@@ -1694,7 +1769,7 @@
           <a:p>
             <a:fld id="{CCD0C193-4974-4A1F-9C63-07D595E30D66}" type="datetime1">
               <a:rPr lang="en-US" smtClean="0"/>
-              <a:t>11/27/2025</a:t>
+              <a:t>11/28/2025</a:t>
             </a:fld>
             <a:endParaRPr lang="en-US"/>
           </a:p>
@@ -1961,7 +2036,7 @@
           <a:p>
             <a:fld id="{701AA87F-28D4-4BF0-B81F-877A89DFD5AC}" type="datetime1">
               <a:rPr lang="en-US" smtClean="0"/>
-              <a:t>11/27/2025</a:t>
+              <a:t>11/28/2025</a:t>
             </a:fld>
             <a:endParaRPr lang="en-US"/>
           </a:p>
@@ -2375,7 +2450,7 @@
           <a:p>
             <a:fld id="{A8A9F1F3-208B-49A3-B337-9C8ACEB3E0E1}" type="datetime1">
               <a:rPr lang="en-US" smtClean="0"/>
-              <a:t>11/27/2025</a:t>
+              <a:t>11/28/2025</a:t>
             </a:fld>
             <a:endParaRPr lang="en-US"/>
           </a:p>
@@ -2522,7 +2597,7 @@
           <a:p>
             <a:fld id="{27AF6CA6-7293-4AA2-A0E0-A3BF4416E786}" type="datetime1">
               <a:rPr lang="en-US" smtClean="0"/>
-              <a:t>11/27/2025</a:t>
+              <a:t>11/28/2025</a:t>
             </a:fld>
             <a:endParaRPr lang="en-US"/>
           </a:p>
@@ -2635,7 +2710,7 @@
           <a:p>
             <a:fld id="{98D87016-7BCD-46FB-8EE3-AB6C369108B4}" type="datetime1">
               <a:rPr lang="en-US" smtClean="0"/>
-              <a:t>11/27/2025</a:t>
+              <a:t>11/28/2025</a:t>
             </a:fld>
             <a:endParaRPr lang="en-US"/>
           </a:p>
@@ -2954,7 +3029,7 @@
           <a:p>
             <a:fld id="{A1547011-1FFC-4EF8-9A2E-53B4AD2ADBD4}" type="datetime1">
               <a:rPr lang="en-US" smtClean="0"/>
-              <a:t>11/27/2025</a:t>
+              <a:t>11/28/2025</a:t>
             </a:fld>
             <a:endParaRPr lang="en-US"/>
           </a:p>
@@ -3249,7 +3324,7 @@
           <a:p>
             <a:fld id="{9562EB47-45B4-4EF5-A743-B4885DD2F060}" type="datetime1">
               <a:rPr lang="en-US" smtClean="0"/>
-              <a:t>11/27/2025</a:t>
+              <a:t>11/28/2025</a:t>
             </a:fld>
             <a:endParaRPr lang="en-US"/>
           </a:p>
@@ -4634,7 +4709,7 @@
           <a:p>
             <a:fld id="{4A8D24A4-5FEC-4062-8995-EB21925B3B40}" type="datetime1">
               <a:rPr lang="en-US" smtClean="0"/>
-              <a:t>11/27/2025</a:t>
+              <a:t>11/28/2025</a:t>
             </a:fld>
             <a:endParaRPr lang="en-US" sz="1000" dirty="0"/>
           </a:p>
@@ -5368,6 +5443,2473 @@
         <p:cNvPr id="1" name="">
           <a:extLst>
             <a:ext uri="{FF2B5EF4-FFF2-40B4-BE49-F238E27FC236}">
+              <a16:creationId xmlns:a16="http://schemas.microsoft.com/office/drawing/2014/main" id="{A6B6B878-5D10-E774-944B-E2AA7AA1456F}"/>
+            </a:ext>
+          </a:extLst>
+        </p:cNvPr>
+        <p:cNvGrpSpPr/>
+        <p:nvPr/>
+      </p:nvGrpSpPr>
+      <p:grpSpPr>
+        <a:xfrm>
+          <a:off x="0" y="0"/>
+          <a:ext cx="0" cy="0"/>
+          <a:chOff x="0" y="0"/>
+          <a:chExt cx="0" cy="0"/>
+        </a:xfrm>
+      </p:grpSpPr>
+      <p:sp>
+        <p:nvSpPr>
+          <p:cNvPr id="3" name="Content Placeholder 2">
+            <a:extLst>
+              <a:ext uri="{FF2B5EF4-FFF2-40B4-BE49-F238E27FC236}">
+                <a16:creationId xmlns:a16="http://schemas.microsoft.com/office/drawing/2014/main" id="{C3ADC201-F9EC-B490-AE30-DB2AF5B8AFFC}"/>
+              </a:ext>
+            </a:extLst>
+          </p:cNvPr>
+          <p:cNvSpPr>
+            <a:spLocks noGrp="1"/>
+          </p:cNvSpPr>
+          <p:nvPr>
+            <p:ph idx="1"/>
+          </p:nvPr>
+        </p:nvSpPr>
+        <p:spPr>
+          <a:xfrm>
+            <a:off x="777240" y="740229"/>
+            <a:ext cx="10659110" cy="5436734"/>
+          </a:xfrm>
+        </p:spPr>
+        <p:txBody>
+          <a:bodyPr>
+            <a:normAutofit lnSpcReduction="10000"/>
+          </a:bodyPr>
+          <a:lstStyle/>
+          <a:p>
+            <a:pPr marL="0" indent="0">
+              <a:buNone/>
+            </a:pPr>
+            <a:r>
+              <a:rPr lang="en-US" sz="2800" b="1" dirty="0"/>
+              <a:t>What is a Matrix?</a:t>
+            </a:r>
+          </a:p>
+          <a:p>
+            <a:r>
+              <a:rPr lang="en-US" sz="2800" dirty="0"/>
+              <a:t>A matrix is like a table of numbers arranged in </a:t>
+            </a:r>
+            <a:r>
+              <a:rPr lang="en-US" sz="2800" b="1" dirty="0"/>
+              <a:t>rows</a:t>
+            </a:r>
+            <a:r>
+              <a:rPr lang="en-US" sz="2800" dirty="0"/>
+              <a:t> and </a:t>
+            </a:r>
+            <a:r>
+              <a:rPr lang="en-US" sz="2800" b="1" dirty="0"/>
+              <a:t>columns</a:t>
+            </a:r>
+            <a:r>
+              <a:rPr lang="en-US" sz="2800" dirty="0"/>
+              <a:t>.</a:t>
+            </a:r>
+          </a:p>
+          <a:p>
+            <a:r>
+              <a:rPr lang="en-US" sz="2800" b="1" dirty="0"/>
+              <a:t>Example:</a:t>
+            </a:r>
+          </a:p>
+          <a:p>
+            <a:endParaRPr lang="en-US" sz="2800" b="1" dirty="0"/>
+          </a:p>
+          <a:p>
+            <a:endParaRPr lang="en-US" sz="2800" b="1" dirty="0"/>
+          </a:p>
+          <a:p>
+            <a:endParaRPr lang="en-US" sz="2800" b="1" dirty="0"/>
+          </a:p>
+          <a:p>
+            <a:endParaRPr lang="en-US" sz="2800" b="1" dirty="0"/>
+          </a:p>
+          <a:p>
+            <a:endParaRPr lang="en-US" sz="2800" b="1" dirty="0"/>
+          </a:p>
+          <a:p>
+            <a:r>
+              <a:rPr lang="en-US" sz="2800" b="1" dirty="0"/>
+              <a:t>Here, this matrix has:</a:t>
+            </a:r>
+          </a:p>
+          <a:p>
+            <a:pPr lvl="1">
+              <a:buFont typeface="Courier New" panose="02070309020205020404" pitchFamily="49" charset="0"/>
+              <a:buChar char="o"/>
+            </a:pPr>
+            <a:r>
+              <a:rPr lang="en-US" sz="2800" dirty="0"/>
+              <a:t>2 rows</a:t>
+            </a:r>
+          </a:p>
+          <a:p>
+            <a:pPr lvl="1">
+              <a:buFont typeface="Courier New" panose="02070309020205020404" pitchFamily="49" charset="0"/>
+              <a:buChar char="o"/>
+            </a:pPr>
+            <a:r>
+              <a:rPr lang="en-US" sz="2800" dirty="0"/>
+              <a:t>3 columns</a:t>
+            </a:r>
+          </a:p>
+          <a:p>
+            <a:endParaRPr lang="en-US" sz="2400" b="1" dirty="0"/>
+          </a:p>
+          <a:p>
+            <a:pPr marL="0" indent="0">
+              <a:buNone/>
+            </a:pPr>
+            <a:endParaRPr lang="en-IN" sz="2400" dirty="0"/>
+          </a:p>
+        </p:txBody>
+      </p:sp>
+      <p:graphicFrame>
+        <p:nvGraphicFramePr>
+          <p:cNvPr id="2" name="Table 1">
+            <a:extLst>
+              <a:ext uri="{FF2B5EF4-FFF2-40B4-BE49-F238E27FC236}">
+                <a16:creationId xmlns:a16="http://schemas.microsoft.com/office/drawing/2014/main" id="{D440493D-7B73-F2DC-80F1-8791089B5021}"/>
+              </a:ext>
+            </a:extLst>
+          </p:cNvPr>
+          <p:cNvGraphicFramePr>
+            <a:graphicFrameLocks noGrp="1"/>
+          </p:cNvGraphicFramePr>
+          <p:nvPr>
+            <p:extLst>
+              <p:ext uri="{D42A27DB-BD31-4B8C-83A1-F6EECF244321}">
+                <p14:modId xmlns:p14="http://schemas.microsoft.com/office/powerpoint/2010/main" val="589353623"/>
+              </p:ext>
+            </p:extLst>
+          </p:nvPr>
+        </p:nvGraphicFramePr>
+        <p:xfrm>
+          <a:off x="2906407" y="2210230"/>
+          <a:ext cx="2373163" cy="1490912"/>
+        </p:xfrm>
+        <a:graphic>
+          <a:graphicData uri="http://schemas.openxmlformats.org/drawingml/2006/table">
+            <a:tbl>
+              <a:tblPr/>
+              <a:tblGrid>
+                <a:gridCol w="863086">
+                  <a:extLst>
+                    <a:ext uri="{9D8B030D-6E8A-4147-A177-3AD203B41FA5}">
+                      <a16:colId xmlns:a16="http://schemas.microsoft.com/office/drawing/2014/main" val="2306715820"/>
+                    </a:ext>
+                  </a:extLst>
+                </a:gridCol>
+                <a:gridCol w="863086">
+                  <a:extLst>
+                    <a:ext uri="{9D8B030D-6E8A-4147-A177-3AD203B41FA5}">
+                      <a16:colId xmlns:a16="http://schemas.microsoft.com/office/drawing/2014/main" val="2346520885"/>
+                    </a:ext>
+                  </a:extLst>
+                </a:gridCol>
+                <a:gridCol w="646991">
+                  <a:extLst>
+                    <a:ext uri="{9D8B030D-6E8A-4147-A177-3AD203B41FA5}">
+                      <a16:colId xmlns:a16="http://schemas.microsoft.com/office/drawing/2014/main" val="147346925"/>
+                    </a:ext>
+                  </a:extLst>
+                </a:gridCol>
+              </a:tblGrid>
+              <a:tr h="745456">
+                <a:tc>
+                  <a:txBody>
+                    <a:bodyPr/>
+                    <a:lstStyle/>
+                    <a:p>
+                      <a:pPr marL="0" marR="0" fontAlgn="t">
+                        <a:buNone/>
+                      </a:pPr>
+                      <a:r>
+                        <a:rPr lang="en-IN" sz="4000" b="1" dirty="0">
+                          <a:effectLst/>
+                          <a:latin typeface="+mj-lt"/>
+                        </a:rPr>
+                        <a:t>1</a:t>
+                      </a:r>
+                      <a:endParaRPr lang="en-IN" sz="4000" dirty="0">
+                        <a:effectLst/>
+                        <a:latin typeface="+mj-lt"/>
+                      </a:endParaRPr>
+                    </a:p>
+                  </a:txBody>
+                  <a:tcPr marL="50800" marR="50800" marT="50800" marB="50800">
+                    <a:lnL w="12700" cap="flat" cmpd="sng" algn="ctr">
+                      <a:solidFill>
+                        <a:srgbClr val="A3A3A3"/>
+                      </a:solidFill>
+                      <a:prstDash val="solid"/>
+                      <a:round/>
+                      <a:headEnd type="none" w="med" len="med"/>
+                      <a:tailEnd type="none" w="med" len="med"/>
+                    </a:lnL>
+                    <a:lnR w="12700" cap="flat" cmpd="sng" algn="ctr">
+                      <a:solidFill>
+                        <a:srgbClr val="A3A3A3"/>
+                      </a:solidFill>
+                      <a:prstDash val="solid"/>
+                      <a:round/>
+                      <a:headEnd type="none" w="med" len="med"/>
+                      <a:tailEnd type="none" w="med" len="med"/>
+                    </a:lnR>
+                    <a:lnT w="12700" cap="flat" cmpd="sng" algn="ctr">
+                      <a:solidFill>
+                        <a:srgbClr val="A3A3A3"/>
+                      </a:solidFill>
+                      <a:prstDash val="solid"/>
+                      <a:round/>
+                      <a:headEnd type="none" w="med" len="med"/>
+                      <a:tailEnd type="none" w="med" len="med"/>
+                    </a:lnT>
+                    <a:lnB w="12700" cap="flat" cmpd="sng" algn="ctr">
+                      <a:solidFill>
+                        <a:srgbClr val="A3A3A3"/>
+                      </a:solidFill>
+                      <a:prstDash val="solid"/>
+                      <a:round/>
+                      <a:headEnd type="none" w="med" len="med"/>
+                      <a:tailEnd type="none" w="med" len="med"/>
+                    </a:lnB>
+                    <a:noFill/>
+                  </a:tcPr>
+                </a:tc>
+                <a:tc>
+                  <a:txBody>
+                    <a:bodyPr/>
+                    <a:lstStyle/>
+                    <a:p>
+                      <a:pPr marL="0" marR="0" fontAlgn="t">
+                        <a:buNone/>
+                      </a:pPr>
+                      <a:r>
+                        <a:rPr lang="en-IN" sz="4000" b="1">
+                          <a:effectLst/>
+                          <a:latin typeface="+mj-lt"/>
+                        </a:rPr>
+                        <a:t>2</a:t>
+                      </a:r>
+                      <a:endParaRPr lang="en-IN" sz="4000">
+                        <a:effectLst/>
+                        <a:latin typeface="+mj-lt"/>
+                      </a:endParaRPr>
+                    </a:p>
+                  </a:txBody>
+                  <a:tcPr marL="50800" marR="50800" marT="50800" marB="50800">
+                    <a:lnL w="12700" cap="flat" cmpd="sng" algn="ctr">
+                      <a:solidFill>
+                        <a:srgbClr val="A3A3A3"/>
+                      </a:solidFill>
+                      <a:prstDash val="solid"/>
+                      <a:round/>
+                      <a:headEnd type="none" w="med" len="med"/>
+                      <a:tailEnd type="none" w="med" len="med"/>
+                    </a:lnL>
+                    <a:lnR w="12700" cap="flat" cmpd="sng" algn="ctr">
+                      <a:solidFill>
+                        <a:srgbClr val="A3A3A3"/>
+                      </a:solidFill>
+                      <a:prstDash val="solid"/>
+                      <a:round/>
+                      <a:headEnd type="none" w="med" len="med"/>
+                      <a:tailEnd type="none" w="med" len="med"/>
+                    </a:lnR>
+                    <a:lnT w="12700" cap="flat" cmpd="sng" algn="ctr">
+                      <a:solidFill>
+                        <a:srgbClr val="A3A3A3"/>
+                      </a:solidFill>
+                      <a:prstDash val="solid"/>
+                      <a:round/>
+                      <a:headEnd type="none" w="med" len="med"/>
+                      <a:tailEnd type="none" w="med" len="med"/>
+                    </a:lnT>
+                    <a:lnB w="12700" cap="flat" cmpd="sng" algn="ctr">
+                      <a:solidFill>
+                        <a:srgbClr val="A3A3A3"/>
+                      </a:solidFill>
+                      <a:prstDash val="solid"/>
+                      <a:round/>
+                      <a:headEnd type="none" w="med" len="med"/>
+                      <a:tailEnd type="none" w="med" len="med"/>
+                    </a:lnB>
+                    <a:noFill/>
+                  </a:tcPr>
+                </a:tc>
+                <a:tc>
+                  <a:txBody>
+                    <a:bodyPr/>
+                    <a:lstStyle/>
+                    <a:p>
+                      <a:pPr marL="0" marR="0" fontAlgn="t">
+                        <a:buNone/>
+                      </a:pPr>
+                      <a:r>
+                        <a:rPr lang="en-IN" sz="4000" b="1">
+                          <a:effectLst/>
+                          <a:latin typeface="+mj-lt"/>
+                        </a:rPr>
+                        <a:t>3</a:t>
+                      </a:r>
+                      <a:endParaRPr lang="en-IN" sz="4000">
+                        <a:effectLst/>
+                        <a:latin typeface="+mj-lt"/>
+                      </a:endParaRPr>
+                    </a:p>
+                  </a:txBody>
+                  <a:tcPr marL="50800" marR="50800" marT="50800" marB="50800">
+                    <a:lnL w="12700" cap="flat" cmpd="sng" algn="ctr">
+                      <a:solidFill>
+                        <a:srgbClr val="A3A3A3"/>
+                      </a:solidFill>
+                      <a:prstDash val="solid"/>
+                      <a:round/>
+                      <a:headEnd type="none" w="med" len="med"/>
+                      <a:tailEnd type="none" w="med" len="med"/>
+                    </a:lnL>
+                    <a:lnR w="12700" cap="flat" cmpd="sng" algn="ctr">
+                      <a:solidFill>
+                        <a:srgbClr val="A3A3A3"/>
+                      </a:solidFill>
+                      <a:prstDash val="solid"/>
+                      <a:round/>
+                      <a:headEnd type="none" w="med" len="med"/>
+                      <a:tailEnd type="none" w="med" len="med"/>
+                    </a:lnR>
+                    <a:lnT w="12700" cap="flat" cmpd="sng" algn="ctr">
+                      <a:solidFill>
+                        <a:srgbClr val="A3A3A3"/>
+                      </a:solidFill>
+                      <a:prstDash val="solid"/>
+                      <a:round/>
+                      <a:headEnd type="none" w="med" len="med"/>
+                      <a:tailEnd type="none" w="med" len="med"/>
+                    </a:lnT>
+                    <a:lnB w="12700" cap="flat" cmpd="sng" algn="ctr">
+                      <a:solidFill>
+                        <a:srgbClr val="A3A3A3"/>
+                      </a:solidFill>
+                      <a:prstDash val="solid"/>
+                      <a:round/>
+                      <a:headEnd type="none" w="med" len="med"/>
+                      <a:tailEnd type="none" w="med" len="med"/>
+                    </a:lnB>
+                    <a:noFill/>
+                  </a:tcPr>
+                </a:tc>
+                <a:extLst>
+                  <a:ext uri="{0D108BD9-81ED-4DB2-BD59-A6C34878D82A}">
+                    <a16:rowId xmlns:a16="http://schemas.microsoft.com/office/drawing/2014/main" val="1051779871"/>
+                  </a:ext>
+                </a:extLst>
+              </a:tr>
+              <a:tr h="745456">
+                <a:tc>
+                  <a:txBody>
+                    <a:bodyPr/>
+                    <a:lstStyle/>
+                    <a:p>
+                      <a:pPr marL="0" marR="0" fontAlgn="t">
+                        <a:buNone/>
+                      </a:pPr>
+                      <a:r>
+                        <a:rPr lang="en-IN" sz="4000" b="1">
+                          <a:effectLst/>
+                          <a:latin typeface="+mj-lt"/>
+                        </a:rPr>
+                        <a:t>4</a:t>
+                      </a:r>
+                      <a:endParaRPr lang="en-IN" sz="4000">
+                        <a:effectLst/>
+                        <a:latin typeface="+mj-lt"/>
+                      </a:endParaRPr>
+                    </a:p>
+                  </a:txBody>
+                  <a:tcPr marL="50800" marR="50800" marT="50800" marB="50800">
+                    <a:lnL w="12700" cap="flat" cmpd="sng" algn="ctr">
+                      <a:solidFill>
+                        <a:srgbClr val="A3A3A3"/>
+                      </a:solidFill>
+                      <a:prstDash val="solid"/>
+                      <a:round/>
+                      <a:headEnd type="none" w="med" len="med"/>
+                      <a:tailEnd type="none" w="med" len="med"/>
+                    </a:lnL>
+                    <a:lnR w="12700" cap="flat" cmpd="sng" algn="ctr">
+                      <a:solidFill>
+                        <a:srgbClr val="A3A3A3"/>
+                      </a:solidFill>
+                      <a:prstDash val="solid"/>
+                      <a:round/>
+                      <a:headEnd type="none" w="med" len="med"/>
+                      <a:tailEnd type="none" w="med" len="med"/>
+                    </a:lnR>
+                    <a:lnT w="12700" cap="flat" cmpd="sng" algn="ctr">
+                      <a:solidFill>
+                        <a:srgbClr val="A3A3A3"/>
+                      </a:solidFill>
+                      <a:prstDash val="solid"/>
+                      <a:round/>
+                      <a:headEnd type="none" w="med" len="med"/>
+                      <a:tailEnd type="none" w="med" len="med"/>
+                    </a:lnT>
+                    <a:lnB w="12700" cap="flat" cmpd="sng" algn="ctr">
+                      <a:solidFill>
+                        <a:srgbClr val="A3A3A3"/>
+                      </a:solidFill>
+                      <a:prstDash val="solid"/>
+                      <a:round/>
+                      <a:headEnd type="none" w="med" len="med"/>
+                      <a:tailEnd type="none" w="med" len="med"/>
+                    </a:lnB>
+                    <a:noFill/>
+                  </a:tcPr>
+                </a:tc>
+                <a:tc>
+                  <a:txBody>
+                    <a:bodyPr/>
+                    <a:lstStyle/>
+                    <a:p>
+                      <a:pPr marL="0" marR="0" fontAlgn="t">
+                        <a:buNone/>
+                      </a:pPr>
+                      <a:r>
+                        <a:rPr lang="en-IN" sz="4000" b="1">
+                          <a:effectLst/>
+                          <a:latin typeface="+mj-lt"/>
+                        </a:rPr>
+                        <a:t>5</a:t>
+                      </a:r>
+                      <a:endParaRPr lang="en-IN" sz="4000">
+                        <a:effectLst/>
+                        <a:latin typeface="+mj-lt"/>
+                      </a:endParaRPr>
+                    </a:p>
+                  </a:txBody>
+                  <a:tcPr marL="50800" marR="50800" marT="50800" marB="50800">
+                    <a:lnL w="12700" cap="flat" cmpd="sng" algn="ctr">
+                      <a:solidFill>
+                        <a:srgbClr val="A3A3A3"/>
+                      </a:solidFill>
+                      <a:prstDash val="solid"/>
+                      <a:round/>
+                      <a:headEnd type="none" w="med" len="med"/>
+                      <a:tailEnd type="none" w="med" len="med"/>
+                    </a:lnL>
+                    <a:lnR w="12700" cap="flat" cmpd="sng" algn="ctr">
+                      <a:solidFill>
+                        <a:srgbClr val="A3A3A3"/>
+                      </a:solidFill>
+                      <a:prstDash val="solid"/>
+                      <a:round/>
+                      <a:headEnd type="none" w="med" len="med"/>
+                      <a:tailEnd type="none" w="med" len="med"/>
+                    </a:lnR>
+                    <a:lnT w="12700" cap="flat" cmpd="sng" algn="ctr">
+                      <a:solidFill>
+                        <a:srgbClr val="A3A3A3"/>
+                      </a:solidFill>
+                      <a:prstDash val="solid"/>
+                      <a:round/>
+                      <a:headEnd type="none" w="med" len="med"/>
+                      <a:tailEnd type="none" w="med" len="med"/>
+                    </a:lnT>
+                    <a:lnB w="12700" cap="flat" cmpd="sng" algn="ctr">
+                      <a:solidFill>
+                        <a:srgbClr val="A3A3A3"/>
+                      </a:solidFill>
+                      <a:prstDash val="solid"/>
+                      <a:round/>
+                      <a:headEnd type="none" w="med" len="med"/>
+                      <a:tailEnd type="none" w="med" len="med"/>
+                    </a:lnB>
+                    <a:noFill/>
+                  </a:tcPr>
+                </a:tc>
+                <a:tc>
+                  <a:txBody>
+                    <a:bodyPr/>
+                    <a:lstStyle/>
+                    <a:p>
+                      <a:pPr marL="0" marR="0" fontAlgn="t">
+                        <a:buNone/>
+                      </a:pPr>
+                      <a:r>
+                        <a:rPr lang="en-IN" sz="4000" b="1" dirty="0">
+                          <a:effectLst/>
+                          <a:latin typeface="+mj-lt"/>
+                        </a:rPr>
+                        <a:t>6</a:t>
+                      </a:r>
+                      <a:endParaRPr lang="en-IN" sz="4000" dirty="0">
+                        <a:effectLst/>
+                        <a:latin typeface="+mj-lt"/>
+                      </a:endParaRPr>
+                    </a:p>
+                  </a:txBody>
+                  <a:tcPr marL="50800" marR="50800" marT="50800" marB="50800">
+                    <a:lnL w="12700" cap="flat" cmpd="sng" algn="ctr">
+                      <a:solidFill>
+                        <a:srgbClr val="A3A3A3"/>
+                      </a:solidFill>
+                      <a:prstDash val="solid"/>
+                      <a:round/>
+                      <a:headEnd type="none" w="med" len="med"/>
+                      <a:tailEnd type="none" w="med" len="med"/>
+                    </a:lnL>
+                    <a:lnR w="12700" cap="flat" cmpd="sng" algn="ctr">
+                      <a:solidFill>
+                        <a:srgbClr val="A3A3A3"/>
+                      </a:solidFill>
+                      <a:prstDash val="solid"/>
+                      <a:round/>
+                      <a:headEnd type="none" w="med" len="med"/>
+                      <a:tailEnd type="none" w="med" len="med"/>
+                    </a:lnR>
+                    <a:lnT w="12700" cap="flat" cmpd="sng" algn="ctr">
+                      <a:solidFill>
+                        <a:srgbClr val="A3A3A3"/>
+                      </a:solidFill>
+                      <a:prstDash val="solid"/>
+                      <a:round/>
+                      <a:headEnd type="none" w="med" len="med"/>
+                      <a:tailEnd type="none" w="med" len="med"/>
+                    </a:lnT>
+                    <a:lnB w="12700" cap="flat" cmpd="sng" algn="ctr">
+                      <a:solidFill>
+                        <a:srgbClr val="A3A3A3"/>
+                      </a:solidFill>
+                      <a:prstDash val="solid"/>
+                      <a:round/>
+                      <a:headEnd type="none" w="med" len="med"/>
+                      <a:tailEnd type="none" w="med" len="med"/>
+                    </a:lnB>
+                    <a:noFill/>
+                  </a:tcPr>
+                </a:tc>
+                <a:extLst>
+                  <a:ext uri="{0D108BD9-81ED-4DB2-BD59-A6C34878D82A}">
+                    <a16:rowId xmlns:a16="http://schemas.microsoft.com/office/drawing/2014/main" val="1002675786"/>
+                  </a:ext>
+                </a:extLst>
+              </a:tr>
+            </a:tbl>
+          </a:graphicData>
+        </a:graphic>
+      </p:graphicFrame>
+    </p:spTree>
+    <p:extLst>
+      <p:ext uri="{BB962C8B-B14F-4D97-AF65-F5344CB8AC3E}">
+        <p14:creationId xmlns:p14="http://schemas.microsoft.com/office/powerpoint/2010/main" val="2147554994"/>
+      </p:ext>
+    </p:extLst>
+  </p:cSld>
+  <p:clrMapOvr>
+    <a:masterClrMapping/>
+  </p:clrMapOvr>
+</p:sld>
+</file>
+
+<file path=ppt/slides/slide11.xml><?xml version="1.0" encoding="utf-8"?>
+<p:sld xmlns:a="http://schemas.openxmlformats.org/drawingml/2006/main" xmlns:r="http://schemas.openxmlformats.org/officeDocument/2006/relationships" xmlns:p="http://schemas.openxmlformats.org/presentationml/2006/main">
+  <p:cSld>
+    <p:spTree>
+      <p:nvGrpSpPr>
+        <p:cNvPr id="1" name="">
+          <a:extLst>
+            <a:ext uri="{FF2B5EF4-FFF2-40B4-BE49-F238E27FC236}">
+              <a16:creationId xmlns:a16="http://schemas.microsoft.com/office/drawing/2014/main" id="{99073490-0BD1-41DC-D55F-DC96A0AD9982}"/>
+            </a:ext>
+          </a:extLst>
+        </p:cNvPr>
+        <p:cNvGrpSpPr/>
+        <p:nvPr/>
+      </p:nvGrpSpPr>
+      <p:grpSpPr>
+        <a:xfrm>
+          <a:off x="0" y="0"/>
+          <a:ext cx="0" cy="0"/>
+          <a:chOff x="0" y="0"/>
+          <a:chExt cx="0" cy="0"/>
+        </a:xfrm>
+      </p:grpSpPr>
+      <p:sp>
+        <p:nvSpPr>
+          <p:cNvPr id="3" name="Content Placeholder 2">
+            <a:extLst>
+              <a:ext uri="{FF2B5EF4-FFF2-40B4-BE49-F238E27FC236}">
+                <a16:creationId xmlns:a16="http://schemas.microsoft.com/office/drawing/2014/main" id="{CA4A09BB-B4CE-D1C0-E044-7558B2B86BD8}"/>
+              </a:ext>
+            </a:extLst>
+          </p:cNvPr>
+          <p:cNvSpPr>
+            <a:spLocks noGrp="1"/>
+          </p:cNvSpPr>
+          <p:nvPr>
+            <p:ph idx="1"/>
+          </p:nvPr>
+        </p:nvSpPr>
+        <p:spPr>
+          <a:xfrm>
+            <a:off x="777240" y="740229"/>
+            <a:ext cx="10659110" cy="5436734"/>
+          </a:xfrm>
+        </p:spPr>
+        <p:txBody>
+          <a:bodyPr>
+            <a:normAutofit/>
+          </a:bodyPr>
+          <a:lstStyle/>
+          <a:p>
+            <a:pPr marL="0" indent="0">
+              <a:buNone/>
+            </a:pPr>
+            <a:r>
+              <a:rPr lang="en-US" sz="2400" b="1" dirty="0"/>
+              <a:t>What is </a:t>
+            </a:r>
+            <a:r>
+              <a:rPr lang="en-US" sz="2400" b="1" dirty="0">
+                <a:solidFill>
+                  <a:srgbClr val="C00000"/>
+                </a:solidFill>
+              </a:rPr>
+              <a:t>Transpose</a:t>
+            </a:r>
+            <a:r>
+              <a:rPr lang="en-US" sz="2400" b="1" dirty="0"/>
+              <a:t> of a Matrix?</a:t>
+            </a:r>
+          </a:p>
+          <a:p>
+            <a:r>
+              <a:rPr lang="en-US" sz="2400" dirty="0"/>
+              <a:t>Transpose simply means </a:t>
+            </a:r>
+            <a:r>
+              <a:rPr lang="en-US" sz="2400" b="1" dirty="0">
+                <a:solidFill>
+                  <a:srgbClr val="C00000"/>
+                </a:solidFill>
+              </a:rPr>
+              <a:t>interchanging</a:t>
+            </a:r>
+            <a:r>
+              <a:rPr lang="en-US" sz="2400" b="1" dirty="0"/>
+              <a:t> rows </a:t>
+            </a:r>
+            <a:r>
+              <a:rPr lang="en-US" sz="2400" dirty="0"/>
+              <a:t>with</a:t>
+            </a:r>
+            <a:r>
+              <a:rPr lang="en-US" sz="2400" b="1" dirty="0"/>
+              <a:t> columns</a:t>
+            </a:r>
+            <a:r>
+              <a:rPr lang="en-US" sz="2400" dirty="0"/>
+              <a:t>.</a:t>
+            </a:r>
+          </a:p>
+          <a:p>
+            <a:r>
+              <a:rPr lang="en-US" sz="2400" dirty="0"/>
+              <a:t>So if we take the previous slide matrix:</a:t>
+            </a:r>
+          </a:p>
+          <a:p>
+            <a:pPr lvl="1"/>
+            <a:r>
+              <a:rPr lang="en-US" sz="2400" b="1" dirty="0">
+                <a:solidFill>
+                  <a:schemeClr val="accent3">
+                    <a:lumMod val="50000"/>
+                  </a:schemeClr>
+                </a:solidFill>
+              </a:rPr>
+              <a:t>Row 1</a:t>
+            </a:r>
+            <a:r>
+              <a:rPr lang="en-US" sz="2400" dirty="0"/>
+              <a:t> → becomes </a:t>
+            </a:r>
+            <a:r>
+              <a:rPr lang="en-US" sz="2400" b="1" dirty="0">
+                <a:solidFill>
+                  <a:schemeClr val="accent3">
+                    <a:lumMod val="50000"/>
+                  </a:schemeClr>
+                </a:solidFill>
+              </a:rPr>
+              <a:t>Column 1</a:t>
+            </a:r>
+          </a:p>
+          <a:p>
+            <a:pPr lvl="1"/>
+            <a:r>
+              <a:rPr lang="en-US" sz="2400" b="1" dirty="0">
+                <a:solidFill>
+                  <a:schemeClr val="accent3">
+                    <a:lumMod val="50000"/>
+                  </a:schemeClr>
+                </a:solidFill>
+              </a:rPr>
+              <a:t>Row 2 </a:t>
+            </a:r>
+            <a:r>
+              <a:rPr lang="en-US" sz="2400" dirty="0"/>
+              <a:t>→ becomes </a:t>
+            </a:r>
+            <a:r>
+              <a:rPr lang="en-US" sz="2400" b="1" dirty="0">
+                <a:solidFill>
+                  <a:schemeClr val="accent3">
+                    <a:lumMod val="50000"/>
+                  </a:schemeClr>
+                </a:solidFill>
+              </a:rPr>
+              <a:t>Column 2</a:t>
+            </a:r>
+          </a:p>
+          <a:p>
+            <a:r>
+              <a:rPr lang="en-US" sz="2400" dirty="0"/>
+              <a:t>So the transpose will be:</a:t>
+            </a:r>
+          </a:p>
+          <a:p>
+            <a:pPr marL="0" indent="0">
+              <a:buNone/>
+            </a:pPr>
+            <a:endParaRPr lang="en-US" sz="2400" dirty="0"/>
+          </a:p>
+          <a:p>
+            <a:pPr marL="0" indent="0">
+              <a:buNone/>
+            </a:pPr>
+            <a:endParaRPr lang="en-IN" sz="2400" dirty="0"/>
+          </a:p>
+        </p:txBody>
+      </p:sp>
+      <p:graphicFrame>
+        <p:nvGraphicFramePr>
+          <p:cNvPr id="2" name="Table 1">
+            <a:extLst>
+              <a:ext uri="{FF2B5EF4-FFF2-40B4-BE49-F238E27FC236}">
+                <a16:creationId xmlns:a16="http://schemas.microsoft.com/office/drawing/2014/main" id="{C43A4964-5BE4-3000-767B-3936F392E456}"/>
+              </a:ext>
+            </a:extLst>
+          </p:cNvPr>
+          <p:cNvGraphicFramePr>
+            <a:graphicFrameLocks noGrp="1"/>
+          </p:cNvGraphicFramePr>
+          <p:nvPr>
+            <p:extLst>
+              <p:ext uri="{D42A27DB-BD31-4B8C-83A1-F6EECF244321}">
+                <p14:modId xmlns:p14="http://schemas.microsoft.com/office/powerpoint/2010/main" val="2451088002"/>
+              </p:ext>
+            </p:extLst>
+          </p:nvPr>
+        </p:nvGraphicFramePr>
+        <p:xfrm>
+          <a:off x="3088699" y="3695405"/>
+          <a:ext cx="2800472" cy="2133600"/>
+        </p:xfrm>
+        <a:graphic>
+          <a:graphicData uri="http://schemas.openxmlformats.org/drawingml/2006/table">
+            <a:tbl>
+              <a:tblPr/>
+              <a:tblGrid>
+                <a:gridCol w="1200272">
+                  <a:extLst>
+                    <a:ext uri="{9D8B030D-6E8A-4147-A177-3AD203B41FA5}">
+                      <a16:colId xmlns:a16="http://schemas.microsoft.com/office/drawing/2014/main" val="3416297599"/>
+                    </a:ext>
+                  </a:extLst>
+                </a:gridCol>
+                <a:gridCol w="1600200">
+                  <a:extLst>
+                    <a:ext uri="{9D8B030D-6E8A-4147-A177-3AD203B41FA5}">
+                      <a16:colId xmlns:a16="http://schemas.microsoft.com/office/drawing/2014/main" val="862353745"/>
+                    </a:ext>
+                  </a:extLst>
+                </a:gridCol>
+              </a:tblGrid>
+              <a:tr h="626027">
+                <a:tc>
+                  <a:txBody>
+                    <a:bodyPr/>
+                    <a:lstStyle/>
+                    <a:p>
+                      <a:pPr marL="0" marR="0" algn="ctr" fontAlgn="t">
+                        <a:buNone/>
+                      </a:pPr>
+                      <a:r>
+                        <a:rPr lang="en-IN" sz="4000" b="1" dirty="0">
+                          <a:effectLst/>
+                          <a:latin typeface="+mj-lt"/>
+                        </a:rPr>
+                        <a:t>1  </a:t>
+                      </a:r>
+                    </a:p>
+                  </a:txBody>
+                  <a:tcPr marL="50800" marR="50800" marT="50800" marB="50800">
+                    <a:lnL w="12700" cap="flat" cmpd="sng" algn="ctr">
+                      <a:solidFill>
+                        <a:srgbClr val="A3A3A3"/>
+                      </a:solidFill>
+                      <a:prstDash val="solid"/>
+                      <a:round/>
+                      <a:headEnd type="none" w="med" len="med"/>
+                      <a:tailEnd type="none" w="med" len="med"/>
+                    </a:lnL>
+                    <a:lnR w="12700" cap="flat" cmpd="sng" algn="ctr">
+                      <a:solidFill>
+                        <a:srgbClr val="A3A3A3"/>
+                      </a:solidFill>
+                      <a:prstDash val="solid"/>
+                      <a:round/>
+                      <a:headEnd type="none" w="med" len="med"/>
+                      <a:tailEnd type="none" w="med" len="med"/>
+                    </a:lnR>
+                    <a:lnT w="12700" cap="flat" cmpd="sng" algn="ctr">
+                      <a:solidFill>
+                        <a:srgbClr val="A3A3A3"/>
+                      </a:solidFill>
+                      <a:prstDash val="solid"/>
+                      <a:round/>
+                      <a:headEnd type="none" w="med" len="med"/>
+                      <a:tailEnd type="none" w="med" len="med"/>
+                    </a:lnT>
+                    <a:lnB w="12700" cap="flat" cmpd="sng" algn="ctr">
+                      <a:solidFill>
+                        <a:srgbClr val="A3A3A3"/>
+                      </a:solidFill>
+                      <a:prstDash val="solid"/>
+                      <a:round/>
+                      <a:headEnd type="none" w="med" len="med"/>
+                      <a:tailEnd type="none" w="med" len="med"/>
+                    </a:lnB>
+                    <a:noFill/>
+                  </a:tcPr>
+                </a:tc>
+                <a:tc>
+                  <a:txBody>
+                    <a:bodyPr/>
+                    <a:lstStyle/>
+                    <a:p>
+                      <a:pPr marL="0" marR="0" algn="ctr" fontAlgn="t">
+                        <a:buNone/>
+                      </a:pPr>
+                      <a:r>
+                        <a:rPr lang="en-IN" sz="4000" b="1">
+                          <a:effectLst/>
+                          <a:latin typeface="+mj-lt"/>
+                        </a:rPr>
+                        <a:t>4</a:t>
+                      </a:r>
+                    </a:p>
+                  </a:txBody>
+                  <a:tcPr marL="50800" marR="50800" marT="50800" marB="50800">
+                    <a:lnL w="12700" cap="flat" cmpd="sng" algn="ctr">
+                      <a:solidFill>
+                        <a:srgbClr val="A3A3A3"/>
+                      </a:solidFill>
+                      <a:prstDash val="solid"/>
+                      <a:round/>
+                      <a:headEnd type="none" w="med" len="med"/>
+                      <a:tailEnd type="none" w="med" len="med"/>
+                    </a:lnL>
+                    <a:lnR w="12700" cap="flat" cmpd="sng" algn="ctr">
+                      <a:solidFill>
+                        <a:srgbClr val="A3A3A3"/>
+                      </a:solidFill>
+                      <a:prstDash val="solid"/>
+                      <a:round/>
+                      <a:headEnd type="none" w="med" len="med"/>
+                      <a:tailEnd type="none" w="med" len="med"/>
+                    </a:lnR>
+                    <a:lnT w="12700" cap="flat" cmpd="sng" algn="ctr">
+                      <a:solidFill>
+                        <a:srgbClr val="A3A3A3"/>
+                      </a:solidFill>
+                      <a:prstDash val="solid"/>
+                      <a:round/>
+                      <a:headEnd type="none" w="med" len="med"/>
+                      <a:tailEnd type="none" w="med" len="med"/>
+                    </a:lnT>
+                    <a:lnB w="12700" cap="flat" cmpd="sng" algn="ctr">
+                      <a:solidFill>
+                        <a:srgbClr val="A3A3A3"/>
+                      </a:solidFill>
+                      <a:prstDash val="solid"/>
+                      <a:round/>
+                      <a:headEnd type="none" w="med" len="med"/>
+                      <a:tailEnd type="none" w="med" len="med"/>
+                    </a:lnB>
+                    <a:noFill/>
+                  </a:tcPr>
+                </a:tc>
+                <a:extLst>
+                  <a:ext uri="{0D108BD9-81ED-4DB2-BD59-A6C34878D82A}">
+                    <a16:rowId xmlns:a16="http://schemas.microsoft.com/office/drawing/2014/main" val="2959284642"/>
+                  </a:ext>
+                </a:extLst>
+              </a:tr>
+              <a:tr h="626027">
+                <a:tc>
+                  <a:txBody>
+                    <a:bodyPr/>
+                    <a:lstStyle/>
+                    <a:p>
+                      <a:pPr marL="0" marR="0" algn="ctr" fontAlgn="t">
+                        <a:buNone/>
+                      </a:pPr>
+                      <a:r>
+                        <a:rPr lang="en-IN" sz="4000" b="1" dirty="0">
+                          <a:effectLst/>
+                          <a:latin typeface="+mj-lt"/>
+                        </a:rPr>
+                        <a:t>2 </a:t>
+                      </a:r>
+                    </a:p>
+                  </a:txBody>
+                  <a:tcPr marL="50800" marR="50800" marT="50800" marB="50800">
+                    <a:lnL w="12700" cap="flat" cmpd="sng" algn="ctr">
+                      <a:solidFill>
+                        <a:srgbClr val="A3A3A3"/>
+                      </a:solidFill>
+                      <a:prstDash val="solid"/>
+                      <a:round/>
+                      <a:headEnd type="none" w="med" len="med"/>
+                      <a:tailEnd type="none" w="med" len="med"/>
+                    </a:lnL>
+                    <a:lnR w="12700" cap="flat" cmpd="sng" algn="ctr">
+                      <a:solidFill>
+                        <a:srgbClr val="A3A3A3"/>
+                      </a:solidFill>
+                      <a:prstDash val="solid"/>
+                      <a:round/>
+                      <a:headEnd type="none" w="med" len="med"/>
+                      <a:tailEnd type="none" w="med" len="med"/>
+                    </a:lnR>
+                    <a:lnT w="12700" cap="flat" cmpd="sng" algn="ctr">
+                      <a:solidFill>
+                        <a:srgbClr val="A3A3A3"/>
+                      </a:solidFill>
+                      <a:prstDash val="solid"/>
+                      <a:round/>
+                      <a:headEnd type="none" w="med" len="med"/>
+                      <a:tailEnd type="none" w="med" len="med"/>
+                    </a:lnT>
+                    <a:lnB w="12700" cap="flat" cmpd="sng" algn="ctr">
+                      <a:solidFill>
+                        <a:srgbClr val="A3A3A3"/>
+                      </a:solidFill>
+                      <a:prstDash val="solid"/>
+                      <a:round/>
+                      <a:headEnd type="none" w="med" len="med"/>
+                      <a:tailEnd type="none" w="med" len="med"/>
+                    </a:lnB>
+                    <a:noFill/>
+                  </a:tcPr>
+                </a:tc>
+                <a:tc>
+                  <a:txBody>
+                    <a:bodyPr/>
+                    <a:lstStyle/>
+                    <a:p>
+                      <a:pPr marL="0" marR="0" algn="ctr" fontAlgn="t">
+                        <a:buNone/>
+                      </a:pPr>
+                      <a:r>
+                        <a:rPr lang="en-IN" sz="4000" b="1" dirty="0">
+                          <a:effectLst/>
+                          <a:latin typeface="+mj-lt"/>
+                        </a:rPr>
+                        <a:t>5</a:t>
+                      </a:r>
+                    </a:p>
+                  </a:txBody>
+                  <a:tcPr marL="50800" marR="50800" marT="50800" marB="50800">
+                    <a:lnL w="12700" cap="flat" cmpd="sng" algn="ctr">
+                      <a:solidFill>
+                        <a:srgbClr val="A3A3A3"/>
+                      </a:solidFill>
+                      <a:prstDash val="solid"/>
+                      <a:round/>
+                      <a:headEnd type="none" w="med" len="med"/>
+                      <a:tailEnd type="none" w="med" len="med"/>
+                    </a:lnL>
+                    <a:lnR w="12700" cap="flat" cmpd="sng" algn="ctr">
+                      <a:solidFill>
+                        <a:srgbClr val="A3A3A3"/>
+                      </a:solidFill>
+                      <a:prstDash val="solid"/>
+                      <a:round/>
+                      <a:headEnd type="none" w="med" len="med"/>
+                      <a:tailEnd type="none" w="med" len="med"/>
+                    </a:lnR>
+                    <a:lnT w="12700" cap="flat" cmpd="sng" algn="ctr">
+                      <a:solidFill>
+                        <a:srgbClr val="A3A3A3"/>
+                      </a:solidFill>
+                      <a:prstDash val="solid"/>
+                      <a:round/>
+                      <a:headEnd type="none" w="med" len="med"/>
+                      <a:tailEnd type="none" w="med" len="med"/>
+                    </a:lnT>
+                    <a:lnB w="12700" cap="flat" cmpd="sng" algn="ctr">
+                      <a:solidFill>
+                        <a:srgbClr val="A3A3A3"/>
+                      </a:solidFill>
+                      <a:prstDash val="solid"/>
+                      <a:round/>
+                      <a:headEnd type="none" w="med" len="med"/>
+                      <a:tailEnd type="none" w="med" len="med"/>
+                    </a:lnB>
+                    <a:noFill/>
+                  </a:tcPr>
+                </a:tc>
+                <a:extLst>
+                  <a:ext uri="{0D108BD9-81ED-4DB2-BD59-A6C34878D82A}">
+                    <a16:rowId xmlns:a16="http://schemas.microsoft.com/office/drawing/2014/main" val="829866163"/>
+                  </a:ext>
+                </a:extLst>
+              </a:tr>
+              <a:tr h="626027">
+                <a:tc>
+                  <a:txBody>
+                    <a:bodyPr/>
+                    <a:lstStyle/>
+                    <a:p>
+                      <a:pPr marL="0" marR="0" algn="ctr" fontAlgn="t">
+                        <a:buNone/>
+                      </a:pPr>
+                      <a:r>
+                        <a:rPr lang="en-IN" sz="4000" b="1" dirty="0">
+                          <a:effectLst/>
+                          <a:latin typeface="+mj-lt"/>
+                        </a:rPr>
+                        <a:t>3  </a:t>
+                      </a:r>
+                    </a:p>
+                  </a:txBody>
+                  <a:tcPr marL="50800" marR="50800" marT="50800" marB="50800">
+                    <a:lnL w="12700" cap="flat" cmpd="sng" algn="ctr">
+                      <a:solidFill>
+                        <a:srgbClr val="A3A3A3"/>
+                      </a:solidFill>
+                      <a:prstDash val="solid"/>
+                      <a:round/>
+                      <a:headEnd type="none" w="med" len="med"/>
+                      <a:tailEnd type="none" w="med" len="med"/>
+                    </a:lnL>
+                    <a:lnR w="12700" cap="flat" cmpd="sng" algn="ctr">
+                      <a:solidFill>
+                        <a:srgbClr val="A3A3A3"/>
+                      </a:solidFill>
+                      <a:prstDash val="solid"/>
+                      <a:round/>
+                      <a:headEnd type="none" w="med" len="med"/>
+                      <a:tailEnd type="none" w="med" len="med"/>
+                    </a:lnR>
+                    <a:lnT w="12700" cap="flat" cmpd="sng" algn="ctr">
+                      <a:solidFill>
+                        <a:srgbClr val="A3A3A3"/>
+                      </a:solidFill>
+                      <a:prstDash val="solid"/>
+                      <a:round/>
+                      <a:headEnd type="none" w="med" len="med"/>
+                      <a:tailEnd type="none" w="med" len="med"/>
+                    </a:lnT>
+                    <a:lnB w="12700" cap="flat" cmpd="sng" algn="ctr">
+                      <a:solidFill>
+                        <a:srgbClr val="A3A3A3"/>
+                      </a:solidFill>
+                      <a:prstDash val="solid"/>
+                      <a:round/>
+                      <a:headEnd type="none" w="med" len="med"/>
+                      <a:tailEnd type="none" w="med" len="med"/>
+                    </a:lnB>
+                    <a:noFill/>
+                  </a:tcPr>
+                </a:tc>
+                <a:tc>
+                  <a:txBody>
+                    <a:bodyPr/>
+                    <a:lstStyle/>
+                    <a:p>
+                      <a:pPr marL="0" marR="0" algn="ctr" fontAlgn="t">
+                        <a:buNone/>
+                      </a:pPr>
+                      <a:r>
+                        <a:rPr lang="en-IN" sz="4000" b="1" dirty="0">
+                          <a:effectLst/>
+                          <a:latin typeface="+mj-lt"/>
+                        </a:rPr>
+                        <a:t>6</a:t>
+                      </a:r>
+                    </a:p>
+                  </a:txBody>
+                  <a:tcPr marL="50800" marR="50800" marT="50800" marB="50800">
+                    <a:lnL w="12700" cap="flat" cmpd="sng" algn="ctr">
+                      <a:solidFill>
+                        <a:srgbClr val="A3A3A3"/>
+                      </a:solidFill>
+                      <a:prstDash val="solid"/>
+                      <a:round/>
+                      <a:headEnd type="none" w="med" len="med"/>
+                      <a:tailEnd type="none" w="med" len="med"/>
+                    </a:lnL>
+                    <a:lnR w="12700" cap="flat" cmpd="sng" algn="ctr">
+                      <a:solidFill>
+                        <a:srgbClr val="A3A3A3"/>
+                      </a:solidFill>
+                      <a:prstDash val="solid"/>
+                      <a:round/>
+                      <a:headEnd type="none" w="med" len="med"/>
+                      <a:tailEnd type="none" w="med" len="med"/>
+                    </a:lnR>
+                    <a:lnT w="12700" cap="flat" cmpd="sng" algn="ctr">
+                      <a:solidFill>
+                        <a:srgbClr val="A3A3A3"/>
+                      </a:solidFill>
+                      <a:prstDash val="solid"/>
+                      <a:round/>
+                      <a:headEnd type="none" w="med" len="med"/>
+                      <a:tailEnd type="none" w="med" len="med"/>
+                    </a:lnT>
+                    <a:lnB w="12700" cap="flat" cmpd="sng" algn="ctr">
+                      <a:solidFill>
+                        <a:srgbClr val="A3A3A3"/>
+                      </a:solidFill>
+                      <a:prstDash val="solid"/>
+                      <a:round/>
+                      <a:headEnd type="none" w="med" len="med"/>
+                      <a:tailEnd type="none" w="med" len="med"/>
+                    </a:lnB>
+                    <a:noFill/>
+                  </a:tcPr>
+                </a:tc>
+                <a:extLst>
+                  <a:ext uri="{0D108BD9-81ED-4DB2-BD59-A6C34878D82A}">
+                    <a16:rowId xmlns:a16="http://schemas.microsoft.com/office/drawing/2014/main" val="237196452"/>
+                  </a:ext>
+                </a:extLst>
+              </a:tr>
+            </a:tbl>
+          </a:graphicData>
+        </a:graphic>
+      </p:graphicFrame>
+    </p:spTree>
+    <p:extLst>
+      <p:ext uri="{BB962C8B-B14F-4D97-AF65-F5344CB8AC3E}">
+        <p14:creationId xmlns:p14="http://schemas.microsoft.com/office/powerpoint/2010/main" val="2001427130"/>
+      </p:ext>
+    </p:extLst>
+  </p:cSld>
+  <p:clrMapOvr>
+    <a:masterClrMapping/>
+  </p:clrMapOvr>
+</p:sld>
+</file>
+
+<file path=ppt/slides/slide12.xml><?xml version="1.0" encoding="utf-8"?>
+<p:sld xmlns:a="http://schemas.openxmlformats.org/drawingml/2006/main" xmlns:r="http://schemas.openxmlformats.org/officeDocument/2006/relationships" xmlns:p="http://schemas.openxmlformats.org/presentationml/2006/main">
+  <p:cSld>
+    <p:spTree>
+      <p:nvGrpSpPr>
+        <p:cNvPr id="1" name="">
+          <a:extLst>
+            <a:ext uri="{FF2B5EF4-FFF2-40B4-BE49-F238E27FC236}">
+              <a16:creationId xmlns:a16="http://schemas.microsoft.com/office/drawing/2014/main" id="{292F6E7A-ADBE-2418-C8DF-54DAD3304DB2}"/>
+            </a:ext>
+          </a:extLst>
+        </p:cNvPr>
+        <p:cNvGrpSpPr/>
+        <p:nvPr/>
+      </p:nvGrpSpPr>
+      <p:grpSpPr>
+        <a:xfrm>
+          <a:off x="0" y="0"/>
+          <a:ext cx="0" cy="0"/>
+          <a:chOff x="0" y="0"/>
+          <a:chExt cx="0" cy="0"/>
+        </a:xfrm>
+      </p:grpSpPr>
+      <p:sp>
+        <p:nvSpPr>
+          <p:cNvPr id="3" name="Content Placeholder 2">
+            <a:extLst>
+              <a:ext uri="{FF2B5EF4-FFF2-40B4-BE49-F238E27FC236}">
+                <a16:creationId xmlns:a16="http://schemas.microsoft.com/office/drawing/2014/main" id="{69C8A5F8-41C9-4262-631D-3FD5BAA335E8}"/>
+              </a:ext>
+            </a:extLst>
+          </p:cNvPr>
+          <p:cNvSpPr>
+            <a:spLocks noGrp="1"/>
+          </p:cNvSpPr>
+          <p:nvPr>
+            <p:ph idx="1"/>
+          </p:nvPr>
+        </p:nvSpPr>
+        <p:spPr>
+          <a:xfrm>
+            <a:off x="777240" y="740229"/>
+            <a:ext cx="10659110" cy="5436734"/>
+          </a:xfrm>
+        </p:spPr>
+        <p:txBody>
+          <a:bodyPr>
+            <a:normAutofit/>
+          </a:bodyPr>
+          <a:lstStyle/>
+          <a:p>
+            <a:pPr marL="0" indent="0">
+              <a:buNone/>
+            </a:pPr>
+            <a:r>
+              <a:rPr lang="en-IN" sz="3200" b="1" dirty="0"/>
+              <a:t>Transformation Mapping</a:t>
+            </a:r>
+          </a:p>
+        </p:txBody>
+      </p:sp>
+      <p:graphicFrame>
+        <p:nvGraphicFramePr>
+          <p:cNvPr id="2" name="Table 1">
+            <a:extLst>
+              <a:ext uri="{FF2B5EF4-FFF2-40B4-BE49-F238E27FC236}">
+                <a16:creationId xmlns:a16="http://schemas.microsoft.com/office/drawing/2014/main" id="{7E516ACE-B7C9-4CC3-4F98-BA19F20166A6}"/>
+              </a:ext>
+            </a:extLst>
+          </p:cNvPr>
+          <p:cNvGraphicFramePr>
+            <a:graphicFrameLocks noGrp="1"/>
+          </p:cNvGraphicFramePr>
+          <p:nvPr>
+            <p:extLst>
+              <p:ext uri="{D42A27DB-BD31-4B8C-83A1-F6EECF244321}">
+                <p14:modId xmlns:p14="http://schemas.microsoft.com/office/powerpoint/2010/main" val="2242573223"/>
+              </p:ext>
+            </p:extLst>
+          </p:nvPr>
+        </p:nvGraphicFramePr>
+        <p:xfrm>
+          <a:off x="1078273" y="1647022"/>
+          <a:ext cx="10014268" cy="4372774"/>
+        </p:xfrm>
+        <a:graphic>
+          <a:graphicData uri="http://schemas.openxmlformats.org/drawingml/2006/table">
+            <a:tbl>
+              <a:tblPr firstRow="1" firstCol="1" bandRow="1">
+                <a:tableStyleId>{5C22544A-7EE6-4342-B048-85BDC9FD1C3A}</a:tableStyleId>
+              </a:tblPr>
+              <a:tblGrid>
+                <a:gridCol w="3337719">
+                  <a:extLst>
+                    <a:ext uri="{9D8B030D-6E8A-4147-A177-3AD203B41FA5}">
+                      <a16:colId xmlns:a16="http://schemas.microsoft.com/office/drawing/2014/main" val="1410799282"/>
+                    </a:ext>
+                  </a:extLst>
+                </a:gridCol>
+                <a:gridCol w="2224294">
+                  <a:extLst>
+                    <a:ext uri="{9D8B030D-6E8A-4147-A177-3AD203B41FA5}">
+                      <a16:colId xmlns:a16="http://schemas.microsoft.com/office/drawing/2014/main" val="3190960902"/>
+                    </a:ext>
+                  </a:extLst>
+                </a:gridCol>
+                <a:gridCol w="4452255">
+                  <a:extLst>
+                    <a:ext uri="{9D8B030D-6E8A-4147-A177-3AD203B41FA5}">
+                      <a16:colId xmlns:a16="http://schemas.microsoft.com/office/drawing/2014/main" val="700435909"/>
+                    </a:ext>
+                  </a:extLst>
+                </a:gridCol>
+              </a:tblGrid>
+              <a:tr h="624682">
+                <a:tc>
+                  <a:txBody>
+                    <a:bodyPr/>
+                    <a:lstStyle/>
+                    <a:p>
+                      <a:pPr>
+                        <a:lnSpc>
+                          <a:spcPct val="115000"/>
+                        </a:lnSpc>
+                        <a:spcAft>
+                          <a:spcPts val="800"/>
+                        </a:spcAft>
+                        <a:buNone/>
+                      </a:pPr>
+                      <a:r>
+                        <a:rPr lang="en-IN" sz="3200" kern="100">
+                          <a:effectLst/>
+                        </a:rPr>
+                        <a:t>Original A Position</a:t>
+                      </a:r>
+                      <a:endParaRPr lang="en-IN" sz="3200" kern="100">
+                        <a:effectLst/>
+                        <a:latin typeface="Aptos" panose="020B0004020202020204" pitchFamily="34" charset="0"/>
+                        <a:ea typeface="Aptos" panose="020B0004020202020204" pitchFamily="34" charset="0"/>
+                        <a:cs typeface="Times New Roman" panose="02020603050405020304" pitchFamily="18" charset="0"/>
+                      </a:endParaRPr>
+                    </a:p>
+                  </a:txBody>
+                  <a:tcPr marL="68580" marR="68580" marT="0" marB="0"/>
+                </a:tc>
+                <a:tc>
+                  <a:txBody>
+                    <a:bodyPr/>
+                    <a:lstStyle/>
+                    <a:p>
+                      <a:pPr>
+                        <a:lnSpc>
+                          <a:spcPct val="115000"/>
+                        </a:lnSpc>
+                        <a:spcAft>
+                          <a:spcPts val="800"/>
+                        </a:spcAft>
+                        <a:buNone/>
+                      </a:pPr>
+                      <a:r>
+                        <a:rPr lang="en-IN" sz="3200" kern="100">
+                          <a:effectLst/>
+                        </a:rPr>
+                        <a:t>Value</a:t>
+                      </a:r>
+                      <a:endParaRPr lang="en-IN" sz="3200" kern="100">
+                        <a:effectLst/>
+                        <a:latin typeface="Aptos" panose="020B0004020202020204" pitchFamily="34" charset="0"/>
+                        <a:ea typeface="Aptos" panose="020B0004020202020204" pitchFamily="34" charset="0"/>
+                        <a:cs typeface="Times New Roman" panose="02020603050405020304" pitchFamily="18" charset="0"/>
+                      </a:endParaRPr>
+                    </a:p>
+                  </a:txBody>
+                  <a:tcPr marL="68580" marR="68580" marT="0" marB="0"/>
+                </a:tc>
+                <a:tc>
+                  <a:txBody>
+                    <a:bodyPr/>
+                    <a:lstStyle/>
+                    <a:p>
+                      <a:pPr>
+                        <a:lnSpc>
+                          <a:spcPct val="115000"/>
+                        </a:lnSpc>
+                        <a:spcAft>
+                          <a:spcPts val="800"/>
+                        </a:spcAft>
+                        <a:buNone/>
+                      </a:pPr>
+                      <a:r>
+                        <a:rPr lang="en-IN" sz="3200" kern="100">
+                          <a:effectLst/>
+                        </a:rPr>
+                        <a:t>Transpose A^T Position</a:t>
+                      </a:r>
+                      <a:endParaRPr lang="en-IN" sz="3200" kern="100">
+                        <a:effectLst/>
+                        <a:latin typeface="Aptos" panose="020B0004020202020204" pitchFamily="34" charset="0"/>
+                        <a:ea typeface="Aptos" panose="020B0004020202020204" pitchFamily="34" charset="0"/>
+                        <a:cs typeface="Times New Roman" panose="02020603050405020304" pitchFamily="18" charset="0"/>
+                      </a:endParaRPr>
+                    </a:p>
+                  </a:txBody>
+                  <a:tcPr marL="68580" marR="68580" marT="0" marB="0"/>
+                </a:tc>
+                <a:extLst>
+                  <a:ext uri="{0D108BD9-81ED-4DB2-BD59-A6C34878D82A}">
+                    <a16:rowId xmlns:a16="http://schemas.microsoft.com/office/drawing/2014/main" val="3705033065"/>
+                  </a:ext>
+                </a:extLst>
+              </a:tr>
+              <a:tr h="624682">
+                <a:tc>
+                  <a:txBody>
+                    <a:bodyPr/>
+                    <a:lstStyle/>
+                    <a:p>
+                      <a:pPr>
+                        <a:lnSpc>
+                          <a:spcPct val="115000"/>
+                        </a:lnSpc>
+                        <a:spcAft>
+                          <a:spcPts val="800"/>
+                        </a:spcAft>
+                        <a:buNone/>
+                      </a:pPr>
+                      <a:r>
+                        <a:rPr lang="en-IN" sz="3200" kern="100">
+                          <a:effectLst/>
+                        </a:rPr>
+                        <a:t>A(1,1)</a:t>
+                      </a:r>
+                      <a:endParaRPr lang="en-IN" sz="3200" kern="100">
+                        <a:effectLst/>
+                        <a:latin typeface="Aptos" panose="020B0004020202020204" pitchFamily="34" charset="0"/>
+                        <a:ea typeface="Aptos" panose="020B0004020202020204" pitchFamily="34" charset="0"/>
+                        <a:cs typeface="Times New Roman" panose="02020603050405020304" pitchFamily="18" charset="0"/>
+                      </a:endParaRPr>
+                    </a:p>
+                  </a:txBody>
+                  <a:tcPr marL="68580" marR="68580" marT="0" marB="0"/>
+                </a:tc>
+                <a:tc>
+                  <a:txBody>
+                    <a:bodyPr/>
+                    <a:lstStyle/>
+                    <a:p>
+                      <a:pPr>
+                        <a:lnSpc>
+                          <a:spcPct val="115000"/>
+                        </a:lnSpc>
+                        <a:spcAft>
+                          <a:spcPts val="800"/>
+                        </a:spcAft>
+                        <a:buNone/>
+                      </a:pPr>
+                      <a:r>
+                        <a:rPr lang="en-IN" sz="3200" kern="100">
+                          <a:effectLst/>
+                        </a:rPr>
+                        <a:t>1</a:t>
+                      </a:r>
+                      <a:endParaRPr lang="en-IN" sz="3200" kern="100">
+                        <a:effectLst/>
+                        <a:latin typeface="Aptos" panose="020B0004020202020204" pitchFamily="34" charset="0"/>
+                        <a:ea typeface="Aptos" panose="020B0004020202020204" pitchFamily="34" charset="0"/>
+                        <a:cs typeface="Times New Roman" panose="02020603050405020304" pitchFamily="18" charset="0"/>
+                      </a:endParaRPr>
+                    </a:p>
+                  </a:txBody>
+                  <a:tcPr marL="68580" marR="68580" marT="0" marB="0"/>
+                </a:tc>
+                <a:tc>
+                  <a:txBody>
+                    <a:bodyPr/>
+                    <a:lstStyle/>
+                    <a:p>
+                      <a:pPr>
+                        <a:lnSpc>
+                          <a:spcPct val="115000"/>
+                        </a:lnSpc>
+                        <a:spcAft>
+                          <a:spcPts val="800"/>
+                        </a:spcAft>
+                        <a:buNone/>
+                      </a:pPr>
+                      <a:r>
+                        <a:rPr lang="en-IN" sz="3200" kern="100">
+                          <a:effectLst/>
+                        </a:rPr>
+                        <a:t>A^T(1,1)</a:t>
+                      </a:r>
+                      <a:endParaRPr lang="en-IN" sz="3200" kern="100">
+                        <a:effectLst/>
+                        <a:latin typeface="Aptos" panose="020B0004020202020204" pitchFamily="34" charset="0"/>
+                        <a:ea typeface="Aptos" panose="020B0004020202020204" pitchFamily="34" charset="0"/>
+                        <a:cs typeface="Times New Roman" panose="02020603050405020304" pitchFamily="18" charset="0"/>
+                      </a:endParaRPr>
+                    </a:p>
+                  </a:txBody>
+                  <a:tcPr marL="68580" marR="68580" marT="0" marB="0"/>
+                </a:tc>
+                <a:extLst>
+                  <a:ext uri="{0D108BD9-81ED-4DB2-BD59-A6C34878D82A}">
+                    <a16:rowId xmlns:a16="http://schemas.microsoft.com/office/drawing/2014/main" val="2230365154"/>
+                  </a:ext>
+                </a:extLst>
+              </a:tr>
+              <a:tr h="624682">
+                <a:tc>
+                  <a:txBody>
+                    <a:bodyPr/>
+                    <a:lstStyle/>
+                    <a:p>
+                      <a:pPr>
+                        <a:lnSpc>
+                          <a:spcPct val="115000"/>
+                        </a:lnSpc>
+                        <a:spcAft>
+                          <a:spcPts val="800"/>
+                        </a:spcAft>
+                        <a:buNone/>
+                      </a:pPr>
+                      <a:r>
+                        <a:rPr lang="en-IN" sz="3200" kern="100">
+                          <a:effectLst/>
+                        </a:rPr>
+                        <a:t>A(1,2)</a:t>
+                      </a:r>
+                      <a:endParaRPr lang="en-IN" sz="3200" kern="100">
+                        <a:effectLst/>
+                        <a:latin typeface="Aptos" panose="020B0004020202020204" pitchFamily="34" charset="0"/>
+                        <a:ea typeface="Aptos" panose="020B0004020202020204" pitchFamily="34" charset="0"/>
+                        <a:cs typeface="Times New Roman" panose="02020603050405020304" pitchFamily="18" charset="0"/>
+                      </a:endParaRPr>
+                    </a:p>
+                  </a:txBody>
+                  <a:tcPr marL="68580" marR="68580" marT="0" marB="0"/>
+                </a:tc>
+                <a:tc>
+                  <a:txBody>
+                    <a:bodyPr/>
+                    <a:lstStyle/>
+                    <a:p>
+                      <a:pPr>
+                        <a:lnSpc>
+                          <a:spcPct val="115000"/>
+                        </a:lnSpc>
+                        <a:spcAft>
+                          <a:spcPts val="800"/>
+                        </a:spcAft>
+                        <a:buNone/>
+                      </a:pPr>
+                      <a:r>
+                        <a:rPr lang="en-IN" sz="3200" kern="100">
+                          <a:effectLst/>
+                        </a:rPr>
+                        <a:t>2</a:t>
+                      </a:r>
+                      <a:endParaRPr lang="en-IN" sz="3200" kern="100">
+                        <a:effectLst/>
+                        <a:latin typeface="Aptos" panose="020B0004020202020204" pitchFamily="34" charset="0"/>
+                        <a:ea typeface="Aptos" panose="020B0004020202020204" pitchFamily="34" charset="0"/>
+                        <a:cs typeface="Times New Roman" panose="02020603050405020304" pitchFamily="18" charset="0"/>
+                      </a:endParaRPr>
+                    </a:p>
+                  </a:txBody>
+                  <a:tcPr marL="68580" marR="68580" marT="0" marB="0"/>
+                </a:tc>
+                <a:tc>
+                  <a:txBody>
+                    <a:bodyPr/>
+                    <a:lstStyle/>
+                    <a:p>
+                      <a:pPr>
+                        <a:lnSpc>
+                          <a:spcPct val="115000"/>
+                        </a:lnSpc>
+                        <a:spcAft>
+                          <a:spcPts val="800"/>
+                        </a:spcAft>
+                        <a:buNone/>
+                      </a:pPr>
+                      <a:r>
+                        <a:rPr lang="en-IN" sz="3200" kern="100">
+                          <a:effectLst/>
+                        </a:rPr>
+                        <a:t>A^T(2,1)</a:t>
+                      </a:r>
+                      <a:endParaRPr lang="en-IN" sz="3200" kern="100">
+                        <a:effectLst/>
+                        <a:latin typeface="Aptos" panose="020B0004020202020204" pitchFamily="34" charset="0"/>
+                        <a:ea typeface="Aptos" panose="020B0004020202020204" pitchFamily="34" charset="0"/>
+                        <a:cs typeface="Times New Roman" panose="02020603050405020304" pitchFamily="18" charset="0"/>
+                      </a:endParaRPr>
+                    </a:p>
+                  </a:txBody>
+                  <a:tcPr marL="68580" marR="68580" marT="0" marB="0"/>
+                </a:tc>
+                <a:extLst>
+                  <a:ext uri="{0D108BD9-81ED-4DB2-BD59-A6C34878D82A}">
+                    <a16:rowId xmlns:a16="http://schemas.microsoft.com/office/drawing/2014/main" val="4058476045"/>
+                  </a:ext>
+                </a:extLst>
+              </a:tr>
+              <a:tr h="624682">
+                <a:tc>
+                  <a:txBody>
+                    <a:bodyPr/>
+                    <a:lstStyle/>
+                    <a:p>
+                      <a:pPr>
+                        <a:lnSpc>
+                          <a:spcPct val="115000"/>
+                        </a:lnSpc>
+                        <a:spcAft>
+                          <a:spcPts val="800"/>
+                        </a:spcAft>
+                        <a:buNone/>
+                      </a:pPr>
+                      <a:r>
+                        <a:rPr lang="en-IN" sz="3200" kern="100">
+                          <a:effectLst/>
+                        </a:rPr>
+                        <a:t>A(1,3)</a:t>
+                      </a:r>
+                      <a:endParaRPr lang="en-IN" sz="3200" kern="100">
+                        <a:effectLst/>
+                        <a:latin typeface="Aptos" panose="020B0004020202020204" pitchFamily="34" charset="0"/>
+                        <a:ea typeface="Aptos" panose="020B0004020202020204" pitchFamily="34" charset="0"/>
+                        <a:cs typeface="Times New Roman" panose="02020603050405020304" pitchFamily="18" charset="0"/>
+                      </a:endParaRPr>
+                    </a:p>
+                  </a:txBody>
+                  <a:tcPr marL="68580" marR="68580" marT="0" marB="0"/>
+                </a:tc>
+                <a:tc>
+                  <a:txBody>
+                    <a:bodyPr/>
+                    <a:lstStyle/>
+                    <a:p>
+                      <a:pPr>
+                        <a:lnSpc>
+                          <a:spcPct val="115000"/>
+                        </a:lnSpc>
+                        <a:spcAft>
+                          <a:spcPts val="800"/>
+                        </a:spcAft>
+                        <a:buNone/>
+                      </a:pPr>
+                      <a:r>
+                        <a:rPr lang="en-IN" sz="3200" kern="100">
+                          <a:effectLst/>
+                        </a:rPr>
+                        <a:t>3</a:t>
+                      </a:r>
+                      <a:endParaRPr lang="en-IN" sz="3200" kern="100">
+                        <a:effectLst/>
+                        <a:latin typeface="Aptos" panose="020B0004020202020204" pitchFamily="34" charset="0"/>
+                        <a:ea typeface="Aptos" panose="020B0004020202020204" pitchFamily="34" charset="0"/>
+                        <a:cs typeface="Times New Roman" panose="02020603050405020304" pitchFamily="18" charset="0"/>
+                      </a:endParaRPr>
+                    </a:p>
+                  </a:txBody>
+                  <a:tcPr marL="68580" marR="68580" marT="0" marB="0"/>
+                </a:tc>
+                <a:tc>
+                  <a:txBody>
+                    <a:bodyPr/>
+                    <a:lstStyle/>
+                    <a:p>
+                      <a:pPr>
+                        <a:lnSpc>
+                          <a:spcPct val="115000"/>
+                        </a:lnSpc>
+                        <a:spcAft>
+                          <a:spcPts val="800"/>
+                        </a:spcAft>
+                        <a:buNone/>
+                      </a:pPr>
+                      <a:r>
+                        <a:rPr lang="en-IN" sz="3200" kern="100">
+                          <a:effectLst/>
+                        </a:rPr>
+                        <a:t>A^T(3,1)</a:t>
+                      </a:r>
+                      <a:endParaRPr lang="en-IN" sz="3200" kern="100">
+                        <a:effectLst/>
+                        <a:latin typeface="Aptos" panose="020B0004020202020204" pitchFamily="34" charset="0"/>
+                        <a:ea typeface="Aptos" panose="020B0004020202020204" pitchFamily="34" charset="0"/>
+                        <a:cs typeface="Times New Roman" panose="02020603050405020304" pitchFamily="18" charset="0"/>
+                      </a:endParaRPr>
+                    </a:p>
+                  </a:txBody>
+                  <a:tcPr marL="68580" marR="68580" marT="0" marB="0"/>
+                </a:tc>
+                <a:extLst>
+                  <a:ext uri="{0D108BD9-81ED-4DB2-BD59-A6C34878D82A}">
+                    <a16:rowId xmlns:a16="http://schemas.microsoft.com/office/drawing/2014/main" val="4092010418"/>
+                  </a:ext>
+                </a:extLst>
+              </a:tr>
+              <a:tr h="624682">
+                <a:tc>
+                  <a:txBody>
+                    <a:bodyPr/>
+                    <a:lstStyle/>
+                    <a:p>
+                      <a:pPr>
+                        <a:lnSpc>
+                          <a:spcPct val="115000"/>
+                        </a:lnSpc>
+                        <a:spcAft>
+                          <a:spcPts val="800"/>
+                        </a:spcAft>
+                        <a:buNone/>
+                      </a:pPr>
+                      <a:r>
+                        <a:rPr lang="en-IN" sz="3200" kern="100">
+                          <a:effectLst/>
+                        </a:rPr>
+                        <a:t>A(2,1)</a:t>
+                      </a:r>
+                      <a:endParaRPr lang="en-IN" sz="3200" kern="100">
+                        <a:effectLst/>
+                        <a:latin typeface="Aptos" panose="020B0004020202020204" pitchFamily="34" charset="0"/>
+                        <a:ea typeface="Aptos" panose="020B0004020202020204" pitchFamily="34" charset="0"/>
+                        <a:cs typeface="Times New Roman" panose="02020603050405020304" pitchFamily="18" charset="0"/>
+                      </a:endParaRPr>
+                    </a:p>
+                  </a:txBody>
+                  <a:tcPr marL="68580" marR="68580" marT="0" marB="0"/>
+                </a:tc>
+                <a:tc>
+                  <a:txBody>
+                    <a:bodyPr/>
+                    <a:lstStyle/>
+                    <a:p>
+                      <a:pPr>
+                        <a:lnSpc>
+                          <a:spcPct val="115000"/>
+                        </a:lnSpc>
+                        <a:spcAft>
+                          <a:spcPts val="800"/>
+                        </a:spcAft>
+                        <a:buNone/>
+                      </a:pPr>
+                      <a:r>
+                        <a:rPr lang="en-IN" sz="3200" kern="100">
+                          <a:effectLst/>
+                        </a:rPr>
+                        <a:t>4</a:t>
+                      </a:r>
+                      <a:endParaRPr lang="en-IN" sz="3200" kern="100">
+                        <a:effectLst/>
+                        <a:latin typeface="Aptos" panose="020B0004020202020204" pitchFamily="34" charset="0"/>
+                        <a:ea typeface="Aptos" panose="020B0004020202020204" pitchFamily="34" charset="0"/>
+                        <a:cs typeface="Times New Roman" panose="02020603050405020304" pitchFamily="18" charset="0"/>
+                      </a:endParaRPr>
+                    </a:p>
+                  </a:txBody>
+                  <a:tcPr marL="68580" marR="68580" marT="0" marB="0"/>
+                </a:tc>
+                <a:tc>
+                  <a:txBody>
+                    <a:bodyPr/>
+                    <a:lstStyle/>
+                    <a:p>
+                      <a:pPr>
+                        <a:lnSpc>
+                          <a:spcPct val="115000"/>
+                        </a:lnSpc>
+                        <a:spcAft>
+                          <a:spcPts val="800"/>
+                        </a:spcAft>
+                        <a:buNone/>
+                      </a:pPr>
+                      <a:r>
+                        <a:rPr lang="en-IN" sz="3200" kern="100" dirty="0">
+                          <a:effectLst/>
+                        </a:rPr>
+                        <a:t>A^T(1,2)</a:t>
+                      </a:r>
+                      <a:endParaRPr lang="en-IN" sz="3200" kern="100" dirty="0">
+                        <a:effectLst/>
+                        <a:latin typeface="Aptos" panose="020B0004020202020204" pitchFamily="34" charset="0"/>
+                        <a:ea typeface="Aptos" panose="020B0004020202020204" pitchFamily="34" charset="0"/>
+                        <a:cs typeface="Times New Roman" panose="02020603050405020304" pitchFamily="18" charset="0"/>
+                      </a:endParaRPr>
+                    </a:p>
+                  </a:txBody>
+                  <a:tcPr marL="68580" marR="68580" marT="0" marB="0"/>
+                </a:tc>
+                <a:extLst>
+                  <a:ext uri="{0D108BD9-81ED-4DB2-BD59-A6C34878D82A}">
+                    <a16:rowId xmlns:a16="http://schemas.microsoft.com/office/drawing/2014/main" val="1099672072"/>
+                  </a:ext>
+                </a:extLst>
+              </a:tr>
+              <a:tr h="624682">
+                <a:tc>
+                  <a:txBody>
+                    <a:bodyPr/>
+                    <a:lstStyle/>
+                    <a:p>
+                      <a:pPr>
+                        <a:lnSpc>
+                          <a:spcPct val="115000"/>
+                        </a:lnSpc>
+                        <a:spcAft>
+                          <a:spcPts val="800"/>
+                        </a:spcAft>
+                        <a:buNone/>
+                      </a:pPr>
+                      <a:r>
+                        <a:rPr lang="en-IN" sz="3200" kern="100">
+                          <a:effectLst/>
+                        </a:rPr>
+                        <a:t>A(2,2)</a:t>
+                      </a:r>
+                      <a:endParaRPr lang="en-IN" sz="3200" kern="100">
+                        <a:effectLst/>
+                        <a:latin typeface="Aptos" panose="020B0004020202020204" pitchFamily="34" charset="0"/>
+                        <a:ea typeface="Aptos" panose="020B0004020202020204" pitchFamily="34" charset="0"/>
+                        <a:cs typeface="Times New Roman" panose="02020603050405020304" pitchFamily="18" charset="0"/>
+                      </a:endParaRPr>
+                    </a:p>
+                  </a:txBody>
+                  <a:tcPr marL="68580" marR="68580" marT="0" marB="0"/>
+                </a:tc>
+                <a:tc>
+                  <a:txBody>
+                    <a:bodyPr/>
+                    <a:lstStyle/>
+                    <a:p>
+                      <a:pPr>
+                        <a:lnSpc>
+                          <a:spcPct val="115000"/>
+                        </a:lnSpc>
+                        <a:spcAft>
+                          <a:spcPts val="800"/>
+                        </a:spcAft>
+                        <a:buNone/>
+                      </a:pPr>
+                      <a:r>
+                        <a:rPr lang="en-IN" sz="3200" kern="100">
+                          <a:effectLst/>
+                        </a:rPr>
+                        <a:t>5</a:t>
+                      </a:r>
+                      <a:endParaRPr lang="en-IN" sz="3200" kern="100">
+                        <a:effectLst/>
+                        <a:latin typeface="Aptos" panose="020B0004020202020204" pitchFamily="34" charset="0"/>
+                        <a:ea typeface="Aptos" panose="020B0004020202020204" pitchFamily="34" charset="0"/>
+                        <a:cs typeface="Times New Roman" panose="02020603050405020304" pitchFamily="18" charset="0"/>
+                      </a:endParaRPr>
+                    </a:p>
+                  </a:txBody>
+                  <a:tcPr marL="68580" marR="68580" marT="0" marB="0"/>
+                </a:tc>
+                <a:tc>
+                  <a:txBody>
+                    <a:bodyPr/>
+                    <a:lstStyle/>
+                    <a:p>
+                      <a:pPr>
+                        <a:lnSpc>
+                          <a:spcPct val="115000"/>
+                        </a:lnSpc>
+                        <a:spcAft>
+                          <a:spcPts val="800"/>
+                        </a:spcAft>
+                        <a:buNone/>
+                      </a:pPr>
+                      <a:r>
+                        <a:rPr lang="en-IN" sz="3200" kern="100" dirty="0">
+                          <a:effectLst/>
+                        </a:rPr>
+                        <a:t>A^T(2,2)</a:t>
+                      </a:r>
+                      <a:endParaRPr lang="en-IN" sz="3200" kern="100" dirty="0">
+                        <a:effectLst/>
+                        <a:latin typeface="Aptos" panose="020B0004020202020204" pitchFamily="34" charset="0"/>
+                        <a:ea typeface="Aptos" panose="020B0004020202020204" pitchFamily="34" charset="0"/>
+                        <a:cs typeface="Times New Roman" panose="02020603050405020304" pitchFamily="18" charset="0"/>
+                      </a:endParaRPr>
+                    </a:p>
+                  </a:txBody>
+                  <a:tcPr marL="68580" marR="68580" marT="0" marB="0"/>
+                </a:tc>
+                <a:extLst>
+                  <a:ext uri="{0D108BD9-81ED-4DB2-BD59-A6C34878D82A}">
+                    <a16:rowId xmlns:a16="http://schemas.microsoft.com/office/drawing/2014/main" val="1718132812"/>
+                  </a:ext>
+                </a:extLst>
+              </a:tr>
+              <a:tr h="624682">
+                <a:tc>
+                  <a:txBody>
+                    <a:bodyPr/>
+                    <a:lstStyle/>
+                    <a:p>
+                      <a:pPr>
+                        <a:lnSpc>
+                          <a:spcPct val="115000"/>
+                        </a:lnSpc>
+                        <a:spcAft>
+                          <a:spcPts val="800"/>
+                        </a:spcAft>
+                        <a:buNone/>
+                      </a:pPr>
+                      <a:r>
+                        <a:rPr lang="en-IN" sz="3200" kern="100">
+                          <a:effectLst/>
+                        </a:rPr>
+                        <a:t>A(2,3)</a:t>
+                      </a:r>
+                      <a:endParaRPr lang="en-IN" sz="3200" kern="100">
+                        <a:effectLst/>
+                        <a:latin typeface="Aptos" panose="020B0004020202020204" pitchFamily="34" charset="0"/>
+                        <a:ea typeface="Aptos" panose="020B0004020202020204" pitchFamily="34" charset="0"/>
+                        <a:cs typeface="Times New Roman" panose="02020603050405020304" pitchFamily="18" charset="0"/>
+                      </a:endParaRPr>
+                    </a:p>
+                  </a:txBody>
+                  <a:tcPr marL="68580" marR="68580" marT="0" marB="0"/>
+                </a:tc>
+                <a:tc>
+                  <a:txBody>
+                    <a:bodyPr/>
+                    <a:lstStyle/>
+                    <a:p>
+                      <a:pPr>
+                        <a:lnSpc>
+                          <a:spcPct val="115000"/>
+                        </a:lnSpc>
+                        <a:spcAft>
+                          <a:spcPts val="800"/>
+                        </a:spcAft>
+                        <a:buNone/>
+                      </a:pPr>
+                      <a:r>
+                        <a:rPr lang="en-IN" sz="3200" kern="100">
+                          <a:effectLst/>
+                        </a:rPr>
+                        <a:t>6</a:t>
+                      </a:r>
+                      <a:endParaRPr lang="en-IN" sz="3200" kern="100">
+                        <a:effectLst/>
+                        <a:latin typeface="Aptos" panose="020B0004020202020204" pitchFamily="34" charset="0"/>
+                        <a:ea typeface="Aptos" panose="020B0004020202020204" pitchFamily="34" charset="0"/>
+                        <a:cs typeface="Times New Roman" panose="02020603050405020304" pitchFamily="18" charset="0"/>
+                      </a:endParaRPr>
+                    </a:p>
+                  </a:txBody>
+                  <a:tcPr marL="68580" marR="68580" marT="0" marB="0"/>
+                </a:tc>
+                <a:tc>
+                  <a:txBody>
+                    <a:bodyPr/>
+                    <a:lstStyle/>
+                    <a:p>
+                      <a:pPr>
+                        <a:lnSpc>
+                          <a:spcPct val="115000"/>
+                        </a:lnSpc>
+                        <a:spcAft>
+                          <a:spcPts val="800"/>
+                        </a:spcAft>
+                        <a:buNone/>
+                      </a:pPr>
+                      <a:r>
+                        <a:rPr lang="en-IN" sz="3200" kern="100" dirty="0">
+                          <a:effectLst/>
+                        </a:rPr>
+                        <a:t>A^T(3,2)</a:t>
+                      </a:r>
+                      <a:endParaRPr lang="en-IN" sz="3200" kern="100" dirty="0">
+                        <a:effectLst/>
+                        <a:latin typeface="Aptos" panose="020B0004020202020204" pitchFamily="34" charset="0"/>
+                        <a:ea typeface="Aptos" panose="020B0004020202020204" pitchFamily="34" charset="0"/>
+                        <a:cs typeface="Times New Roman" panose="02020603050405020304" pitchFamily="18" charset="0"/>
+                      </a:endParaRPr>
+                    </a:p>
+                  </a:txBody>
+                  <a:tcPr marL="68580" marR="68580" marT="0" marB="0"/>
+                </a:tc>
+                <a:extLst>
+                  <a:ext uri="{0D108BD9-81ED-4DB2-BD59-A6C34878D82A}">
+                    <a16:rowId xmlns:a16="http://schemas.microsoft.com/office/drawing/2014/main" val="409813452"/>
+                  </a:ext>
+                </a:extLst>
+              </a:tr>
+            </a:tbl>
+          </a:graphicData>
+        </a:graphic>
+      </p:graphicFrame>
+    </p:spTree>
+    <p:extLst>
+      <p:ext uri="{BB962C8B-B14F-4D97-AF65-F5344CB8AC3E}">
+        <p14:creationId xmlns:p14="http://schemas.microsoft.com/office/powerpoint/2010/main" val="3891866407"/>
+      </p:ext>
+    </p:extLst>
+  </p:cSld>
+  <p:clrMapOvr>
+    <a:masterClrMapping/>
+  </p:clrMapOvr>
+</p:sld>
+</file>
+
+<file path=ppt/slides/slide13.xml><?xml version="1.0" encoding="utf-8"?>
+<p:sld xmlns:a="http://schemas.openxmlformats.org/drawingml/2006/main" xmlns:r="http://schemas.openxmlformats.org/officeDocument/2006/relationships" xmlns:p="http://schemas.openxmlformats.org/presentationml/2006/main">
+  <p:cSld>
+    <p:spTree>
+      <p:nvGrpSpPr>
+        <p:cNvPr id="1" name="">
+          <a:extLst>
+            <a:ext uri="{FF2B5EF4-FFF2-40B4-BE49-F238E27FC236}">
+              <a16:creationId xmlns:a16="http://schemas.microsoft.com/office/drawing/2014/main" id="{ED227713-7219-2FB0-A126-8BF3866855F8}"/>
+            </a:ext>
+          </a:extLst>
+        </p:cNvPr>
+        <p:cNvGrpSpPr/>
+        <p:nvPr/>
+      </p:nvGrpSpPr>
+      <p:grpSpPr>
+        <a:xfrm>
+          <a:off x="0" y="0"/>
+          <a:ext cx="0" cy="0"/>
+          <a:chOff x="0" y="0"/>
+          <a:chExt cx="0" cy="0"/>
+        </a:xfrm>
+      </p:grpSpPr>
+      <p:sp>
+        <p:nvSpPr>
+          <p:cNvPr id="3" name="Content Placeholder 2">
+            <a:extLst>
+              <a:ext uri="{FF2B5EF4-FFF2-40B4-BE49-F238E27FC236}">
+                <a16:creationId xmlns:a16="http://schemas.microsoft.com/office/drawing/2014/main" id="{11D5F598-8056-97EA-3BD0-BFF0C48C7814}"/>
+              </a:ext>
+            </a:extLst>
+          </p:cNvPr>
+          <p:cNvSpPr>
+            <a:spLocks noGrp="1"/>
+          </p:cNvSpPr>
+          <p:nvPr>
+            <p:ph idx="1"/>
+          </p:nvPr>
+        </p:nvSpPr>
+        <p:spPr>
+          <a:xfrm>
+            <a:off x="777240" y="740229"/>
+            <a:ext cx="10659110" cy="5436734"/>
+          </a:xfrm>
+        </p:spPr>
+        <p:txBody>
+          <a:bodyPr>
+            <a:normAutofit/>
+          </a:bodyPr>
+          <a:lstStyle/>
+          <a:p>
+            <a:pPr marL="0" indent="0">
+              <a:buNone/>
+            </a:pPr>
+            <a:endParaRPr lang="en-IN" sz="2400" dirty="0"/>
+          </a:p>
+        </p:txBody>
+      </p:sp>
+    </p:spTree>
+    <p:extLst>
+      <p:ext uri="{BB962C8B-B14F-4D97-AF65-F5344CB8AC3E}">
+        <p14:creationId xmlns:p14="http://schemas.microsoft.com/office/powerpoint/2010/main" val="3927394895"/>
+      </p:ext>
+    </p:extLst>
+  </p:cSld>
+  <p:clrMapOvr>
+    <a:masterClrMapping/>
+  </p:clrMapOvr>
+</p:sld>
+</file>
+
+<file path=ppt/slides/slide14.xml><?xml version="1.0" encoding="utf-8"?>
+<p:sld xmlns:a="http://schemas.openxmlformats.org/drawingml/2006/main" xmlns:r="http://schemas.openxmlformats.org/officeDocument/2006/relationships" xmlns:p="http://schemas.openxmlformats.org/presentationml/2006/main">
+  <p:cSld>
+    <p:spTree>
+      <p:nvGrpSpPr>
+        <p:cNvPr id="1" name="">
+          <a:extLst>
+            <a:ext uri="{FF2B5EF4-FFF2-40B4-BE49-F238E27FC236}">
+              <a16:creationId xmlns:a16="http://schemas.microsoft.com/office/drawing/2014/main" id="{F2EABFE9-E10D-0253-76F1-E7505E9F7D67}"/>
+            </a:ext>
+          </a:extLst>
+        </p:cNvPr>
+        <p:cNvGrpSpPr/>
+        <p:nvPr/>
+      </p:nvGrpSpPr>
+      <p:grpSpPr>
+        <a:xfrm>
+          <a:off x="0" y="0"/>
+          <a:ext cx="0" cy="0"/>
+          <a:chOff x="0" y="0"/>
+          <a:chExt cx="0" cy="0"/>
+        </a:xfrm>
+      </p:grpSpPr>
+      <p:sp>
+        <p:nvSpPr>
+          <p:cNvPr id="3" name="Content Placeholder 2">
+            <a:extLst>
+              <a:ext uri="{FF2B5EF4-FFF2-40B4-BE49-F238E27FC236}">
+                <a16:creationId xmlns:a16="http://schemas.microsoft.com/office/drawing/2014/main" id="{B3730F06-AAC5-FBC6-95C1-4BF9182922D4}"/>
+              </a:ext>
+            </a:extLst>
+          </p:cNvPr>
+          <p:cNvSpPr>
+            <a:spLocks noGrp="1"/>
+          </p:cNvSpPr>
+          <p:nvPr>
+            <p:ph idx="1"/>
+          </p:nvPr>
+        </p:nvSpPr>
+        <p:spPr>
+          <a:xfrm>
+            <a:off x="645716" y="1697045"/>
+            <a:ext cx="10900568" cy="2787870"/>
+          </a:xfrm>
+        </p:spPr>
+        <p:txBody>
+          <a:bodyPr>
+            <a:normAutofit/>
+          </a:bodyPr>
+          <a:lstStyle/>
+          <a:p>
+            <a:pPr marL="0" indent="0" algn="ctr">
+              <a:buNone/>
+            </a:pPr>
+            <a:r>
+              <a:rPr lang="en-IN" sz="6000" b="1" dirty="0">
+                <a:latin typeface="+mj-lt"/>
+              </a:rPr>
+              <a:t>Program-6: </a:t>
+            </a:r>
+            <a:r>
+              <a:rPr lang="en-US" sz="6000" b="1" dirty="0">
+                <a:latin typeface="+mj-lt"/>
+              </a:rPr>
+              <a:t>Generate </a:t>
+            </a:r>
+            <a:r>
+              <a:rPr lang="en-US" sz="6000" b="1" dirty="0">
+                <a:solidFill>
+                  <a:schemeClr val="tx2">
+                    <a:lumMod val="75000"/>
+                    <a:lumOff val="25000"/>
+                  </a:schemeClr>
+                </a:solidFill>
+                <a:latin typeface="+mj-lt"/>
+              </a:rPr>
+              <a:t>Floyd's</a:t>
+            </a:r>
+            <a:r>
+              <a:rPr lang="en-US" sz="6000" b="1" dirty="0">
+                <a:latin typeface="+mj-lt"/>
+              </a:rPr>
+              <a:t> Triangle for given Rows</a:t>
+            </a:r>
+            <a:endParaRPr lang="en-IN" sz="6000" b="1" dirty="0">
+              <a:solidFill>
+                <a:schemeClr val="tx2">
+                  <a:lumMod val="75000"/>
+                  <a:lumOff val="25000"/>
+                </a:schemeClr>
+              </a:solidFill>
+              <a:latin typeface="+mj-lt"/>
+            </a:endParaRPr>
+          </a:p>
+        </p:txBody>
+      </p:sp>
+    </p:spTree>
+    <p:extLst>
+      <p:ext uri="{BB962C8B-B14F-4D97-AF65-F5344CB8AC3E}">
+        <p14:creationId xmlns:p14="http://schemas.microsoft.com/office/powerpoint/2010/main" val="2350706493"/>
+      </p:ext>
+    </p:extLst>
+  </p:cSld>
+  <p:clrMapOvr>
+    <a:masterClrMapping/>
+  </p:clrMapOvr>
+</p:sld>
+</file>
+
+<file path=ppt/slides/slide15.xml><?xml version="1.0" encoding="utf-8"?>
+<p:sld xmlns:a="http://schemas.openxmlformats.org/drawingml/2006/main" xmlns:r="http://schemas.openxmlformats.org/officeDocument/2006/relationships" xmlns:p="http://schemas.openxmlformats.org/presentationml/2006/main">
+  <p:cSld>
+    <p:spTree>
+      <p:nvGrpSpPr>
+        <p:cNvPr id="1" name=""/>
+        <p:cNvGrpSpPr/>
+        <p:nvPr/>
+      </p:nvGrpSpPr>
+      <p:grpSpPr>
+        <a:xfrm>
+          <a:off x="0" y="0"/>
+          <a:ext cx="0" cy="0"/>
+          <a:chOff x="0" y="0"/>
+          <a:chExt cx="0" cy="0"/>
+        </a:xfrm>
+      </p:grpSpPr>
+      <p:sp>
+        <p:nvSpPr>
+          <p:cNvPr id="3" name="Content Placeholder 2">
+            <a:extLst>
+              <a:ext uri="{FF2B5EF4-FFF2-40B4-BE49-F238E27FC236}">
+                <a16:creationId xmlns:a16="http://schemas.microsoft.com/office/drawing/2014/main" id="{FF825371-62D4-E5FE-2A67-AC368A38F1BD}"/>
+              </a:ext>
+            </a:extLst>
+          </p:cNvPr>
+          <p:cNvSpPr>
+            <a:spLocks noGrp="1"/>
+          </p:cNvSpPr>
+          <p:nvPr>
+            <p:ph idx="1"/>
+          </p:nvPr>
+        </p:nvSpPr>
+        <p:spPr>
+          <a:xfrm>
+            <a:off x="777240" y="740229"/>
+            <a:ext cx="10659110" cy="5436734"/>
+          </a:xfrm>
+        </p:spPr>
+        <p:txBody>
+          <a:bodyPr>
+            <a:normAutofit/>
+          </a:bodyPr>
+          <a:lstStyle/>
+          <a:p>
+            <a:pPr marL="0" indent="0">
+              <a:buNone/>
+            </a:pPr>
+            <a:r>
+              <a:rPr lang="en-US" sz="2800" b="1" dirty="0"/>
+              <a:t>Floyd’s Triangle</a:t>
+            </a:r>
+          </a:p>
+          <a:p>
+            <a:r>
+              <a:rPr lang="en-US" sz="2400" b="1" dirty="0"/>
+              <a:t>Floyd’s Triangle</a:t>
+            </a:r>
+            <a:r>
+              <a:rPr lang="en-US" sz="2400" dirty="0"/>
+              <a:t> is a simple </a:t>
+            </a:r>
+            <a:r>
+              <a:rPr lang="en-US" sz="2400" b="1" dirty="0">
+                <a:solidFill>
+                  <a:srgbClr val="C00000"/>
+                </a:solidFill>
+              </a:rPr>
+              <a:t>number pattern</a:t>
+            </a:r>
+            <a:r>
+              <a:rPr lang="en-US" sz="2400" dirty="0">
+                <a:solidFill>
+                  <a:srgbClr val="C00000"/>
+                </a:solidFill>
+              </a:rPr>
+              <a:t> </a:t>
+            </a:r>
+            <a:r>
+              <a:rPr lang="en-US" sz="2400" dirty="0"/>
+              <a:t>that looks like a </a:t>
+            </a:r>
+            <a:r>
+              <a:rPr lang="en-US" sz="2400" b="1" dirty="0">
+                <a:solidFill>
+                  <a:srgbClr val="C00000"/>
+                </a:solidFill>
+              </a:rPr>
+              <a:t>triangle</a:t>
+            </a:r>
+            <a:r>
+              <a:rPr lang="en-US" sz="2400" dirty="0"/>
+              <a:t> made up of </a:t>
+            </a:r>
+            <a:r>
+              <a:rPr lang="en-US" sz="2400" b="1" dirty="0"/>
+              <a:t>consecutive </a:t>
+            </a:r>
+            <a:r>
+              <a:rPr lang="en-US" sz="2400" b="1" dirty="0">
+                <a:solidFill>
+                  <a:srgbClr val="C00000"/>
+                </a:solidFill>
+              </a:rPr>
+              <a:t>natural numbers </a:t>
+            </a:r>
+            <a:r>
+              <a:rPr lang="en-US" sz="2400" dirty="0"/>
+              <a:t>(1, 2, 3, 4, 5, …).</a:t>
+            </a:r>
+          </a:p>
+          <a:p>
+            <a:r>
+              <a:rPr lang="en-US" sz="2400" dirty="0"/>
+              <a:t>It starts with the number </a:t>
+            </a:r>
+            <a:r>
+              <a:rPr lang="en-US" sz="2400" b="1" dirty="0"/>
+              <a:t>1</a:t>
+            </a:r>
+            <a:r>
+              <a:rPr lang="en-US" sz="2400" dirty="0"/>
+              <a:t> at the top, and each new row contains </a:t>
+            </a:r>
+            <a:r>
+              <a:rPr lang="en-US" sz="2400" b="1" dirty="0"/>
+              <a:t>one more number</a:t>
+            </a:r>
+            <a:r>
+              <a:rPr lang="en-US" sz="2400" dirty="0"/>
+              <a:t> than the previous row.</a:t>
+            </a:r>
+          </a:p>
+          <a:p>
+            <a:r>
+              <a:rPr lang="en-US" sz="2400" dirty="0"/>
+              <a:t>Here’s how it forms:</a:t>
+            </a:r>
+          </a:p>
+          <a:p>
+            <a:pPr lvl="1"/>
+            <a:r>
+              <a:rPr lang="en-US" sz="2200" dirty="0"/>
+              <a:t>Row 1 → 1 number → </a:t>
+            </a:r>
+            <a:r>
+              <a:rPr lang="en-US" dirty="0"/>
+              <a:t>1</a:t>
+            </a:r>
+            <a:endParaRPr lang="en-US" sz="2200" dirty="0"/>
+          </a:p>
+          <a:p>
+            <a:pPr lvl="1"/>
+            <a:r>
+              <a:rPr lang="en-US" sz="2200" dirty="0"/>
+              <a:t>Row 2 → 2 numbers → </a:t>
+            </a:r>
+            <a:r>
+              <a:rPr lang="en-US" dirty="0"/>
+              <a:t>2 3</a:t>
+            </a:r>
+            <a:endParaRPr lang="en-US" sz="2200" dirty="0"/>
+          </a:p>
+          <a:p>
+            <a:pPr lvl="1"/>
+            <a:r>
+              <a:rPr lang="en-US" sz="2200" dirty="0"/>
+              <a:t>Row 3 → 3 numbers → </a:t>
+            </a:r>
+            <a:r>
+              <a:rPr lang="en-US" dirty="0"/>
+              <a:t>4 5 6</a:t>
+            </a:r>
+            <a:endParaRPr lang="en-US" sz="2200" dirty="0"/>
+          </a:p>
+          <a:p>
+            <a:pPr lvl="1"/>
+            <a:r>
+              <a:rPr lang="en-US" sz="2200" dirty="0"/>
+              <a:t>Row 4 → 4 numbers → </a:t>
+            </a:r>
+            <a:r>
+              <a:rPr lang="en-US" dirty="0"/>
+              <a:t>7 8 9 10</a:t>
+            </a:r>
+            <a:endParaRPr lang="en-US" sz="2200" dirty="0"/>
+          </a:p>
+          <a:p>
+            <a:pPr lvl="1"/>
+            <a:r>
+              <a:rPr lang="en-US" sz="2200" dirty="0"/>
+              <a:t>Row 5 → 5 numbers → </a:t>
+            </a:r>
+            <a:r>
+              <a:rPr lang="en-US" dirty="0"/>
+              <a:t>11 12 13 14 15</a:t>
+            </a:r>
+            <a:endParaRPr lang="en-US" sz="2200" dirty="0"/>
+          </a:p>
+          <a:p>
+            <a:r>
+              <a:rPr lang="en-US" sz="2400" dirty="0"/>
+              <a:t>Each number continues from the previous one</a:t>
+            </a:r>
+          </a:p>
+          <a:p>
+            <a:r>
+              <a:rPr lang="en-US" sz="2400" dirty="0"/>
+              <a:t>There are </a:t>
+            </a:r>
+            <a:r>
+              <a:rPr lang="en-US" sz="2400" b="1" dirty="0"/>
+              <a:t>no skips</a:t>
+            </a:r>
+            <a:r>
+              <a:rPr lang="en-US" sz="2400" dirty="0"/>
+              <a:t>.</a:t>
+            </a:r>
+          </a:p>
+          <a:p>
+            <a:endParaRPr lang="en-US" sz="2400" dirty="0"/>
+          </a:p>
+          <a:p>
+            <a:pPr marL="0" indent="0">
+              <a:buNone/>
+            </a:pPr>
+            <a:endParaRPr lang="en-US" sz="2400" dirty="0"/>
+          </a:p>
+          <a:p>
+            <a:pPr marL="0" indent="0">
+              <a:buNone/>
+            </a:pPr>
+            <a:endParaRPr lang="en-US" sz="2400" dirty="0"/>
+          </a:p>
+          <a:p>
+            <a:pPr marL="0" indent="0">
+              <a:buNone/>
+            </a:pPr>
+            <a:endParaRPr lang="en-IN" sz="2400" dirty="0"/>
+          </a:p>
+        </p:txBody>
+      </p:sp>
+      <p:pic>
+        <p:nvPicPr>
+          <p:cNvPr id="5" name="Picture 4">
+            <a:extLst>
+              <a:ext uri="{FF2B5EF4-FFF2-40B4-BE49-F238E27FC236}">
+                <a16:creationId xmlns:a16="http://schemas.microsoft.com/office/drawing/2014/main" id="{B6D131BE-FD71-8C8E-A1B3-C035777DBD99}"/>
+              </a:ext>
+            </a:extLst>
+          </p:cNvPr>
+          <p:cNvPicPr>
+            <a:picLocks noChangeAspect="1"/>
+          </p:cNvPicPr>
+          <p:nvPr/>
+        </p:nvPicPr>
+        <p:blipFill>
+          <a:blip r:embed="rId2"/>
+          <a:stretch>
+            <a:fillRect/>
+          </a:stretch>
+        </p:blipFill>
+        <p:spPr>
+          <a:xfrm>
+            <a:off x="7147458" y="2614275"/>
+            <a:ext cx="3955971" cy="3562688"/>
+          </a:xfrm>
+          <a:prstGeom prst="rect">
+            <a:avLst/>
+          </a:prstGeom>
+        </p:spPr>
+      </p:pic>
+    </p:spTree>
+    <p:extLst>
+      <p:ext uri="{BB962C8B-B14F-4D97-AF65-F5344CB8AC3E}">
+        <p14:creationId xmlns:p14="http://schemas.microsoft.com/office/powerpoint/2010/main" val="1609763764"/>
+      </p:ext>
+    </p:extLst>
+  </p:cSld>
+  <p:clrMapOvr>
+    <a:masterClrMapping/>
+  </p:clrMapOvr>
+</p:sld>
+</file>
+
+<file path=ppt/slides/slide16.xml><?xml version="1.0" encoding="utf-8"?>
+<p:sld xmlns:a="http://schemas.openxmlformats.org/drawingml/2006/main" xmlns:r="http://schemas.openxmlformats.org/officeDocument/2006/relationships" xmlns:p="http://schemas.openxmlformats.org/presentationml/2006/main">
+  <p:cSld>
+    <p:spTree>
+      <p:nvGrpSpPr>
+        <p:cNvPr id="1" name="">
+          <a:extLst>
+            <a:ext uri="{FF2B5EF4-FFF2-40B4-BE49-F238E27FC236}">
               <a16:creationId xmlns:a16="http://schemas.microsoft.com/office/drawing/2014/main" id="{562434F4-19A4-EFAC-5477-6E61F370832D}"/>
             </a:ext>
           </a:extLst>
@@ -5463,7 +8005,7 @@
 </p:sld>
 </file>
 
-<file path=ppt/slides/slide11.xml><?xml version="1.0" encoding="utf-8"?>
+<file path=ppt/slides/slide17.xml><?xml version="1.0" encoding="utf-8"?>
 <p:sld xmlns:a="http://schemas.openxmlformats.org/drawingml/2006/main" xmlns:r="http://schemas.openxmlformats.org/officeDocument/2006/relationships" xmlns:p="http://schemas.openxmlformats.org/presentationml/2006/main">
   <p:cSld>
     <p:spTree>
@@ -5787,7 +8329,7 @@
 </p:sld>
 </file>
 
-<file path=ppt/slides/slide12.xml><?xml version="1.0" encoding="utf-8"?>
+<file path=ppt/slides/slide18.xml><?xml version="1.0" encoding="utf-8"?>
 <p:sld xmlns:a="http://schemas.openxmlformats.org/drawingml/2006/main" xmlns:r="http://schemas.openxmlformats.org/officeDocument/2006/relationships" xmlns:p="http://schemas.openxmlformats.org/presentationml/2006/main">
   <p:cSld>
     <p:spTree>
@@ -6487,7 +9029,7 @@
 </p:sld>
 </file>
 
-<file path=ppt/slides/slide13.xml><?xml version="1.0" encoding="utf-8"?>
+<file path=ppt/slides/slide19.xml><?xml version="1.0" encoding="utf-8"?>
 <p:sld xmlns:a="http://schemas.openxmlformats.org/drawingml/2006/main" xmlns:r="http://schemas.openxmlformats.org/officeDocument/2006/relationships" xmlns:p="http://schemas.openxmlformats.org/presentationml/2006/main">
   <p:cSld>
     <p:spTree>
@@ -6687,7 +9229,79 @@
 </p:sld>
 </file>
 
-<file path=ppt/slides/slide14.xml><?xml version="1.0" encoding="utf-8"?>
+<file path=ppt/slides/slide2.xml><?xml version="1.0" encoding="utf-8"?>
+<p:sld xmlns:a="http://schemas.openxmlformats.org/drawingml/2006/main" xmlns:r="http://schemas.openxmlformats.org/officeDocument/2006/relationships" xmlns:p="http://schemas.openxmlformats.org/presentationml/2006/main">
+  <p:cSld>
+    <p:spTree>
+      <p:nvGrpSpPr>
+        <p:cNvPr id="1" name="">
+          <a:extLst>
+            <a:ext uri="{FF2B5EF4-FFF2-40B4-BE49-F238E27FC236}">
+              <a16:creationId xmlns:a16="http://schemas.microsoft.com/office/drawing/2014/main" id="{F3A5BB4A-DEE7-AC39-C7A3-41514D4C9A4D}"/>
+            </a:ext>
+          </a:extLst>
+        </p:cNvPr>
+        <p:cNvGrpSpPr/>
+        <p:nvPr/>
+      </p:nvGrpSpPr>
+      <p:grpSpPr>
+        <a:xfrm>
+          <a:off x="0" y="0"/>
+          <a:ext cx="0" cy="0"/>
+          <a:chOff x="0" y="0"/>
+          <a:chExt cx="0" cy="0"/>
+        </a:xfrm>
+      </p:grpSpPr>
+      <p:pic>
+        <p:nvPicPr>
+          <p:cNvPr id="4" name="Content Placeholder 3" descr="A black and white text on a white background&#10;&#10;AI-generated content may be incorrect.">
+            <a:extLst>
+              <a:ext uri="{FF2B5EF4-FFF2-40B4-BE49-F238E27FC236}">
+                <a16:creationId xmlns:a16="http://schemas.microsoft.com/office/drawing/2014/main" id="{5B9C3A19-67B7-C916-E5BF-34B195B1E212}"/>
+              </a:ext>
+            </a:extLst>
+          </p:cNvPr>
+          <p:cNvPicPr>
+            <a:picLocks noGrp="1" noChangeAspect="1"/>
+          </p:cNvPicPr>
+          <p:nvPr>
+            <p:ph idx="1"/>
+          </p:nvPr>
+        </p:nvPicPr>
+        <p:blipFill>
+          <a:blip r:embed="rId2">
+            <a:extLst>
+              <a:ext uri="{28A0092B-C50C-407E-A947-70E740481C1C}">
+                <a14:useLocalDpi xmlns:a14="http://schemas.microsoft.com/office/drawing/2010/main" val="0"/>
+              </a:ext>
+            </a:extLst>
+          </a:blip>
+          <a:srcRect l="3094" r="1658" b="2108"/>
+          <a:stretch>
+            <a:fillRect/>
+          </a:stretch>
+        </p:blipFill>
+        <p:spPr>
+          <a:xfrm>
+            <a:off x="1240972" y="364671"/>
+            <a:ext cx="9383485" cy="6128657"/>
+          </a:xfrm>
+        </p:spPr>
+      </p:pic>
+    </p:spTree>
+    <p:extLst>
+      <p:ext uri="{BB962C8B-B14F-4D97-AF65-F5344CB8AC3E}">
+        <p14:creationId xmlns:p14="http://schemas.microsoft.com/office/powerpoint/2010/main" val="1172931138"/>
+      </p:ext>
+    </p:extLst>
+  </p:cSld>
+  <p:clrMapOvr>
+    <a:masterClrMapping/>
+  </p:clrMapOvr>
+</p:sld>
+</file>
+
+<file path=ppt/slides/slide20.xml><?xml version="1.0" encoding="utf-8"?>
 <p:sld xmlns:a="http://schemas.openxmlformats.org/drawingml/2006/main" xmlns:r="http://schemas.openxmlformats.org/officeDocument/2006/relationships" xmlns:p="http://schemas.openxmlformats.org/presentationml/2006/main">
   <p:cSld>
     <p:spTree>
@@ -6881,7 +9495,7 @@
 </p:sld>
 </file>
 
-<file path=ppt/slides/slide15.xml><?xml version="1.0" encoding="utf-8"?>
+<file path=ppt/slides/slide21.xml><?xml version="1.0" encoding="utf-8"?>
 <p:sld xmlns:a="http://schemas.openxmlformats.org/drawingml/2006/main" xmlns:r="http://schemas.openxmlformats.org/officeDocument/2006/relationships" xmlns:p="http://schemas.openxmlformats.org/presentationml/2006/main">
   <p:cSld>
     <p:spTree>
@@ -7234,7 +9848,7 @@
 </p:sld>
 </file>
 
-<file path=ppt/slides/slide16.xml><?xml version="1.0" encoding="utf-8"?>
+<file path=ppt/slides/slide22.xml><?xml version="1.0" encoding="utf-8"?>
 <p:sld xmlns:a="http://schemas.openxmlformats.org/drawingml/2006/main" xmlns:r="http://schemas.openxmlformats.org/officeDocument/2006/relationships" xmlns:p="http://schemas.openxmlformats.org/presentationml/2006/main">
   <p:cSld>
     <p:spTree>
@@ -7392,7 +10006,7 @@
 </p:sld>
 </file>
 
-<file path=ppt/slides/slide17.xml><?xml version="1.0" encoding="utf-8"?>
+<file path=ppt/slides/slide23.xml><?xml version="1.0" encoding="utf-8"?>
 <p:sld xmlns:a="http://schemas.openxmlformats.org/drawingml/2006/main" xmlns:r="http://schemas.openxmlformats.org/officeDocument/2006/relationships" xmlns:p="http://schemas.openxmlformats.org/presentationml/2006/main">
   <p:cSld>
     <p:spTree>
@@ -7584,7 +10198,7 @@
 </p:sld>
 </file>
 
-<file path=ppt/slides/slide18.xml><?xml version="1.0" encoding="utf-8"?>
+<file path=ppt/slides/slide24.xml><?xml version="1.0" encoding="utf-8"?>
 <p:sld xmlns:a="http://schemas.openxmlformats.org/drawingml/2006/main" xmlns:r="http://schemas.openxmlformats.org/officeDocument/2006/relationships" xmlns:p="http://schemas.openxmlformats.org/presentationml/2006/main">
   <p:cSld>
     <p:spTree>
@@ -7815,7 +10429,7 @@
 </p:sld>
 </file>
 
-<file path=ppt/slides/slide19.xml><?xml version="1.0" encoding="utf-8"?>
+<file path=ppt/slides/slide25.xml><?xml version="1.0" encoding="utf-8"?>
 <p:sld xmlns:a="http://schemas.openxmlformats.org/drawingml/2006/main" xmlns:r="http://schemas.openxmlformats.org/officeDocument/2006/relationships" xmlns:p="http://schemas.openxmlformats.org/presentationml/2006/main">
   <p:cSld>
     <p:spTree>
@@ -8063,79 +10677,7 @@
 </p:sld>
 </file>
 
-<file path=ppt/slides/slide2.xml><?xml version="1.0" encoding="utf-8"?>
-<p:sld xmlns:a="http://schemas.openxmlformats.org/drawingml/2006/main" xmlns:r="http://schemas.openxmlformats.org/officeDocument/2006/relationships" xmlns:p="http://schemas.openxmlformats.org/presentationml/2006/main">
-  <p:cSld>
-    <p:spTree>
-      <p:nvGrpSpPr>
-        <p:cNvPr id="1" name="">
-          <a:extLst>
-            <a:ext uri="{FF2B5EF4-FFF2-40B4-BE49-F238E27FC236}">
-              <a16:creationId xmlns:a16="http://schemas.microsoft.com/office/drawing/2014/main" id="{F3A5BB4A-DEE7-AC39-C7A3-41514D4C9A4D}"/>
-            </a:ext>
-          </a:extLst>
-        </p:cNvPr>
-        <p:cNvGrpSpPr/>
-        <p:nvPr/>
-      </p:nvGrpSpPr>
-      <p:grpSpPr>
-        <a:xfrm>
-          <a:off x="0" y="0"/>
-          <a:ext cx="0" cy="0"/>
-          <a:chOff x="0" y="0"/>
-          <a:chExt cx="0" cy="0"/>
-        </a:xfrm>
-      </p:grpSpPr>
-      <p:pic>
-        <p:nvPicPr>
-          <p:cNvPr id="4" name="Content Placeholder 3" descr="A black and white text on a white background&#10;&#10;AI-generated content may be incorrect.">
-            <a:extLst>
-              <a:ext uri="{FF2B5EF4-FFF2-40B4-BE49-F238E27FC236}">
-                <a16:creationId xmlns:a16="http://schemas.microsoft.com/office/drawing/2014/main" id="{5B9C3A19-67B7-C916-E5BF-34B195B1E212}"/>
-              </a:ext>
-            </a:extLst>
-          </p:cNvPr>
-          <p:cNvPicPr>
-            <a:picLocks noGrp="1" noChangeAspect="1"/>
-          </p:cNvPicPr>
-          <p:nvPr>
-            <p:ph idx="1"/>
-          </p:nvPr>
-        </p:nvPicPr>
-        <p:blipFill>
-          <a:blip r:embed="rId2">
-            <a:extLst>
-              <a:ext uri="{28A0092B-C50C-407E-A947-70E740481C1C}">
-                <a14:useLocalDpi xmlns:a14="http://schemas.microsoft.com/office/drawing/2010/main" val="0"/>
-              </a:ext>
-            </a:extLst>
-          </a:blip>
-          <a:srcRect l="3094" r="1658" b="2108"/>
-          <a:stretch>
-            <a:fillRect/>
-          </a:stretch>
-        </p:blipFill>
-        <p:spPr>
-          <a:xfrm>
-            <a:off x="1240972" y="364671"/>
-            <a:ext cx="9383485" cy="6128657"/>
-          </a:xfrm>
-        </p:spPr>
-      </p:pic>
-    </p:spTree>
-    <p:extLst>
-      <p:ext uri="{BB962C8B-B14F-4D97-AF65-F5344CB8AC3E}">
-        <p14:creationId xmlns:p14="http://schemas.microsoft.com/office/powerpoint/2010/main" val="1172931138"/>
-      </p:ext>
-    </p:extLst>
-  </p:cSld>
-  <p:clrMapOvr>
-    <a:masterClrMapping/>
-  </p:clrMapOvr>
-</p:sld>
-</file>
-
-<file path=ppt/slides/slide20.xml><?xml version="1.0" encoding="utf-8"?>
+<file path=ppt/slides/slide26.xml><?xml version="1.0" encoding="utf-8"?>
 <p:sld xmlns:a="http://schemas.openxmlformats.org/drawingml/2006/main" xmlns:r="http://schemas.openxmlformats.org/officeDocument/2006/relationships" xmlns:p="http://schemas.openxmlformats.org/presentationml/2006/main">
   <p:cSld>
     <p:spTree>
@@ -8247,7 +10789,7 @@
 </p:sld>
 </file>
 
-<file path=ppt/slides/slide21.xml><?xml version="1.0" encoding="utf-8"?>
+<file path=ppt/slides/slide27.xml><?xml version="1.0" encoding="utf-8"?>
 <p:sld xmlns:a="http://schemas.openxmlformats.org/drawingml/2006/main" xmlns:r="http://schemas.openxmlformats.org/officeDocument/2006/relationships" xmlns:p="http://schemas.openxmlformats.org/presentationml/2006/main">
   <p:cSld>
     <p:spTree>
@@ -8421,7 +10963,7 @@
 </p:sld>
 </file>
 
-<file path=ppt/slides/slide22.xml><?xml version="1.0" encoding="utf-8"?>
+<file path=ppt/slides/slide28.xml><?xml version="1.0" encoding="utf-8"?>
 <p:sld xmlns:a="http://schemas.openxmlformats.org/drawingml/2006/main" xmlns:r="http://schemas.openxmlformats.org/officeDocument/2006/relationships" xmlns:p="http://schemas.openxmlformats.org/presentationml/2006/main">
   <p:cSld>
     <p:spTree>
@@ -9820,7 +12362,7 @@
 </p:sld>
 </file>
 
-<file path=ppt/slides/slide23.xml><?xml version="1.0" encoding="utf-8"?>
+<file path=ppt/slides/slide29.xml><?xml version="1.0" encoding="utf-8"?>
 <p:sld xmlns:a="http://schemas.openxmlformats.org/drawingml/2006/main" xmlns:r="http://schemas.openxmlformats.org/officeDocument/2006/relationships" xmlns:p="http://schemas.openxmlformats.org/presentationml/2006/main">
   <p:cSld>
     <p:spTree>
@@ -10024,7 +12566,78 @@
 </p:sld>
 </file>
 
-<file path=ppt/slides/slide24.xml><?xml version="1.0" encoding="utf-8"?>
+<file path=ppt/slides/slide3.xml><?xml version="1.0" encoding="utf-8"?>
+<p:sld xmlns:a="http://schemas.openxmlformats.org/drawingml/2006/main" xmlns:r="http://schemas.openxmlformats.org/officeDocument/2006/relationships" xmlns:p="http://schemas.openxmlformats.org/presentationml/2006/main">
+  <p:cSld>
+    <p:spTree>
+      <p:nvGrpSpPr>
+        <p:cNvPr id="1" name="">
+          <a:extLst>
+            <a:ext uri="{FF2B5EF4-FFF2-40B4-BE49-F238E27FC236}">
+              <a16:creationId xmlns:a16="http://schemas.microsoft.com/office/drawing/2014/main" id="{BA47CFFD-FC55-DE87-6B45-4F33086221D8}"/>
+            </a:ext>
+          </a:extLst>
+        </p:cNvPr>
+        <p:cNvGrpSpPr/>
+        <p:nvPr/>
+      </p:nvGrpSpPr>
+      <p:grpSpPr>
+        <a:xfrm>
+          <a:off x="0" y="0"/>
+          <a:ext cx="0" cy="0"/>
+          <a:chOff x="0" y="0"/>
+          <a:chExt cx="0" cy="0"/>
+        </a:xfrm>
+      </p:grpSpPr>
+      <p:sp>
+        <p:nvSpPr>
+          <p:cNvPr id="3" name="Content Placeholder 2">
+            <a:extLst>
+              <a:ext uri="{FF2B5EF4-FFF2-40B4-BE49-F238E27FC236}">
+                <a16:creationId xmlns:a16="http://schemas.microsoft.com/office/drawing/2014/main" id="{6DB46AC9-AEBC-6C3C-F6FA-282C71F36D27}"/>
+              </a:ext>
+            </a:extLst>
+          </p:cNvPr>
+          <p:cNvSpPr>
+            <a:spLocks noGrp="1"/>
+          </p:cNvSpPr>
+          <p:nvPr>
+            <p:ph idx="1"/>
+          </p:nvPr>
+        </p:nvSpPr>
+        <p:spPr>
+          <a:xfrm>
+            <a:off x="777240" y="816429"/>
+            <a:ext cx="10659110" cy="5360534"/>
+          </a:xfrm>
+        </p:spPr>
+        <p:txBody>
+          <a:bodyPr>
+            <a:normAutofit/>
+          </a:bodyPr>
+          <a:lstStyle/>
+          <a:p>
+            <a:pPr marL="0" indent="0">
+              <a:buNone/>
+            </a:pPr>
+            <a:endParaRPr lang="en-IN" sz="2400" dirty="0"/>
+          </a:p>
+        </p:txBody>
+      </p:sp>
+    </p:spTree>
+    <p:extLst>
+      <p:ext uri="{BB962C8B-B14F-4D97-AF65-F5344CB8AC3E}">
+        <p14:creationId xmlns:p14="http://schemas.microsoft.com/office/powerpoint/2010/main" val="4112291260"/>
+      </p:ext>
+    </p:extLst>
+  </p:cSld>
+  <p:clrMapOvr>
+    <a:masterClrMapping/>
+  </p:clrMapOvr>
+</p:sld>
+</file>
+
+<file path=ppt/slides/slide30.xml><?xml version="1.0" encoding="utf-8"?>
 <p:sld xmlns:a="http://schemas.openxmlformats.org/drawingml/2006/main" xmlns:r="http://schemas.openxmlformats.org/officeDocument/2006/relationships" xmlns:p="http://schemas.openxmlformats.org/presentationml/2006/main">
   <p:cSld>
     <p:spTree>
@@ -10186,7 +12799,7 @@
 </p:sld>
 </file>
 
-<file path=ppt/slides/slide25.xml><?xml version="1.0" encoding="utf-8"?>
+<file path=ppt/slides/slide31.xml><?xml version="1.0" encoding="utf-8"?>
 <p:sld xmlns:a="http://schemas.openxmlformats.org/drawingml/2006/main" xmlns:r="http://schemas.openxmlformats.org/officeDocument/2006/relationships" xmlns:p="http://schemas.openxmlformats.org/presentationml/2006/main">
   <p:cSld>
     <p:spTree>
@@ -10288,7 +12901,7 @@
 </p:sld>
 </file>
 
-<file path=ppt/slides/slide26.xml><?xml version="1.0" encoding="utf-8"?>
+<file path=ppt/slides/slide32.xml><?xml version="1.0" encoding="utf-8"?>
 <p:sld xmlns:a="http://schemas.openxmlformats.org/drawingml/2006/main" xmlns:r="http://schemas.openxmlformats.org/officeDocument/2006/relationships" xmlns:p="http://schemas.openxmlformats.org/presentationml/2006/main">
   <p:cSld>
     <p:spTree>
@@ -10504,7 +13117,7 @@
 </p:sld>
 </file>
 
-<file path=ppt/slides/slide27.xml><?xml version="1.0" encoding="utf-8"?>
+<file path=ppt/slides/slide33.xml><?xml version="1.0" encoding="utf-8"?>
 <p:sld xmlns:a="http://schemas.openxmlformats.org/drawingml/2006/main" xmlns:r="http://schemas.openxmlformats.org/officeDocument/2006/relationships" xmlns:p="http://schemas.openxmlformats.org/presentationml/2006/main">
   <p:cSld>
     <p:spTree>
@@ -10683,7 +13296,7 @@
 </p:sld>
 </file>
 
-<file path=ppt/slides/slide28.xml><?xml version="1.0" encoding="utf-8"?>
+<file path=ppt/slides/slide34.xml><?xml version="1.0" encoding="utf-8"?>
 <p:sld xmlns:a="http://schemas.openxmlformats.org/drawingml/2006/main" xmlns:r="http://schemas.openxmlformats.org/officeDocument/2006/relationships" xmlns:p="http://schemas.openxmlformats.org/presentationml/2006/main">
   <p:cSld>
     <p:spTree>
@@ -10754,7 +13367,7 @@
 </p:sld>
 </file>
 
-<file path=ppt/slides/slide29.xml><?xml version="1.0" encoding="utf-8"?>
+<file path=ppt/slides/slide35.xml><?xml version="1.0" encoding="utf-8"?>
 <p:sld xmlns:a="http://schemas.openxmlformats.org/drawingml/2006/main" xmlns:r="http://schemas.openxmlformats.org/officeDocument/2006/relationships" xmlns:p="http://schemas.openxmlformats.org/presentationml/2006/main">
   <p:cSld>
     <p:spTree>
@@ -10825,7 +13438,7 @@
 </p:sld>
 </file>
 
-<file path=ppt/slides/slide3.xml><?xml version="1.0" encoding="utf-8"?>
+<file path=ppt/slides/slide4.xml><?xml version="1.0" encoding="utf-8"?>
 <p:sld xmlns:a="http://schemas.openxmlformats.org/drawingml/2006/main" xmlns:r="http://schemas.openxmlformats.org/officeDocument/2006/relationships" xmlns:p="http://schemas.openxmlformats.org/presentationml/2006/main">
   <p:cSld>
     <p:spTree>
@@ -10866,8 +13479,8 @@
         </p:nvSpPr>
         <p:spPr>
           <a:xfrm>
-            <a:off x="645716" y="1697045"/>
-            <a:ext cx="10900568" cy="2787870"/>
+            <a:off x="645716" y="1697044"/>
+            <a:ext cx="10900568" cy="3712237"/>
           </a:xfrm>
         </p:spPr>
         <p:txBody>
@@ -10883,25 +13496,43 @@
               <a:rPr lang="en-IN" sz="6000" b="1" dirty="0">
                 <a:latin typeface="+mj-lt"/>
               </a:rPr>
-              <a:t>Program-7: </a:t>
-            </a:r>
-            <a:r>
-              <a:rPr lang="en-US" sz="6100" b="1" dirty="0">
+              <a:t>Program-9: </a:t>
+            </a:r>
+            <a:r>
+              <a:rPr lang="en-US" sz="6000" b="1" dirty="0">
                 <a:latin typeface="+mj-lt"/>
               </a:rPr>
-              <a:t>Develop a program to find the </a:t>
+              <a:t>Develop a modular program to find </a:t>
             </a:r>
             <a:r>
               <a:rPr lang="en-US" sz="6000" b="1" dirty="0">
                 <a:solidFill>
-                  <a:schemeClr val="tx2">
-                    <a:lumMod val="75000"/>
-                    <a:lumOff val="25000"/>
-                  </a:schemeClr>
+                  <a:srgbClr val="C00000"/>
                 </a:solidFill>
                 <a:latin typeface="+mj-lt"/>
               </a:rPr>
-              <a:t>transpose of the matrix.</a:t>
+              <a:t>GCD</a:t>
+            </a:r>
+            <a:r>
+              <a:rPr lang="en-US" sz="6000" b="1" dirty="0">
+                <a:latin typeface="+mj-lt"/>
+              </a:rPr>
+              <a:t> and </a:t>
+            </a:r>
+            <a:r>
+              <a:rPr lang="en-US" sz="6000" b="1" dirty="0">
+                <a:solidFill>
+                  <a:srgbClr val="C00000"/>
+                </a:solidFill>
+                <a:latin typeface="+mj-lt"/>
+              </a:rPr>
+              <a:t>LCM</a:t>
+            </a:r>
+            <a:r>
+              <a:rPr lang="en-US" sz="6000" b="1" dirty="0">
+                <a:latin typeface="+mj-lt"/>
+              </a:rPr>
+              <a:t> of given numbers</a:t>
             </a:r>
             <a:endParaRPr lang="en-IN" sz="6000" b="1" dirty="0">
               <a:solidFill>
@@ -10928,7 +13559,193 @@
 </p:sld>
 </file>
 
-<file path=ppt/slides/slide4.xml><?xml version="1.0" encoding="utf-8"?>
+<file path=ppt/slides/slide5.xml><?xml version="1.0" encoding="utf-8"?>
+<p:sld xmlns:a="http://schemas.openxmlformats.org/drawingml/2006/main" xmlns:r="http://schemas.openxmlformats.org/officeDocument/2006/relationships" xmlns:p="http://schemas.openxmlformats.org/presentationml/2006/main">
+  <p:cSld>
+    <p:spTree>
+      <p:nvGrpSpPr>
+        <p:cNvPr id="1" name=""/>
+        <p:cNvGrpSpPr/>
+        <p:nvPr/>
+      </p:nvGrpSpPr>
+      <p:grpSpPr>
+        <a:xfrm>
+          <a:off x="0" y="0"/>
+          <a:ext cx="0" cy="0"/>
+          <a:chOff x="0" y="0"/>
+          <a:chExt cx="0" cy="0"/>
+        </a:xfrm>
+      </p:grpSpPr>
+      <p:sp>
+        <p:nvSpPr>
+          <p:cNvPr id="3" name="Content Placeholder 2">
+            <a:extLst>
+              <a:ext uri="{FF2B5EF4-FFF2-40B4-BE49-F238E27FC236}">
+                <a16:creationId xmlns:a16="http://schemas.microsoft.com/office/drawing/2014/main" id="{AA904E13-9852-B679-989E-25658277871E}"/>
+              </a:ext>
+            </a:extLst>
+          </p:cNvPr>
+          <p:cNvSpPr>
+            <a:spLocks noGrp="1"/>
+          </p:cNvSpPr>
+          <p:nvPr>
+            <p:ph idx="1"/>
+          </p:nvPr>
+        </p:nvSpPr>
+        <p:spPr>
+          <a:xfrm>
+            <a:off x="777240" y="816429"/>
+            <a:ext cx="10659110" cy="5360534"/>
+          </a:xfrm>
+        </p:spPr>
+        <p:txBody>
+          <a:bodyPr>
+            <a:normAutofit/>
+          </a:bodyPr>
+          <a:lstStyle/>
+          <a:p>
+            <a:pPr marL="0" indent="0">
+              <a:buNone/>
+            </a:pPr>
+            <a:r>
+              <a:rPr lang="en-US" sz="2800" b="1" dirty="0"/>
+              <a:t>What is GCD?</a:t>
+            </a:r>
+          </a:p>
+          <a:p>
+            <a:r>
+              <a:rPr lang="en-US" sz="2800" b="1" dirty="0"/>
+              <a:t>GCD (Greatest Common Divisor)</a:t>
+            </a:r>
+            <a:br>
+              <a:rPr lang="en-US" sz="2800" dirty="0"/>
+            </a:br>
+            <a:r>
+              <a:rPr lang="en-US" sz="2800" dirty="0"/>
+              <a:t>→ It is the </a:t>
+            </a:r>
+            <a:r>
+              <a:rPr lang="en-US" sz="2800" b="1" dirty="0"/>
+              <a:t>largest number</a:t>
+            </a:r>
+            <a:r>
+              <a:rPr lang="en-US" sz="2800" dirty="0"/>
+              <a:t> that can </a:t>
+            </a:r>
+            <a:r>
+              <a:rPr lang="en-US" sz="2800" b="1" dirty="0">
+                <a:solidFill>
+                  <a:srgbClr val="C00000"/>
+                </a:solidFill>
+              </a:rPr>
+              <a:t>divide both numbers exactly </a:t>
+            </a:r>
+            <a:r>
+              <a:rPr lang="en-US" sz="2800" dirty="0"/>
+              <a:t>(without remainder).</a:t>
+            </a:r>
+          </a:p>
+          <a:p>
+            <a:r>
+              <a:rPr lang="en-US" sz="2800" b="1" dirty="0"/>
+              <a:t>Example</a:t>
+            </a:r>
+          </a:p>
+          <a:p>
+            <a:pPr lvl="1"/>
+            <a:r>
+              <a:rPr lang="en-US" sz="2800" dirty="0"/>
+              <a:t>Find GCD of </a:t>
+            </a:r>
+            <a:r>
+              <a:rPr lang="en-US" sz="2800" b="1" dirty="0"/>
+              <a:t>12</a:t>
+            </a:r>
+            <a:r>
+              <a:rPr lang="en-US" sz="2800" dirty="0"/>
+              <a:t> and </a:t>
+            </a:r>
+            <a:r>
+              <a:rPr lang="en-US" sz="2800" b="1" dirty="0"/>
+              <a:t>18</a:t>
+            </a:r>
+            <a:endParaRPr lang="en-US" sz="2800" dirty="0"/>
+          </a:p>
+          <a:p>
+            <a:pPr lvl="2"/>
+            <a:r>
+              <a:rPr lang="en-US" sz="2800" dirty="0"/>
+              <a:t>Divisors of 12 → 1, 2, 3, 4, 6, 12</a:t>
+            </a:r>
+          </a:p>
+          <a:p>
+            <a:pPr lvl="2"/>
+            <a:r>
+              <a:rPr lang="en-US" sz="2800" dirty="0"/>
+              <a:t>Divisors of 18 → 1, 2, 3, 6, 9, 18</a:t>
+            </a:r>
+          </a:p>
+          <a:p>
+            <a:pPr lvl="1"/>
+            <a:r>
+              <a:rPr lang="en-US" sz="2800" dirty="0"/>
+              <a:t>Common divisors → </a:t>
+            </a:r>
+            <a:r>
+              <a:rPr lang="en-US" sz="2800" b="1" dirty="0"/>
+              <a:t>1, 2, 3, 6</a:t>
+            </a:r>
+            <a:endParaRPr lang="en-US" sz="2800" dirty="0"/>
+          </a:p>
+          <a:p>
+            <a:pPr lvl="1"/>
+            <a:r>
+              <a:rPr lang="en-US" sz="2800" dirty="0"/>
+              <a:t>Among these, the </a:t>
+            </a:r>
+            <a:r>
+              <a:rPr lang="en-US" sz="2800" b="1" dirty="0"/>
+              <a:t>greatest</a:t>
+            </a:r>
+            <a:r>
+              <a:rPr lang="en-US" sz="2800" dirty="0"/>
+              <a:t> is:</a:t>
+            </a:r>
+            <a:br>
+              <a:rPr lang="en-US" sz="2800" dirty="0"/>
+            </a:br>
+            <a:r>
+              <a:rPr lang="en-US" sz="2800" dirty="0"/>
+              <a:t>👉 </a:t>
+            </a:r>
+            <a:r>
+              <a:rPr lang="en-US" sz="2800" b="1" dirty="0"/>
+              <a:t>GCD = 6</a:t>
+            </a:r>
+            <a:endParaRPr lang="en-US" sz="2800" dirty="0"/>
+          </a:p>
+          <a:p>
+            <a:pPr marL="0" indent="0">
+              <a:buNone/>
+            </a:pPr>
+            <a:endParaRPr lang="en-IN" sz="2800" dirty="0"/>
+          </a:p>
+        </p:txBody>
+      </p:sp>
+    </p:spTree>
+    <p:extLst>
+      <p:ext uri="{BB962C8B-B14F-4D97-AF65-F5344CB8AC3E}">
+        <p14:creationId xmlns:p14="http://schemas.microsoft.com/office/powerpoint/2010/main" val="254163670"/>
+      </p:ext>
+    </p:extLst>
+  </p:cSld>
+  <p:clrMapOvr>
+    <a:masterClrMapping/>
+  </p:clrMapOvr>
+</p:sld>
+</file>
+
+<file path=ppt/slides/slide6.xml><?xml version="1.0" encoding="utf-8"?>
 <p:sld xmlns:a="http://schemas.openxmlformats.org/drawingml/2006/main" xmlns:r="http://schemas.openxmlformats.org/officeDocument/2006/relationships" xmlns:p="http://schemas.openxmlformats.org/presentationml/2006/main">
   <p:cSld>
     <p:spTree>
@@ -10936,7 +13753,7 @@
         <p:cNvPr id="1" name="">
           <a:extLst>
             <a:ext uri="{FF2B5EF4-FFF2-40B4-BE49-F238E27FC236}">
-              <a16:creationId xmlns:a16="http://schemas.microsoft.com/office/drawing/2014/main" id="{A6B6B878-5D10-E774-944B-E2AA7AA1456F}"/>
+              <a16:creationId xmlns:a16="http://schemas.microsoft.com/office/drawing/2014/main" id="{04618C38-EB34-6842-16BB-F955F2D03D1E}"/>
             </a:ext>
           </a:extLst>
         </p:cNvPr>
@@ -10956,7 +13773,7 @@
           <p:cNvPr id="3" name="Content Placeholder 2">
             <a:extLst>
               <a:ext uri="{FF2B5EF4-FFF2-40B4-BE49-F238E27FC236}">
-                <a16:creationId xmlns:a16="http://schemas.microsoft.com/office/drawing/2014/main" id="{C3ADC201-F9EC-B490-AE30-DB2AF5B8AFFC}"/>
+                <a16:creationId xmlns:a16="http://schemas.microsoft.com/office/drawing/2014/main" id="{0EA2D1E7-2EF1-5514-F589-E4597A2708BD}"/>
               </a:ext>
             </a:extLst>
           </p:cNvPr>
@@ -10969,13 +13786,13 @@
         </p:nvSpPr>
         <p:spPr>
           <a:xfrm>
-            <a:off x="777240" y="740229"/>
-            <a:ext cx="10659110" cy="5436734"/>
+            <a:off x="777240" y="816429"/>
+            <a:ext cx="10659110" cy="5360534"/>
           </a:xfrm>
         </p:spPr>
         <p:txBody>
           <a:bodyPr>
-            <a:normAutofit lnSpcReduction="10000"/>
+            <a:normAutofit/>
           </a:bodyPr>
           <a:lstStyle/>
           <a:p>
@@ -10984,17 +13801,45 @@
             </a:pPr>
             <a:r>
               <a:rPr lang="en-US" sz="2800" b="1" dirty="0"/>
-              <a:t>What is a Matrix?</a:t>
-            </a:r>
-          </a:p>
-          <a:p>
-            <a:r>
+              <a:t>What is LCM?</a:t>
+            </a:r>
+          </a:p>
+          <a:p>
+            <a:r>
+              <a:rPr lang="en-US" sz="2800" b="1" dirty="0"/>
+              <a:t>LCM (Least Common Multiple)</a:t>
+            </a:r>
+            <a:br>
               <a:rPr lang="en-US" sz="2800" dirty="0"/>
-              <a:t>A matrix is like a table of numbers arranged in </a:t>
+            </a:br>
+            <a:r>
+              <a:rPr lang="en-US" sz="2800" dirty="0"/>
+              <a:t>→ It is the </a:t>
             </a:r>
             <a:r>
               <a:rPr lang="en-US" sz="2800" b="1" dirty="0"/>
-              <a:t>rows</a:t>
+              <a:t>smallest number</a:t>
+            </a:r>
+            <a:r>
+              <a:rPr lang="en-US" sz="2800" dirty="0"/>
+              <a:t> that both numbers can divide exactly.</a:t>
+            </a:r>
+          </a:p>
+          <a:p>
+            <a:r>
+              <a:rPr lang="en-US" sz="2800" b="1" dirty="0"/>
+              <a:t>Example</a:t>
+            </a:r>
+          </a:p>
+          <a:p>
+            <a:pPr lvl="1"/>
+            <a:r>
+              <a:rPr lang="en-US" sz="2800" dirty="0"/>
+              <a:t>Find LCM of </a:t>
+            </a:r>
+            <a:r>
+              <a:rPr lang="en-US" sz="2800" b="1" dirty="0"/>
+              <a:t>12</a:t>
             </a:r>
             <a:r>
               <a:rPr lang="en-US" sz="2800" dirty="0"/>
@@ -11002,510 +13847,108 @@
             </a:r>
             <a:r>
               <a:rPr lang="en-US" sz="2800" b="1" dirty="0"/>
-              <a:t>columns</a:t>
-            </a:r>
+              <a:t>18</a:t>
+            </a:r>
+            <a:endParaRPr lang="en-US" sz="2800" dirty="0"/>
+          </a:p>
+          <a:p>
+            <a:pPr lvl="2"/>
             <a:r>
               <a:rPr lang="en-US" sz="2800" dirty="0"/>
-              <a:t>.</a:t>
-            </a:r>
-          </a:p>
-          <a:p>
+              <a:t>Multiples of 12 → 12, 24, </a:t>
+            </a:r>
             <a:r>
               <a:rPr lang="en-US" sz="2800" b="1" dirty="0"/>
-              <a:t>Example:</a:t>
-            </a:r>
-          </a:p>
-          <a:p>
-            <a:endParaRPr lang="en-US" sz="2800" b="1" dirty="0"/>
-          </a:p>
-          <a:p>
-            <a:endParaRPr lang="en-US" sz="2800" b="1" dirty="0"/>
-          </a:p>
-          <a:p>
-            <a:endParaRPr lang="en-US" sz="2800" b="1" dirty="0"/>
-          </a:p>
-          <a:p>
-            <a:endParaRPr lang="en-US" sz="2800" b="1" dirty="0"/>
-          </a:p>
-          <a:p>
-            <a:endParaRPr lang="en-US" sz="2800" b="1" dirty="0"/>
-          </a:p>
-          <a:p>
+              <a:t>36</a:t>
+            </a:r>
+            <a:r>
+              <a:rPr lang="en-US" sz="2800" dirty="0"/>
+              <a:t>, 48, 60, 72…</a:t>
+            </a:r>
+            <a:br>
+              <a:rPr lang="en-US" sz="2800" dirty="0"/>
+            </a:br>
+            <a:r>
+              <a:rPr lang="en-US" sz="2800" dirty="0"/>
+              <a:t>Multiples of 18 → 18, </a:t>
+            </a:r>
             <a:r>
               <a:rPr lang="en-US" sz="2800" b="1" dirty="0"/>
-              <a:t>Here, this matrix has:</a:t>
-            </a:r>
-          </a:p>
-          <a:p>
-            <a:pPr lvl="1">
-              <a:buFont typeface="Courier New" panose="02070309020205020404" pitchFamily="49" charset="0"/>
-              <a:buChar char="o"/>
-            </a:pPr>
+              <a:t>36</a:t>
+            </a:r>
             <a:r>
               <a:rPr lang="en-US" sz="2800" dirty="0"/>
-              <a:t>2 rows</a:t>
-            </a:r>
-          </a:p>
-          <a:p>
-            <a:pPr lvl="1">
-              <a:buFont typeface="Courier New" panose="02070309020205020404" pitchFamily="49" charset="0"/>
-              <a:buChar char="o"/>
-            </a:pPr>
+              <a:t>, 54, 72…</a:t>
+            </a:r>
+          </a:p>
+          <a:p>
+            <a:pPr lvl="2"/>
             <a:r>
               <a:rPr lang="en-US" sz="2800" dirty="0"/>
-              <a:t>3 columns</a:t>
-            </a:r>
-          </a:p>
-          <a:p>
-            <a:endParaRPr lang="en-US" sz="2400" b="1" dirty="0"/>
+              <a:t>Common multiples → 36, 72…</a:t>
+            </a:r>
+          </a:p>
+          <a:p>
+            <a:pPr lvl="1"/>
+            <a:r>
+              <a:rPr lang="en-US" sz="2800" dirty="0"/>
+              <a:t>Smallest common multiple:</a:t>
+            </a:r>
+            <a:br>
+              <a:rPr lang="en-US" sz="2800" dirty="0"/>
+            </a:br>
+            <a:r>
+              <a:rPr lang="en-US" sz="2800" dirty="0"/>
+              <a:t>👉 </a:t>
+            </a:r>
+            <a:r>
+              <a:rPr lang="en-US" sz="2800" b="1" dirty="0"/>
+              <a:t>LCM = 36</a:t>
+            </a:r>
+            <a:endParaRPr lang="en-US" sz="2800" dirty="0"/>
           </a:p>
           <a:p>
             <a:pPr marL="0" indent="0">
               <a:buNone/>
             </a:pPr>
-            <a:endParaRPr lang="en-IN" sz="2400" dirty="0"/>
+            <a:endParaRPr lang="en-IN" sz="2800" dirty="0"/>
           </a:p>
         </p:txBody>
       </p:sp>
-      <p:graphicFrame>
-        <p:nvGraphicFramePr>
-          <p:cNvPr id="2" name="Table 1">
+      <p:pic>
+        <p:nvPicPr>
+          <p:cNvPr id="4" name="Picture 3">
             <a:extLst>
               <a:ext uri="{FF2B5EF4-FFF2-40B4-BE49-F238E27FC236}">
-                <a16:creationId xmlns:a16="http://schemas.microsoft.com/office/drawing/2014/main" id="{D440493D-7B73-F2DC-80F1-8791089B5021}"/>
+                <a16:creationId xmlns:a16="http://schemas.microsoft.com/office/drawing/2014/main" id="{77423CB5-FF2A-5ECD-E5C6-E685701CA746}"/>
               </a:ext>
             </a:extLst>
           </p:cNvPr>
-          <p:cNvGraphicFramePr>
-            <a:graphicFrameLocks noGrp="1"/>
-          </p:cNvGraphicFramePr>
-          <p:nvPr>
-            <p:extLst>
-              <p:ext uri="{D42A27DB-BD31-4B8C-83A1-F6EECF244321}">
-                <p14:modId xmlns:p14="http://schemas.microsoft.com/office/powerpoint/2010/main" val="589353623"/>
-              </p:ext>
-            </p:extLst>
-          </p:nvPr>
-        </p:nvGraphicFramePr>
-        <p:xfrm>
-          <a:off x="2906407" y="2210230"/>
-          <a:ext cx="2373163" cy="1490912"/>
-        </p:xfrm>
-        <a:graphic>
-          <a:graphicData uri="http://schemas.openxmlformats.org/drawingml/2006/table">
-            <a:tbl>
-              <a:tblPr/>
-              <a:tblGrid>
-                <a:gridCol w="863086">
-                  <a:extLst>
-                    <a:ext uri="{9D8B030D-6E8A-4147-A177-3AD203B41FA5}">
-                      <a16:colId xmlns:a16="http://schemas.microsoft.com/office/drawing/2014/main" val="2306715820"/>
-                    </a:ext>
-                  </a:extLst>
-                </a:gridCol>
-                <a:gridCol w="863086">
-                  <a:extLst>
-                    <a:ext uri="{9D8B030D-6E8A-4147-A177-3AD203B41FA5}">
-                      <a16:colId xmlns:a16="http://schemas.microsoft.com/office/drawing/2014/main" val="2346520885"/>
-                    </a:ext>
-                  </a:extLst>
-                </a:gridCol>
-                <a:gridCol w="646991">
-                  <a:extLst>
-                    <a:ext uri="{9D8B030D-6E8A-4147-A177-3AD203B41FA5}">
-                      <a16:colId xmlns:a16="http://schemas.microsoft.com/office/drawing/2014/main" val="147346925"/>
-                    </a:ext>
-                  </a:extLst>
-                </a:gridCol>
-              </a:tblGrid>
-              <a:tr h="745456">
-                <a:tc>
-                  <a:txBody>
-                    <a:bodyPr/>
-                    <a:lstStyle/>
-                    <a:p>
-                      <a:pPr marL="0" marR="0" fontAlgn="t">
-                        <a:buNone/>
-                      </a:pPr>
-                      <a:r>
-                        <a:rPr lang="en-IN" sz="4000" b="1" dirty="0">
-                          <a:effectLst/>
-                          <a:latin typeface="+mj-lt"/>
-                        </a:rPr>
-                        <a:t>1</a:t>
-                      </a:r>
-                      <a:endParaRPr lang="en-IN" sz="4000" dirty="0">
-                        <a:effectLst/>
-                        <a:latin typeface="+mj-lt"/>
-                      </a:endParaRPr>
-                    </a:p>
-                  </a:txBody>
-                  <a:tcPr marL="50800" marR="50800" marT="50800" marB="50800">
-                    <a:lnL w="12700" cap="flat" cmpd="sng" algn="ctr">
-                      <a:solidFill>
-                        <a:srgbClr val="A3A3A3"/>
-                      </a:solidFill>
-                      <a:prstDash val="solid"/>
-                      <a:round/>
-                      <a:headEnd type="none" w="med" len="med"/>
-                      <a:tailEnd type="none" w="med" len="med"/>
-                    </a:lnL>
-                    <a:lnR w="12700" cap="flat" cmpd="sng" algn="ctr">
-                      <a:solidFill>
-                        <a:srgbClr val="A3A3A3"/>
-                      </a:solidFill>
-                      <a:prstDash val="solid"/>
-                      <a:round/>
-                      <a:headEnd type="none" w="med" len="med"/>
-                      <a:tailEnd type="none" w="med" len="med"/>
-                    </a:lnR>
-                    <a:lnT w="12700" cap="flat" cmpd="sng" algn="ctr">
-                      <a:solidFill>
-                        <a:srgbClr val="A3A3A3"/>
-                      </a:solidFill>
-                      <a:prstDash val="solid"/>
-                      <a:round/>
-                      <a:headEnd type="none" w="med" len="med"/>
-                      <a:tailEnd type="none" w="med" len="med"/>
-                    </a:lnT>
-                    <a:lnB w="12700" cap="flat" cmpd="sng" algn="ctr">
-                      <a:solidFill>
-                        <a:srgbClr val="A3A3A3"/>
-                      </a:solidFill>
-                      <a:prstDash val="solid"/>
-                      <a:round/>
-                      <a:headEnd type="none" w="med" len="med"/>
-                      <a:tailEnd type="none" w="med" len="med"/>
-                    </a:lnB>
-                    <a:noFill/>
-                  </a:tcPr>
-                </a:tc>
-                <a:tc>
-                  <a:txBody>
-                    <a:bodyPr/>
-                    <a:lstStyle/>
-                    <a:p>
-                      <a:pPr marL="0" marR="0" fontAlgn="t">
-                        <a:buNone/>
-                      </a:pPr>
-                      <a:r>
-                        <a:rPr lang="en-IN" sz="4000" b="1">
-                          <a:effectLst/>
-                          <a:latin typeface="+mj-lt"/>
-                        </a:rPr>
-                        <a:t>2</a:t>
-                      </a:r>
-                      <a:endParaRPr lang="en-IN" sz="4000">
-                        <a:effectLst/>
-                        <a:latin typeface="+mj-lt"/>
-                      </a:endParaRPr>
-                    </a:p>
-                  </a:txBody>
-                  <a:tcPr marL="50800" marR="50800" marT="50800" marB="50800">
-                    <a:lnL w="12700" cap="flat" cmpd="sng" algn="ctr">
-                      <a:solidFill>
-                        <a:srgbClr val="A3A3A3"/>
-                      </a:solidFill>
-                      <a:prstDash val="solid"/>
-                      <a:round/>
-                      <a:headEnd type="none" w="med" len="med"/>
-                      <a:tailEnd type="none" w="med" len="med"/>
-                    </a:lnL>
-                    <a:lnR w="12700" cap="flat" cmpd="sng" algn="ctr">
-                      <a:solidFill>
-                        <a:srgbClr val="A3A3A3"/>
-                      </a:solidFill>
-                      <a:prstDash val="solid"/>
-                      <a:round/>
-                      <a:headEnd type="none" w="med" len="med"/>
-                      <a:tailEnd type="none" w="med" len="med"/>
-                    </a:lnR>
-                    <a:lnT w="12700" cap="flat" cmpd="sng" algn="ctr">
-                      <a:solidFill>
-                        <a:srgbClr val="A3A3A3"/>
-                      </a:solidFill>
-                      <a:prstDash val="solid"/>
-                      <a:round/>
-                      <a:headEnd type="none" w="med" len="med"/>
-                      <a:tailEnd type="none" w="med" len="med"/>
-                    </a:lnT>
-                    <a:lnB w="12700" cap="flat" cmpd="sng" algn="ctr">
-                      <a:solidFill>
-                        <a:srgbClr val="A3A3A3"/>
-                      </a:solidFill>
-                      <a:prstDash val="solid"/>
-                      <a:round/>
-                      <a:headEnd type="none" w="med" len="med"/>
-                      <a:tailEnd type="none" w="med" len="med"/>
-                    </a:lnB>
-                    <a:noFill/>
-                  </a:tcPr>
-                </a:tc>
-                <a:tc>
-                  <a:txBody>
-                    <a:bodyPr/>
-                    <a:lstStyle/>
-                    <a:p>
-                      <a:pPr marL="0" marR="0" fontAlgn="t">
-                        <a:buNone/>
-                      </a:pPr>
-                      <a:r>
-                        <a:rPr lang="en-IN" sz="4000" b="1">
-                          <a:effectLst/>
-                          <a:latin typeface="+mj-lt"/>
-                        </a:rPr>
-                        <a:t>3</a:t>
-                      </a:r>
-                      <a:endParaRPr lang="en-IN" sz="4000">
-                        <a:effectLst/>
-                        <a:latin typeface="+mj-lt"/>
-                      </a:endParaRPr>
-                    </a:p>
-                  </a:txBody>
-                  <a:tcPr marL="50800" marR="50800" marT="50800" marB="50800">
-                    <a:lnL w="12700" cap="flat" cmpd="sng" algn="ctr">
-                      <a:solidFill>
-                        <a:srgbClr val="A3A3A3"/>
-                      </a:solidFill>
-                      <a:prstDash val="solid"/>
-                      <a:round/>
-                      <a:headEnd type="none" w="med" len="med"/>
-                      <a:tailEnd type="none" w="med" len="med"/>
-                    </a:lnL>
-                    <a:lnR w="12700" cap="flat" cmpd="sng" algn="ctr">
-                      <a:solidFill>
-                        <a:srgbClr val="A3A3A3"/>
-                      </a:solidFill>
-                      <a:prstDash val="solid"/>
-                      <a:round/>
-                      <a:headEnd type="none" w="med" len="med"/>
-                      <a:tailEnd type="none" w="med" len="med"/>
-                    </a:lnR>
-                    <a:lnT w="12700" cap="flat" cmpd="sng" algn="ctr">
-                      <a:solidFill>
-                        <a:srgbClr val="A3A3A3"/>
-                      </a:solidFill>
-                      <a:prstDash val="solid"/>
-                      <a:round/>
-                      <a:headEnd type="none" w="med" len="med"/>
-                      <a:tailEnd type="none" w="med" len="med"/>
-                    </a:lnT>
-                    <a:lnB w="12700" cap="flat" cmpd="sng" algn="ctr">
-                      <a:solidFill>
-                        <a:srgbClr val="A3A3A3"/>
-                      </a:solidFill>
-                      <a:prstDash val="solid"/>
-                      <a:round/>
-                      <a:headEnd type="none" w="med" len="med"/>
-                      <a:tailEnd type="none" w="med" len="med"/>
-                    </a:lnB>
-                    <a:noFill/>
-                  </a:tcPr>
-                </a:tc>
-                <a:extLst>
-                  <a:ext uri="{0D108BD9-81ED-4DB2-BD59-A6C34878D82A}">
-                    <a16:rowId xmlns:a16="http://schemas.microsoft.com/office/drawing/2014/main" val="1051779871"/>
-                  </a:ext>
-                </a:extLst>
-              </a:tr>
-              <a:tr h="745456">
-                <a:tc>
-                  <a:txBody>
-                    <a:bodyPr/>
-                    <a:lstStyle/>
-                    <a:p>
-                      <a:pPr marL="0" marR="0" fontAlgn="t">
-                        <a:buNone/>
-                      </a:pPr>
-                      <a:r>
-                        <a:rPr lang="en-IN" sz="4000" b="1">
-                          <a:effectLst/>
-                          <a:latin typeface="+mj-lt"/>
-                        </a:rPr>
-                        <a:t>4</a:t>
-                      </a:r>
-                      <a:endParaRPr lang="en-IN" sz="4000">
-                        <a:effectLst/>
-                        <a:latin typeface="+mj-lt"/>
-                      </a:endParaRPr>
-                    </a:p>
-                  </a:txBody>
-                  <a:tcPr marL="50800" marR="50800" marT="50800" marB="50800">
-                    <a:lnL w="12700" cap="flat" cmpd="sng" algn="ctr">
-                      <a:solidFill>
-                        <a:srgbClr val="A3A3A3"/>
-                      </a:solidFill>
-                      <a:prstDash val="solid"/>
-                      <a:round/>
-                      <a:headEnd type="none" w="med" len="med"/>
-                      <a:tailEnd type="none" w="med" len="med"/>
-                    </a:lnL>
-                    <a:lnR w="12700" cap="flat" cmpd="sng" algn="ctr">
-                      <a:solidFill>
-                        <a:srgbClr val="A3A3A3"/>
-                      </a:solidFill>
-                      <a:prstDash val="solid"/>
-                      <a:round/>
-                      <a:headEnd type="none" w="med" len="med"/>
-                      <a:tailEnd type="none" w="med" len="med"/>
-                    </a:lnR>
-                    <a:lnT w="12700" cap="flat" cmpd="sng" algn="ctr">
-                      <a:solidFill>
-                        <a:srgbClr val="A3A3A3"/>
-                      </a:solidFill>
-                      <a:prstDash val="solid"/>
-                      <a:round/>
-                      <a:headEnd type="none" w="med" len="med"/>
-                      <a:tailEnd type="none" w="med" len="med"/>
-                    </a:lnT>
-                    <a:lnB w="12700" cap="flat" cmpd="sng" algn="ctr">
-                      <a:solidFill>
-                        <a:srgbClr val="A3A3A3"/>
-                      </a:solidFill>
-                      <a:prstDash val="solid"/>
-                      <a:round/>
-                      <a:headEnd type="none" w="med" len="med"/>
-                      <a:tailEnd type="none" w="med" len="med"/>
-                    </a:lnB>
-                    <a:noFill/>
-                  </a:tcPr>
-                </a:tc>
-                <a:tc>
-                  <a:txBody>
-                    <a:bodyPr/>
-                    <a:lstStyle/>
-                    <a:p>
-                      <a:pPr marL="0" marR="0" fontAlgn="t">
-                        <a:buNone/>
-                      </a:pPr>
-                      <a:r>
-                        <a:rPr lang="en-IN" sz="4000" b="1">
-                          <a:effectLst/>
-                          <a:latin typeface="+mj-lt"/>
-                        </a:rPr>
-                        <a:t>5</a:t>
-                      </a:r>
-                      <a:endParaRPr lang="en-IN" sz="4000">
-                        <a:effectLst/>
-                        <a:latin typeface="+mj-lt"/>
-                      </a:endParaRPr>
-                    </a:p>
-                  </a:txBody>
-                  <a:tcPr marL="50800" marR="50800" marT="50800" marB="50800">
-                    <a:lnL w="12700" cap="flat" cmpd="sng" algn="ctr">
-                      <a:solidFill>
-                        <a:srgbClr val="A3A3A3"/>
-                      </a:solidFill>
-                      <a:prstDash val="solid"/>
-                      <a:round/>
-                      <a:headEnd type="none" w="med" len="med"/>
-                      <a:tailEnd type="none" w="med" len="med"/>
-                    </a:lnL>
-                    <a:lnR w="12700" cap="flat" cmpd="sng" algn="ctr">
-                      <a:solidFill>
-                        <a:srgbClr val="A3A3A3"/>
-                      </a:solidFill>
-                      <a:prstDash val="solid"/>
-                      <a:round/>
-                      <a:headEnd type="none" w="med" len="med"/>
-                      <a:tailEnd type="none" w="med" len="med"/>
-                    </a:lnR>
-                    <a:lnT w="12700" cap="flat" cmpd="sng" algn="ctr">
-                      <a:solidFill>
-                        <a:srgbClr val="A3A3A3"/>
-                      </a:solidFill>
-                      <a:prstDash val="solid"/>
-                      <a:round/>
-                      <a:headEnd type="none" w="med" len="med"/>
-                      <a:tailEnd type="none" w="med" len="med"/>
-                    </a:lnT>
-                    <a:lnB w="12700" cap="flat" cmpd="sng" algn="ctr">
-                      <a:solidFill>
-                        <a:srgbClr val="A3A3A3"/>
-                      </a:solidFill>
-                      <a:prstDash val="solid"/>
-                      <a:round/>
-                      <a:headEnd type="none" w="med" len="med"/>
-                      <a:tailEnd type="none" w="med" len="med"/>
-                    </a:lnB>
-                    <a:noFill/>
-                  </a:tcPr>
-                </a:tc>
-                <a:tc>
-                  <a:txBody>
-                    <a:bodyPr/>
-                    <a:lstStyle/>
-                    <a:p>
-                      <a:pPr marL="0" marR="0" fontAlgn="t">
-                        <a:buNone/>
-                      </a:pPr>
-                      <a:r>
-                        <a:rPr lang="en-IN" sz="4000" b="1" dirty="0">
-                          <a:effectLst/>
-                          <a:latin typeface="+mj-lt"/>
-                        </a:rPr>
-                        <a:t>6</a:t>
-                      </a:r>
-                      <a:endParaRPr lang="en-IN" sz="4000" dirty="0">
-                        <a:effectLst/>
-                        <a:latin typeface="+mj-lt"/>
-                      </a:endParaRPr>
-                    </a:p>
-                  </a:txBody>
-                  <a:tcPr marL="50800" marR="50800" marT="50800" marB="50800">
-                    <a:lnL w="12700" cap="flat" cmpd="sng" algn="ctr">
-                      <a:solidFill>
-                        <a:srgbClr val="A3A3A3"/>
-                      </a:solidFill>
-                      <a:prstDash val="solid"/>
-                      <a:round/>
-                      <a:headEnd type="none" w="med" len="med"/>
-                      <a:tailEnd type="none" w="med" len="med"/>
-                    </a:lnL>
-                    <a:lnR w="12700" cap="flat" cmpd="sng" algn="ctr">
-                      <a:solidFill>
-                        <a:srgbClr val="A3A3A3"/>
-                      </a:solidFill>
-                      <a:prstDash val="solid"/>
-                      <a:round/>
-                      <a:headEnd type="none" w="med" len="med"/>
-                      <a:tailEnd type="none" w="med" len="med"/>
-                    </a:lnR>
-                    <a:lnT w="12700" cap="flat" cmpd="sng" algn="ctr">
-                      <a:solidFill>
-                        <a:srgbClr val="A3A3A3"/>
-                      </a:solidFill>
-                      <a:prstDash val="solid"/>
-                      <a:round/>
-                      <a:headEnd type="none" w="med" len="med"/>
-                      <a:tailEnd type="none" w="med" len="med"/>
-                    </a:lnT>
-                    <a:lnB w="12700" cap="flat" cmpd="sng" algn="ctr">
-                      <a:solidFill>
-                        <a:srgbClr val="A3A3A3"/>
-                      </a:solidFill>
-                      <a:prstDash val="solid"/>
-                      <a:round/>
-                      <a:headEnd type="none" w="med" len="med"/>
-                      <a:tailEnd type="none" w="med" len="med"/>
-                    </a:lnB>
-                    <a:noFill/>
-                  </a:tcPr>
-                </a:tc>
-                <a:extLst>
-                  <a:ext uri="{0D108BD9-81ED-4DB2-BD59-A6C34878D82A}">
-                    <a16:rowId xmlns:a16="http://schemas.microsoft.com/office/drawing/2014/main" val="1002675786"/>
-                  </a:ext>
-                </a:extLst>
-              </a:tr>
-            </a:tbl>
-          </a:graphicData>
-        </a:graphic>
-      </p:graphicFrame>
+          <p:cNvPicPr>
+            <a:picLocks noChangeAspect="1"/>
+          </p:cNvPicPr>
+          <p:nvPr/>
+        </p:nvPicPr>
+        <p:blipFill>
+          <a:blip r:embed="rId2"/>
+          <a:stretch>
+            <a:fillRect/>
+          </a:stretch>
+        </p:blipFill>
+        <p:spPr>
+          <a:xfrm>
+            <a:off x="6203045" y="4612830"/>
+            <a:ext cx="5211715" cy="1564133"/>
+          </a:xfrm>
+          <a:prstGeom prst="rect">
+            <a:avLst/>
+          </a:prstGeom>
+        </p:spPr>
+      </p:pic>
     </p:spTree>
     <p:extLst>
       <p:ext uri="{BB962C8B-B14F-4D97-AF65-F5344CB8AC3E}">
-        <p14:creationId xmlns:p14="http://schemas.microsoft.com/office/powerpoint/2010/main" val="2147554994"/>
+        <p14:creationId xmlns:p14="http://schemas.microsoft.com/office/powerpoint/2010/main" val="3512771270"/>
       </p:ext>
     </p:extLst>
   </p:cSld>
@@ -11515,7 +13958,7 @@
 </p:sld>
 </file>
 
-<file path=ppt/slides/slide5.xml><?xml version="1.0" encoding="utf-8"?>
+<file path=ppt/slides/slide7.xml><?xml version="1.0" encoding="utf-8"?>
 <p:sld xmlns:a="http://schemas.openxmlformats.org/drawingml/2006/main" xmlns:r="http://schemas.openxmlformats.org/officeDocument/2006/relationships" xmlns:p="http://schemas.openxmlformats.org/presentationml/2006/main">
   <p:cSld>
     <p:spTree>
@@ -11523,7 +13966,7 @@
         <p:cNvPr id="1" name="">
           <a:extLst>
             <a:ext uri="{FF2B5EF4-FFF2-40B4-BE49-F238E27FC236}">
-              <a16:creationId xmlns:a16="http://schemas.microsoft.com/office/drawing/2014/main" id="{99073490-0BD1-41DC-D55F-DC96A0AD9982}"/>
+              <a16:creationId xmlns:a16="http://schemas.microsoft.com/office/drawing/2014/main" id="{21177EF6-D485-E548-041D-3F0961B929A1}"/>
             </a:ext>
           </a:extLst>
         </p:cNvPr>
@@ -11543,7 +13986,7 @@
           <p:cNvPr id="3" name="Content Placeholder 2">
             <a:extLst>
               <a:ext uri="{FF2B5EF4-FFF2-40B4-BE49-F238E27FC236}">
-                <a16:creationId xmlns:a16="http://schemas.microsoft.com/office/drawing/2014/main" id="{CA4A09BB-B4CE-D1C0-E044-7558B2B86BD8}"/>
+                <a16:creationId xmlns:a16="http://schemas.microsoft.com/office/drawing/2014/main" id="{EE034BDB-AD2A-4ED0-A170-A619A001CCA4}"/>
               </a:ext>
             </a:extLst>
           </p:cNvPr>
@@ -11556,561 +13999,116 @@
         </p:nvSpPr>
         <p:spPr>
           <a:xfrm>
-            <a:off x="777240" y="740229"/>
-            <a:ext cx="10659110" cy="5436734"/>
+            <a:off x="645716" y="1697044"/>
+            <a:ext cx="10900568" cy="3712237"/>
           </a:xfrm>
         </p:spPr>
         <p:txBody>
           <a:bodyPr>
-            <a:normAutofit/>
+            <a:normAutofit fontScale="92500" lnSpcReduction="10000"/>
           </a:bodyPr>
           <a:lstStyle/>
           <a:p>
-            <a:pPr marL="0" indent="0">
+            <a:pPr marL="0" indent="0" algn="ctr">
               <a:buNone/>
             </a:pPr>
             <a:r>
-              <a:rPr lang="en-US" sz="2400" b="1" dirty="0"/>
-              <a:t>What is </a:t>
-            </a:r>
-            <a:r>
-              <a:rPr lang="en-US" sz="2400" b="1" dirty="0">
+              <a:rPr lang="en-IN" sz="6000" b="1" dirty="0">
+                <a:latin typeface="+mj-lt"/>
+              </a:rPr>
+              <a:t>Program-8: </a:t>
+            </a:r>
+            <a:r>
+              <a:rPr lang="en-US" sz="6100" b="1" dirty="0">
+                <a:latin typeface="+mj-lt"/>
+              </a:rPr>
+              <a:t>Develop a Program to </a:t>
+            </a:r>
+            <a:r>
+              <a:rPr lang="en-US" sz="6100" b="1" dirty="0">
                 <a:solidFill>
                   <a:srgbClr val="C00000"/>
                 </a:solidFill>
+                <a:latin typeface="+mj-lt"/>
               </a:rPr>
-              <a:t>Transpose</a:t>
-            </a:r>
-            <a:r>
-              <a:rPr lang="en-US" sz="2400" b="1" dirty="0"/>
-              <a:t> of a Matrix?</a:t>
-            </a:r>
-          </a:p>
-          <a:p>
-            <a:r>
-              <a:rPr lang="en-US" sz="2400" dirty="0"/>
-              <a:t>Transpose simply means </a:t>
-            </a:r>
-            <a:r>
-              <a:rPr lang="en-US" sz="2400" b="1" dirty="0">
+              <a:t>concatenate</a:t>
+            </a:r>
+            <a:r>
+              <a:rPr lang="en-US" sz="6100" b="1" dirty="0">
+                <a:latin typeface="+mj-lt"/>
+              </a:rPr>
+              <a:t> two strings, find </a:t>
+            </a:r>
+            <a:r>
+              <a:rPr lang="en-US" sz="6100" b="1" dirty="0">
                 <a:solidFill>
                   <a:srgbClr val="C00000"/>
                 </a:solidFill>
+                <a:latin typeface="+mj-lt"/>
               </a:rPr>
-              <a:t>interchanging</a:t>
-            </a:r>
-            <a:r>
-              <a:rPr lang="en-US" sz="2400" b="1" dirty="0"/>
-              <a:t> rows </a:t>
-            </a:r>
-            <a:r>
-              <a:rPr lang="en-US" sz="2400" dirty="0"/>
-              <a:t>with</a:t>
-            </a:r>
-            <a:r>
-              <a:rPr lang="en-US" sz="2400" b="1" dirty="0"/>
-              <a:t> columns</a:t>
-            </a:r>
-            <a:r>
-              <a:rPr lang="en-US" sz="2400" dirty="0"/>
-              <a:t>.</a:t>
-            </a:r>
-          </a:p>
-          <a:p>
-            <a:r>
-              <a:rPr lang="en-US" sz="2400" dirty="0"/>
-              <a:t>So if we take the previous slide matrix:</a:t>
-            </a:r>
-          </a:p>
-          <a:p>
-            <a:pPr lvl="1"/>
-            <a:r>
-              <a:rPr lang="en-US" sz="2400" b="1" dirty="0">
+              <a:t>length</a:t>
+            </a:r>
+            <a:r>
+              <a:rPr lang="en-US" sz="6100" b="1" dirty="0">
+                <a:latin typeface="+mj-lt"/>
+              </a:rPr>
+              <a:t> of a string and </a:t>
+            </a:r>
+            <a:r>
+              <a:rPr lang="en-US" sz="6100" b="1" dirty="0">
                 <a:solidFill>
-                  <a:schemeClr val="accent3">
-                    <a:lumMod val="50000"/>
+                  <a:srgbClr val="C00000"/>
+                </a:solidFill>
+                <a:latin typeface="+mj-lt"/>
+              </a:rPr>
+              <a:t>copy</a:t>
+            </a:r>
+            <a:r>
+              <a:rPr lang="en-US" sz="6100" b="1" dirty="0">
+                <a:latin typeface="+mj-lt"/>
+              </a:rPr>
+              <a:t> one string to other using </a:t>
+            </a:r>
+            <a:r>
+              <a:rPr lang="en-US" sz="6100" b="1" dirty="0">
+                <a:solidFill>
+                  <a:schemeClr val="tx2">
+                    <a:lumMod val="75000"/>
+                    <a:lumOff val="25000"/>
                   </a:schemeClr>
                 </a:solidFill>
+                <a:latin typeface="+mj-lt"/>
               </a:rPr>
-              <a:t>Row 1</a:t>
-            </a:r>
-            <a:r>
-              <a:rPr lang="en-US" sz="2400" dirty="0"/>
-              <a:t> → becomes </a:t>
-            </a:r>
-            <a:r>
-              <a:rPr lang="en-US" sz="2400" b="1" dirty="0">
+              <a:t>string operations</a:t>
+            </a:r>
+            <a:r>
+              <a:rPr lang="en-US" sz="6000" b="1" dirty="0">
                 <a:solidFill>
-                  <a:schemeClr val="accent3">
-                    <a:lumMod val="50000"/>
+                  <a:schemeClr val="tx2">
+                    <a:lumMod val="75000"/>
+                    <a:lumOff val="25000"/>
                   </a:schemeClr>
                 </a:solidFill>
+                <a:latin typeface="+mj-lt"/>
               </a:rPr>
-              <a:t>Column 1</a:t>
-            </a:r>
-          </a:p>
-          <a:p>
-            <a:pPr lvl="1"/>
-            <a:r>
-              <a:rPr lang="en-US" sz="2400" b="1" dirty="0">
-                <a:solidFill>
-                  <a:schemeClr val="accent3">
-                    <a:lumMod val="50000"/>
-                  </a:schemeClr>
-                </a:solidFill>
-              </a:rPr>
-              <a:t>Row 2 </a:t>
-            </a:r>
-            <a:r>
-              <a:rPr lang="en-US" sz="2400" dirty="0"/>
-              <a:t>→ becomes </a:t>
-            </a:r>
-            <a:r>
-              <a:rPr lang="en-US" sz="2400" b="1" dirty="0">
-                <a:solidFill>
-                  <a:schemeClr val="accent3">
-                    <a:lumMod val="50000"/>
-                  </a:schemeClr>
-                </a:solidFill>
-              </a:rPr>
-              <a:t>Column 2</a:t>
-            </a:r>
-          </a:p>
-          <a:p>
-            <a:r>
-              <a:rPr lang="en-US" sz="2400" dirty="0"/>
-              <a:t>So the transpose will be:</a:t>
-            </a:r>
-          </a:p>
-          <a:p>
-            <a:pPr marL="0" indent="0">
-              <a:buNone/>
-            </a:pPr>
-            <a:endParaRPr lang="en-US" sz="2400" dirty="0"/>
-          </a:p>
-          <a:p>
-            <a:pPr marL="0" indent="0">
-              <a:buNone/>
-            </a:pPr>
-            <a:endParaRPr lang="en-IN" sz="2400" dirty="0"/>
+              <a:t>.</a:t>
+            </a:r>
+            <a:endParaRPr lang="en-IN" sz="6000" b="1" dirty="0">
+              <a:solidFill>
+                <a:schemeClr val="tx2">
+                  <a:lumMod val="75000"/>
+                  <a:lumOff val="25000"/>
+                </a:schemeClr>
+              </a:solidFill>
+              <a:latin typeface="+mj-lt"/>
+            </a:endParaRPr>
           </a:p>
         </p:txBody>
       </p:sp>
-      <p:graphicFrame>
-        <p:nvGraphicFramePr>
-          <p:cNvPr id="2" name="Table 1">
-            <a:extLst>
-              <a:ext uri="{FF2B5EF4-FFF2-40B4-BE49-F238E27FC236}">
-                <a16:creationId xmlns:a16="http://schemas.microsoft.com/office/drawing/2014/main" id="{C43A4964-5BE4-3000-767B-3936F392E456}"/>
-              </a:ext>
-            </a:extLst>
-          </p:cNvPr>
-          <p:cNvGraphicFramePr>
-            <a:graphicFrameLocks noGrp="1"/>
-          </p:cNvGraphicFramePr>
-          <p:nvPr>
-            <p:extLst>
-              <p:ext uri="{D42A27DB-BD31-4B8C-83A1-F6EECF244321}">
-                <p14:modId xmlns:p14="http://schemas.microsoft.com/office/powerpoint/2010/main" val="2451088002"/>
-              </p:ext>
-            </p:extLst>
-          </p:nvPr>
-        </p:nvGraphicFramePr>
-        <p:xfrm>
-          <a:off x="3088699" y="3695405"/>
-          <a:ext cx="2800472" cy="2133600"/>
-        </p:xfrm>
-        <a:graphic>
-          <a:graphicData uri="http://schemas.openxmlformats.org/drawingml/2006/table">
-            <a:tbl>
-              <a:tblPr/>
-              <a:tblGrid>
-                <a:gridCol w="1200272">
-                  <a:extLst>
-                    <a:ext uri="{9D8B030D-6E8A-4147-A177-3AD203B41FA5}">
-                      <a16:colId xmlns:a16="http://schemas.microsoft.com/office/drawing/2014/main" val="3416297599"/>
-                    </a:ext>
-                  </a:extLst>
-                </a:gridCol>
-                <a:gridCol w="1600200">
-                  <a:extLst>
-                    <a:ext uri="{9D8B030D-6E8A-4147-A177-3AD203B41FA5}">
-                      <a16:colId xmlns:a16="http://schemas.microsoft.com/office/drawing/2014/main" val="862353745"/>
-                    </a:ext>
-                  </a:extLst>
-                </a:gridCol>
-              </a:tblGrid>
-              <a:tr h="626027">
-                <a:tc>
-                  <a:txBody>
-                    <a:bodyPr/>
-                    <a:lstStyle/>
-                    <a:p>
-                      <a:pPr marL="0" marR="0" algn="ctr" fontAlgn="t">
-                        <a:buNone/>
-                      </a:pPr>
-                      <a:r>
-                        <a:rPr lang="en-IN" sz="4000" b="1" dirty="0">
-                          <a:effectLst/>
-                          <a:latin typeface="+mj-lt"/>
-                        </a:rPr>
-                        <a:t>1  </a:t>
-                      </a:r>
-                    </a:p>
-                  </a:txBody>
-                  <a:tcPr marL="50800" marR="50800" marT="50800" marB="50800">
-                    <a:lnL w="12700" cap="flat" cmpd="sng" algn="ctr">
-                      <a:solidFill>
-                        <a:srgbClr val="A3A3A3"/>
-                      </a:solidFill>
-                      <a:prstDash val="solid"/>
-                      <a:round/>
-                      <a:headEnd type="none" w="med" len="med"/>
-                      <a:tailEnd type="none" w="med" len="med"/>
-                    </a:lnL>
-                    <a:lnR w="12700" cap="flat" cmpd="sng" algn="ctr">
-                      <a:solidFill>
-                        <a:srgbClr val="A3A3A3"/>
-                      </a:solidFill>
-                      <a:prstDash val="solid"/>
-                      <a:round/>
-                      <a:headEnd type="none" w="med" len="med"/>
-                      <a:tailEnd type="none" w="med" len="med"/>
-                    </a:lnR>
-                    <a:lnT w="12700" cap="flat" cmpd="sng" algn="ctr">
-                      <a:solidFill>
-                        <a:srgbClr val="A3A3A3"/>
-                      </a:solidFill>
-                      <a:prstDash val="solid"/>
-                      <a:round/>
-                      <a:headEnd type="none" w="med" len="med"/>
-                      <a:tailEnd type="none" w="med" len="med"/>
-                    </a:lnT>
-                    <a:lnB w="12700" cap="flat" cmpd="sng" algn="ctr">
-                      <a:solidFill>
-                        <a:srgbClr val="A3A3A3"/>
-                      </a:solidFill>
-                      <a:prstDash val="solid"/>
-                      <a:round/>
-                      <a:headEnd type="none" w="med" len="med"/>
-                      <a:tailEnd type="none" w="med" len="med"/>
-                    </a:lnB>
-                    <a:noFill/>
-                  </a:tcPr>
-                </a:tc>
-                <a:tc>
-                  <a:txBody>
-                    <a:bodyPr/>
-                    <a:lstStyle/>
-                    <a:p>
-                      <a:pPr marL="0" marR="0" algn="ctr" fontAlgn="t">
-                        <a:buNone/>
-                      </a:pPr>
-                      <a:r>
-                        <a:rPr lang="en-IN" sz="4000" b="1">
-                          <a:effectLst/>
-                          <a:latin typeface="+mj-lt"/>
-                        </a:rPr>
-                        <a:t>4</a:t>
-                      </a:r>
-                    </a:p>
-                  </a:txBody>
-                  <a:tcPr marL="50800" marR="50800" marT="50800" marB="50800">
-                    <a:lnL w="12700" cap="flat" cmpd="sng" algn="ctr">
-                      <a:solidFill>
-                        <a:srgbClr val="A3A3A3"/>
-                      </a:solidFill>
-                      <a:prstDash val="solid"/>
-                      <a:round/>
-                      <a:headEnd type="none" w="med" len="med"/>
-                      <a:tailEnd type="none" w="med" len="med"/>
-                    </a:lnL>
-                    <a:lnR w="12700" cap="flat" cmpd="sng" algn="ctr">
-                      <a:solidFill>
-                        <a:srgbClr val="A3A3A3"/>
-                      </a:solidFill>
-                      <a:prstDash val="solid"/>
-                      <a:round/>
-                      <a:headEnd type="none" w="med" len="med"/>
-                      <a:tailEnd type="none" w="med" len="med"/>
-                    </a:lnR>
-                    <a:lnT w="12700" cap="flat" cmpd="sng" algn="ctr">
-                      <a:solidFill>
-                        <a:srgbClr val="A3A3A3"/>
-                      </a:solidFill>
-                      <a:prstDash val="solid"/>
-                      <a:round/>
-                      <a:headEnd type="none" w="med" len="med"/>
-                      <a:tailEnd type="none" w="med" len="med"/>
-                    </a:lnT>
-                    <a:lnB w="12700" cap="flat" cmpd="sng" algn="ctr">
-                      <a:solidFill>
-                        <a:srgbClr val="A3A3A3"/>
-                      </a:solidFill>
-                      <a:prstDash val="solid"/>
-                      <a:round/>
-                      <a:headEnd type="none" w="med" len="med"/>
-                      <a:tailEnd type="none" w="med" len="med"/>
-                    </a:lnB>
-                    <a:noFill/>
-                  </a:tcPr>
-                </a:tc>
-                <a:extLst>
-                  <a:ext uri="{0D108BD9-81ED-4DB2-BD59-A6C34878D82A}">
-                    <a16:rowId xmlns:a16="http://schemas.microsoft.com/office/drawing/2014/main" val="2959284642"/>
-                  </a:ext>
-                </a:extLst>
-              </a:tr>
-              <a:tr h="626027">
-                <a:tc>
-                  <a:txBody>
-                    <a:bodyPr/>
-                    <a:lstStyle/>
-                    <a:p>
-                      <a:pPr marL="0" marR="0" algn="ctr" fontAlgn="t">
-                        <a:buNone/>
-                      </a:pPr>
-                      <a:r>
-                        <a:rPr lang="en-IN" sz="4000" b="1" dirty="0">
-                          <a:effectLst/>
-                          <a:latin typeface="+mj-lt"/>
-                        </a:rPr>
-                        <a:t>2 </a:t>
-                      </a:r>
-                    </a:p>
-                  </a:txBody>
-                  <a:tcPr marL="50800" marR="50800" marT="50800" marB="50800">
-                    <a:lnL w="12700" cap="flat" cmpd="sng" algn="ctr">
-                      <a:solidFill>
-                        <a:srgbClr val="A3A3A3"/>
-                      </a:solidFill>
-                      <a:prstDash val="solid"/>
-                      <a:round/>
-                      <a:headEnd type="none" w="med" len="med"/>
-                      <a:tailEnd type="none" w="med" len="med"/>
-                    </a:lnL>
-                    <a:lnR w="12700" cap="flat" cmpd="sng" algn="ctr">
-                      <a:solidFill>
-                        <a:srgbClr val="A3A3A3"/>
-                      </a:solidFill>
-                      <a:prstDash val="solid"/>
-                      <a:round/>
-                      <a:headEnd type="none" w="med" len="med"/>
-                      <a:tailEnd type="none" w="med" len="med"/>
-                    </a:lnR>
-                    <a:lnT w="12700" cap="flat" cmpd="sng" algn="ctr">
-                      <a:solidFill>
-                        <a:srgbClr val="A3A3A3"/>
-                      </a:solidFill>
-                      <a:prstDash val="solid"/>
-                      <a:round/>
-                      <a:headEnd type="none" w="med" len="med"/>
-                      <a:tailEnd type="none" w="med" len="med"/>
-                    </a:lnT>
-                    <a:lnB w="12700" cap="flat" cmpd="sng" algn="ctr">
-                      <a:solidFill>
-                        <a:srgbClr val="A3A3A3"/>
-                      </a:solidFill>
-                      <a:prstDash val="solid"/>
-                      <a:round/>
-                      <a:headEnd type="none" w="med" len="med"/>
-                      <a:tailEnd type="none" w="med" len="med"/>
-                    </a:lnB>
-                    <a:noFill/>
-                  </a:tcPr>
-                </a:tc>
-                <a:tc>
-                  <a:txBody>
-                    <a:bodyPr/>
-                    <a:lstStyle/>
-                    <a:p>
-                      <a:pPr marL="0" marR="0" algn="ctr" fontAlgn="t">
-                        <a:buNone/>
-                      </a:pPr>
-                      <a:r>
-                        <a:rPr lang="en-IN" sz="4000" b="1" dirty="0">
-                          <a:effectLst/>
-                          <a:latin typeface="+mj-lt"/>
-                        </a:rPr>
-                        <a:t>5</a:t>
-                      </a:r>
-                    </a:p>
-                  </a:txBody>
-                  <a:tcPr marL="50800" marR="50800" marT="50800" marB="50800">
-                    <a:lnL w="12700" cap="flat" cmpd="sng" algn="ctr">
-                      <a:solidFill>
-                        <a:srgbClr val="A3A3A3"/>
-                      </a:solidFill>
-                      <a:prstDash val="solid"/>
-                      <a:round/>
-                      <a:headEnd type="none" w="med" len="med"/>
-                      <a:tailEnd type="none" w="med" len="med"/>
-                    </a:lnL>
-                    <a:lnR w="12700" cap="flat" cmpd="sng" algn="ctr">
-                      <a:solidFill>
-                        <a:srgbClr val="A3A3A3"/>
-                      </a:solidFill>
-                      <a:prstDash val="solid"/>
-                      <a:round/>
-                      <a:headEnd type="none" w="med" len="med"/>
-                      <a:tailEnd type="none" w="med" len="med"/>
-                    </a:lnR>
-                    <a:lnT w="12700" cap="flat" cmpd="sng" algn="ctr">
-                      <a:solidFill>
-                        <a:srgbClr val="A3A3A3"/>
-                      </a:solidFill>
-                      <a:prstDash val="solid"/>
-                      <a:round/>
-                      <a:headEnd type="none" w="med" len="med"/>
-                      <a:tailEnd type="none" w="med" len="med"/>
-                    </a:lnT>
-                    <a:lnB w="12700" cap="flat" cmpd="sng" algn="ctr">
-                      <a:solidFill>
-                        <a:srgbClr val="A3A3A3"/>
-                      </a:solidFill>
-                      <a:prstDash val="solid"/>
-                      <a:round/>
-                      <a:headEnd type="none" w="med" len="med"/>
-                      <a:tailEnd type="none" w="med" len="med"/>
-                    </a:lnB>
-                    <a:noFill/>
-                  </a:tcPr>
-                </a:tc>
-                <a:extLst>
-                  <a:ext uri="{0D108BD9-81ED-4DB2-BD59-A6C34878D82A}">
-                    <a16:rowId xmlns:a16="http://schemas.microsoft.com/office/drawing/2014/main" val="829866163"/>
-                  </a:ext>
-                </a:extLst>
-              </a:tr>
-              <a:tr h="626027">
-                <a:tc>
-                  <a:txBody>
-                    <a:bodyPr/>
-                    <a:lstStyle/>
-                    <a:p>
-                      <a:pPr marL="0" marR="0" algn="ctr" fontAlgn="t">
-                        <a:buNone/>
-                      </a:pPr>
-                      <a:r>
-                        <a:rPr lang="en-IN" sz="4000" b="1" dirty="0">
-                          <a:effectLst/>
-                          <a:latin typeface="+mj-lt"/>
-                        </a:rPr>
-                        <a:t>3  </a:t>
-                      </a:r>
-                    </a:p>
-                  </a:txBody>
-                  <a:tcPr marL="50800" marR="50800" marT="50800" marB="50800">
-                    <a:lnL w="12700" cap="flat" cmpd="sng" algn="ctr">
-                      <a:solidFill>
-                        <a:srgbClr val="A3A3A3"/>
-                      </a:solidFill>
-                      <a:prstDash val="solid"/>
-                      <a:round/>
-                      <a:headEnd type="none" w="med" len="med"/>
-                      <a:tailEnd type="none" w="med" len="med"/>
-                    </a:lnL>
-                    <a:lnR w="12700" cap="flat" cmpd="sng" algn="ctr">
-                      <a:solidFill>
-                        <a:srgbClr val="A3A3A3"/>
-                      </a:solidFill>
-                      <a:prstDash val="solid"/>
-                      <a:round/>
-                      <a:headEnd type="none" w="med" len="med"/>
-                      <a:tailEnd type="none" w="med" len="med"/>
-                    </a:lnR>
-                    <a:lnT w="12700" cap="flat" cmpd="sng" algn="ctr">
-                      <a:solidFill>
-                        <a:srgbClr val="A3A3A3"/>
-                      </a:solidFill>
-                      <a:prstDash val="solid"/>
-                      <a:round/>
-                      <a:headEnd type="none" w="med" len="med"/>
-                      <a:tailEnd type="none" w="med" len="med"/>
-                    </a:lnT>
-                    <a:lnB w="12700" cap="flat" cmpd="sng" algn="ctr">
-                      <a:solidFill>
-                        <a:srgbClr val="A3A3A3"/>
-                      </a:solidFill>
-                      <a:prstDash val="solid"/>
-                      <a:round/>
-                      <a:headEnd type="none" w="med" len="med"/>
-                      <a:tailEnd type="none" w="med" len="med"/>
-                    </a:lnB>
-                    <a:noFill/>
-                  </a:tcPr>
-                </a:tc>
-                <a:tc>
-                  <a:txBody>
-                    <a:bodyPr/>
-                    <a:lstStyle/>
-                    <a:p>
-                      <a:pPr marL="0" marR="0" algn="ctr" fontAlgn="t">
-                        <a:buNone/>
-                      </a:pPr>
-                      <a:r>
-                        <a:rPr lang="en-IN" sz="4000" b="1" dirty="0">
-                          <a:effectLst/>
-                          <a:latin typeface="+mj-lt"/>
-                        </a:rPr>
-                        <a:t>6</a:t>
-                      </a:r>
-                    </a:p>
-                  </a:txBody>
-                  <a:tcPr marL="50800" marR="50800" marT="50800" marB="50800">
-                    <a:lnL w="12700" cap="flat" cmpd="sng" algn="ctr">
-                      <a:solidFill>
-                        <a:srgbClr val="A3A3A3"/>
-                      </a:solidFill>
-                      <a:prstDash val="solid"/>
-                      <a:round/>
-                      <a:headEnd type="none" w="med" len="med"/>
-                      <a:tailEnd type="none" w="med" len="med"/>
-                    </a:lnL>
-                    <a:lnR w="12700" cap="flat" cmpd="sng" algn="ctr">
-                      <a:solidFill>
-                        <a:srgbClr val="A3A3A3"/>
-                      </a:solidFill>
-                      <a:prstDash val="solid"/>
-                      <a:round/>
-                      <a:headEnd type="none" w="med" len="med"/>
-                      <a:tailEnd type="none" w="med" len="med"/>
-                    </a:lnR>
-                    <a:lnT w="12700" cap="flat" cmpd="sng" algn="ctr">
-                      <a:solidFill>
-                        <a:srgbClr val="A3A3A3"/>
-                      </a:solidFill>
-                      <a:prstDash val="solid"/>
-                      <a:round/>
-                      <a:headEnd type="none" w="med" len="med"/>
-                      <a:tailEnd type="none" w="med" len="med"/>
-                    </a:lnT>
-                    <a:lnB w="12700" cap="flat" cmpd="sng" algn="ctr">
-                      <a:solidFill>
-                        <a:srgbClr val="A3A3A3"/>
-                      </a:solidFill>
-                      <a:prstDash val="solid"/>
-                      <a:round/>
-                      <a:headEnd type="none" w="med" len="med"/>
-                      <a:tailEnd type="none" w="med" len="med"/>
-                    </a:lnB>
-                    <a:noFill/>
-                  </a:tcPr>
-                </a:tc>
-                <a:extLst>
-                  <a:ext uri="{0D108BD9-81ED-4DB2-BD59-A6C34878D82A}">
-                    <a16:rowId xmlns:a16="http://schemas.microsoft.com/office/drawing/2014/main" val="237196452"/>
-                  </a:ext>
-                </a:extLst>
-              </a:tr>
-            </a:tbl>
-          </a:graphicData>
-        </a:graphic>
-      </p:graphicFrame>
     </p:spTree>
     <p:extLst>
       <p:ext uri="{BB962C8B-B14F-4D97-AF65-F5344CB8AC3E}">
-        <p14:creationId xmlns:p14="http://schemas.microsoft.com/office/powerpoint/2010/main" val="2001427130"/>
+        <p14:creationId xmlns:p14="http://schemas.microsoft.com/office/powerpoint/2010/main" val="2168020058"/>
       </p:ext>
     </p:extLst>
   </p:cSld>
@@ -12120,18 +14118,12 @@
 </p:sld>
 </file>
 
-<file path=ppt/slides/slide6.xml><?xml version="1.0" encoding="utf-8"?>
+<file path=ppt/slides/slide8.xml><?xml version="1.0" encoding="utf-8"?>
 <p:sld xmlns:a="http://schemas.openxmlformats.org/drawingml/2006/main" xmlns:r="http://schemas.openxmlformats.org/officeDocument/2006/relationships" xmlns:p="http://schemas.openxmlformats.org/presentationml/2006/main">
   <p:cSld>
     <p:spTree>
       <p:nvGrpSpPr>
-        <p:cNvPr id="1" name="">
-          <a:extLst>
-            <a:ext uri="{FF2B5EF4-FFF2-40B4-BE49-F238E27FC236}">
-              <a16:creationId xmlns:a16="http://schemas.microsoft.com/office/drawing/2014/main" id="{292F6E7A-ADBE-2418-C8DF-54DAD3304DB2}"/>
-            </a:ext>
-          </a:extLst>
-        </p:cNvPr>
+        <p:cNvPr id="1" name=""/>
         <p:cNvGrpSpPr/>
         <p:nvPr/>
       </p:nvGrpSpPr>
@@ -12148,7 +14140,7 @@
           <p:cNvPr id="3" name="Content Placeholder 2">
             <a:extLst>
               <a:ext uri="{FF2B5EF4-FFF2-40B4-BE49-F238E27FC236}">
-                <a16:creationId xmlns:a16="http://schemas.microsoft.com/office/drawing/2014/main" id="{69C8A5F8-41C9-4262-631D-3FD5BAA335E8}"/>
+                <a16:creationId xmlns:a16="http://schemas.microsoft.com/office/drawing/2014/main" id="{C499B44F-81D6-BA8D-4D29-16FE244A663B}"/>
               </a:ext>
             </a:extLst>
           </p:cNvPr>
@@ -12161,8 +14153,8 @@
         </p:nvSpPr>
         <p:spPr>
           <a:xfrm>
-            <a:off x="777240" y="740229"/>
-            <a:ext cx="10659110" cy="5436734"/>
+            <a:off x="500743" y="348343"/>
+            <a:ext cx="10924812" cy="5697992"/>
           </a:xfrm>
         </p:spPr>
         <p:txBody>
@@ -12175,18 +14167,18 @@
               <a:buNone/>
             </a:pPr>
             <a:r>
-              <a:rPr lang="en-IN" sz="3200" b="1" dirty="0"/>
-              <a:t>Transformation Mapping</a:t>
+              <a:rPr lang="en-IN" sz="2400" b="1" dirty="0"/>
+              <a:t>String Functions — Syntax &amp; Examples</a:t>
             </a:r>
           </a:p>
         </p:txBody>
       </p:sp>
       <p:graphicFrame>
         <p:nvGraphicFramePr>
-          <p:cNvPr id="2" name="Table 1">
+          <p:cNvPr id="4" name="Table 3">
             <a:extLst>
               <a:ext uri="{FF2B5EF4-FFF2-40B4-BE49-F238E27FC236}">
-                <a16:creationId xmlns:a16="http://schemas.microsoft.com/office/drawing/2014/main" id="{7E516ACE-B7C9-4CC3-4F98-BA19F20166A6}"/>
+                <a16:creationId xmlns:a16="http://schemas.microsoft.com/office/drawing/2014/main" id="{824AB1B3-2C08-4195-436C-E4B3E5BFC764}"/>
               </a:ext>
             </a:extLst>
           </p:cNvPr>
@@ -12196,14 +14188,14 @@
           <p:nvPr>
             <p:extLst>
               <p:ext uri="{D42A27DB-BD31-4B8C-83A1-F6EECF244321}">
-                <p14:modId xmlns:p14="http://schemas.microsoft.com/office/powerpoint/2010/main" val="2242573223"/>
+                <p14:modId xmlns:p14="http://schemas.microsoft.com/office/powerpoint/2010/main" val="1558936730"/>
               </p:ext>
             </p:extLst>
           </p:nvPr>
         </p:nvGraphicFramePr>
         <p:xfrm>
-          <a:off x="1078273" y="1647022"/>
-          <a:ext cx="10014268" cy="4372774"/>
+          <a:off x="500743" y="811665"/>
+          <a:ext cx="11277599" cy="5460147"/>
         </p:xfrm>
         <a:graphic>
           <a:graphicData uri="http://schemas.openxmlformats.org/drawingml/2006/table">
@@ -12212,29 +14204,43 @@
                 <a:tableStyleId>{5C22544A-7EE6-4342-B048-85BDC9FD1C3A}</a:tableStyleId>
               </a:tblPr>
               <a:tblGrid>
-                <a:gridCol w="3337719">
+                <a:gridCol w="1858309">
                   <a:extLst>
                     <a:ext uri="{9D8B030D-6E8A-4147-A177-3AD203B41FA5}">
-                      <a16:colId xmlns:a16="http://schemas.microsoft.com/office/drawing/2014/main" val="1410799282"/>
+                      <a16:colId xmlns:a16="http://schemas.microsoft.com/office/drawing/2014/main" val="167292040"/>
                     </a:ext>
                   </a:extLst>
                 </a:gridCol>
-                <a:gridCol w="2224294">
+                <a:gridCol w="2652230">
                   <a:extLst>
                     <a:ext uri="{9D8B030D-6E8A-4147-A177-3AD203B41FA5}">
-                      <a16:colId xmlns:a16="http://schemas.microsoft.com/office/drawing/2014/main" val="3190960902"/>
+                      <a16:colId xmlns:a16="http://schemas.microsoft.com/office/drawing/2014/main" val="1916834676"/>
                     </a:ext>
                   </a:extLst>
                 </a:gridCol>
-                <a:gridCol w="4452255">
+                <a:gridCol w="2255270">
                   <a:extLst>
                     <a:ext uri="{9D8B030D-6E8A-4147-A177-3AD203B41FA5}">
-                      <a16:colId xmlns:a16="http://schemas.microsoft.com/office/drawing/2014/main" val="700435909"/>
+                      <a16:colId xmlns:a16="http://schemas.microsoft.com/office/drawing/2014/main" val="288252327"/>
+                    </a:ext>
+                  </a:extLst>
+                </a:gridCol>
+                <a:gridCol w="2378191">
+                  <a:extLst>
+                    <a:ext uri="{9D8B030D-6E8A-4147-A177-3AD203B41FA5}">
+                      <a16:colId xmlns:a16="http://schemas.microsoft.com/office/drawing/2014/main" val="2245108764"/>
+                    </a:ext>
+                  </a:extLst>
+                </a:gridCol>
+                <a:gridCol w="2133599">
+                  <a:extLst>
+                    <a:ext uri="{9D8B030D-6E8A-4147-A177-3AD203B41FA5}">
+                      <a16:colId xmlns:a16="http://schemas.microsoft.com/office/drawing/2014/main" val="374653881"/>
                     </a:ext>
                   </a:extLst>
                 </a:gridCol>
               </a:tblGrid>
-              <a:tr h="624682">
+              <a:tr h="354782">
                 <a:tc>
                   <a:txBody>
                     <a:bodyPr/>
@@ -12250,12 +14256,12 @@
                         <a:buNone/>
                       </a:pPr>
                       <a:r>
-                        <a:rPr lang="en-IN" sz="3200" kern="100">
+                        <a:rPr lang="en-IN" sz="2000" kern="100">
                           <a:effectLst/>
                         </a:rPr>
-                        <a:t>Original A Position</a:t>
+                        <a:t>Function Name</a:t>
                       </a:r>
-                      <a:endParaRPr lang="en-IN" sz="3200" kern="100">
+                      <a:endParaRPr lang="en-IN" sz="2000" kern="100">
                         <a:effectLst/>
                         <a:latin typeface="Aptos" panose="020B0004020202020204" pitchFamily="34" charset="0"/>
                         <a:ea typeface="Aptos" panose="020B0004020202020204" pitchFamily="34" charset="0"/>
@@ -12280,12 +14286,12 @@
                         <a:buNone/>
                       </a:pPr>
                       <a:r>
-                        <a:rPr lang="en-IN" sz="3200" kern="100">
+                        <a:rPr lang="en-IN" sz="2000" kern="100">
                           <a:effectLst/>
                         </a:rPr>
-                        <a:t>Value</a:t>
+                        <a:t>Purpose</a:t>
                       </a:r>
-                      <a:endParaRPr lang="en-IN" sz="3200" kern="100">
+                      <a:endParaRPr lang="en-IN" sz="2000" kern="100">
                         <a:effectLst/>
                         <a:latin typeface="Aptos" panose="020B0004020202020204" pitchFamily="34" charset="0"/>
                         <a:ea typeface="Aptos" panose="020B0004020202020204" pitchFamily="34" charset="0"/>
@@ -12310,49 +14316,12 @@
                         <a:buNone/>
                       </a:pPr>
                       <a:r>
-                        <a:rPr lang="en-IN" sz="3200" kern="100">
+                        <a:rPr lang="en-IN" sz="2000" kern="100">
                           <a:effectLst/>
                         </a:rPr>
-                        <a:t>Transpose A^T Position</a:t>
+                        <a:t>Syntax</a:t>
                       </a:r>
-                      <a:endParaRPr lang="en-IN" sz="3200" kern="100">
-                        <a:effectLst/>
-                        <a:latin typeface="Aptos" panose="020B0004020202020204" pitchFamily="34" charset="0"/>
-                        <a:ea typeface="Aptos" panose="020B0004020202020204" pitchFamily="34" charset="0"/>
-                        <a:cs typeface="Times New Roman" panose="02020603050405020304" pitchFamily="18" charset="0"/>
-                      </a:endParaRPr>
-                    </a:p>
-                  </a:txBody>
-                  <a:tcPr marL="68580" marR="68580" marT="0" marB="0"/>
-                </a:tc>
-                <a:extLst>
-                  <a:ext uri="{0D108BD9-81ED-4DB2-BD59-A6C34878D82A}">
-                    <a16:rowId xmlns:a16="http://schemas.microsoft.com/office/drawing/2014/main" val="3705033065"/>
-                  </a:ext>
-                </a:extLst>
-              </a:tr>
-              <a:tr h="624682">
-                <a:tc>
-                  <a:txBody>
-                    <a:bodyPr/>
-                    <a:lstStyle/>
-                    <a:p>
-                      <a:pPr>
-                        <a:lnSpc>
-                          <a:spcPct val="115000"/>
-                        </a:lnSpc>
-                        <a:spcAft>
-                          <a:spcPts val="800"/>
-                        </a:spcAft>
-                        <a:buNone/>
-                      </a:pPr>
-                      <a:r>
-                        <a:rPr lang="en-IN" sz="3200" kern="100">
-                          <a:effectLst/>
-                        </a:rPr>
-                        <a:t>A(1,1)</a:t>
-                      </a:r>
-                      <a:endParaRPr lang="en-IN" sz="3200" kern="100">
+                      <a:endParaRPr lang="en-IN" sz="2000" kern="100">
                         <a:effectLst/>
                         <a:latin typeface="Aptos" panose="020B0004020202020204" pitchFamily="34" charset="0"/>
                         <a:ea typeface="Aptos" panose="020B0004020202020204" pitchFamily="34" charset="0"/>
@@ -12377,12 +14346,12 @@
                         <a:buNone/>
                       </a:pPr>
                       <a:r>
-                        <a:rPr lang="en-IN" sz="3200" kern="100">
+                        <a:rPr lang="en-IN" sz="2000" kern="100">
                           <a:effectLst/>
                         </a:rPr>
-                        <a:t>1</a:t>
+                        <a:t>Example</a:t>
                       </a:r>
-                      <a:endParaRPr lang="en-IN" sz="3200" kern="100">
+                      <a:endParaRPr lang="en-IN" sz="2000" kern="100">
                         <a:effectLst/>
                         <a:latin typeface="Aptos" panose="020B0004020202020204" pitchFamily="34" charset="0"/>
                         <a:ea typeface="Aptos" panose="020B0004020202020204" pitchFamily="34" charset="0"/>
@@ -12407,12 +14376,12 @@
                         <a:buNone/>
                       </a:pPr>
                       <a:r>
-                        <a:rPr lang="en-IN" sz="3200" kern="100">
+                        <a:rPr lang="en-IN" sz="2000" kern="100" dirty="0">
                           <a:effectLst/>
                         </a:rPr>
-                        <a:t>A^T(1,1)</a:t>
+                        <a:t>Output</a:t>
                       </a:r>
-                      <a:endParaRPr lang="en-IN" sz="3200" kern="100">
+                      <a:endParaRPr lang="en-IN" sz="2000" kern="100" dirty="0">
                         <a:effectLst/>
                         <a:latin typeface="Aptos" panose="020B0004020202020204" pitchFamily="34" charset="0"/>
                         <a:ea typeface="Aptos" panose="020B0004020202020204" pitchFamily="34" charset="0"/>
@@ -12424,11 +14393,11 @@
                 </a:tc>
                 <a:extLst>
                   <a:ext uri="{0D108BD9-81ED-4DB2-BD59-A6C34878D82A}">
-                    <a16:rowId xmlns:a16="http://schemas.microsoft.com/office/drawing/2014/main" val="2230365154"/>
+                    <a16:rowId xmlns:a16="http://schemas.microsoft.com/office/drawing/2014/main" val="2675874002"/>
                   </a:ext>
                 </a:extLst>
               </a:tr>
-              <a:tr h="624682">
+              <a:tr h="1276341">
                 <a:tc>
                   <a:txBody>
                     <a:bodyPr/>
@@ -12444,12 +14413,12 @@
                         <a:buNone/>
                       </a:pPr>
                       <a:r>
-                        <a:rPr lang="en-IN" sz="3200" kern="100">
+                        <a:rPr lang="en-IN" sz="2000" kern="100">
                           <a:effectLst/>
                         </a:rPr>
-                        <a:t>A(1,2)</a:t>
+                        <a:t>gets()</a:t>
                       </a:r>
-                      <a:endParaRPr lang="en-IN" sz="3200" kern="100">
+                      <a:endParaRPr lang="en-IN" sz="2000" kern="100">
                         <a:effectLst/>
                         <a:latin typeface="Aptos" panose="020B0004020202020204" pitchFamily="34" charset="0"/>
                         <a:ea typeface="Aptos" panose="020B0004020202020204" pitchFamily="34" charset="0"/>
@@ -12474,12 +14443,12 @@
                         <a:buNone/>
                       </a:pPr>
                       <a:r>
-                        <a:rPr lang="en-IN" sz="3200" kern="100">
+                        <a:rPr lang="en-IN" sz="2000" kern="100" dirty="0">
                           <a:effectLst/>
                         </a:rPr>
-                        <a:t>2</a:t>
+                        <a:t>To read a string (including spaces) from user</a:t>
                       </a:r>
-                      <a:endParaRPr lang="en-IN" sz="3200" kern="100">
+                      <a:endParaRPr lang="en-IN" sz="2000" kern="100" dirty="0">
                         <a:effectLst/>
                         <a:latin typeface="Aptos" panose="020B0004020202020204" pitchFamily="34" charset="0"/>
                         <a:ea typeface="Aptos" panose="020B0004020202020204" pitchFamily="34" charset="0"/>
@@ -12504,49 +14473,12 @@
                         <a:buNone/>
                       </a:pPr>
                       <a:r>
-                        <a:rPr lang="en-IN" sz="3200" kern="100">
+                        <a:rPr lang="en-IN" sz="2000" kern="100">
                           <a:effectLst/>
                         </a:rPr>
-                        <a:t>A^T(2,1)</a:t>
+                        <a:t>gets(stringVariable);</a:t>
                       </a:r>
-                      <a:endParaRPr lang="en-IN" sz="3200" kern="100">
-                        <a:effectLst/>
-                        <a:latin typeface="Aptos" panose="020B0004020202020204" pitchFamily="34" charset="0"/>
-                        <a:ea typeface="Aptos" panose="020B0004020202020204" pitchFamily="34" charset="0"/>
-                        <a:cs typeface="Times New Roman" panose="02020603050405020304" pitchFamily="18" charset="0"/>
-                      </a:endParaRPr>
-                    </a:p>
-                  </a:txBody>
-                  <a:tcPr marL="68580" marR="68580" marT="0" marB="0"/>
-                </a:tc>
-                <a:extLst>
-                  <a:ext uri="{0D108BD9-81ED-4DB2-BD59-A6C34878D82A}">
-                    <a16:rowId xmlns:a16="http://schemas.microsoft.com/office/drawing/2014/main" val="4058476045"/>
-                  </a:ext>
-                </a:extLst>
-              </a:tr>
-              <a:tr h="624682">
-                <a:tc>
-                  <a:txBody>
-                    <a:bodyPr/>
-                    <a:lstStyle/>
-                    <a:p>
-                      <a:pPr>
-                        <a:lnSpc>
-                          <a:spcPct val="115000"/>
-                        </a:lnSpc>
-                        <a:spcAft>
-                          <a:spcPts val="800"/>
-                        </a:spcAft>
-                        <a:buNone/>
-                      </a:pPr>
-                      <a:r>
-                        <a:rPr lang="en-IN" sz="3200" kern="100">
-                          <a:effectLst/>
-                        </a:rPr>
-                        <a:t>A(1,3)</a:t>
-                      </a:r>
-                      <a:endParaRPr lang="en-IN" sz="3200" kern="100">
+                      <a:endParaRPr lang="en-IN" sz="2000" kern="100">
                         <a:effectLst/>
                         <a:latin typeface="Aptos" panose="020B0004020202020204" pitchFamily="34" charset="0"/>
                         <a:ea typeface="Aptos" panose="020B0004020202020204" pitchFamily="34" charset="0"/>
@@ -12571,12 +14503,12 @@
                         <a:buNone/>
                       </a:pPr>
                       <a:r>
-                        <a:rPr lang="en-IN" sz="3200" kern="100">
+                        <a:rPr lang="en-IN" sz="2000" kern="100" dirty="0">
                           <a:effectLst/>
                         </a:rPr>
-                        <a:t>3</a:t>
+                        <a:t>gets(name); (User enters: Hello World)</a:t>
                       </a:r>
-                      <a:endParaRPr lang="en-IN" sz="3200" kern="100">
+                      <a:endParaRPr lang="en-IN" sz="2000" kern="100" dirty="0">
                         <a:effectLst/>
                         <a:latin typeface="Aptos" panose="020B0004020202020204" pitchFamily="34" charset="0"/>
                         <a:ea typeface="Aptos" panose="020B0004020202020204" pitchFamily="34" charset="0"/>
@@ -12601,12 +14533,12 @@
                         <a:buNone/>
                       </a:pPr>
                       <a:r>
-                        <a:rPr lang="en-IN" sz="3200" kern="100">
+                        <a:rPr lang="en-IN" sz="2000" kern="100">
                           <a:effectLst/>
                         </a:rPr>
-                        <a:t>A^T(3,1)</a:t>
+                        <a:t>name becomes "Hello World"</a:t>
                       </a:r>
-                      <a:endParaRPr lang="en-IN" sz="3200" kern="100">
+                      <a:endParaRPr lang="en-IN" sz="2000" kern="100">
                         <a:effectLst/>
                         <a:latin typeface="Aptos" panose="020B0004020202020204" pitchFamily="34" charset="0"/>
                         <a:ea typeface="Aptos" panose="020B0004020202020204" pitchFamily="34" charset="0"/>
@@ -12618,11 +14550,11 @@
                 </a:tc>
                 <a:extLst>
                   <a:ext uri="{0D108BD9-81ED-4DB2-BD59-A6C34878D82A}">
-                    <a16:rowId xmlns:a16="http://schemas.microsoft.com/office/drawing/2014/main" val="4092010418"/>
+                    <a16:rowId xmlns:a16="http://schemas.microsoft.com/office/drawing/2014/main" val="2837216183"/>
                   </a:ext>
                 </a:extLst>
               </a:tr>
-              <a:tr h="624682">
+              <a:tr h="953083">
                 <a:tc>
                   <a:txBody>
                     <a:bodyPr/>
@@ -12638,12 +14570,18 @@
                         <a:buNone/>
                       </a:pPr>
                       <a:r>
-                        <a:rPr lang="en-IN" sz="3200" kern="100">
+                        <a:rPr lang="en-IN" sz="2000" kern="100" dirty="0" err="1">
                           <a:effectLst/>
                         </a:rPr>
-                        <a:t>A(2,1)</a:t>
+                        <a:t>strcpy</a:t>
                       </a:r>
-                      <a:endParaRPr lang="en-IN" sz="3200" kern="100">
+                      <a:r>
+                        <a:rPr lang="en-IN" sz="2000" kern="100" dirty="0">
+                          <a:effectLst/>
+                        </a:rPr>
+                        <a:t>()</a:t>
+                      </a:r>
+                      <a:endParaRPr lang="en-IN" sz="2000" kern="100" dirty="0">
                         <a:effectLst/>
                         <a:latin typeface="Aptos" panose="020B0004020202020204" pitchFamily="34" charset="0"/>
                         <a:ea typeface="Aptos" panose="020B0004020202020204" pitchFamily="34" charset="0"/>
@@ -12668,12 +14606,12 @@
                         <a:buNone/>
                       </a:pPr>
                       <a:r>
-                        <a:rPr lang="en-IN" sz="3200" kern="100">
+                        <a:rPr lang="en-IN" sz="2000" kern="100">
                           <a:effectLst/>
                         </a:rPr>
-                        <a:t>4</a:t>
+                        <a:t>To copy one string into another</a:t>
                       </a:r>
-                      <a:endParaRPr lang="en-IN" sz="3200" kern="100">
+                      <a:endParaRPr lang="en-IN" sz="2000" kern="100">
                         <a:effectLst/>
                         <a:latin typeface="Aptos" panose="020B0004020202020204" pitchFamily="34" charset="0"/>
                         <a:ea typeface="Aptos" panose="020B0004020202020204" pitchFamily="34" charset="0"/>
@@ -12698,49 +14636,18 @@
                         <a:buNone/>
                       </a:pPr>
                       <a:r>
-                        <a:rPr lang="en-IN" sz="3200" kern="100" dirty="0">
+                        <a:rPr lang="en-IN" sz="2000" kern="100" dirty="0" err="1">
                           <a:effectLst/>
                         </a:rPr>
-                        <a:t>A^T(1,2)</a:t>
+                        <a:t>strcpy</a:t>
                       </a:r>
-                      <a:endParaRPr lang="en-IN" sz="3200" kern="100" dirty="0">
-                        <a:effectLst/>
-                        <a:latin typeface="Aptos" panose="020B0004020202020204" pitchFamily="34" charset="0"/>
-                        <a:ea typeface="Aptos" panose="020B0004020202020204" pitchFamily="34" charset="0"/>
-                        <a:cs typeface="Times New Roman" panose="02020603050405020304" pitchFamily="18" charset="0"/>
-                      </a:endParaRPr>
-                    </a:p>
-                  </a:txBody>
-                  <a:tcPr marL="68580" marR="68580" marT="0" marB="0"/>
-                </a:tc>
-                <a:extLst>
-                  <a:ext uri="{0D108BD9-81ED-4DB2-BD59-A6C34878D82A}">
-                    <a16:rowId xmlns:a16="http://schemas.microsoft.com/office/drawing/2014/main" val="1099672072"/>
-                  </a:ext>
-                </a:extLst>
-              </a:tr>
-              <a:tr h="624682">
-                <a:tc>
-                  <a:txBody>
-                    <a:bodyPr/>
-                    <a:lstStyle/>
-                    <a:p>
-                      <a:pPr>
-                        <a:lnSpc>
-                          <a:spcPct val="115000"/>
-                        </a:lnSpc>
-                        <a:spcAft>
-                          <a:spcPts val="800"/>
-                        </a:spcAft>
-                        <a:buNone/>
-                      </a:pPr>
                       <a:r>
-                        <a:rPr lang="en-IN" sz="3200" kern="100">
+                        <a:rPr lang="en-IN" sz="2000" kern="100" dirty="0">
                           <a:effectLst/>
                         </a:rPr>
-                        <a:t>A(2,2)</a:t>
+                        <a:t>(destination, source);</a:t>
                       </a:r>
-                      <a:endParaRPr lang="en-IN" sz="3200" kern="100">
+                      <a:endParaRPr lang="en-IN" sz="2000" kern="100" dirty="0">
                         <a:effectLst/>
                         <a:latin typeface="Aptos" panose="020B0004020202020204" pitchFamily="34" charset="0"/>
                         <a:ea typeface="Aptos" panose="020B0004020202020204" pitchFamily="34" charset="0"/>
@@ -12765,12 +14672,12 @@
                         <a:buNone/>
                       </a:pPr>
                       <a:r>
-                        <a:rPr lang="en-IN" sz="3200" kern="100">
+                        <a:rPr lang="en-IN" sz="2000" kern="100">
                           <a:effectLst/>
                         </a:rPr>
-                        <a:t>5</a:t>
+                        <a:t>strcpy(str1, "India");</a:t>
                       </a:r>
-                      <a:endParaRPr lang="en-IN" sz="3200" kern="100">
+                      <a:endParaRPr lang="en-IN" sz="2000" kern="100">
                         <a:effectLst/>
                         <a:latin typeface="Aptos" panose="020B0004020202020204" pitchFamily="34" charset="0"/>
                         <a:ea typeface="Aptos" panose="020B0004020202020204" pitchFamily="34" charset="0"/>
@@ -12795,12 +14702,12 @@
                         <a:buNone/>
                       </a:pPr>
                       <a:r>
-                        <a:rPr lang="en-IN" sz="3200" kern="100" dirty="0">
+                        <a:rPr lang="en-IN" sz="2000" kern="100">
                           <a:effectLst/>
                         </a:rPr>
-                        <a:t>A^T(2,2)</a:t>
+                        <a:t>str1 becomes "India"</a:t>
                       </a:r>
-                      <a:endParaRPr lang="en-IN" sz="3200" kern="100" dirty="0">
+                      <a:endParaRPr lang="en-IN" sz="2000" kern="100">
                         <a:effectLst/>
                         <a:latin typeface="Aptos" panose="020B0004020202020204" pitchFamily="34" charset="0"/>
                         <a:ea typeface="Aptos" panose="020B0004020202020204" pitchFamily="34" charset="0"/>
@@ -12812,11 +14719,11 @@
                 </a:tc>
                 <a:extLst>
                   <a:ext uri="{0D108BD9-81ED-4DB2-BD59-A6C34878D82A}">
-                    <a16:rowId xmlns:a16="http://schemas.microsoft.com/office/drawing/2014/main" val="1718132812"/>
+                    <a16:rowId xmlns:a16="http://schemas.microsoft.com/office/drawing/2014/main" val="3214526660"/>
                   </a:ext>
                 </a:extLst>
               </a:tr>
-              <a:tr h="624682">
+              <a:tr h="1599600">
                 <a:tc>
                   <a:txBody>
                     <a:bodyPr/>
@@ -12832,12 +14739,12 @@
                         <a:buNone/>
                       </a:pPr>
                       <a:r>
-                        <a:rPr lang="en-IN" sz="3200" kern="100">
+                        <a:rPr lang="en-IN" sz="2000" kern="100">
                           <a:effectLst/>
                         </a:rPr>
-                        <a:t>A(2,3)</a:t>
+                        <a:t>strcat()</a:t>
                       </a:r>
-                      <a:endParaRPr lang="en-IN" sz="3200" kern="100">
+                      <a:endParaRPr lang="en-IN" sz="2000" kern="100">
                         <a:effectLst/>
                         <a:latin typeface="Aptos" panose="020B0004020202020204" pitchFamily="34" charset="0"/>
                         <a:ea typeface="Aptos" panose="020B0004020202020204" pitchFamily="34" charset="0"/>
@@ -12862,12 +14769,12 @@
                         <a:buNone/>
                       </a:pPr>
                       <a:r>
-                        <a:rPr lang="en-IN" sz="3200" kern="100">
+                        <a:rPr lang="en-IN" sz="2000" kern="100">
                           <a:effectLst/>
                         </a:rPr>
-                        <a:t>6</a:t>
+                        <a:t>To join (append) one string at the end of another</a:t>
                       </a:r>
-                      <a:endParaRPr lang="en-IN" sz="3200" kern="100">
+                      <a:endParaRPr lang="en-IN" sz="2000" kern="100">
                         <a:effectLst/>
                         <a:latin typeface="Aptos" panose="020B0004020202020204" pitchFamily="34" charset="0"/>
                         <a:ea typeface="Aptos" panose="020B0004020202020204" pitchFamily="34" charset="0"/>
@@ -12892,12 +14799,78 @@
                         <a:buNone/>
                       </a:pPr>
                       <a:r>
-                        <a:rPr lang="en-IN" sz="3200" kern="100" dirty="0">
+                        <a:rPr lang="en-IN" sz="2000" kern="100" dirty="0" err="1">
                           <a:effectLst/>
                         </a:rPr>
-                        <a:t>A^T(3,2)</a:t>
+                        <a:t>strcat</a:t>
                       </a:r>
-                      <a:endParaRPr lang="en-IN" sz="3200" kern="100" dirty="0">
+                      <a:r>
+                        <a:rPr lang="en-IN" sz="2000" kern="100" dirty="0">
+                          <a:effectLst/>
+                        </a:rPr>
+                        <a:t>(string1, string2);</a:t>
+                      </a:r>
+                      <a:endParaRPr lang="en-IN" sz="2000" kern="100" dirty="0">
+                        <a:effectLst/>
+                        <a:latin typeface="Aptos" panose="020B0004020202020204" pitchFamily="34" charset="0"/>
+                        <a:ea typeface="Aptos" panose="020B0004020202020204" pitchFamily="34" charset="0"/>
+                        <a:cs typeface="Times New Roman" panose="02020603050405020304" pitchFamily="18" charset="0"/>
+                      </a:endParaRPr>
+                    </a:p>
+                  </a:txBody>
+                  <a:tcPr marL="68580" marR="68580" marT="0" marB="0"/>
+                </a:tc>
+                <a:tc>
+                  <a:txBody>
+                    <a:bodyPr/>
+                    <a:lstStyle/>
+                    <a:p>
+                      <a:pPr>
+                        <a:lnSpc>
+                          <a:spcPct val="115000"/>
+                        </a:lnSpc>
+                        <a:spcAft>
+                          <a:spcPts val="800"/>
+                        </a:spcAft>
+                        <a:buNone/>
+                      </a:pPr>
+                      <a:r>
+                        <a:rPr lang="en-IN" sz="2000" kern="100">
+                          <a:effectLst/>
+                        </a:rPr>
+                        <a:t>If str1 = "Hello" and str2 = "World" then strcat(str1, str2);</a:t>
+                      </a:r>
+                      <a:endParaRPr lang="en-IN" sz="2000" kern="100">
+                        <a:effectLst/>
+                        <a:latin typeface="Aptos" panose="020B0004020202020204" pitchFamily="34" charset="0"/>
+                        <a:ea typeface="Aptos" panose="020B0004020202020204" pitchFamily="34" charset="0"/>
+                        <a:cs typeface="Times New Roman" panose="02020603050405020304" pitchFamily="18" charset="0"/>
+                      </a:endParaRPr>
+                    </a:p>
+                  </a:txBody>
+                  <a:tcPr marL="68580" marR="68580" marT="0" marB="0"/>
+                </a:tc>
+                <a:tc>
+                  <a:txBody>
+                    <a:bodyPr/>
+                    <a:lstStyle/>
+                    <a:p>
+                      <a:pPr>
+                        <a:lnSpc>
+                          <a:spcPct val="115000"/>
+                        </a:lnSpc>
+                        <a:spcAft>
+                          <a:spcPts val="800"/>
+                        </a:spcAft>
+                        <a:buNone/>
+                      </a:pPr>
+                      <a:r>
+                        <a:rPr lang="en-IN" sz="2000" kern="100" dirty="0">
+                          <a:effectLst/>
+                        </a:rPr>
+                        <a:t>str1 becomes "HelloWorld"</a:t>
+                      </a:r>
+                      <a:endParaRPr lang="en-IN" sz="2000" kern="100" dirty="0">
                         <a:effectLst/>
                         <a:latin typeface="Aptos" panose="020B0004020202020204" pitchFamily="34" charset="0"/>
                         <a:ea typeface="Aptos" panose="020B0004020202020204" pitchFamily="34" charset="0"/>
@@ -12909,7 +14882,164 @@
                 </a:tc>
                 <a:extLst>
                   <a:ext uri="{0D108BD9-81ED-4DB2-BD59-A6C34878D82A}">
-                    <a16:rowId xmlns:a16="http://schemas.microsoft.com/office/drawing/2014/main" val="409813452"/>
+                    <a16:rowId xmlns:a16="http://schemas.microsoft.com/office/drawing/2014/main" val="3612586448"/>
+                  </a:ext>
+                </a:extLst>
+              </a:tr>
+              <a:tr h="1276341">
+                <a:tc>
+                  <a:txBody>
+                    <a:bodyPr/>
+                    <a:lstStyle/>
+                    <a:p>
+                      <a:pPr>
+                        <a:lnSpc>
+                          <a:spcPct val="115000"/>
+                        </a:lnSpc>
+                        <a:spcAft>
+                          <a:spcPts val="800"/>
+                        </a:spcAft>
+                        <a:buNone/>
+                      </a:pPr>
+                      <a:r>
+                        <a:rPr lang="en-IN" sz="2000" kern="100">
+                          <a:effectLst/>
+                        </a:rPr>
+                        <a:t>strlen()</a:t>
+                      </a:r>
+                      <a:endParaRPr lang="en-IN" sz="2000" kern="100">
+                        <a:effectLst/>
+                        <a:latin typeface="Aptos" panose="020B0004020202020204" pitchFamily="34" charset="0"/>
+                        <a:ea typeface="Aptos" panose="020B0004020202020204" pitchFamily="34" charset="0"/>
+                        <a:cs typeface="Times New Roman" panose="02020603050405020304" pitchFamily="18" charset="0"/>
+                      </a:endParaRPr>
+                    </a:p>
+                  </a:txBody>
+                  <a:tcPr marL="68580" marR="68580" marT="0" marB="0"/>
+                </a:tc>
+                <a:tc>
+                  <a:txBody>
+                    <a:bodyPr/>
+                    <a:lstStyle/>
+                    <a:p>
+                      <a:pPr>
+                        <a:lnSpc>
+                          <a:spcPct val="115000"/>
+                        </a:lnSpc>
+                        <a:spcAft>
+                          <a:spcPts val="800"/>
+                        </a:spcAft>
+                        <a:buNone/>
+                      </a:pPr>
+                      <a:r>
+                        <a:rPr lang="en-IN" sz="2000" kern="100">
+                          <a:effectLst/>
+                        </a:rPr>
+                        <a:t>To find the length (number of characters) of a string</a:t>
+                      </a:r>
+                      <a:endParaRPr lang="en-IN" sz="2000" kern="100">
+                        <a:effectLst/>
+                        <a:latin typeface="Aptos" panose="020B0004020202020204" pitchFamily="34" charset="0"/>
+                        <a:ea typeface="Aptos" panose="020B0004020202020204" pitchFamily="34" charset="0"/>
+                        <a:cs typeface="Times New Roman" panose="02020603050405020304" pitchFamily="18" charset="0"/>
+                      </a:endParaRPr>
+                    </a:p>
+                  </a:txBody>
+                  <a:tcPr marL="68580" marR="68580" marT="0" marB="0"/>
+                </a:tc>
+                <a:tc>
+                  <a:txBody>
+                    <a:bodyPr/>
+                    <a:lstStyle/>
+                    <a:p>
+                      <a:pPr>
+                        <a:lnSpc>
+                          <a:spcPct val="115000"/>
+                        </a:lnSpc>
+                        <a:spcAft>
+                          <a:spcPts val="800"/>
+                        </a:spcAft>
+                        <a:buNone/>
+                      </a:pPr>
+                      <a:r>
+                        <a:rPr lang="en-IN" sz="2000" kern="100">
+                          <a:effectLst/>
+                        </a:rPr>
+                        <a:t>strlen(stringName);</a:t>
+                      </a:r>
+                      <a:endParaRPr lang="en-IN" sz="2000" kern="100">
+                        <a:effectLst/>
+                        <a:latin typeface="Aptos" panose="020B0004020202020204" pitchFamily="34" charset="0"/>
+                        <a:ea typeface="Aptos" panose="020B0004020202020204" pitchFamily="34" charset="0"/>
+                        <a:cs typeface="Times New Roman" panose="02020603050405020304" pitchFamily="18" charset="0"/>
+                      </a:endParaRPr>
+                    </a:p>
+                  </a:txBody>
+                  <a:tcPr marL="68580" marR="68580" marT="0" marB="0"/>
+                </a:tc>
+                <a:tc>
+                  <a:txBody>
+                    <a:bodyPr/>
+                    <a:lstStyle/>
+                    <a:p>
+                      <a:pPr>
+                        <a:lnSpc>
+                          <a:spcPct val="115000"/>
+                        </a:lnSpc>
+                        <a:spcAft>
+                          <a:spcPts val="800"/>
+                        </a:spcAft>
+                        <a:buNone/>
+                      </a:pPr>
+                      <a:r>
+                        <a:rPr lang="en-IN" sz="2000" kern="100">
+                          <a:effectLst/>
+                        </a:rPr>
+                        <a:t>If name = "Pramod" then strlen(name);</a:t>
+                      </a:r>
+                      <a:endParaRPr lang="en-IN" sz="2000" kern="100">
+                        <a:effectLst/>
+                        <a:latin typeface="Aptos" panose="020B0004020202020204" pitchFamily="34" charset="0"/>
+                        <a:ea typeface="Aptos" panose="020B0004020202020204" pitchFamily="34" charset="0"/>
+                        <a:cs typeface="Times New Roman" panose="02020603050405020304" pitchFamily="18" charset="0"/>
+                      </a:endParaRPr>
+                    </a:p>
+                  </a:txBody>
+                  <a:tcPr marL="68580" marR="68580" marT="0" marB="0"/>
+                </a:tc>
+                <a:tc>
+                  <a:txBody>
+                    <a:bodyPr/>
+                    <a:lstStyle/>
+                    <a:p>
+                      <a:pPr>
+                        <a:lnSpc>
+                          <a:spcPct val="115000"/>
+                        </a:lnSpc>
+                        <a:spcAft>
+                          <a:spcPts val="800"/>
+                        </a:spcAft>
+                        <a:buNone/>
+                      </a:pPr>
+                      <a:r>
+                        <a:rPr lang="en-IN" sz="2000" kern="100" dirty="0">
+                          <a:effectLst/>
+                        </a:rPr>
+                        <a:t>Output = 6 (characters)</a:t>
+                      </a:r>
+                      <a:endParaRPr lang="en-IN" sz="2000" kern="100" dirty="0">
+                        <a:effectLst/>
+                        <a:latin typeface="Aptos" panose="020B0004020202020204" pitchFamily="34" charset="0"/>
+                        <a:ea typeface="Aptos" panose="020B0004020202020204" pitchFamily="34" charset="0"/>
+                        <a:cs typeface="Times New Roman" panose="02020603050405020304" pitchFamily="18" charset="0"/>
+                      </a:endParaRPr>
+                    </a:p>
+                  </a:txBody>
+                  <a:tcPr marL="68580" marR="68580" marT="0" marB="0"/>
+                </a:tc>
+                <a:extLst>
+                  <a:ext uri="{0D108BD9-81ED-4DB2-BD59-A6C34878D82A}">
+                    <a16:rowId xmlns:a16="http://schemas.microsoft.com/office/drawing/2014/main" val="949002404"/>
                   </a:ext>
                 </a:extLst>
               </a:tr>
@@ -12920,7 +15050,7 @@
     </p:spTree>
     <p:extLst>
       <p:ext uri="{BB962C8B-B14F-4D97-AF65-F5344CB8AC3E}">
-        <p14:creationId xmlns:p14="http://schemas.microsoft.com/office/powerpoint/2010/main" val="3891866407"/>
+        <p14:creationId xmlns:p14="http://schemas.microsoft.com/office/powerpoint/2010/main" val="1306837645"/>
       </p:ext>
     </p:extLst>
   </p:cSld>
@@ -12930,7 +15060,7 @@
 </p:sld>
 </file>
 
-<file path=ppt/slides/slide7.xml><?xml version="1.0" encoding="utf-8"?>
+<file path=ppt/slides/slide9.xml><?xml version="1.0" encoding="utf-8"?>
 <p:sld xmlns:a="http://schemas.openxmlformats.org/drawingml/2006/main" xmlns:r="http://schemas.openxmlformats.org/officeDocument/2006/relationships" xmlns:p="http://schemas.openxmlformats.org/presentationml/2006/main">
   <p:cSld>
     <p:spTree>
@@ -12938,7 +15068,7 @@
         <p:cNvPr id="1" name="">
           <a:extLst>
             <a:ext uri="{FF2B5EF4-FFF2-40B4-BE49-F238E27FC236}">
-              <a16:creationId xmlns:a16="http://schemas.microsoft.com/office/drawing/2014/main" id="{ED227713-7219-2FB0-A126-8BF3866855F8}"/>
+              <a16:creationId xmlns:a16="http://schemas.microsoft.com/office/drawing/2014/main" id="{6EAFF540-4934-D93B-4E73-91B60A93498F}"/>
             </a:ext>
           </a:extLst>
         </p:cNvPr>
@@ -12958,78 +15088,7 @@
           <p:cNvPr id="3" name="Content Placeholder 2">
             <a:extLst>
               <a:ext uri="{FF2B5EF4-FFF2-40B4-BE49-F238E27FC236}">
-                <a16:creationId xmlns:a16="http://schemas.microsoft.com/office/drawing/2014/main" id="{11D5F598-8056-97EA-3BD0-BFF0C48C7814}"/>
-              </a:ext>
-            </a:extLst>
-          </p:cNvPr>
-          <p:cNvSpPr>
-            <a:spLocks noGrp="1"/>
-          </p:cNvSpPr>
-          <p:nvPr>
-            <p:ph idx="1"/>
-          </p:nvPr>
-        </p:nvSpPr>
-        <p:spPr>
-          <a:xfrm>
-            <a:off x="777240" y="740229"/>
-            <a:ext cx="10659110" cy="5436734"/>
-          </a:xfrm>
-        </p:spPr>
-        <p:txBody>
-          <a:bodyPr>
-            <a:normAutofit/>
-          </a:bodyPr>
-          <a:lstStyle/>
-          <a:p>
-            <a:pPr marL="0" indent="0">
-              <a:buNone/>
-            </a:pPr>
-            <a:endParaRPr lang="en-IN" sz="2400" dirty="0"/>
-          </a:p>
-        </p:txBody>
-      </p:sp>
-    </p:spTree>
-    <p:extLst>
-      <p:ext uri="{BB962C8B-B14F-4D97-AF65-F5344CB8AC3E}">
-        <p14:creationId xmlns:p14="http://schemas.microsoft.com/office/powerpoint/2010/main" val="3927394895"/>
-      </p:ext>
-    </p:extLst>
-  </p:cSld>
-  <p:clrMapOvr>
-    <a:masterClrMapping/>
-  </p:clrMapOvr>
-</p:sld>
-</file>
-
-<file path=ppt/slides/slide8.xml><?xml version="1.0" encoding="utf-8"?>
-<p:sld xmlns:a="http://schemas.openxmlformats.org/drawingml/2006/main" xmlns:r="http://schemas.openxmlformats.org/officeDocument/2006/relationships" xmlns:p="http://schemas.openxmlformats.org/presentationml/2006/main">
-  <p:cSld>
-    <p:spTree>
-      <p:nvGrpSpPr>
-        <p:cNvPr id="1" name="">
-          <a:extLst>
-            <a:ext uri="{FF2B5EF4-FFF2-40B4-BE49-F238E27FC236}">
-              <a16:creationId xmlns:a16="http://schemas.microsoft.com/office/drawing/2014/main" id="{F2EABFE9-E10D-0253-76F1-E7505E9F7D67}"/>
-            </a:ext>
-          </a:extLst>
-        </p:cNvPr>
-        <p:cNvGrpSpPr/>
-        <p:nvPr/>
-      </p:nvGrpSpPr>
-      <p:grpSpPr>
-        <a:xfrm>
-          <a:off x="0" y="0"/>
-          <a:ext cx="0" cy="0"/>
-          <a:chOff x="0" y="0"/>
-          <a:chExt cx="0" cy="0"/>
-        </a:xfrm>
-      </p:grpSpPr>
-      <p:sp>
-        <p:nvSpPr>
-          <p:cNvPr id="3" name="Content Placeholder 2">
-            <a:extLst>
-              <a:ext uri="{FF2B5EF4-FFF2-40B4-BE49-F238E27FC236}">
-                <a16:creationId xmlns:a16="http://schemas.microsoft.com/office/drawing/2014/main" id="{B3730F06-AAC5-FBC6-95C1-4BF9182922D4}"/>
+                <a16:creationId xmlns:a16="http://schemas.microsoft.com/office/drawing/2014/main" id="{39BC8844-40B1-6948-4F88-B5802725DB08}"/>
               </a:ext>
             </a:extLst>
           </p:cNvPr>
@@ -13059,13 +15118,13 @@
               <a:rPr lang="en-IN" sz="6000" b="1" dirty="0">
                 <a:latin typeface="+mj-lt"/>
               </a:rPr>
-              <a:t>Program-6: </a:t>
-            </a:r>
-            <a:r>
-              <a:rPr lang="en-US" sz="6000" b="1" dirty="0">
+              <a:t>Program-7: </a:t>
+            </a:r>
+            <a:r>
+              <a:rPr lang="en-US" sz="6100" b="1" dirty="0">
                 <a:latin typeface="+mj-lt"/>
               </a:rPr>
-              <a:t>Generate </a:t>
+              <a:t>Develop a program to find the </a:t>
             </a:r>
             <a:r>
               <a:rPr lang="en-US" sz="6000" b="1" dirty="0">
@@ -13077,13 +15136,7 @@
                 </a:solidFill>
                 <a:latin typeface="+mj-lt"/>
               </a:rPr>
-              <a:t>Floyd's</a:t>
-            </a:r>
-            <a:r>
-              <a:rPr lang="en-US" sz="6000" b="1" dirty="0">
-                <a:latin typeface="+mj-lt"/>
-              </a:rPr>
-              <a:t> Triangle for given Rows</a:t>
+              <a:t>transpose of the matrix.</a:t>
             </a:r>
             <a:endParaRPr lang="en-IN" sz="6000" b="1" dirty="0">
               <a:solidFill>
@@ -13100,292 +15153,7 @@
     </p:spTree>
     <p:extLst>
       <p:ext uri="{BB962C8B-B14F-4D97-AF65-F5344CB8AC3E}">
-        <p14:creationId xmlns:p14="http://schemas.microsoft.com/office/powerpoint/2010/main" val="2350706493"/>
-      </p:ext>
-    </p:extLst>
-  </p:cSld>
-  <p:clrMapOvr>
-    <a:masterClrMapping/>
-  </p:clrMapOvr>
-</p:sld>
-</file>
-
-<file path=ppt/slides/slide9.xml><?xml version="1.0" encoding="utf-8"?>
-<p:sld xmlns:a="http://schemas.openxmlformats.org/drawingml/2006/main" xmlns:r="http://schemas.openxmlformats.org/officeDocument/2006/relationships" xmlns:p="http://schemas.openxmlformats.org/presentationml/2006/main">
-  <p:cSld>
-    <p:spTree>
-      <p:nvGrpSpPr>
-        <p:cNvPr id="1" name=""/>
-        <p:cNvGrpSpPr/>
-        <p:nvPr/>
-      </p:nvGrpSpPr>
-      <p:grpSpPr>
-        <a:xfrm>
-          <a:off x="0" y="0"/>
-          <a:ext cx="0" cy="0"/>
-          <a:chOff x="0" y="0"/>
-          <a:chExt cx="0" cy="0"/>
-        </a:xfrm>
-      </p:grpSpPr>
-      <p:sp>
-        <p:nvSpPr>
-          <p:cNvPr id="3" name="Content Placeholder 2">
-            <a:extLst>
-              <a:ext uri="{FF2B5EF4-FFF2-40B4-BE49-F238E27FC236}">
-                <a16:creationId xmlns:a16="http://schemas.microsoft.com/office/drawing/2014/main" id="{FF825371-62D4-E5FE-2A67-AC368A38F1BD}"/>
-              </a:ext>
-            </a:extLst>
-          </p:cNvPr>
-          <p:cNvSpPr>
-            <a:spLocks noGrp="1"/>
-          </p:cNvSpPr>
-          <p:nvPr>
-            <p:ph idx="1"/>
-          </p:nvPr>
-        </p:nvSpPr>
-        <p:spPr>
-          <a:xfrm>
-            <a:off x="777240" y="740229"/>
-            <a:ext cx="10659110" cy="5436734"/>
-          </a:xfrm>
-        </p:spPr>
-        <p:txBody>
-          <a:bodyPr>
-            <a:normAutofit/>
-          </a:bodyPr>
-          <a:lstStyle/>
-          <a:p>
-            <a:pPr marL="0" indent="0">
-              <a:buNone/>
-            </a:pPr>
-            <a:r>
-              <a:rPr lang="en-US" sz="2800" b="1" dirty="0"/>
-              <a:t>Floyd’s Triangle</a:t>
-            </a:r>
-          </a:p>
-          <a:p>
-            <a:r>
-              <a:rPr lang="en-US" sz="2400" b="1" dirty="0"/>
-              <a:t>Floyd’s Triangle</a:t>
-            </a:r>
-            <a:r>
-              <a:rPr lang="en-US" sz="2400" dirty="0"/>
-              <a:t> is a simple </a:t>
-            </a:r>
-            <a:r>
-              <a:rPr lang="en-US" sz="2400" b="1" dirty="0">
-                <a:solidFill>
-                  <a:srgbClr val="C00000"/>
-                </a:solidFill>
-              </a:rPr>
-              <a:t>number pattern</a:t>
-            </a:r>
-            <a:r>
-              <a:rPr lang="en-US" sz="2400" dirty="0">
-                <a:solidFill>
-                  <a:srgbClr val="C00000"/>
-                </a:solidFill>
-              </a:rPr>
-              <a:t> </a:t>
-            </a:r>
-            <a:r>
-              <a:rPr lang="en-US" sz="2400" dirty="0"/>
-              <a:t>that looks like a </a:t>
-            </a:r>
-            <a:r>
-              <a:rPr lang="en-US" sz="2400" b="1" dirty="0">
-                <a:solidFill>
-                  <a:srgbClr val="C00000"/>
-                </a:solidFill>
-              </a:rPr>
-              <a:t>triangle</a:t>
-            </a:r>
-            <a:r>
-              <a:rPr lang="en-US" sz="2400" dirty="0"/>
-              <a:t> made up of </a:t>
-            </a:r>
-            <a:r>
-              <a:rPr lang="en-US" sz="2400" b="1" dirty="0"/>
-              <a:t>consecutive </a:t>
-            </a:r>
-            <a:r>
-              <a:rPr lang="en-US" sz="2400" b="1" dirty="0">
-                <a:solidFill>
-                  <a:srgbClr val="C00000"/>
-                </a:solidFill>
-              </a:rPr>
-              <a:t>natural numbers </a:t>
-            </a:r>
-            <a:r>
-              <a:rPr lang="en-US" sz="2400" dirty="0"/>
-              <a:t>(1, 2, 3, 4, 5, …).</a:t>
-            </a:r>
-          </a:p>
-          <a:p>
-            <a:r>
-              <a:rPr lang="en-US" sz="2400" dirty="0"/>
-              <a:t>It starts with the number </a:t>
-            </a:r>
-            <a:r>
-              <a:rPr lang="en-US" sz="2400" b="1" dirty="0"/>
-              <a:t>1</a:t>
-            </a:r>
-            <a:r>
-              <a:rPr lang="en-US" sz="2400" dirty="0"/>
-              <a:t> at the top, and each new row contains </a:t>
-            </a:r>
-            <a:r>
-              <a:rPr lang="en-US" sz="2400" b="1" dirty="0"/>
-              <a:t>one more number</a:t>
-            </a:r>
-            <a:r>
-              <a:rPr lang="en-US" sz="2400" dirty="0"/>
-              <a:t> than the previous row.</a:t>
-            </a:r>
-          </a:p>
-          <a:p>
-            <a:r>
-              <a:rPr lang="en-US" sz="2400" dirty="0"/>
-              <a:t>Here’s how it forms:</a:t>
-            </a:r>
-          </a:p>
-          <a:p>
-            <a:pPr lvl="1"/>
-            <a:r>
-              <a:rPr lang="en-US" sz="2200" dirty="0"/>
-              <a:t>Row 1 → 1 number → </a:t>
-            </a:r>
-            <a:r>
-              <a:rPr lang="en-US" dirty="0"/>
-              <a:t>1</a:t>
-            </a:r>
-            <a:endParaRPr lang="en-US" sz="2200" dirty="0"/>
-          </a:p>
-          <a:p>
-            <a:pPr lvl="1"/>
-            <a:r>
-              <a:rPr lang="en-US" sz="2200" dirty="0"/>
-              <a:t>Row 2 → 2 numbers → </a:t>
-            </a:r>
-            <a:r>
-              <a:rPr lang="en-US" dirty="0"/>
-              <a:t>2 3</a:t>
-            </a:r>
-            <a:endParaRPr lang="en-US" sz="2200" dirty="0"/>
-          </a:p>
-          <a:p>
-            <a:pPr lvl="1"/>
-            <a:r>
-              <a:rPr lang="en-US" sz="2200" dirty="0"/>
-              <a:t>Row 3 → 3 numbers → </a:t>
-            </a:r>
-            <a:r>
-              <a:rPr lang="en-US" dirty="0"/>
-              <a:t>4 5 6</a:t>
-            </a:r>
-            <a:endParaRPr lang="en-US" sz="2200" dirty="0"/>
-          </a:p>
-          <a:p>
-            <a:pPr lvl="1"/>
-            <a:r>
-              <a:rPr lang="en-US" sz="2200" dirty="0"/>
-              <a:t>Row 4 → 4 numbers → </a:t>
-            </a:r>
-            <a:r>
-              <a:rPr lang="en-US" dirty="0"/>
-              <a:t>7 8 9 10</a:t>
-            </a:r>
-            <a:endParaRPr lang="en-US" sz="2200" dirty="0"/>
-          </a:p>
-          <a:p>
-            <a:pPr lvl="1"/>
-            <a:r>
-              <a:rPr lang="en-US" sz="2200" dirty="0"/>
-              <a:t>Row 5 → 5 numbers → </a:t>
-            </a:r>
-            <a:r>
-              <a:rPr lang="en-US" dirty="0"/>
-              <a:t>11 12 13 14 15</a:t>
-            </a:r>
-            <a:endParaRPr lang="en-US" sz="2200" dirty="0"/>
-          </a:p>
-          <a:p>
-            <a:r>
-              <a:rPr lang="en-US" sz="2400" dirty="0"/>
-              <a:t>Each number continues from the previous one</a:t>
-            </a:r>
-          </a:p>
-          <a:p>
-            <a:r>
-              <a:rPr lang="en-US" sz="2400" dirty="0"/>
-              <a:t>There are </a:t>
-            </a:r>
-            <a:r>
-              <a:rPr lang="en-US" sz="2400" b="1" dirty="0"/>
-              <a:t>no skips</a:t>
-            </a:r>
-            <a:r>
-              <a:rPr lang="en-US" sz="2400" dirty="0"/>
-              <a:t>.</a:t>
-            </a:r>
-          </a:p>
-          <a:p>
-            <a:endParaRPr lang="en-US" sz="2400" dirty="0"/>
-          </a:p>
-          <a:p>
-            <a:pPr marL="0" indent="0">
-              <a:buNone/>
-            </a:pPr>
-            <a:endParaRPr lang="en-US" sz="2400" dirty="0"/>
-          </a:p>
-          <a:p>
-            <a:pPr marL="0" indent="0">
-              <a:buNone/>
-            </a:pPr>
-            <a:endParaRPr lang="en-US" sz="2400" dirty="0"/>
-          </a:p>
-          <a:p>
-            <a:pPr marL="0" indent="0">
-              <a:buNone/>
-            </a:pPr>
-            <a:endParaRPr lang="en-IN" sz="2400" dirty="0"/>
-          </a:p>
-        </p:txBody>
-      </p:sp>
-      <p:pic>
-        <p:nvPicPr>
-          <p:cNvPr id="5" name="Picture 4">
-            <a:extLst>
-              <a:ext uri="{FF2B5EF4-FFF2-40B4-BE49-F238E27FC236}">
-                <a16:creationId xmlns:a16="http://schemas.microsoft.com/office/drawing/2014/main" id="{B6D131BE-FD71-8C8E-A1B3-C035777DBD99}"/>
-              </a:ext>
-            </a:extLst>
-          </p:cNvPr>
-          <p:cNvPicPr>
-            <a:picLocks noChangeAspect="1"/>
-          </p:cNvPicPr>
-          <p:nvPr/>
-        </p:nvPicPr>
-        <p:blipFill>
-          <a:blip r:embed="rId2"/>
-          <a:stretch>
-            <a:fillRect/>
-          </a:stretch>
-        </p:blipFill>
-        <p:spPr>
-          <a:xfrm>
-            <a:off x="7147458" y="2614275"/>
-            <a:ext cx="3955971" cy="3562688"/>
-          </a:xfrm>
-          <a:prstGeom prst="rect">
-            <a:avLst/>
-          </a:prstGeom>
-        </p:spPr>
-      </p:pic>
-    </p:spTree>
-    <p:extLst>
-      <p:ext uri="{BB962C8B-B14F-4D97-AF65-F5344CB8AC3E}">
-        <p14:creationId xmlns:p14="http://schemas.microsoft.com/office/powerpoint/2010/main" val="1609763764"/>
+        <p14:creationId xmlns:p14="http://schemas.microsoft.com/office/powerpoint/2010/main" val="2704656403"/>
       </p:ext>
     </p:extLst>
   </p:cSld>
